--- a/課題研究/2013/小池由也/ポスター.pptx
+++ b/課題研究/2013/小池由也/ポスター.pptx
@@ -2,7 +2,7 @@
 <file path=ppt/presentation.xml><?xml version="1.0" encoding="utf-8"?>
 <p:presentation xmlns:a="http://schemas.openxmlformats.org/drawingml/2006/main" xmlns:r="http://schemas.openxmlformats.org/officeDocument/2006/relationships" xmlns:p="http://schemas.openxmlformats.org/presentationml/2006/main" saveSubsetFonts="1">
   <p:sldMasterIdLst>
-    <p:sldMasterId id="2147483648" r:id="rId1"/>
+    <p:sldMasterId id="2147483792" r:id="rId1"/>
   </p:sldMasterIdLst>
   <p:sldIdLst>
     <p:sldId id="256" r:id="rId2"/>
@@ -109,7 +109,7 @@
 </file>
 
 <file path=ppt/slideLayouts/slideLayout1.xml><?xml version="1.0" encoding="utf-8"?>
-<p:sldLayout xmlns:a="http://schemas.openxmlformats.org/drawingml/2006/main" xmlns:r="http://schemas.openxmlformats.org/officeDocument/2006/relationships" xmlns:p="http://schemas.openxmlformats.org/presentationml/2006/main" type="title" preserve="1">
+<p:sldLayout xmlns:a="http://schemas.openxmlformats.org/drawingml/2006/main" xmlns:r="http://schemas.openxmlformats.org/officeDocument/2006/relationships" xmlns:p="http://schemas.openxmlformats.org/presentationml/2006/main" showMasterSp="0" type="title" preserve="1">
   <p:cSld name="タイトル スライド">
     <p:spTree>
       <p:nvGrpSpPr>
@@ -127,35 +127,276 @@
       </p:grpSpPr>
       <p:sp>
         <p:nvSpPr>
-          <p:cNvPr id="2" name="タイトル 1"/>
-          <p:cNvSpPr>
-            <a:spLocks noGrp="1"/>
-          </p:cNvSpPr>
-          <p:nvPr>
-            <p:ph type="ctrTitle"/>
-          </p:nvPr>
+          <p:cNvPr id="11" name="Rectangle 10"/>
+          <p:cNvSpPr/>
+          <p:nvPr/>
         </p:nvSpPr>
         <p:spPr>
           <a:xfrm>
-            <a:off x="514350" y="2840568"/>
-            <a:ext cx="5829300" cy="1960033"/>
+            <a:off x="0" y="5155893"/>
+            <a:ext cx="6858000" cy="3988107"/>
           </a:xfrm>
+          <a:prstGeom prst="rect">
+            <a:avLst/>
+          </a:prstGeom>
+          <a:gradFill>
+            <a:gsLst>
+              <a:gs pos="0">
+                <a:schemeClr val="bg1">
+                  <a:alpha val="91000"/>
+                </a:schemeClr>
+              </a:gs>
+              <a:gs pos="37000">
+                <a:schemeClr val="bg1">
+                  <a:alpha val="76000"/>
+                </a:schemeClr>
+              </a:gs>
+              <a:gs pos="100000">
+                <a:schemeClr val="bg2">
+                  <a:alpha val="79000"/>
+                </a:schemeClr>
+              </a:gs>
+            </a:gsLst>
+            <a:path path="circle">
+              <a:fillToRect l="50000" t="50000" r="50000" b="50000"/>
+            </a:path>
+          </a:gradFill>
+          <a:ln>
+            <a:noFill/>
+          </a:ln>
         </p:spPr>
-        <p:txBody>
-          <a:bodyPr/>
+        <p:style>
+          <a:lnRef idx="2">
+            <a:schemeClr val="accent1">
+              <a:shade val="50000"/>
+            </a:schemeClr>
+          </a:lnRef>
+          <a:fillRef idx="1">
+            <a:schemeClr val="accent1"/>
+          </a:fillRef>
+          <a:effectRef idx="0">
+            <a:schemeClr val="accent1"/>
+          </a:effectRef>
+          <a:fontRef idx="minor">
+            <a:schemeClr val="lt1"/>
+          </a:fontRef>
+        </p:style>
+        <p:txBody>
+          <a:bodyPr rtlCol="0" anchor="ctr"/>
           <a:lstStyle/>
           <a:p>
-            <a:r>
-              <a:rPr kumimoji="1" lang="ja-JP" altLang="en-US" smtClean="0"/>
-              <a:t>マスター タイトルの書式設定</a:t>
-            </a:r>
-            <a:endParaRPr kumimoji="1" lang="ja-JP" altLang="en-US"/>
-          </a:p>
-        </p:txBody>
-      </p:sp>
-      <p:sp>
-        <p:nvSpPr>
-          <p:cNvPr id="3" name="サブタイトル 2"/>
+            <a:pPr algn="ctr"/>
+            <a:endParaRPr lang="en-US"/>
+          </a:p>
+        </p:txBody>
+      </p:sp>
+      <p:sp>
+        <p:nvSpPr>
+          <p:cNvPr id="12" name="Rectangle 11"/>
+          <p:cNvSpPr/>
+          <p:nvPr/>
+        </p:nvSpPr>
+        <p:spPr>
+          <a:xfrm>
+            <a:off x="0" y="0"/>
+            <a:ext cx="6858000" cy="5155893"/>
+          </a:xfrm>
+          <a:prstGeom prst="rect">
+            <a:avLst/>
+          </a:prstGeom>
+          <a:gradFill flip="none" rotWithShape="1">
+            <a:gsLst>
+              <a:gs pos="0">
+                <a:schemeClr val="bg1">
+                  <a:alpha val="89000"/>
+                </a:schemeClr>
+              </a:gs>
+              <a:gs pos="48000">
+                <a:schemeClr val="bg1">
+                  <a:alpha val="62000"/>
+                </a:schemeClr>
+              </a:gs>
+              <a:gs pos="100000">
+                <a:schemeClr val="bg2">
+                  <a:alpha val="79000"/>
+                </a:schemeClr>
+              </a:gs>
+            </a:gsLst>
+            <a:path path="circle">
+              <a:fillToRect l="50000" t="50000" r="50000" b="50000"/>
+            </a:path>
+            <a:tileRect/>
+          </a:gradFill>
+          <a:ln>
+            <a:noFill/>
+          </a:ln>
+        </p:spPr>
+        <p:style>
+          <a:lnRef idx="2">
+            <a:schemeClr val="accent1">
+              <a:shade val="50000"/>
+            </a:schemeClr>
+          </a:lnRef>
+          <a:fillRef idx="1">
+            <a:schemeClr val="accent1"/>
+          </a:fillRef>
+          <a:effectRef idx="0">
+            <a:schemeClr val="accent1"/>
+          </a:effectRef>
+          <a:fontRef idx="minor">
+            <a:schemeClr val="lt1"/>
+          </a:fontRef>
+        </p:style>
+        <p:txBody>
+          <a:bodyPr rtlCol="0" anchor="ctr"/>
+          <a:lstStyle/>
+          <a:p>
+            <a:pPr algn="ctr"/>
+            <a:endParaRPr lang="en-US" dirty="0"/>
+          </a:p>
+        </p:txBody>
+      </p:sp>
+      <p:sp>
+        <p:nvSpPr>
+          <p:cNvPr id="13" name="Rectangle 12"/>
+          <p:cNvSpPr/>
+          <p:nvPr/>
+        </p:nvSpPr>
+        <p:spPr>
+          <a:xfrm>
+            <a:off x="0" y="3536415"/>
+            <a:ext cx="6858000" cy="3048000"/>
+          </a:xfrm>
+          <a:prstGeom prst="rect">
+            <a:avLst/>
+          </a:prstGeom>
+          <a:gradFill flip="none" rotWithShape="1">
+            <a:gsLst>
+              <a:gs pos="0">
+                <a:schemeClr val="bg1">
+                  <a:alpha val="0"/>
+                </a:schemeClr>
+              </a:gs>
+              <a:gs pos="29000">
+                <a:schemeClr val="bg1">
+                  <a:alpha val="30000"/>
+                </a:schemeClr>
+              </a:gs>
+              <a:gs pos="45000">
+                <a:schemeClr val="bg2">
+                  <a:alpha val="40000"/>
+                </a:schemeClr>
+              </a:gs>
+              <a:gs pos="55000">
+                <a:schemeClr val="bg1">
+                  <a:alpha val="26000"/>
+                </a:schemeClr>
+              </a:gs>
+              <a:gs pos="65000">
+                <a:schemeClr val="bg2">
+                  <a:alpha val="60000"/>
+                </a:schemeClr>
+              </a:gs>
+              <a:gs pos="100000">
+                <a:schemeClr val="bg1">
+                  <a:alpha val="0"/>
+                </a:schemeClr>
+              </a:gs>
+            </a:gsLst>
+            <a:lin ang="5400000" scaled="0"/>
+            <a:tileRect/>
+          </a:gradFill>
+          <a:ln>
+            <a:noFill/>
+          </a:ln>
+        </p:spPr>
+        <p:style>
+          <a:lnRef idx="2">
+            <a:schemeClr val="accent1">
+              <a:shade val="50000"/>
+            </a:schemeClr>
+          </a:lnRef>
+          <a:fillRef idx="1">
+            <a:schemeClr val="accent1"/>
+          </a:fillRef>
+          <a:effectRef idx="0">
+            <a:schemeClr val="accent1"/>
+          </a:effectRef>
+          <a:fontRef idx="minor">
+            <a:schemeClr val="lt1"/>
+          </a:fontRef>
+        </p:style>
+        <p:txBody>
+          <a:bodyPr rtlCol="0" anchor="ctr"/>
+          <a:lstStyle/>
+          <a:p>
+            <a:pPr algn="ctr"/>
+            <a:endParaRPr lang="en-US"/>
+          </a:p>
+        </p:txBody>
+      </p:sp>
+      <p:sp>
+        <p:nvSpPr>
+          <p:cNvPr id="14" name="Oval 13"/>
+          <p:cNvSpPr/>
+          <p:nvPr/>
+        </p:nvSpPr>
+        <p:spPr>
+          <a:xfrm>
+            <a:off x="0" y="2133600"/>
+            <a:ext cx="6858000" cy="6807200"/>
+          </a:xfrm>
+          <a:prstGeom prst="ellipse">
+            <a:avLst/>
+          </a:prstGeom>
+          <a:gradFill flip="none" rotWithShape="1">
+            <a:gsLst>
+              <a:gs pos="0">
+                <a:schemeClr val="bg1"/>
+              </a:gs>
+              <a:gs pos="54000">
+                <a:schemeClr val="bg1">
+                  <a:alpha val="0"/>
+                </a:schemeClr>
+              </a:gs>
+            </a:gsLst>
+            <a:path path="circle">
+              <a:fillToRect l="50000" t="50000" r="50000" b="50000"/>
+            </a:path>
+            <a:tileRect/>
+          </a:gradFill>
+          <a:ln>
+            <a:noFill/>
+          </a:ln>
+        </p:spPr>
+        <p:style>
+          <a:lnRef idx="2">
+            <a:schemeClr val="accent1">
+              <a:shade val="50000"/>
+            </a:schemeClr>
+          </a:lnRef>
+          <a:fillRef idx="1">
+            <a:schemeClr val="accent1"/>
+          </a:fillRef>
+          <a:effectRef idx="0">
+            <a:schemeClr val="accent1"/>
+          </a:effectRef>
+          <a:fontRef idx="minor">
+            <a:schemeClr val="lt1"/>
+          </a:fontRef>
+        </p:style>
+        <p:txBody>
+          <a:bodyPr rtlCol="0" anchor="ctr"/>
+          <a:lstStyle/>
+          <a:p>
+            <a:pPr algn="ctr"/>
+            <a:endParaRPr lang="en-US"/>
+          </a:p>
+        </p:txBody>
+      </p:sp>
+      <p:sp>
+        <p:nvSpPr>
+          <p:cNvPr id="3" name="Subtitle 2"/>
           <p:cNvSpPr>
             <a:spLocks noGrp="1"/>
           </p:cNvSpPr>
@@ -165,20 +406,20 @@
         </p:nvSpPr>
         <p:spPr>
           <a:xfrm>
-            <a:off x="1028700" y="5181600"/>
-            <a:ext cx="4800600" cy="2336800"/>
+            <a:off x="1105346" y="6736727"/>
+            <a:ext cx="4227758" cy="1176159"/>
           </a:xfrm>
         </p:spPr>
         <p:txBody>
-          <a:bodyPr/>
+          <a:bodyPr>
+            <a:normAutofit/>
+          </a:bodyPr>
           <a:lstStyle>
-            <a:lvl1pPr marL="0" indent="0" algn="ctr">
+            <a:lvl1pPr marL="0" indent="0" algn="l">
               <a:buNone/>
-              <a:defRPr>
+              <a:defRPr sz="2200">
                 <a:solidFill>
-                  <a:schemeClr val="tx1">
-                    <a:tint val="75000"/>
-                  </a:schemeClr>
+                  <a:schemeClr val="tx2"/>
                 </a:solidFill>
               </a:defRPr>
             </a:lvl1pPr>
@@ -265,16 +506,16 @@
           </a:lstStyle>
           <a:p>
             <a:r>
-              <a:rPr kumimoji="1" lang="ja-JP" altLang="en-US" smtClean="0"/>
+              <a:rPr lang="ja-JP" altLang="en-US" smtClean="0"/>
               <a:t>マスター サブタイトルの書式設定</a:t>
             </a:r>
-            <a:endParaRPr kumimoji="1" lang="ja-JP" altLang="en-US"/>
-          </a:p>
-        </p:txBody>
-      </p:sp>
-      <p:sp>
-        <p:nvSpPr>
-          <p:cNvPr id="4" name="日付プレースホルダー 3"/>
+            <a:endParaRPr lang="en-US" dirty="0"/>
+          </a:p>
+        </p:txBody>
+      </p:sp>
+      <p:sp>
+        <p:nvSpPr>
+          <p:cNvPr id="4" name="Date Placeholder 3"/>
           <p:cNvSpPr>
             <a:spLocks noGrp="1"/>
           </p:cNvSpPr>
@@ -289,7 +530,7 @@
           <a:p>
             <a:fld id="{4ADE0E56-B02A-4EE7-B89E-44845DFFCF82}" type="datetimeFigureOut">
               <a:rPr kumimoji="1" lang="ja-JP" altLang="en-US" smtClean="0"/>
-              <a:t>2013/12/9</a:t>
+              <a:t>2013/12/10</a:t>
             </a:fld>
             <a:endParaRPr kumimoji="1" lang="ja-JP" altLang="en-US"/>
           </a:p>
@@ -297,7 +538,7 @@
       </p:sp>
       <p:sp>
         <p:nvSpPr>
-          <p:cNvPr id="5" name="フッター プレースホルダー 4"/>
+          <p:cNvPr id="5" name="Footer Placeholder 4"/>
           <p:cNvSpPr>
             <a:spLocks noGrp="1"/>
           </p:cNvSpPr>
@@ -316,7 +557,7 @@
       </p:sp>
       <p:sp>
         <p:nvSpPr>
-          <p:cNvPr id="6" name="スライド番号プレースホルダー 5"/>
+          <p:cNvPr id="6" name="Slide Number Placeholder 5"/>
           <p:cNvSpPr>
             <a:spLocks noGrp="1"/>
           </p:cNvSpPr>
@@ -337,16 +578,53 @@
           </a:p>
         </p:txBody>
       </p:sp>
+      <p:sp>
+        <p:nvSpPr>
+          <p:cNvPr id="2" name="Title 1"/>
+          <p:cNvSpPr>
+            <a:spLocks noGrp="1"/>
+          </p:cNvSpPr>
+          <p:nvPr>
+            <p:ph type="ctrTitle"/>
+          </p:nvPr>
+        </p:nvSpPr>
+        <p:spPr>
+          <a:xfrm>
+            <a:off x="613186" y="4176388"/>
+            <a:ext cx="5381513" cy="2390889"/>
+          </a:xfrm>
+          <a:effectLst/>
+        </p:spPr>
+        <p:txBody>
+          <a:bodyPr>
+            <a:noAutofit/>
+          </a:bodyPr>
+          <a:lstStyle>
+            <a:lvl1pPr marL="640080" indent="-457200" algn="l">
+              <a:defRPr sz="5400"/>
+            </a:lvl1pPr>
+          </a:lstStyle>
+          <a:p>
+            <a:r>
+              <a:rPr lang="ja-JP" altLang="en-US" smtClean="0"/>
+              <a:t>マスター タイトルの書式設定</a:t>
+            </a:r>
+            <a:endParaRPr lang="en-US" dirty="0"/>
+          </a:p>
+        </p:txBody>
+      </p:sp>
     </p:spTree>
-    <p:extLst>
-      <p:ext uri="{BB962C8B-B14F-4D97-AF65-F5344CB8AC3E}">
-        <p14:creationId xmlns:p14="http://schemas.microsoft.com/office/powerpoint/2010/main" val="88338726"/>
-      </p:ext>
-    </p:extLst>
   </p:cSld>
   <p:clrMapOvr>
     <a:masterClrMapping/>
   </p:clrMapOvr>
+  <p:timing>
+    <p:tnLst>
+      <p:par>
+        <p:cTn id="1" dur="indefinite" restart="never" nodeType="tmRoot"/>
+      </p:par>
+    </p:tnLst>
+  </p:timing>
 </p:sldLayout>
 </file>
 
@@ -369,7 +647,7 @@
       </p:grpSpPr>
       <p:sp>
         <p:nvSpPr>
-          <p:cNvPr id="2" name="タイトル 1"/>
+          <p:cNvPr id="2" name="Title 1"/>
           <p:cNvSpPr>
             <a:spLocks noGrp="1"/>
           </p:cNvSpPr>
@@ -383,16 +661,16 @@
           <a:lstStyle/>
           <a:p>
             <a:r>
-              <a:rPr kumimoji="1" lang="ja-JP" altLang="en-US" smtClean="0"/>
+              <a:rPr lang="ja-JP" altLang="en-US" smtClean="0"/>
               <a:t>マスター タイトルの書式設定</a:t>
             </a:r>
-            <a:endParaRPr kumimoji="1" lang="ja-JP" altLang="en-US"/>
-          </a:p>
-        </p:txBody>
-      </p:sp>
-      <p:sp>
-        <p:nvSpPr>
-          <p:cNvPr id="3" name="縦書きテキスト プレースホルダー 2"/>
+            <a:endParaRPr lang="en-US"/>
+          </a:p>
+        </p:txBody>
+      </p:sp>
+      <p:sp>
+        <p:nvSpPr>
+          <p:cNvPr id="3" name="Vertical Text Placeholder 2"/>
           <p:cNvSpPr>
             <a:spLocks noGrp="1"/>
           </p:cNvSpPr>
@@ -400,83 +678,88 @@
             <p:ph type="body" orient="vert" idx="1"/>
           </p:nvPr>
         </p:nvSpPr>
-        <p:spPr/>
+        <p:spPr>
+          <a:xfrm>
+            <a:off x="1428750" y="975359"/>
+            <a:ext cx="4800600" cy="4632960"/>
+          </a:xfrm>
+        </p:spPr>
         <p:txBody>
           <a:bodyPr vert="eaVert"/>
           <a:lstStyle/>
           <a:p>
             <a:pPr lvl="0"/>
             <a:r>
-              <a:rPr kumimoji="1" lang="ja-JP" altLang="en-US" smtClean="0"/>
+              <a:rPr lang="ja-JP" altLang="en-US" smtClean="0"/>
               <a:t>マスター テキストの書式設定</a:t>
             </a:r>
           </a:p>
           <a:p>
             <a:pPr lvl="1"/>
             <a:r>
-              <a:rPr kumimoji="1" lang="ja-JP" altLang="en-US" smtClean="0"/>
+              <a:rPr lang="ja-JP" altLang="en-US" smtClean="0"/>
               <a:t>第 </a:t>
             </a:r>
             <a:r>
-              <a:rPr kumimoji="1" lang="en-US" altLang="ja-JP" smtClean="0"/>
+              <a:rPr lang="en-US" altLang="ja-JP" smtClean="0"/>
               <a:t>2 </a:t>
             </a:r>
             <a:r>
-              <a:rPr kumimoji="1" lang="ja-JP" altLang="en-US" smtClean="0"/>
+              <a:rPr lang="ja-JP" altLang="en-US" smtClean="0"/>
               <a:t>レベル</a:t>
             </a:r>
           </a:p>
           <a:p>
             <a:pPr lvl="2"/>
             <a:r>
-              <a:rPr kumimoji="1" lang="ja-JP" altLang="en-US" smtClean="0"/>
+              <a:rPr lang="ja-JP" altLang="en-US" smtClean="0"/>
               <a:t>第 </a:t>
             </a:r>
             <a:r>
-              <a:rPr kumimoji="1" lang="en-US" altLang="ja-JP" smtClean="0"/>
+              <a:rPr lang="en-US" altLang="ja-JP" smtClean="0"/>
               <a:t>3 </a:t>
             </a:r>
             <a:r>
-              <a:rPr kumimoji="1" lang="ja-JP" altLang="en-US" smtClean="0"/>
+              <a:rPr lang="ja-JP" altLang="en-US" smtClean="0"/>
               <a:t>レベル</a:t>
             </a:r>
           </a:p>
           <a:p>
             <a:pPr lvl="3"/>
             <a:r>
-              <a:rPr kumimoji="1" lang="ja-JP" altLang="en-US" smtClean="0"/>
+              <a:rPr lang="ja-JP" altLang="en-US" smtClean="0"/>
               <a:t>第 </a:t>
             </a:r>
             <a:r>
-              <a:rPr kumimoji="1" lang="en-US" altLang="ja-JP" smtClean="0"/>
+              <a:rPr lang="en-US" altLang="ja-JP" smtClean="0"/>
               <a:t>4 </a:t>
             </a:r>
             <a:r>
-              <a:rPr kumimoji="1" lang="ja-JP" altLang="en-US" smtClean="0"/>
+              <a:rPr lang="ja-JP" altLang="en-US" smtClean="0"/>
               <a:t>レベル</a:t>
             </a:r>
           </a:p>
           <a:p>
             <a:pPr lvl="4"/>
             <a:r>
-              <a:rPr kumimoji="1" lang="ja-JP" altLang="en-US" smtClean="0"/>
+              <a:rPr lang="ja-JP" altLang="en-US" smtClean="0"/>
               <a:t>第 </a:t>
             </a:r>
             <a:r>
-              <a:rPr kumimoji="1" lang="en-US" altLang="ja-JP" smtClean="0"/>
+              <a:rPr lang="en-US" altLang="ja-JP" smtClean="0"/>
               <a:t>5 </a:t>
             </a:r>
             <a:r>
-              <a:rPr kumimoji="1" lang="ja-JP" altLang="en-US" smtClean="0"/>
+              <a:rPr lang="ja-JP" altLang="en-US" smtClean="0"/>
               <a:t>レベル</a:t>
             </a:r>
-            <a:endParaRPr kumimoji="1" lang="ja-JP" altLang="en-US"/>
-          </a:p>
-        </p:txBody>
-      </p:sp>
-      <p:sp>
-        <p:nvSpPr>
-          <p:cNvPr id="4" name="日付プレースホルダー 3"/>
+            <a:endParaRPr lang="en-US"/>
+          </a:p>
+        </p:txBody>
+      </p:sp>
+      <p:sp>
+        <p:nvSpPr>
+          <p:cNvPr id="4" name="Date Placeholder 3"/>
           <p:cNvSpPr>
             <a:spLocks noGrp="1"/>
           </p:cNvSpPr>
@@ -491,7 +774,7 @@
           <a:p>
             <a:fld id="{4ADE0E56-B02A-4EE7-B89E-44845DFFCF82}" type="datetimeFigureOut">
               <a:rPr kumimoji="1" lang="ja-JP" altLang="en-US" smtClean="0"/>
-              <a:t>2013/12/9</a:t>
+              <a:t>2013/12/10</a:t>
             </a:fld>
             <a:endParaRPr kumimoji="1" lang="ja-JP" altLang="en-US"/>
           </a:p>
@@ -499,7 +782,7 @@
       </p:sp>
       <p:sp>
         <p:nvSpPr>
-          <p:cNvPr id="5" name="フッター プレースホルダー 4"/>
+          <p:cNvPr id="5" name="Footer Placeholder 4"/>
           <p:cNvSpPr>
             <a:spLocks noGrp="1"/>
           </p:cNvSpPr>
@@ -518,7 +801,7 @@
       </p:sp>
       <p:sp>
         <p:nvSpPr>
-          <p:cNvPr id="6" name="スライド番号プレースホルダー 5"/>
+          <p:cNvPr id="6" name="Slide Number Placeholder 5"/>
           <p:cNvSpPr>
             <a:spLocks noGrp="1"/>
           </p:cNvSpPr>
@@ -540,15 +823,17 @@
         </p:txBody>
       </p:sp>
     </p:spTree>
-    <p:extLst>
-      <p:ext uri="{BB962C8B-B14F-4D97-AF65-F5344CB8AC3E}">
-        <p14:creationId xmlns:p14="http://schemas.microsoft.com/office/powerpoint/2010/main" val="2111927182"/>
-      </p:ext>
-    </p:extLst>
   </p:cSld>
   <p:clrMapOvr>
     <a:masterClrMapping/>
   </p:clrMapOvr>
+  <p:timing>
+    <p:tnLst>
+      <p:par>
+        <p:cTn id="1" dur="indefinite" restart="never" nodeType="tmRoot"/>
+      </p:par>
+    </p:tnLst>
+  </p:timing>
 </p:sldLayout>
 </file>
 
@@ -571,7 +856,7 @@
       </p:grpSpPr>
       <p:sp>
         <p:nvSpPr>
-          <p:cNvPr id="2" name="縦書きタイトル 1"/>
+          <p:cNvPr id="2" name="Vertical Title 1"/>
           <p:cNvSpPr>
             <a:spLocks noGrp="1"/>
           </p:cNvSpPr>
@@ -581,25 +866,30 @@
         </p:nvSpPr>
         <p:spPr>
           <a:xfrm>
-            <a:off x="3729037" y="488951"/>
-            <a:ext cx="1157288" cy="10401300"/>
+            <a:off x="865319" y="502023"/>
+            <a:ext cx="1543050" cy="6984452"/>
           </a:xfrm>
+          <a:effectLst/>
         </p:spPr>
         <p:txBody>
           <a:bodyPr vert="eaVert"/>
-          <a:lstStyle/>
-          <a:p>
-            <a:r>
-              <a:rPr kumimoji="1" lang="ja-JP" altLang="en-US" smtClean="0"/>
+          <a:lstStyle>
+            <a:lvl1pPr algn="l">
+              <a:defRPr/>
+            </a:lvl1pPr>
+          </a:lstStyle>
+          <a:p>
+            <a:r>
+              <a:rPr lang="ja-JP" altLang="en-US" smtClean="0"/>
               <a:t>マスター タイトルの書式設定</a:t>
             </a:r>
-            <a:endParaRPr kumimoji="1" lang="ja-JP" altLang="en-US"/>
-          </a:p>
-        </p:txBody>
-      </p:sp>
-      <p:sp>
-        <p:nvSpPr>
-          <p:cNvPr id="3" name="縦書きテキスト プレースホルダー 2"/>
+            <a:endParaRPr lang="en-US"/>
+          </a:p>
+        </p:txBody>
+      </p:sp>
+      <p:sp>
+        <p:nvSpPr>
+          <p:cNvPr id="3" name="Vertical Text Placeholder 2"/>
           <p:cNvSpPr>
             <a:spLocks noGrp="1"/>
           </p:cNvSpPr>
@@ -609,8 +899,8 @@
         </p:nvSpPr>
         <p:spPr>
           <a:xfrm>
-            <a:off x="257175" y="488951"/>
-            <a:ext cx="3357563" cy="10401300"/>
+            <a:off x="2493085" y="975360"/>
+            <a:ext cx="3621965" cy="6526305"/>
           </a:xfrm>
         </p:spPr>
         <p:txBody>
@@ -619,76 +909,76 @@
           <a:p>
             <a:pPr lvl="0"/>
             <a:r>
-              <a:rPr kumimoji="1" lang="ja-JP" altLang="en-US" smtClean="0"/>
+              <a:rPr lang="ja-JP" altLang="en-US" smtClean="0"/>
               <a:t>マスター テキストの書式設定</a:t>
             </a:r>
           </a:p>
           <a:p>
             <a:pPr lvl="1"/>
             <a:r>
-              <a:rPr kumimoji="1" lang="ja-JP" altLang="en-US" smtClean="0"/>
+              <a:rPr lang="ja-JP" altLang="en-US" smtClean="0"/>
               <a:t>第 </a:t>
             </a:r>
             <a:r>
-              <a:rPr kumimoji="1" lang="en-US" altLang="ja-JP" smtClean="0"/>
+              <a:rPr lang="en-US" altLang="ja-JP" smtClean="0"/>
               <a:t>2 </a:t>
             </a:r>
             <a:r>
-              <a:rPr kumimoji="1" lang="ja-JP" altLang="en-US" smtClean="0"/>
+              <a:rPr lang="ja-JP" altLang="en-US" smtClean="0"/>
               <a:t>レベル</a:t>
             </a:r>
           </a:p>
           <a:p>
             <a:pPr lvl="2"/>
             <a:r>
-              <a:rPr kumimoji="1" lang="ja-JP" altLang="en-US" smtClean="0"/>
+              <a:rPr lang="ja-JP" altLang="en-US" smtClean="0"/>
               <a:t>第 </a:t>
             </a:r>
             <a:r>
-              <a:rPr kumimoji="1" lang="en-US" altLang="ja-JP" smtClean="0"/>
+              <a:rPr lang="en-US" altLang="ja-JP" smtClean="0"/>
               <a:t>3 </a:t>
             </a:r>
             <a:r>
-              <a:rPr kumimoji="1" lang="ja-JP" altLang="en-US" smtClean="0"/>
+              <a:rPr lang="ja-JP" altLang="en-US" smtClean="0"/>
               <a:t>レベル</a:t>
             </a:r>
           </a:p>
           <a:p>
             <a:pPr lvl="3"/>
             <a:r>
-              <a:rPr kumimoji="1" lang="ja-JP" altLang="en-US" smtClean="0"/>
+              <a:rPr lang="ja-JP" altLang="en-US" smtClean="0"/>
               <a:t>第 </a:t>
             </a:r>
             <a:r>
-              <a:rPr kumimoji="1" lang="en-US" altLang="ja-JP" smtClean="0"/>
+              <a:rPr lang="en-US" altLang="ja-JP" smtClean="0"/>
               <a:t>4 </a:t>
             </a:r>
             <a:r>
-              <a:rPr kumimoji="1" lang="ja-JP" altLang="en-US" smtClean="0"/>
+              <a:rPr lang="ja-JP" altLang="en-US" smtClean="0"/>
               <a:t>レベル</a:t>
             </a:r>
           </a:p>
           <a:p>
             <a:pPr lvl="4"/>
             <a:r>
-              <a:rPr kumimoji="1" lang="ja-JP" altLang="en-US" smtClean="0"/>
+              <a:rPr lang="ja-JP" altLang="en-US" smtClean="0"/>
               <a:t>第 </a:t>
             </a:r>
             <a:r>
-              <a:rPr kumimoji="1" lang="en-US" altLang="ja-JP" smtClean="0"/>
+              <a:rPr lang="en-US" altLang="ja-JP" smtClean="0"/>
               <a:t>5 </a:t>
             </a:r>
             <a:r>
-              <a:rPr kumimoji="1" lang="ja-JP" altLang="en-US" smtClean="0"/>
+              <a:rPr lang="ja-JP" altLang="en-US" smtClean="0"/>
               <a:t>レベル</a:t>
             </a:r>
-            <a:endParaRPr kumimoji="1" lang="ja-JP" altLang="en-US"/>
-          </a:p>
-        </p:txBody>
-      </p:sp>
-      <p:sp>
-        <p:nvSpPr>
-          <p:cNvPr id="4" name="日付プレースホルダー 3"/>
+            <a:endParaRPr lang="en-US" dirty="0"/>
+          </a:p>
+        </p:txBody>
+      </p:sp>
+      <p:sp>
+        <p:nvSpPr>
+          <p:cNvPr id="4" name="Date Placeholder 3"/>
           <p:cNvSpPr>
             <a:spLocks noGrp="1"/>
           </p:cNvSpPr>
@@ -703,7 +993,7 @@
           <a:p>
             <a:fld id="{4ADE0E56-B02A-4EE7-B89E-44845DFFCF82}" type="datetimeFigureOut">
               <a:rPr kumimoji="1" lang="ja-JP" altLang="en-US" smtClean="0"/>
-              <a:t>2013/12/9</a:t>
+              <a:t>2013/12/10</a:t>
             </a:fld>
             <a:endParaRPr kumimoji="1" lang="ja-JP" altLang="en-US"/>
           </a:p>
@@ -711,7 +1001,7 @@
       </p:sp>
       <p:sp>
         <p:nvSpPr>
-          <p:cNvPr id="5" name="フッター プレースホルダー 4"/>
+          <p:cNvPr id="5" name="Footer Placeholder 4"/>
           <p:cNvSpPr>
             <a:spLocks noGrp="1"/>
           </p:cNvSpPr>
@@ -730,7 +1020,7 @@
       </p:sp>
       <p:sp>
         <p:nvSpPr>
-          <p:cNvPr id="6" name="スライド番号プレースホルダー 5"/>
+          <p:cNvPr id="6" name="Slide Number Placeholder 5"/>
           <p:cNvSpPr>
             <a:spLocks noGrp="1"/>
           </p:cNvSpPr>
@@ -752,15 +1042,17 @@
         </p:txBody>
       </p:sp>
     </p:spTree>
-    <p:extLst>
-      <p:ext uri="{BB962C8B-B14F-4D97-AF65-F5344CB8AC3E}">
-        <p14:creationId xmlns:p14="http://schemas.microsoft.com/office/powerpoint/2010/main" val="2878410235"/>
-      </p:ext>
-    </p:extLst>
   </p:cSld>
   <p:clrMapOvr>
     <a:masterClrMapping/>
   </p:clrMapOvr>
+  <p:timing>
+    <p:tnLst>
+      <p:par>
+        <p:cTn id="1" dur="indefinite" restart="never" nodeType="tmRoot"/>
+      </p:par>
+    </p:tnLst>
+  </p:timing>
 </p:sldLayout>
 </file>
 
@@ -783,7 +1075,72 @@
       </p:grpSpPr>
       <p:sp>
         <p:nvSpPr>
-          <p:cNvPr id="2" name="タイトル 1"/>
+          <p:cNvPr id="4" name="Date Placeholder 3"/>
+          <p:cNvSpPr>
+            <a:spLocks noGrp="1"/>
+          </p:cNvSpPr>
+          <p:nvPr>
+            <p:ph type="dt" sz="half" idx="10"/>
+          </p:nvPr>
+        </p:nvSpPr>
+        <p:spPr/>
+        <p:txBody>
+          <a:bodyPr/>
+          <a:lstStyle/>
+          <a:p>
+            <a:fld id="{4ADE0E56-B02A-4EE7-B89E-44845DFFCF82}" type="datetimeFigureOut">
+              <a:rPr kumimoji="1" lang="ja-JP" altLang="en-US" smtClean="0"/>
+              <a:t>2013/12/10</a:t>
+            </a:fld>
+            <a:endParaRPr kumimoji="1" lang="ja-JP" altLang="en-US"/>
+          </a:p>
+        </p:txBody>
+      </p:sp>
+      <p:sp>
+        <p:nvSpPr>
+          <p:cNvPr id="5" name="Footer Placeholder 4"/>
+          <p:cNvSpPr>
+            <a:spLocks noGrp="1"/>
+          </p:cNvSpPr>
+          <p:nvPr>
+            <p:ph type="ftr" sz="quarter" idx="11"/>
+          </p:nvPr>
+        </p:nvSpPr>
+        <p:spPr/>
+        <p:txBody>
+          <a:bodyPr/>
+          <a:lstStyle/>
+          <a:p>
+            <a:endParaRPr kumimoji="1" lang="ja-JP" altLang="en-US"/>
+          </a:p>
+        </p:txBody>
+      </p:sp>
+      <p:sp>
+        <p:nvSpPr>
+          <p:cNvPr id="6" name="Slide Number Placeholder 5"/>
+          <p:cNvSpPr>
+            <a:spLocks noGrp="1"/>
+          </p:cNvSpPr>
+          <p:nvPr>
+            <p:ph type="sldNum" sz="quarter" idx="12"/>
+          </p:nvPr>
+        </p:nvSpPr>
+        <p:spPr/>
+        <p:txBody>
+          <a:bodyPr/>
+          <a:lstStyle/>
+          <a:p>
+            <a:fld id="{DC13FB64-E6B8-4A00-ACFD-8FA21AB0CFDE}" type="slidenum">
+              <a:rPr kumimoji="1" lang="ja-JP" altLang="en-US" smtClean="0"/>
+              <a:t>‹#›</a:t>
+            </a:fld>
+            <a:endParaRPr kumimoji="1" lang="ja-JP" altLang="en-US"/>
+          </a:p>
+        </p:txBody>
+      </p:sp>
+      <p:sp>
+        <p:nvSpPr>
+          <p:cNvPr id="8" name="Title 7"/>
           <p:cNvSpPr>
             <a:spLocks noGrp="1"/>
           </p:cNvSpPr>
@@ -797,172 +1154,114 @@
           <a:lstStyle/>
           <a:p>
             <a:r>
-              <a:rPr kumimoji="1" lang="ja-JP" altLang="en-US" smtClean="0"/>
+              <a:rPr lang="ja-JP" altLang="en-US" smtClean="0"/>
               <a:t>マスター タイトルの書式設定</a:t>
             </a:r>
-            <a:endParaRPr kumimoji="1" lang="ja-JP" altLang="en-US"/>
-          </a:p>
-        </p:txBody>
-      </p:sp>
-      <p:sp>
-        <p:nvSpPr>
-          <p:cNvPr id="3" name="コンテンツ プレースホルダー 2"/>
+            <a:endParaRPr lang="en-US"/>
+          </a:p>
+        </p:txBody>
+      </p:sp>
+      <p:sp>
+        <p:nvSpPr>
+          <p:cNvPr id="10" name="Content Placeholder 9"/>
           <p:cNvSpPr>
             <a:spLocks noGrp="1"/>
           </p:cNvSpPr>
           <p:nvPr>
-            <p:ph idx="1"/>
+            <p:ph sz="quarter" idx="13"/>
           </p:nvPr>
         </p:nvSpPr>
-        <p:spPr/>
+        <p:spPr>
+          <a:xfrm>
+            <a:off x="857250" y="975360"/>
+            <a:ext cx="4800600" cy="4632960"/>
+          </a:xfrm>
+        </p:spPr>
         <p:txBody>
           <a:bodyPr/>
           <a:lstStyle/>
           <a:p>
             <a:pPr lvl="0"/>
             <a:r>
-              <a:rPr kumimoji="1" lang="ja-JP" altLang="en-US" smtClean="0"/>
+              <a:rPr lang="ja-JP" altLang="en-US" smtClean="0"/>
               <a:t>マスター テキストの書式設定</a:t>
             </a:r>
           </a:p>
           <a:p>
             <a:pPr lvl="1"/>
             <a:r>
-              <a:rPr kumimoji="1" lang="ja-JP" altLang="en-US" smtClean="0"/>
+              <a:rPr lang="ja-JP" altLang="en-US" smtClean="0"/>
               <a:t>第 </a:t>
             </a:r>
             <a:r>
-              <a:rPr kumimoji="1" lang="en-US" altLang="ja-JP" smtClean="0"/>
+              <a:rPr lang="en-US" altLang="ja-JP" smtClean="0"/>
               <a:t>2 </a:t>
             </a:r>
             <a:r>
-              <a:rPr kumimoji="1" lang="ja-JP" altLang="en-US" smtClean="0"/>
+              <a:rPr lang="ja-JP" altLang="en-US" smtClean="0"/>
               <a:t>レベル</a:t>
             </a:r>
           </a:p>
           <a:p>
             <a:pPr lvl="2"/>
             <a:r>
-              <a:rPr kumimoji="1" lang="ja-JP" altLang="en-US" smtClean="0"/>
+              <a:rPr lang="ja-JP" altLang="en-US" smtClean="0"/>
               <a:t>第 </a:t>
             </a:r>
             <a:r>
-              <a:rPr kumimoji="1" lang="en-US" altLang="ja-JP" smtClean="0"/>
+              <a:rPr lang="en-US" altLang="ja-JP" smtClean="0"/>
               <a:t>3 </a:t>
             </a:r>
             <a:r>
-              <a:rPr kumimoji="1" lang="ja-JP" altLang="en-US" smtClean="0"/>
+              <a:rPr lang="ja-JP" altLang="en-US" smtClean="0"/>
               <a:t>レベル</a:t>
             </a:r>
           </a:p>
           <a:p>
             <a:pPr lvl="3"/>
             <a:r>
-              <a:rPr kumimoji="1" lang="ja-JP" altLang="en-US" smtClean="0"/>
+              <a:rPr lang="ja-JP" altLang="en-US" smtClean="0"/>
               <a:t>第 </a:t>
             </a:r>
             <a:r>
-              <a:rPr kumimoji="1" lang="en-US" altLang="ja-JP" smtClean="0"/>
+              <a:rPr lang="en-US" altLang="ja-JP" smtClean="0"/>
               <a:t>4 </a:t>
             </a:r>
             <a:r>
-              <a:rPr kumimoji="1" lang="ja-JP" altLang="en-US" smtClean="0"/>
+              <a:rPr lang="ja-JP" altLang="en-US" smtClean="0"/>
               <a:t>レベル</a:t>
             </a:r>
           </a:p>
           <a:p>
             <a:pPr lvl="4"/>
             <a:r>
-              <a:rPr kumimoji="1" lang="ja-JP" altLang="en-US" smtClean="0"/>
+              <a:rPr lang="ja-JP" altLang="en-US" smtClean="0"/>
               <a:t>第 </a:t>
             </a:r>
             <a:r>
-              <a:rPr kumimoji="1" lang="en-US" altLang="ja-JP" smtClean="0"/>
+              <a:rPr lang="en-US" altLang="ja-JP" smtClean="0"/>
               <a:t>5 </a:t>
             </a:r>
             <a:r>
-              <a:rPr kumimoji="1" lang="ja-JP" altLang="en-US" smtClean="0"/>
+              <a:rPr lang="ja-JP" altLang="en-US" smtClean="0"/>
               <a:t>レベル</a:t>
             </a:r>
-            <a:endParaRPr kumimoji="1" lang="ja-JP" altLang="en-US"/>
-          </a:p>
-        </p:txBody>
-      </p:sp>
-      <p:sp>
-        <p:nvSpPr>
-          <p:cNvPr id="4" name="日付プレースホルダー 3"/>
-          <p:cNvSpPr>
-            <a:spLocks noGrp="1"/>
-          </p:cNvSpPr>
-          <p:nvPr>
-            <p:ph type="dt" sz="half" idx="10"/>
-          </p:nvPr>
-        </p:nvSpPr>
-        <p:spPr/>
-        <p:txBody>
-          <a:bodyPr/>
-          <a:lstStyle/>
-          <a:p>
-            <a:fld id="{4ADE0E56-B02A-4EE7-B89E-44845DFFCF82}" type="datetimeFigureOut">
-              <a:rPr kumimoji="1" lang="ja-JP" altLang="en-US" smtClean="0"/>
-              <a:t>2013/12/9</a:t>
-            </a:fld>
-            <a:endParaRPr kumimoji="1" lang="ja-JP" altLang="en-US"/>
-          </a:p>
-        </p:txBody>
-      </p:sp>
-      <p:sp>
-        <p:nvSpPr>
-          <p:cNvPr id="5" name="フッター プレースホルダー 4"/>
-          <p:cNvSpPr>
-            <a:spLocks noGrp="1"/>
-          </p:cNvSpPr>
-          <p:nvPr>
-            <p:ph type="ftr" sz="quarter" idx="11"/>
-          </p:nvPr>
-        </p:nvSpPr>
-        <p:spPr/>
-        <p:txBody>
-          <a:bodyPr/>
-          <a:lstStyle/>
-          <a:p>
-            <a:endParaRPr kumimoji="1" lang="ja-JP" altLang="en-US"/>
-          </a:p>
-        </p:txBody>
-      </p:sp>
-      <p:sp>
-        <p:nvSpPr>
-          <p:cNvPr id="6" name="スライド番号プレースホルダー 5"/>
-          <p:cNvSpPr>
-            <a:spLocks noGrp="1"/>
-          </p:cNvSpPr>
-          <p:nvPr>
-            <p:ph type="sldNum" sz="quarter" idx="12"/>
-          </p:nvPr>
-        </p:nvSpPr>
-        <p:spPr/>
-        <p:txBody>
-          <a:bodyPr/>
-          <a:lstStyle/>
-          <a:p>
-            <a:fld id="{DC13FB64-E6B8-4A00-ACFD-8FA21AB0CFDE}" type="slidenum">
-              <a:rPr kumimoji="1" lang="ja-JP" altLang="en-US" smtClean="0"/>
-              <a:t>‹#›</a:t>
-            </a:fld>
-            <a:endParaRPr kumimoji="1" lang="ja-JP" altLang="en-US"/>
+            <a:endParaRPr lang="en-US" dirty="0"/>
           </a:p>
         </p:txBody>
       </p:sp>
     </p:spTree>
-    <p:extLst>
-      <p:ext uri="{BB962C8B-B14F-4D97-AF65-F5344CB8AC3E}">
-        <p14:creationId xmlns:p14="http://schemas.microsoft.com/office/powerpoint/2010/main" val="967591750"/>
-      </p:ext>
-    </p:extLst>
   </p:cSld>
   <p:clrMapOvr>
     <a:masterClrMapping/>
   </p:clrMapOvr>
+  <p:timing>
+    <p:tnLst>
+      <p:par>
+        <p:cTn id="1" dur="indefinite" restart="never" nodeType="tmRoot"/>
+      </p:par>
+    </p:tnLst>
+  </p:timing>
 </p:sldLayout>
 </file>
 
@@ -985,7 +1284,276 @@
       </p:grpSpPr>
       <p:sp>
         <p:nvSpPr>
-          <p:cNvPr id="2" name="タイトル 1"/>
+          <p:cNvPr id="7" name="Rectangle 6"/>
+          <p:cNvSpPr/>
+          <p:nvPr/>
+        </p:nvSpPr>
+        <p:spPr>
+          <a:xfrm>
+            <a:off x="0" y="5155893"/>
+            <a:ext cx="6858000" cy="3988107"/>
+          </a:xfrm>
+          <a:prstGeom prst="rect">
+            <a:avLst/>
+          </a:prstGeom>
+          <a:gradFill>
+            <a:gsLst>
+              <a:gs pos="0">
+                <a:schemeClr val="bg1">
+                  <a:alpha val="92000"/>
+                </a:schemeClr>
+              </a:gs>
+              <a:gs pos="37000">
+                <a:schemeClr val="bg1">
+                  <a:alpha val="77000"/>
+                </a:schemeClr>
+              </a:gs>
+              <a:gs pos="100000">
+                <a:schemeClr val="bg2">
+                  <a:alpha val="80000"/>
+                </a:schemeClr>
+              </a:gs>
+            </a:gsLst>
+            <a:path path="circle">
+              <a:fillToRect l="50000" t="50000" r="50000" b="50000"/>
+            </a:path>
+          </a:gradFill>
+          <a:ln>
+            <a:noFill/>
+          </a:ln>
+        </p:spPr>
+        <p:style>
+          <a:lnRef idx="2">
+            <a:schemeClr val="accent1">
+              <a:shade val="50000"/>
+            </a:schemeClr>
+          </a:lnRef>
+          <a:fillRef idx="1">
+            <a:schemeClr val="accent1"/>
+          </a:fillRef>
+          <a:effectRef idx="0">
+            <a:schemeClr val="accent1"/>
+          </a:effectRef>
+          <a:fontRef idx="minor">
+            <a:schemeClr val="lt1"/>
+          </a:fontRef>
+        </p:style>
+        <p:txBody>
+          <a:bodyPr rtlCol="0" anchor="ctr"/>
+          <a:lstStyle/>
+          <a:p>
+            <a:pPr algn="ctr"/>
+            <a:endParaRPr lang="en-US"/>
+          </a:p>
+        </p:txBody>
+      </p:sp>
+      <p:sp>
+        <p:nvSpPr>
+          <p:cNvPr id="8" name="Rectangle 7"/>
+          <p:cNvSpPr/>
+          <p:nvPr/>
+        </p:nvSpPr>
+        <p:spPr>
+          <a:xfrm>
+            <a:off x="0" y="0"/>
+            <a:ext cx="6858000" cy="5155893"/>
+          </a:xfrm>
+          <a:prstGeom prst="rect">
+            <a:avLst/>
+          </a:prstGeom>
+          <a:gradFill flip="none" rotWithShape="1">
+            <a:gsLst>
+              <a:gs pos="0">
+                <a:schemeClr val="bg1">
+                  <a:alpha val="90000"/>
+                </a:schemeClr>
+              </a:gs>
+              <a:gs pos="48000">
+                <a:schemeClr val="bg1">
+                  <a:alpha val="63000"/>
+                </a:schemeClr>
+              </a:gs>
+              <a:gs pos="100000">
+                <a:schemeClr val="bg2">
+                  <a:alpha val="80000"/>
+                </a:schemeClr>
+              </a:gs>
+            </a:gsLst>
+            <a:path path="circle">
+              <a:fillToRect l="50000" t="50000" r="50000" b="50000"/>
+            </a:path>
+            <a:tileRect/>
+          </a:gradFill>
+          <a:ln>
+            <a:noFill/>
+          </a:ln>
+        </p:spPr>
+        <p:style>
+          <a:lnRef idx="2">
+            <a:schemeClr val="accent1">
+              <a:shade val="50000"/>
+            </a:schemeClr>
+          </a:lnRef>
+          <a:fillRef idx="1">
+            <a:schemeClr val="accent1"/>
+          </a:fillRef>
+          <a:effectRef idx="0">
+            <a:schemeClr val="accent1"/>
+          </a:effectRef>
+          <a:fontRef idx="minor">
+            <a:schemeClr val="lt1"/>
+          </a:fontRef>
+        </p:style>
+        <p:txBody>
+          <a:bodyPr rtlCol="0" anchor="ctr"/>
+          <a:lstStyle/>
+          <a:p>
+            <a:pPr algn="ctr"/>
+            <a:endParaRPr lang="en-US" dirty="0"/>
+          </a:p>
+        </p:txBody>
+      </p:sp>
+      <p:sp>
+        <p:nvSpPr>
+          <p:cNvPr id="9" name="Rectangle 8"/>
+          <p:cNvSpPr/>
+          <p:nvPr/>
+        </p:nvSpPr>
+        <p:spPr>
+          <a:xfrm>
+            <a:off x="0" y="3536415"/>
+            <a:ext cx="6858000" cy="3048000"/>
+          </a:xfrm>
+          <a:prstGeom prst="rect">
+            <a:avLst/>
+          </a:prstGeom>
+          <a:gradFill flip="none" rotWithShape="1">
+            <a:gsLst>
+              <a:gs pos="0">
+                <a:schemeClr val="bg1">
+                  <a:alpha val="0"/>
+                </a:schemeClr>
+              </a:gs>
+              <a:gs pos="29000">
+                <a:schemeClr val="bg1">
+                  <a:alpha val="30000"/>
+                </a:schemeClr>
+              </a:gs>
+              <a:gs pos="45000">
+                <a:schemeClr val="bg2">
+                  <a:alpha val="40000"/>
+                </a:schemeClr>
+              </a:gs>
+              <a:gs pos="55000">
+                <a:schemeClr val="bg1">
+                  <a:alpha val="26000"/>
+                </a:schemeClr>
+              </a:gs>
+              <a:gs pos="65000">
+                <a:schemeClr val="bg2">
+                  <a:alpha val="60000"/>
+                </a:schemeClr>
+              </a:gs>
+              <a:gs pos="100000">
+                <a:schemeClr val="bg1">
+                  <a:alpha val="0"/>
+                </a:schemeClr>
+              </a:gs>
+            </a:gsLst>
+            <a:lin ang="5400000" scaled="0"/>
+            <a:tileRect/>
+          </a:gradFill>
+          <a:ln>
+            <a:noFill/>
+          </a:ln>
+        </p:spPr>
+        <p:style>
+          <a:lnRef idx="2">
+            <a:schemeClr val="accent1">
+              <a:shade val="50000"/>
+            </a:schemeClr>
+          </a:lnRef>
+          <a:fillRef idx="1">
+            <a:schemeClr val="accent1"/>
+          </a:fillRef>
+          <a:effectRef idx="0">
+            <a:schemeClr val="accent1"/>
+          </a:effectRef>
+          <a:fontRef idx="minor">
+            <a:schemeClr val="lt1"/>
+          </a:fontRef>
+        </p:style>
+        <p:txBody>
+          <a:bodyPr rtlCol="0" anchor="ctr"/>
+          <a:lstStyle/>
+          <a:p>
+            <a:pPr algn="ctr"/>
+            <a:endParaRPr lang="en-US"/>
+          </a:p>
+        </p:txBody>
+      </p:sp>
+      <p:sp>
+        <p:nvSpPr>
+          <p:cNvPr id="10" name="Oval 9"/>
+          <p:cNvSpPr/>
+          <p:nvPr/>
+        </p:nvSpPr>
+        <p:spPr>
+          <a:xfrm>
+            <a:off x="0" y="2133600"/>
+            <a:ext cx="6858000" cy="6807200"/>
+          </a:xfrm>
+          <a:prstGeom prst="ellipse">
+            <a:avLst/>
+          </a:prstGeom>
+          <a:gradFill flip="none" rotWithShape="1">
+            <a:gsLst>
+              <a:gs pos="0">
+                <a:schemeClr val="bg1"/>
+              </a:gs>
+              <a:gs pos="54000">
+                <a:schemeClr val="bg1">
+                  <a:alpha val="0"/>
+                </a:schemeClr>
+              </a:gs>
+            </a:gsLst>
+            <a:path path="circle">
+              <a:fillToRect l="50000" t="50000" r="50000" b="50000"/>
+            </a:path>
+            <a:tileRect/>
+          </a:gradFill>
+          <a:ln>
+            <a:noFill/>
+          </a:ln>
+        </p:spPr>
+        <p:style>
+          <a:lnRef idx="2">
+            <a:schemeClr val="accent1">
+              <a:shade val="50000"/>
+            </a:schemeClr>
+          </a:lnRef>
+          <a:fillRef idx="1">
+            <a:schemeClr val="accent1"/>
+          </a:fillRef>
+          <a:effectRef idx="0">
+            <a:schemeClr val="accent1"/>
+          </a:effectRef>
+          <a:fontRef idx="minor">
+            <a:schemeClr val="lt1"/>
+          </a:fontRef>
+        </p:style>
+        <p:txBody>
+          <a:bodyPr rtlCol="0" anchor="ctr"/>
+          <a:lstStyle/>
+          <a:p>
+            <a:pPr algn="ctr"/>
+            <a:endParaRPr lang="en-US"/>
+          </a:p>
+        </p:txBody>
+      </p:sp>
+      <p:sp>
+        <p:nvSpPr>
+          <p:cNvPr id="2" name="Title 1"/>
           <p:cNvSpPr>
             <a:spLocks noGrp="1"/>
           </p:cNvSpPr>
@@ -995,29 +1563,30 @@
         </p:nvSpPr>
         <p:spPr>
           <a:xfrm>
-            <a:off x="541735" y="5875867"/>
-            <a:ext cx="5829300" cy="1816100"/>
+            <a:off x="1524896" y="2896864"/>
+            <a:ext cx="4475000" cy="3231128"/>
           </a:xfrm>
+          <a:effectLst/>
         </p:spPr>
         <p:txBody>
-          <a:bodyPr anchor="t"/>
+          <a:bodyPr anchor="b"/>
           <a:lstStyle>
-            <a:lvl1pPr algn="l">
-              <a:defRPr sz="4000" b="1" cap="all"/>
+            <a:lvl1pPr algn="r">
+              <a:defRPr sz="4600" b="1" cap="none" baseline="0"/>
             </a:lvl1pPr>
           </a:lstStyle>
           <a:p>
             <a:r>
-              <a:rPr kumimoji="1" lang="ja-JP" altLang="en-US" smtClean="0"/>
+              <a:rPr lang="ja-JP" altLang="en-US" smtClean="0"/>
               <a:t>マスター タイトルの書式設定</a:t>
             </a:r>
-            <a:endParaRPr kumimoji="1" lang="ja-JP" altLang="en-US"/>
-          </a:p>
-        </p:txBody>
-      </p:sp>
-      <p:sp>
-        <p:nvSpPr>
-          <p:cNvPr id="3" name="テキスト プレースホルダー 2"/>
+            <a:endParaRPr lang="en-US" dirty="0"/>
+          </a:p>
+        </p:txBody>
+      </p:sp>
+      <p:sp>
+        <p:nvSpPr>
+          <p:cNvPr id="3" name="Text Placeholder 2"/>
           <p:cNvSpPr>
             <a:spLocks noGrp="1"/>
           </p:cNvSpPr>
@@ -1027,20 +1596,18 @@
         </p:nvSpPr>
         <p:spPr>
           <a:xfrm>
-            <a:off x="541735" y="3875618"/>
-            <a:ext cx="5829300" cy="2000249"/>
+            <a:off x="1516828" y="6143348"/>
+            <a:ext cx="4477871" cy="1113947"/>
           </a:xfrm>
         </p:spPr>
         <p:txBody>
-          <a:bodyPr anchor="b"/>
+          <a:bodyPr anchor="t"/>
           <a:lstStyle>
-            <a:lvl1pPr marL="0" indent="0">
+            <a:lvl1pPr marL="0" indent="0" algn="r">
               <a:buNone/>
               <a:defRPr sz="2000">
                 <a:solidFill>
-                  <a:schemeClr val="tx1">
-                    <a:tint val="75000"/>
-                  </a:schemeClr>
+                  <a:schemeClr val="tx2"/>
                 </a:solidFill>
               </a:defRPr>
             </a:lvl1pPr>
@@ -1128,7 +1695,7 @@
           <a:p>
             <a:pPr lvl="0"/>
             <a:r>
-              <a:rPr kumimoji="1" lang="ja-JP" altLang="en-US" smtClean="0"/>
+              <a:rPr lang="ja-JP" altLang="en-US" smtClean="0"/>
               <a:t>マスター テキストの書式設定</a:t>
             </a:r>
           </a:p>
@@ -1136,7 +1703,7 @@
       </p:sp>
       <p:sp>
         <p:nvSpPr>
-          <p:cNvPr id="4" name="日付プレースホルダー 3"/>
+          <p:cNvPr id="4" name="Date Placeholder 3"/>
           <p:cNvSpPr>
             <a:spLocks noGrp="1"/>
           </p:cNvSpPr>
@@ -1151,7 +1718,7 @@
           <a:p>
             <a:fld id="{4ADE0E56-B02A-4EE7-B89E-44845DFFCF82}" type="datetimeFigureOut">
               <a:rPr kumimoji="1" lang="ja-JP" altLang="en-US" smtClean="0"/>
-              <a:t>2013/12/9</a:t>
+              <a:t>2013/12/10</a:t>
             </a:fld>
             <a:endParaRPr kumimoji="1" lang="ja-JP" altLang="en-US"/>
           </a:p>
@@ -1159,7 +1726,7 @@
       </p:sp>
       <p:sp>
         <p:nvSpPr>
-          <p:cNvPr id="5" name="フッター プレースホルダー 4"/>
+          <p:cNvPr id="5" name="Footer Placeholder 4"/>
           <p:cNvSpPr>
             <a:spLocks noGrp="1"/>
           </p:cNvSpPr>
@@ -1178,7 +1745,7 @@
       </p:sp>
       <p:sp>
         <p:nvSpPr>
-          <p:cNvPr id="6" name="スライド番号プレースホルダー 5"/>
+          <p:cNvPr id="6" name="Slide Number Placeholder 5"/>
           <p:cNvSpPr>
             <a:spLocks noGrp="1"/>
           </p:cNvSpPr>
@@ -1200,15 +1767,17 @@
         </p:txBody>
       </p:sp>
     </p:spTree>
-    <p:extLst>
-      <p:ext uri="{BB962C8B-B14F-4D97-AF65-F5344CB8AC3E}">
-        <p14:creationId xmlns:p14="http://schemas.microsoft.com/office/powerpoint/2010/main" val="840134500"/>
-      </p:ext>
-    </p:extLst>
   </p:cSld>
   <p:clrMapOvr>
     <a:masterClrMapping/>
   </p:clrMapOvr>
+  <p:timing>
+    <p:tnLst>
+      <p:par>
+        <p:cTn id="1" dur="indefinite" restart="never" nodeType="tmRoot"/>
+      </p:par>
+    </p:tnLst>
+  </p:timing>
 </p:sldLayout>
 </file>
 
@@ -1231,7 +1800,72 @@
       </p:grpSpPr>
       <p:sp>
         <p:nvSpPr>
-          <p:cNvPr id="2" name="タイトル 1"/>
+          <p:cNvPr id="5" name="Date Placeholder 4"/>
+          <p:cNvSpPr>
+            <a:spLocks noGrp="1"/>
+          </p:cNvSpPr>
+          <p:nvPr>
+            <p:ph type="dt" sz="half" idx="10"/>
+          </p:nvPr>
+        </p:nvSpPr>
+        <p:spPr/>
+        <p:txBody>
+          <a:bodyPr/>
+          <a:lstStyle/>
+          <a:p>
+            <a:fld id="{4ADE0E56-B02A-4EE7-B89E-44845DFFCF82}" type="datetimeFigureOut">
+              <a:rPr kumimoji="1" lang="ja-JP" altLang="en-US" smtClean="0"/>
+              <a:t>2013/12/10</a:t>
+            </a:fld>
+            <a:endParaRPr kumimoji="1" lang="ja-JP" altLang="en-US"/>
+          </a:p>
+        </p:txBody>
+      </p:sp>
+      <p:sp>
+        <p:nvSpPr>
+          <p:cNvPr id="6" name="Footer Placeholder 5"/>
+          <p:cNvSpPr>
+            <a:spLocks noGrp="1"/>
+          </p:cNvSpPr>
+          <p:nvPr>
+            <p:ph type="ftr" sz="quarter" idx="11"/>
+          </p:nvPr>
+        </p:nvSpPr>
+        <p:spPr/>
+        <p:txBody>
+          <a:bodyPr/>
+          <a:lstStyle/>
+          <a:p>
+            <a:endParaRPr kumimoji="1" lang="ja-JP" altLang="en-US"/>
+          </a:p>
+        </p:txBody>
+      </p:sp>
+      <p:sp>
+        <p:nvSpPr>
+          <p:cNvPr id="7" name="Slide Number Placeholder 6"/>
+          <p:cNvSpPr>
+            <a:spLocks noGrp="1"/>
+          </p:cNvSpPr>
+          <p:nvPr>
+            <p:ph type="sldNum" sz="quarter" idx="12"/>
+          </p:nvPr>
+        </p:nvSpPr>
+        <p:spPr/>
+        <p:txBody>
+          <a:bodyPr/>
+          <a:lstStyle/>
+          <a:p>
+            <a:fld id="{DC13FB64-E6B8-4A00-ACFD-8FA21AB0CFDE}" type="slidenum">
+              <a:rPr kumimoji="1" lang="ja-JP" altLang="en-US" smtClean="0"/>
+              <a:t>‹#›</a:t>
+            </a:fld>
+            <a:endParaRPr kumimoji="1" lang="ja-JP" altLang="en-US"/>
+          </a:p>
+        </p:txBody>
+      </p:sp>
+      <p:sp>
+        <p:nvSpPr>
+          <p:cNvPr id="8" name="Title 7"/>
           <p:cNvSpPr>
             <a:spLocks noGrp="1"/>
           </p:cNvSpPr>
@@ -1245,322 +1879,203 @@
           <a:lstStyle/>
           <a:p>
             <a:r>
-              <a:rPr kumimoji="1" lang="ja-JP" altLang="en-US" smtClean="0"/>
+              <a:rPr lang="ja-JP" altLang="en-US" smtClean="0"/>
               <a:t>マスター タイトルの書式設定</a:t>
             </a:r>
-            <a:endParaRPr kumimoji="1" lang="ja-JP" altLang="en-US"/>
-          </a:p>
-        </p:txBody>
-      </p:sp>
-      <p:sp>
-        <p:nvSpPr>
-          <p:cNvPr id="3" name="コンテンツ プレースホルダー 2"/>
+            <a:endParaRPr lang="en-US"/>
+          </a:p>
+        </p:txBody>
+      </p:sp>
+      <p:sp>
+        <p:nvSpPr>
+          <p:cNvPr id="9" name="Content Placeholder 8"/>
           <p:cNvSpPr>
             <a:spLocks noGrp="1"/>
           </p:cNvSpPr>
           <p:nvPr>
-            <p:ph sz="half" idx="1"/>
+            <p:ph sz="quarter" idx="13"/>
           </p:nvPr>
         </p:nvSpPr>
         <p:spPr>
           <a:xfrm>
-            <a:off x="257175" y="2844800"/>
-            <a:ext cx="2257425" cy="8045451"/>
+            <a:off x="857249" y="975359"/>
+            <a:ext cx="2510028" cy="4632960"/>
           </a:xfrm>
         </p:spPr>
         <p:txBody>
           <a:bodyPr/>
-          <a:lstStyle>
-            <a:lvl1pPr>
-              <a:defRPr sz="2800"/>
-            </a:lvl1pPr>
-            <a:lvl2pPr>
-              <a:defRPr sz="2400"/>
-            </a:lvl2pPr>
-            <a:lvl3pPr>
-              <a:defRPr sz="2000"/>
-            </a:lvl3pPr>
-            <a:lvl4pPr>
-              <a:defRPr sz="1800"/>
-            </a:lvl4pPr>
-            <a:lvl5pPr>
-              <a:defRPr sz="1800"/>
-            </a:lvl5pPr>
-            <a:lvl6pPr>
-              <a:defRPr sz="1800"/>
-            </a:lvl6pPr>
-            <a:lvl7pPr>
-              <a:defRPr sz="1800"/>
-            </a:lvl7pPr>
-            <a:lvl8pPr>
-              <a:defRPr sz="1800"/>
-            </a:lvl8pPr>
-            <a:lvl9pPr>
-              <a:defRPr sz="1800"/>
-            </a:lvl9pPr>
-          </a:lstStyle>
+          <a:lstStyle/>
           <a:p>
             <a:pPr lvl="0"/>
             <a:r>
-              <a:rPr kumimoji="1" lang="ja-JP" altLang="en-US" smtClean="0"/>
+              <a:rPr lang="ja-JP" altLang="en-US" smtClean="0"/>
               <a:t>マスター テキストの書式設定</a:t>
             </a:r>
           </a:p>
           <a:p>
             <a:pPr lvl="1"/>
             <a:r>
-              <a:rPr kumimoji="1" lang="ja-JP" altLang="en-US" smtClean="0"/>
+              <a:rPr lang="ja-JP" altLang="en-US" smtClean="0"/>
               <a:t>第 </a:t>
             </a:r>
             <a:r>
-              <a:rPr kumimoji="1" lang="en-US" altLang="ja-JP" smtClean="0"/>
+              <a:rPr lang="en-US" altLang="ja-JP" smtClean="0"/>
               <a:t>2 </a:t>
             </a:r>
             <a:r>
-              <a:rPr kumimoji="1" lang="ja-JP" altLang="en-US" smtClean="0"/>
+              <a:rPr lang="ja-JP" altLang="en-US" smtClean="0"/>
               <a:t>レベル</a:t>
             </a:r>
           </a:p>
           <a:p>
             <a:pPr lvl="2"/>
             <a:r>
-              <a:rPr kumimoji="1" lang="ja-JP" altLang="en-US" smtClean="0"/>
+              <a:rPr lang="ja-JP" altLang="en-US" smtClean="0"/>
               <a:t>第 </a:t>
             </a:r>
             <a:r>
-              <a:rPr kumimoji="1" lang="en-US" altLang="ja-JP" smtClean="0"/>
+              <a:rPr lang="en-US" altLang="ja-JP" smtClean="0"/>
               <a:t>3 </a:t>
             </a:r>
             <a:r>
-              <a:rPr kumimoji="1" lang="ja-JP" altLang="en-US" smtClean="0"/>
+              <a:rPr lang="ja-JP" altLang="en-US" smtClean="0"/>
               <a:t>レベル</a:t>
             </a:r>
           </a:p>
           <a:p>
             <a:pPr lvl="3"/>
             <a:r>
-              <a:rPr kumimoji="1" lang="ja-JP" altLang="en-US" smtClean="0"/>
+              <a:rPr lang="ja-JP" altLang="en-US" smtClean="0"/>
               <a:t>第 </a:t>
             </a:r>
             <a:r>
-              <a:rPr kumimoji="1" lang="en-US" altLang="ja-JP" smtClean="0"/>
+              <a:rPr lang="en-US" altLang="ja-JP" smtClean="0"/>
               <a:t>4 </a:t>
             </a:r>
             <a:r>
-              <a:rPr kumimoji="1" lang="ja-JP" altLang="en-US" smtClean="0"/>
+              <a:rPr lang="ja-JP" altLang="en-US" smtClean="0"/>
               <a:t>レベル</a:t>
             </a:r>
           </a:p>
           <a:p>
             <a:pPr lvl="4"/>
             <a:r>
-              <a:rPr kumimoji="1" lang="ja-JP" altLang="en-US" smtClean="0"/>
+              <a:rPr lang="ja-JP" altLang="en-US" smtClean="0"/>
               <a:t>第 </a:t>
             </a:r>
             <a:r>
-              <a:rPr kumimoji="1" lang="en-US" altLang="ja-JP" smtClean="0"/>
+              <a:rPr lang="en-US" altLang="ja-JP" smtClean="0"/>
               <a:t>5 </a:t>
             </a:r>
             <a:r>
-              <a:rPr kumimoji="1" lang="ja-JP" altLang="en-US" smtClean="0"/>
+              <a:rPr lang="ja-JP" altLang="en-US" smtClean="0"/>
               <a:t>レベル</a:t>
             </a:r>
-            <a:endParaRPr kumimoji="1" lang="ja-JP" altLang="en-US"/>
-          </a:p>
-        </p:txBody>
-      </p:sp>
-      <p:sp>
-        <p:nvSpPr>
-          <p:cNvPr id="4" name="コンテンツ プレースホルダー 3"/>
+            <a:endParaRPr lang="en-US"/>
+          </a:p>
+        </p:txBody>
+      </p:sp>
+      <p:sp>
+        <p:nvSpPr>
+          <p:cNvPr id="11" name="Content Placeholder 10"/>
           <p:cNvSpPr>
             <a:spLocks noGrp="1"/>
           </p:cNvSpPr>
           <p:nvPr>
-            <p:ph sz="half" idx="2"/>
+            <p:ph sz="quarter" idx="14"/>
           </p:nvPr>
         </p:nvSpPr>
         <p:spPr>
           <a:xfrm>
-            <a:off x="2628900" y="2844800"/>
-            <a:ext cx="2257425" cy="8045451"/>
+            <a:off x="3483864" y="975360"/>
+            <a:ext cx="2510028" cy="4632960"/>
           </a:xfrm>
         </p:spPr>
         <p:txBody>
           <a:bodyPr/>
-          <a:lstStyle>
-            <a:lvl1pPr>
-              <a:defRPr sz="2800"/>
-            </a:lvl1pPr>
-            <a:lvl2pPr>
-              <a:defRPr sz="2400"/>
-            </a:lvl2pPr>
-            <a:lvl3pPr>
-              <a:defRPr sz="2000"/>
-            </a:lvl3pPr>
-            <a:lvl4pPr>
-              <a:defRPr sz="1800"/>
-            </a:lvl4pPr>
-            <a:lvl5pPr>
-              <a:defRPr sz="1800"/>
-            </a:lvl5pPr>
-            <a:lvl6pPr>
-              <a:defRPr sz="1800"/>
-            </a:lvl6pPr>
-            <a:lvl7pPr>
-              <a:defRPr sz="1800"/>
-            </a:lvl7pPr>
-            <a:lvl8pPr>
-              <a:defRPr sz="1800"/>
-            </a:lvl8pPr>
-            <a:lvl9pPr>
-              <a:defRPr sz="1800"/>
-            </a:lvl9pPr>
-          </a:lstStyle>
+          <a:lstStyle/>
           <a:p>
             <a:pPr lvl="0"/>
             <a:r>
-              <a:rPr kumimoji="1" lang="ja-JP" altLang="en-US" smtClean="0"/>
+              <a:rPr lang="ja-JP" altLang="en-US" smtClean="0"/>
               <a:t>マスター テキストの書式設定</a:t>
             </a:r>
           </a:p>
           <a:p>
             <a:pPr lvl="1"/>
             <a:r>
-              <a:rPr kumimoji="1" lang="ja-JP" altLang="en-US" smtClean="0"/>
+              <a:rPr lang="ja-JP" altLang="en-US" smtClean="0"/>
               <a:t>第 </a:t>
             </a:r>
             <a:r>
-              <a:rPr kumimoji="1" lang="en-US" altLang="ja-JP" smtClean="0"/>
+              <a:rPr lang="en-US" altLang="ja-JP" smtClean="0"/>
               <a:t>2 </a:t>
             </a:r>
             <a:r>
-              <a:rPr kumimoji="1" lang="ja-JP" altLang="en-US" smtClean="0"/>
+              <a:rPr lang="ja-JP" altLang="en-US" smtClean="0"/>
               <a:t>レベル</a:t>
             </a:r>
           </a:p>
           <a:p>
             <a:pPr lvl="2"/>
             <a:r>
-              <a:rPr kumimoji="1" lang="ja-JP" altLang="en-US" smtClean="0"/>
+              <a:rPr lang="ja-JP" altLang="en-US" smtClean="0"/>
               <a:t>第 </a:t>
             </a:r>
             <a:r>
-              <a:rPr kumimoji="1" lang="en-US" altLang="ja-JP" smtClean="0"/>
+              <a:rPr lang="en-US" altLang="ja-JP" smtClean="0"/>
               <a:t>3 </a:t>
             </a:r>
             <a:r>
-              <a:rPr kumimoji="1" lang="ja-JP" altLang="en-US" smtClean="0"/>
+              <a:rPr lang="ja-JP" altLang="en-US" smtClean="0"/>
               <a:t>レベル</a:t>
             </a:r>
           </a:p>
           <a:p>
             <a:pPr lvl="3"/>
             <a:r>
-              <a:rPr kumimoji="1" lang="ja-JP" altLang="en-US" smtClean="0"/>
+              <a:rPr lang="ja-JP" altLang="en-US" smtClean="0"/>
               <a:t>第 </a:t>
             </a:r>
             <a:r>
-              <a:rPr kumimoji="1" lang="en-US" altLang="ja-JP" smtClean="0"/>
+              <a:rPr lang="en-US" altLang="ja-JP" smtClean="0"/>
               <a:t>4 </a:t>
             </a:r>
             <a:r>
-              <a:rPr kumimoji="1" lang="ja-JP" altLang="en-US" smtClean="0"/>
+              <a:rPr lang="ja-JP" altLang="en-US" smtClean="0"/>
               <a:t>レベル</a:t>
             </a:r>
           </a:p>
           <a:p>
             <a:pPr lvl="4"/>
             <a:r>
-              <a:rPr kumimoji="1" lang="ja-JP" altLang="en-US" smtClean="0"/>
+              <a:rPr lang="ja-JP" altLang="en-US" smtClean="0"/>
               <a:t>第 </a:t>
             </a:r>
             <a:r>
-              <a:rPr kumimoji="1" lang="en-US" altLang="ja-JP" smtClean="0"/>
+              <a:rPr lang="en-US" altLang="ja-JP" smtClean="0"/>
               <a:t>5 </a:t>
             </a:r>
             <a:r>
-              <a:rPr kumimoji="1" lang="ja-JP" altLang="en-US" smtClean="0"/>
+              <a:rPr lang="ja-JP" altLang="en-US" smtClean="0"/>
               <a:t>レベル</a:t>
             </a:r>
-            <a:endParaRPr kumimoji="1" lang="ja-JP" altLang="en-US"/>
-          </a:p>
-        </p:txBody>
-      </p:sp>
-      <p:sp>
-        <p:nvSpPr>
-          <p:cNvPr id="5" name="日付プレースホルダー 4"/>
-          <p:cNvSpPr>
-            <a:spLocks noGrp="1"/>
-          </p:cNvSpPr>
-          <p:nvPr>
-            <p:ph type="dt" sz="half" idx="10"/>
-          </p:nvPr>
-        </p:nvSpPr>
-        <p:spPr/>
-        <p:txBody>
-          <a:bodyPr/>
-          <a:lstStyle/>
-          <a:p>
-            <a:fld id="{4ADE0E56-B02A-4EE7-B89E-44845DFFCF82}" type="datetimeFigureOut">
-              <a:rPr kumimoji="1" lang="ja-JP" altLang="en-US" smtClean="0"/>
-              <a:t>2013/12/9</a:t>
-            </a:fld>
-            <a:endParaRPr kumimoji="1" lang="ja-JP" altLang="en-US"/>
-          </a:p>
-        </p:txBody>
-      </p:sp>
-      <p:sp>
-        <p:nvSpPr>
-          <p:cNvPr id="6" name="フッター プレースホルダー 5"/>
-          <p:cNvSpPr>
-            <a:spLocks noGrp="1"/>
-          </p:cNvSpPr>
-          <p:nvPr>
-            <p:ph type="ftr" sz="quarter" idx="11"/>
-          </p:nvPr>
-        </p:nvSpPr>
-        <p:spPr/>
-        <p:txBody>
-          <a:bodyPr/>
-          <a:lstStyle/>
-          <a:p>
-            <a:endParaRPr kumimoji="1" lang="ja-JP" altLang="en-US"/>
-          </a:p>
-        </p:txBody>
-      </p:sp>
-      <p:sp>
-        <p:nvSpPr>
-          <p:cNvPr id="7" name="スライド番号プレースホルダー 6"/>
-          <p:cNvSpPr>
-            <a:spLocks noGrp="1"/>
-          </p:cNvSpPr>
-          <p:nvPr>
-            <p:ph type="sldNum" sz="quarter" idx="12"/>
-          </p:nvPr>
-        </p:nvSpPr>
-        <p:spPr/>
-        <p:txBody>
-          <a:bodyPr/>
-          <a:lstStyle/>
-          <a:p>
-            <a:fld id="{DC13FB64-E6B8-4A00-ACFD-8FA21AB0CFDE}" type="slidenum">
-              <a:rPr kumimoji="1" lang="ja-JP" altLang="en-US" smtClean="0"/>
-              <a:t>‹#›</a:t>
-            </a:fld>
-            <a:endParaRPr kumimoji="1" lang="ja-JP" altLang="en-US"/>
+            <a:endParaRPr lang="en-US"/>
           </a:p>
         </p:txBody>
       </p:sp>
     </p:spTree>
-    <p:extLst>
-      <p:ext uri="{BB962C8B-B14F-4D97-AF65-F5344CB8AC3E}">
-        <p14:creationId xmlns:p14="http://schemas.microsoft.com/office/powerpoint/2010/main" val="2731084683"/>
-      </p:ext>
-    </p:extLst>
   </p:cSld>
   <p:clrMapOvr>
     <a:masterClrMapping/>
   </p:clrMapOvr>
+  <p:timing>
+    <p:tnLst>
+      <p:par>
+        <p:cTn id="1" dur="indefinite" restart="never" nodeType="tmRoot"/>
+      </p:par>
+    </p:tnLst>
+  </p:timing>
 </p:sldLayout>
 </file>
 
@@ -1583,39 +2098,7 @@
       </p:grpSpPr>
       <p:sp>
         <p:nvSpPr>
-          <p:cNvPr id="2" name="タイトル 1"/>
-          <p:cNvSpPr>
-            <a:spLocks noGrp="1"/>
-          </p:cNvSpPr>
-          <p:nvPr>
-            <p:ph type="title"/>
-          </p:nvPr>
-        </p:nvSpPr>
-        <p:spPr>
-          <a:xfrm>
-            <a:off x="342900" y="366184"/>
-            <a:ext cx="6172200" cy="1524000"/>
-          </a:xfrm>
-        </p:spPr>
-        <p:txBody>
-          <a:bodyPr/>
-          <a:lstStyle>
-            <a:lvl1pPr>
-              <a:defRPr/>
-            </a:lvl1pPr>
-          </a:lstStyle>
-          <a:p>
-            <a:r>
-              <a:rPr kumimoji="1" lang="ja-JP" altLang="en-US" smtClean="0"/>
-              <a:t>マスター タイトルの書式設定</a:t>
-            </a:r>
-            <a:endParaRPr kumimoji="1" lang="ja-JP" altLang="en-US"/>
-          </a:p>
-        </p:txBody>
-      </p:sp>
-      <p:sp>
-        <p:nvSpPr>
-          <p:cNvPr id="3" name="テキスト プレースホルダー 2"/>
+          <p:cNvPr id="3" name="Text Placeholder 2"/>
           <p:cNvSpPr>
             <a:spLocks noGrp="1"/>
           </p:cNvSpPr>
@@ -1625,16 +2108,42 @@
         </p:nvSpPr>
         <p:spPr>
           <a:xfrm>
-            <a:off x="342900" y="2046817"/>
-            <a:ext cx="3030141" cy="853016"/>
+            <a:off x="857250" y="975360"/>
+            <a:ext cx="2510028" cy="853016"/>
           </a:xfrm>
         </p:spPr>
         <p:txBody>
-          <a:bodyPr anchor="b"/>
+          <a:bodyPr anchor="b">
+            <a:noAutofit/>
+          </a:bodyPr>
           <a:lstStyle>
-            <a:lvl1pPr marL="0" indent="0">
+            <a:lvl1pPr marL="0" indent="0" algn="ctr">
               <a:buNone/>
-              <a:defRPr sz="2400" b="1"/>
+              <a:defRPr lang="en-US" sz="2400" b="1" i="0" kern="1200" dirty="0" smtClean="0">
+                <a:gradFill>
+                  <a:gsLst>
+                    <a:gs pos="0">
+                      <a:schemeClr val="tx1"/>
+                    </a:gs>
+                    <a:gs pos="40000">
+                      <a:schemeClr val="tx1">
+                        <a:lumMod val="75000"/>
+                        <a:lumOff val="25000"/>
+                      </a:schemeClr>
+                    </a:gs>
+                    <a:gs pos="100000">
+                      <a:schemeClr val="tx2">
+                        <a:alpha val="65000"/>
+                      </a:schemeClr>
+                    </a:gs>
+                  </a:gsLst>
+                  <a:lin ang="5400000" scaled="0"/>
+                </a:gradFill>
+                <a:effectLst/>
+                <a:latin typeface="+mj-lt"/>
+                <a:ea typeface="+mj-ea"/>
+                <a:cs typeface="+mj-cs"/>
+              </a:defRPr>
             </a:lvl1pPr>
             <a:lvl2pPr marL="457200" indent="0">
               <a:buNone/>
@@ -1672,7 +2181,7 @@
           <a:p>
             <a:pPr lvl="0"/>
             <a:r>
-              <a:rPr kumimoji="1" lang="ja-JP" altLang="en-US" smtClean="0"/>
+              <a:rPr lang="ja-JP" altLang="en-US" smtClean="0"/>
               <a:t>マスター テキストの書式設定</a:t>
             </a:r>
           </a:p>
@@ -1680,7 +2189,7 @@
       </p:sp>
       <p:sp>
         <p:nvSpPr>
-          <p:cNvPr id="4" name="コンテンツ プレースホルダー 3"/>
+          <p:cNvPr id="4" name="Content Placeholder 3"/>
           <p:cNvSpPr>
             <a:spLocks noGrp="1"/>
           </p:cNvSpPr>
@@ -1690,21 +2199,23 @@
         </p:nvSpPr>
         <p:spPr>
           <a:xfrm>
-            <a:off x="342900" y="2899833"/>
-            <a:ext cx="3030141" cy="5268384"/>
+            <a:off x="867335" y="1867103"/>
+            <a:ext cx="2510028" cy="3657600"/>
           </a:xfrm>
         </p:spPr>
         <p:txBody>
-          <a:bodyPr/>
+          <a:bodyPr>
+            <a:normAutofit/>
+          </a:bodyPr>
           <a:lstStyle>
             <a:lvl1pPr>
-              <a:defRPr sz="2400"/>
+              <a:defRPr sz="1800"/>
             </a:lvl1pPr>
             <a:lvl2pPr>
-              <a:defRPr sz="2000"/>
+              <a:defRPr sz="1800"/>
             </a:lvl2pPr>
             <a:lvl3pPr>
-              <a:defRPr sz="1800"/>
+              <a:defRPr sz="1600"/>
             </a:lvl3pPr>
             <a:lvl4pPr>
               <a:defRPr sz="1600"/>
@@ -1728,76 +2239,76 @@
           <a:p>
             <a:pPr lvl="0"/>
             <a:r>
-              <a:rPr kumimoji="1" lang="ja-JP" altLang="en-US" smtClean="0"/>
+              <a:rPr lang="ja-JP" altLang="en-US" smtClean="0"/>
               <a:t>マスター テキストの書式設定</a:t>
             </a:r>
           </a:p>
           <a:p>
             <a:pPr lvl="1"/>
             <a:r>
-              <a:rPr kumimoji="1" lang="ja-JP" altLang="en-US" smtClean="0"/>
+              <a:rPr lang="ja-JP" altLang="en-US" smtClean="0"/>
               <a:t>第 </a:t>
             </a:r>
             <a:r>
-              <a:rPr kumimoji="1" lang="en-US" altLang="ja-JP" smtClean="0"/>
+              <a:rPr lang="en-US" altLang="ja-JP" smtClean="0"/>
               <a:t>2 </a:t>
             </a:r>
             <a:r>
-              <a:rPr kumimoji="1" lang="ja-JP" altLang="en-US" smtClean="0"/>
+              <a:rPr lang="ja-JP" altLang="en-US" smtClean="0"/>
               <a:t>レベル</a:t>
             </a:r>
           </a:p>
           <a:p>
             <a:pPr lvl="2"/>
             <a:r>
-              <a:rPr kumimoji="1" lang="ja-JP" altLang="en-US" smtClean="0"/>
+              <a:rPr lang="ja-JP" altLang="en-US" smtClean="0"/>
               <a:t>第 </a:t>
             </a:r>
             <a:r>
-              <a:rPr kumimoji="1" lang="en-US" altLang="ja-JP" smtClean="0"/>
+              <a:rPr lang="en-US" altLang="ja-JP" smtClean="0"/>
               <a:t>3 </a:t>
             </a:r>
             <a:r>
-              <a:rPr kumimoji="1" lang="ja-JP" altLang="en-US" smtClean="0"/>
+              <a:rPr lang="ja-JP" altLang="en-US" smtClean="0"/>
               <a:t>レベル</a:t>
             </a:r>
           </a:p>
           <a:p>
             <a:pPr lvl="3"/>
             <a:r>
-              <a:rPr kumimoji="1" lang="ja-JP" altLang="en-US" smtClean="0"/>
+              <a:rPr lang="ja-JP" altLang="en-US" smtClean="0"/>
               <a:t>第 </a:t>
             </a:r>
             <a:r>
-              <a:rPr kumimoji="1" lang="en-US" altLang="ja-JP" smtClean="0"/>
+              <a:rPr lang="en-US" altLang="ja-JP" smtClean="0"/>
               <a:t>4 </a:t>
             </a:r>
             <a:r>
-              <a:rPr kumimoji="1" lang="ja-JP" altLang="en-US" smtClean="0"/>
+              <a:rPr lang="ja-JP" altLang="en-US" smtClean="0"/>
               <a:t>レベル</a:t>
             </a:r>
           </a:p>
           <a:p>
             <a:pPr lvl="4"/>
             <a:r>
-              <a:rPr kumimoji="1" lang="ja-JP" altLang="en-US" smtClean="0"/>
+              <a:rPr lang="ja-JP" altLang="en-US" smtClean="0"/>
               <a:t>第 </a:t>
             </a:r>
             <a:r>
-              <a:rPr kumimoji="1" lang="en-US" altLang="ja-JP" smtClean="0"/>
+              <a:rPr lang="en-US" altLang="ja-JP" smtClean="0"/>
               <a:t>5 </a:t>
             </a:r>
             <a:r>
-              <a:rPr kumimoji="1" lang="ja-JP" altLang="en-US" smtClean="0"/>
+              <a:rPr lang="ja-JP" altLang="en-US" smtClean="0"/>
               <a:t>レベル</a:t>
             </a:r>
-            <a:endParaRPr kumimoji="1" lang="ja-JP" altLang="en-US"/>
-          </a:p>
-        </p:txBody>
-      </p:sp>
-      <p:sp>
-        <p:nvSpPr>
-          <p:cNvPr id="5" name="テキスト プレースホルダー 4"/>
+            <a:endParaRPr lang="en-US" dirty="0"/>
+          </a:p>
+        </p:txBody>
+      </p:sp>
+      <p:sp>
+        <p:nvSpPr>
+          <p:cNvPr id="5" name="Text Placeholder 4"/>
           <p:cNvSpPr>
             <a:spLocks noGrp="1"/>
           </p:cNvSpPr>
@@ -1807,16 +2318,42 @@
         </p:nvSpPr>
         <p:spPr>
           <a:xfrm>
-            <a:off x="3483769" y="2046817"/>
-            <a:ext cx="3031331" cy="853016"/>
+            <a:off x="3485477" y="975360"/>
+            <a:ext cx="2510028" cy="853016"/>
           </a:xfrm>
         </p:spPr>
         <p:txBody>
-          <a:bodyPr anchor="b"/>
+          <a:bodyPr anchor="b">
+            <a:noAutofit/>
+          </a:bodyPr>
           <a:lstStyle>
-            <a:lvl1pPr marL="0" indent="0">
+            <a:lvl1pPr marL="0" indent="0" algn="ctr">
               <a:buNone/>
-              <a:defRPr sz="2400" b="1"/>
+              <a:defRPr lang="en-US" sz="2400" b="1" i="0" kern="1200" dirty="0" smtClean="0">
+                <a:gradFill>
+                  <a:gsLst>
+                    <a:gs pos="0">
+                      <a:schemeClr val="tx1"/>
+                    </a:gs>
+                    <a:gs pos="40000">
+                      <a:schemeClr val="tx1">
+                        <a:lumMod val="75000"/>
+                        <a:lumOff val="25000"/>
+                      </a:schemeClr>
+                    </a:gs>
+                    <a:gs pos="100000">
+                      <a:schemeClr val="tx2">
+                        <a:alpha val="65000"/>
+                      </a:schemeClr>
+                    </a:gs>
+                  </a:gsLst>
+                  <a:lin ang="5400000" scaled="0"/>
+                </a:gradFill>
+                <a:effectLst/>
+                <a:latin typeface="+mj-lt"/>
+                <a:ea typeface="+mj-ea"/>
+                <a:cs typeface="+mj-cs"/>
+              </a:defRPr>
             </a:lvl1pPr>
             <a:lvl2pPr marL="457200" indent="0">
               <a:buNone/>
@@ -1852,9 +2389,24 @@
             </a:lvl9pPr>
           </a:lstStyle>
           <a:p>
-            <a:pPr lvl="0"/>
-            <a:r>
-              <a:rPr kumimoji="1" lang="ja-JP" altLang="en-US" smtClean="0"/>
+            <a:pPr marL="0" lvl="0" indent="0" algn="ctr" defTabSz="914400" rtl="0" eaLnBrk="1" latinLnBrk="0" hangingPunct="1">
+              <a:spcBef>
+                <a:spcPct val="20000"/>
+              </a:spcBef>
+              <a:spcAft>
+                <a:spcPts val="300"/>
+              </a:spcAft>
+              <a:buClr>
+                <a:schemeClr val="accent6">
+                  <a:lumMod val="75000"/>
+                </a:schemeClr>
+              </a:buClr>
+              <a:buSzPct val="130000"/>
+              <a:buFont typeface="Georgia" pitchFamily="18" charset="0"/>
+              <a:buNone/>
+            </a:pPr>
+            <a:r>
+              <a:rPr lang="ja-JP" altLang="en-US" smtClean="0"/>
               <a:t>マスター テキストの書式設定</a:t>
             </a:r>
           </a:p>
@@ -1862,7 +2414,7 @@
       </p:sp>
       <p:sp>
         <p:nvSpPr>
-          <p:cNvPr id="6" name="コンテンツ プレースホルダー 5"/>
+          <p:cNvPr id="6" name="Content Placeholder 5"/>
           <p:cNvSpPr>
             <a:spLocks noGrp="1"/>
           </p:cNvSpPr>
@@ -1872,21 +2424,23 @@
         </p:nvSpPr>
         <p:spPr>
           <a:xfrm>
-            <a:off x="3483769" y="2899833"/>
-            <a:ext cx="3031331" cy="5268384"/>
+            <a:off x="3483769" y="1865376"/>
+            <a:ext cx="2510028" cy="3657600"/>
           </a:xfrm>
         </p:spPr>
         <p:txBody>
-          <a:bodyPr/>
+          <a:bodyPr>
+            <a:normAutofit/>
+          </a:bodyPr>
           <a:lstStyle>
             <a:lvl1pPr>
-              <a:defRPr sz="2400"/>
+              <a:defRPr sz="1800"/>
             </a:lvl1pPr>
             <a:lvl2pPr>
-              <a:defRPr sz="2000"/>
+              <a:defRPr sz="1800"/>
             </a:lvl2pPr>
             <a:lvl3pPr>
-              <a:defRPr sz="1800"/>
+              <a:defRPr sz="1600"/>
             </a:lvl3pPr>
             <a:lvl4pPr>
               <a:defRPr sz="1600"/>
@@ -1910,76 +2464,76 @@
           <a:p>
             <a:pPr lvl="0"/>
             <a:r>
-              <a:rPr kumimoji="1" lang="ja-JP" altLang="en-US" smtClean="0"/>
+              <a:rPr lang="ja-JP" altLang="en-US" smtClean="0"/>
               <a:t>マスター テキストの書式設定</a:t>
             </a:r>
           </a:p>
           <a:p>
             <a:pPr lvl="1"/>
             <a:r>
-              <a:rPr kumimoji="1" lang="ja-JP" altLang="en-US" smtClean="0"/>
+              <a:rPr lang="ja-JP" altLang="en-US" smtClean="0"/>
               <a:t>第 </a:t>
             </a:r>
             <a:r>
-              <a:rPr kumimoji="1" lang="en-US" altLang="ja-JP" smtClean="0"/>
+              <a:rPr lang="en-US" altLang="ja-JP" smtClean="0"/>
               <a:t>2 </a:t>
             </a:r>
             <a:r>
-              <a:rPr kumimoji="1" lang="ja-JP" altLang="en-US" smtClean="0"/>
+              <a:rPr lang="ja-JP" altLang="en-US" smtClean="0"/>
               <a:t>レベル</a:t>
             </a:r>
           </a:p>
           <a:p>
             <a:pPr lvl="2"/>
             <a:r>
-              <a:rPr kumimoji="1" lang="ja-JP" altLang="en-US" smtClean="0"/>
+              <a:rPr lang="ja-JP" altLang="en-US" smtClean="0"/>
               <a:t>第 </a:t>
             </a:r>
             <a:r>
-              <a:rPr kumimoji="1" lang="en-US" altLang="ja-JP" smtClean="0"/>
+              <a:rPr lang="en-US" altLang="ja-JP" smtClean="0"/>
               <a:t>3 </a:t>
             </a:r>
             <a:r>
-              <a:rPr kumimoji="1" lang="ja-JP" altLang="en-US" smtClean="0"/>
+              <a:rPr lang="ja-JP" altLang="en-US" smtClean="0"/>
               <a:t>レベル</a:t>
             </a:r>
           </a:p>
           <a:p>
             <a:pPr lvl="3"/>
             <a:r>
-              <a:rPr kumimoji="1" lang="ja-JP" altLang="en-US" smtClean="0"/>
+              <a:rPr lang="ja-JP" altLang="en-US" smtClean="0"/>
               <a:t>第 </a:t>
             </a:r>
             <a:r>
-              <a:rPr kumimoji="1" lang="en-US" altLang="ja-JP" smtClean="0"/>
+              <a:rPr lang="en-US" altLang="ja-JP" smtClean="0"/>
               <a:t>4 </a:t>
             </a:r>
             <a:r>
-              <a:rPr kumimoji="1" lang="ja-JP" altLang="en-US" smtClean="0"/>
+              <a:rPr lang="ja-JP" altLang="en-US" smtClean="0"/>
               <a:t>レベル</a:t>
             </a:r>
           </a:p>
           <a:p>
             <a:pPr lvl="4"/>
             <a:r>
-              <a:rPr kumimoji="1" lang="ja-JP" altLang="en-US" smtClean="0"/>
+              <a:rPr lang="ja-JP" altLang="en-US" smtClean="0"/>
               <a:t>第 </a:t>
             </a:r>
             <a:r>
-              <a:rPr kumimoji="1" lang="en-US" altLang="ja-JP" smtClean="0"/>
+              <a:rPr lang="en-US" altLang="ja-JP" smtClean="0"/>
               <a:t>5 </a:t>
             </a:r>
             <a:r>
-              <a:rPr kumimoji="1" lang="ja-JP" altLang="en-US" smtClean="0"/>
+              <a:rPr lang="ja-JP" altLang="en-US" smtClean="0"/>
               <a:t>レベル</a:t>
             </a:r>
-            <a:endParaRPr kumimoji="1" lang="ja-JP" altLang="en-US"/>
-          </a:p>
-        </p:txBody>
-      </p:sp>
-      <p:sp>
-        <p:nvSpPr>
-          <p:cNvPr id="7" name="日付プレースホルダー 6"/>
+            <a:endParaRPr lang="en-US" dirty="0"/>
+          </a:p>
+        </p:txBody>
+      </p:sp>
+      <p:sp>
+        <p:nvSpPr>
+          <p:cNvPr id="7" name="Date Placeholder 6"/>
           <p:cNvSpPr>
             <a:spLocks noGrp="1"/>
           </p:cNvSpPr>
@@ -1994,7 +2548,7 @@
           <a:p>
             <a:fld id="{4ADE0E56-B02A-4EE7-B89E-44845DFFCF82}" type="datetimeFigureOut">
               <a:rPr kumimoji="1" lang="ja-JP" altLang="en-US" smtClean="0"/>
-              <a:t>2013/12/9</a:t>
+              <a:t>2013/12/10</a:t>
             </a:fld>
             <a:endParaRPr kumimoji="1" lang="ja-JP" altLang="en-US"/>
           </a:p>
@@ -2002,7 +2556,7 @@
       </p:sp>
       <p:sp>
         <p:nvSpPr>
-          <p:cNvPr id="8" name="フッター プレースホルダー 7"/>
+          <p:cNvPr id="8" name="Footer Placeholder 7"/>
           <p:cNvSpPr>
             <a:spLocks noGrp="1"/>
           </p:cNvSpPr>
@@ -2021,7 +2575,7 @@
       </p:sp>
       <p:sp>
         <p:nvSpPr>
-          <p:cNvPr id="9" name="スライド番号プレースホルダー 8"/>
+          <p:cNvPr id="9" name="Slide Number Placeholder 8"/>
           <p:cNvSpPr>
             <a:spLocks noGrp="1"/>
           </p:cNvSpPr>
@@ -2042,16 +2596,41 @@
           </a:p>
         </p:txBody>
       </p:sp>
+      <p:sp>
+        <p:nvSpPr>
+          <p:cNvPr id="10" name="Title 9"/>
+          <p:cNvSpPr>
+            <a:spLocks noGrp="1"/>
+          </p:cNvSpPr>
+          <p:nvPr>
+            <p:ph type="title"/>
+          </p:nvPr>
+        </p:nvSpPr>
+        <p:spPr/>
+        <p:txBody>
+          <a:bodyPr/>
+          <a:lstStyle/>
+          <a:p>
+            <a:r>
+              <a:rPr lang="ja-JP" altLang="en-US" smtClean="0"/>
+              <a:t>マスター タイトルの書式設定</a:t>
+            </a:r>
+            <a:endParaRPr lang="en-US" dirty="0"/>
+          </a:p>
+        </p:txBody>
+      </p:sp>
     </p:spTree>
-    <p:extLst>
-      <p:ext uri="{BB962C8B-B14F-4D97-AF65-F5344CB8AC3E}">
-        <p14:creationId xmlns:p14="http://schemas.microsoft.com/office/powerpoint/2010/main" val="1834025776"/>
-      </p:ext>
-    </p:extLst>
   </p:cSld>
   <p:clrMapOvr>
     <a:masterClrMapping/>
   </p:clrMapOvr>
+  <p:timing>
+    <p:tnLst>
+      <p:par>
+        <p:cTn id="1" dur="indefinite" restart="never" nodeType="tmRoot"/>
+      </p:par>
+    </p:tnLst>
+  </p:timing>
 </p:sldLayout>
 </file>
 
@@ -2074,7 +2653,7 @@
       </p:grpSpPr>
       <p:sp>
         <p:nvSpPr>
-          <p:cNvPr id="2" name="タイトル 1"/>
+          <p:cNvPr id="2" name="Title 1"/>
           <p:cNvSpPr>
             <a:spLocks noGrp="1"/>
           </p:cNvSpPr>
@@ -2088,16 +2667,16 @@
           <a:lstStyle/>
           <a:p>
             <a:r>
-              <a:rPr kumimoji="1" lang="ja-JP" altLang="en-US" smtClean="0"/>
+              <a:rPr lang="ja-JP" altLang="en-US" smtClean="0"/>
               <a:t>マスター タイトルの書式設定</a:t>
             </a:r>
-            <a:endParaRPr kumimoji="1" lang="ja-JP" altLang="en-US"/>
-          </a:p>
-        </p:txBody>
-      </p:sp>
-      <p:sp>
-        <p:nvSpPr>
-          <p:cNvPr id="3" name="日付プレースホルダー 2"/>
+            <a:endParaRPr lang="en-US" dirty="0"/>
+          </a:p>
+        </p:txBody>
+      </p:sp>
+      <p:sp>
+        <p:nvSpPr>
+          <p:cNvPr id="3" name="Date Placeholder 2"/>
           <p:cNvSpPr>
             <a:spLocks noGrp="1"/>
           </p:cNvSpPr>
@@ -2112,7 +2691,7 @@
           <a:p>
             <a:fld id="{4ADE0E56-B02A-4EE7-B89E-44845DFFCF82}" type="datetimeFigureOut">
               <a:rPr kumimoji="1" lang="ja-JP" altLang="en-US" smtClean="0"/>
-              <a:t>2013/12/9</a:t>
+              <a:t>2013/12/10</a:t>
             </a:fld>
             <a:endParaRPr kumimoji="1" lang="ja-JP" altLang="en-US"/>
           </a:p>
@@ -2120,7 +2699,7 @@
       </p:sp>
       <p:sp>
         <p:nvSpPr>
-          <p:cNvPr id="4" name="フッター プレースホルダー 3"/>
+          <p:cNvPr id="4" name="Footer Placeholder 3"/>
           <p:cNvSpPr>
             <a:spLocks noGrp="1"/>
           </p:cNvSpPr>
@@ -2139,7 +2718,7 @@
       </p:sp>
       <p:sp>
         <p:nvSpPr>
-          <p:cNvPr id="5" name="スライド番号プレースホルダー 4"/>
+          <p:cNvPr id="5" name="Slide Number Placeholder 4"/>
           <p:cNvSpPr>
             <a:spLocks noGrp="1"/>
           </p:cNvSpPr>
@@ -2161,15 +2740,17 @@
         </p:txBody>
       </p:sp>
     </p:spTree>
-    <p:extLst>
-      <p:ext uri="{BB962C8B-B14F-4D97-AF65-F5344CB8AC3E}">
-        <p14:creationId xmlns:p14="http://schemas.microsoft.com/office/powerpoint/2010/main" val="563489930"/>
-      </p:ext>
-    </p:extLst>
   </p:cSld>
   <p:clrMapOvr>
     <a:masterClrMapping/>
   </p:clrMapOvr>
+  <p:timing>
+    <p:tnLst>
+      <p:par>
+        <p:cTn id="1" dur="indefinite" restart="never" nodeType="tmRoot"/>
+      </p:par>
+    </p:tnLst>
+  </p:timing>
 </p:sldLayout>
 </file>
 
@@ -2192,7 +2773,7 @@
       </p:grpSpPr>
       <p:sp>
         <p:nvSpPr>
-          <p:cNvPr id="2" name="日付プレースホルダー 1"/>
+          <p:cNvPr id="2" name="Date Placeholder 1"/>
           <p:cNvSpPr>
             <a:spLocks noGrp="1"/>
           </p:cNvSpPr>
@@ -2207,7 +2788,7 @@
           <a:p>
             <a:fld id="{4ADE0E56-B02A-4EE7-B89E-44845DFFCF82}" type="datetimeFigureOut">
               <a:rPr kumimoji="1" lang="ja-JP" altLang="en-US" smtClean="0"/>
-              <a:t>2013/12/9</a:t>
+              <a:t>2013/12/10</a:t>
             </a:fld>
             <a:endParaRPr kumimoji="1" lang="ja-JP" altLang="en-US"/>
           </a:p>
@@ -2215,7 +2796,7 @@
       </p:sp>
       <p:sp>
         <p:nvSpPr>
-          <p:cNvPr id="3" name="フッター プレースホルダー 2"/>
+          <p:cNvPr id="3" name="Footer Placeholder 2"/>
           <p:cNvSpPr>
             <a:spLocks noGrp="1"/>
           </p:cNvSpPr>
@@ -2234,7 +2815,7 @@
       </p:sp>
       <p:sp>
         <p:nvSpPr>
-          <p:cNvPr id="4" name="スライド番号プレースホルダー 3"/>
+          <p:cNvPr id="4" name="Slide Number Placeholder 3"/>
           <p:cNvSpPr>
             <a:spLocks noGrp="1"/>
           </p:cNvSpPr>
@@ -2256,15 +2837,17 @@
         </p:txBody>
       </p:sp>
     </p:spTree>
-    <p:extLst>
-      <p:ext uri="{BB962C8B-B14F-4D97-AF65-F5344CB8AC3E}">
-        <p14:creationId xmlns:p14="http://schemas.microsoft.com/office/powerpoint/2010/main" val="688297747"/>
-      </p:ext>
-    </p:extLst>
   </p:cSld>
   <p:clrMapOvr>
     <a:masterClrMapping/>
   </p:clrMapOvr>
+  <p:timing>
+    <p:tnLst>
+      <p:par>
+        <p:cTn id="1" dur="indefinite" restart="never" nodeType="tmRoot"/>
+      </p:par>
+    </p:tnLst>
+  </p:timing>
 </p:sldLayout>
 </file>
 
@@ -2287,7 +2870,7 @@
       </p:grpSpPr>
       <p:sp>
         <p:nvSpPr>
-          <p:cNvPr id="2" name="タイトル 1"/>
+          <p:cNvPr id="2" name="Title 1"/>
           <p:cNvSpPr>
             <a:spLocks noGrp="1"/>
           </p:cNvSpPr>
@@ -2297,29 +2880,34 @@
         </p:nvSpPr>
         <p:spPr>
           <a:xfrm>
-            <a:off x="342900" y="364067"/>
-            <a:ext cx="2256235" cy="1549400"/>
+            <a:off x="629322" y="2946401"/>
+            <a:ext cx="2727064" cy="1677991"/>
           </a:xfrm>
+          <a:effectLst/>
         </p:spPr>
         <p:txBody>
-          <a:bodyPr anchor="b"/>
+          <a:bodyPr anchor="b">
+            <a:noAutofit/>
+          </a:bodyPr>
           <a:lstStyle>
-            <a:lvl1pPr algn="l">
-              <a:defRPr sz="2000" b="1"/>
+            <a:lvl1pPr marL="228600" indent="-228600" algn="l">
+              <a:defRPr sz="2800" b="1">
+                <a:effectLst/>
+              </a:defRPr>
             </a:lvl1pPr>
           </a:lstStyle>
           <a:p>
             <a:r>
-              <a:rPr kumimoji="1" lang="ja-JP" altLang="en-US" smtClean="0"/>
+              <a:rPr lang="ja-JP" altLang="en-US" smtClean="0"/>
               <a:t>マスター タイトルの書式設定</a:t>
             </a:r>
-            <a:endParaRPr kumimoji="1" lang="ja-JP" altLang="en-US"/>
-          </a:p>
-        </p:txBody>
-      </p:sp>
-      <p:sp>
-        <p:nvSpPr>
-          <p:cNvPr id="3" name="コンテンツ プレースホルダー 2"/>
+            <a:endParaRPr lang="en-US" dirty="0"/>
+          </a:p>
+        </p:txBody>
+      </p:sp>
+      <p:sp>
+        <p:nvSpPr>
+          <p:cNvPr id="3" name="Content Placeholder 2"/>
           <p:cNvSpPr>
             <a:spLocks noGrp="1"/>
           </p:cNvSpPr>
@@ -2329,27 +2917,27 @@
         </p:nvSpPr>
         <p:spPr>
           <a:xfrm>
-            <a:off x="2681287" y="364067"/>
-            <a:ext cx="3833813" cy="7804151"/>
+            <a:off x="3445137" y="975360"/>
+            <a:ext cx="3012814" cy="6526307"/>
           </a:xfrm>
         </p:spPr>
         <p:txBody>
-          <a:bodyPr/>
+          <a:bodyPr anchor="ctr"/>
           <a:lstStyle>
             <a:lvl1pPr>
-              <a:defRPr sz="3200"/>
+              <a:defRPr sz="2200"/>
             </a:lvl1pPr>
             <a:lvl2pPr>
-              <a:defRPr sz="2800"/>
+              <a:defRPr sz="2000"/>
             </a:lvl2pPr>
             <a:lvl3pPr>
-              <a:defRPr sz="2400"/>
+              <a:defRPr sz="1800"/>
             </a:lvl3pPr>
             <a:lvl4pPr>
-              <a:defRPr sz="2000"/>
+              <a:defRPr sz="1600"/>
             </a:lvl4pPr>
             <a:lvl5pPr>
-              <a:defRPr sz="2000"/>
+              <a:defRPr sz="1400"/>
             </a:lvl5pPr>
             <a:lvl6pPr>
               <a:defRPr sz="2000"/>
@@ -2367,76 +2955,76 @@
           <a:p>
             <a:pPr lvl="0"/>
             <a:r>
-              <a:rPr kumimoji="1" lang="ja-JP" altLang="en-US" smtClean="0"/>
+              <a:rPr lang="ja-JP" altLang="en-US" smtClean="0"/>
               <a:t>マスター テキストの書式設定</a:t>
             </a:r>
           </a:p>
           <a:p>
             <a:pPr lvl="1"/>
             <a:r>
-              <a:rPr kumimoji="1" lang="ja-JP" altLang="en-US" smtClean="0"/>
+              <a:rPr lang="ja-JP" altLang="en-US" smtClean="0"/>
               <a:t>第 </a:t>
             </a:r>
             <a:r>
-              <a:rPr kumimoji="1" lang="en-US" altLang="ja-JP" smtClean="0"/>
+              <a:rPr lang="en-US" altLang="ja-JP" smtClean="0"/>
               <a:t>2 </a:t>
             </a:r>
             <a:r>
-              <a:rPr kumimoji="1" lang="ja-JP" altLang="en-US" smtClean="0"/>
+              <a:rPr lang="ja-JP" altLang="en-US" smtClean="0"/>
               <a:t>レベル</a:t>
             </a:r>
           </a:p>
           <a:p>
             <a:pPr lvl="2"/>
             <a:r>
-              <a:rPr kumimoji="1" lang="ja-JP" altLang="en-US" smtClean="0"/>
+              <a:rPr lang="ja-JP" altLang="en-US" smtClean="0"/>
               <a:t>第 </a:t>
             </a:r>
             <a:r>
-              <a:rPr kumimoji="1" lang="en-US" altLang="ja-JP" smtClean="0"/>
+              <a:rPr lang="en-US" altLang="ja-JP" smtClean="0"/>
               <a:t>3 </a:t>
             </a:r>
             <a:r>
-              <a:rPr kumimoji="1" lang="ja-JP" altLang="en-US" smtClean="0"/>
+              <a:rPr lang="ja-JP" altLang="en-US" smtClean="0"/>
               <a:t>レベル</a:t>
             </a:r>
           </a:p>
           <a:p>
             <a:pPr lvl="3"/>
             <a:r>
-              <a:rPr kumimoji="1" lang="ja-JP" altLang="en-US" smtClean="0"/>
+              <a:rPr lang="ja-JP" altLang="en-US" smtClean="0"/>
               <a:t>第 </a:t>
             </a:r>
             <a:r>
-              <a:rPr kumimoji="1" lang="en-US" altLang="ja-JP" smtClean="0"/>
+              <a:rPr lang="en-US" altLang="ja-JP" smtClean="0"/>
               <a:t>4 </a:t>
             </a:r>
             <a:r>
-              <a:rPr kumimoji="1" lang="ja-JP" altLang="en-US" smtClean="0"/>
+              <a:rPr lang="ja-JP" altLang="en-US" smtClean="0"/>
               <a:t>レベル</a:t>
             </a:r>
           </a:p>
           <a:p>
             <a:pPr lvl="4"/>
             <a:r>
-              <a:rPr kumimoji="1" lang="ja-JP" altLang="en-US" smtClean="0"/>
+              <a:rPr lang="ja-JP" altLang="en-US" smtClean="0"/>
               <a:t>第 </a:t>
             </a:r>
             <a:r>
-              <a:rPr kumimoji="1" lang="en-US" altLang="ja-JP" smtClean="0"/>
+              <a:rPr lang="en-US" altLang="ja-JP" smtClean="0"/>
               <a:t>5 </a:t>
             </a:r>
             <a:r>
-              <a:rPr kumimoji="1" lang="ja-JP" altLang="en-US" smtClean="0"/>
+              <a:rPr lang="ja-JP" altLang="en-US" smtClean="0"/>
               <a:t>レベル</a:t>
             </a:r>
-            <a:endParaRPr kumimoji="1" lang="ja-JP" altLang="en-US"/>
-          </a:p>
-        </p:txBody>
-      </p:sp>
-      <p:sp>
-        <p:nvSpPr>
-          <p:cNvPr id="4" name="テキスト プレースホルダー 3"/>
+            <a:endParaRPr lang="en-US" dirty="0"/>
+          </a:p>
+        </p:txBody>
+      </p:sp>
+      <p:sp>
+        <p:nvSpPr>
+          <p:cNvPr id="4" name="Text Placeholder 3"/>
           <p:cNvSpPr>
             <a:spLocks noGrp="1"/>
           </p:cNvSpPr>
@@ -2446,8 +3034,8 @@
         </p:nvSpPr>
         <p:spPr>
           <a:xfrm>
-            <a:off x="342900" y="1913467"/>
-            <a:ext cx="2256235" cy="6254751"/>
+            <a:off x="806824" y="4663736"/>
+            <a:ext cx="2541495" cy="2852691"/>
           </a:xfrm>
         </p:spPr>
         <p:txBody>
@@ -2493,7 +3081,7 @@
           <a:p>
             <a:pPr lvl="0"/>
             <a:r>
-              <a:rPr kumimoji="1" lang="ja-JP" altLang="en-US" smtClean="0"/>
+              <a:rPr lang="ja-JP" altLang="en-US" smtClean="0"/>
               <a:t>マスター テキストの書式設定</a:t>
             </a:r>
           </a:p>
@@ -2501,7 +3089,7 @@
       </p:sp>
       <p:sp>
         <p:nvSpPr>
-          <p:cNvPr id="5" name="日付プレースホルダー 4"/>
+          <p:cNvPr id="5" name="Date Placeholder 4"/>
           <p:cNvSpPr>
             <a:spLocks noGrp="1"/>
           </p:cNvSpPr>
@@ -2516,7 +3104,7 @@
           <a:p>
             <a:fld id="{4ADE0E56-B02A-4EE7-B89E-44845DFFCF82}" type="datetimeFigureOut">
               <a:rPr kumimoji="1" lang="ja-JP" altLang="en-US" smtClean="0"/>
-              <a:t>2013/12/9</a:t>
+              <a:t>2013/12/10</a:t>
             </a:fld>
             <a:endParaRPr kumimoji="1" lang="ja-JP" altLang="en-US"/>
           </a:p>
@@ -2524,7 +3112,7 @@
       </p:sp>
       <p:sp>
         <p:nvSpPr>
-          <p:cNvPr id="6" name="フッター プレースホルダー 5"/>
+          <p:cNvPr id="6" name="Footer Placeholder 5"/>
           <p:cNvSpPr>
             <a:spLocks noGrp="1"/>
           </p:cNvSpPr>
@@ -2543,7 +3131,7 @@
       </p:sp>
       <p:sp>
         <p:nvSpPr>
-          <p:cNvPr id="7" name="スライド番号プレースホルダー 6"/>
+          <p:cNvPr id="7" name="Slide Number Placeholder 6"/>
           <p:cNvSpPr>
             <a:spLocks noGrp="1"/>
           </p:cNvSpPr>
@@ -2565,20 +3153,22 @@
         </p:txBody>
       </p:sp>
     </p:spTree>
-    <p:extLst>
-      <p:ext uri="{BB962C8B-B14F-4D97-AF65-F5344CB8AC3E}">
-        <p14:creationId xmlns:p14="http://schemas.microsoft.com/office/powerpoint/2010/main" val="1126818342"/>
-      </p:ext>
-    </p:extLst>
   </p:cSld>
   <p:clrMapOvr>
     <a:masterClrMapping/>
   </p:clrMapOvr>
+  <p:timing>
+    <p:tnLst>
+      <p:par>
+        <p:cTn id="1" dur="indefinite" restart="never" nodeType="tmRoot"/>
+      </p:par>
+    </p:tnLst>
+  </p:timing>
 </p:sldLayout>
 </file>
 
 <file path=ppt/slideLayouts/slideLayout9.xml><?xml version="1.0" encoding="utf-8"?>
-<p:sldLayout xmlns:a="http://schemas.openxmlformats.org/drawingml/2006/main" xmlns:r="http://schemas.openxmlformats.org/officeDocument/2006/relationships" xmlns:p="http://schemas.openxmlformats.org/presentationml/2006/main" type="picTx" preserve="1">
+<p:sldLayout xmlns:a="http://schemas.openxmlformats.org/drawingml/2006/main" xmlns:r="http://schemas.openxmlformats.org/officeDocument/2006/relationships" xmlns:p="http://schemas.openxmlformats.org/presentationml/2006/main" showMasterSp="0" type="picTx" preserve="1">
   <p:cSld name="タイトル付きの図">
     <p:spTree>
       <p:nvGrpSpPr>
@@ -2596,39 +3186,276 @@
       </p:grpSpPr>
       <p:sp>
         <p:nvSpPr>
-          <p:cNvPr id="2" name="タイトル 1"/>
-          <p:cNvSpPr>
-            <a:spLocks noGrp="1"/>
-          </p:cNvSpPr>
-          <p:nvPr>
-            <p:ph type="title"/>
-          </p:nvPr>
+          <p:cNvPr id="8" name="Rectangle 7"/>
+          <p:cNvSpPr/>
+          <p:nvPr/>
         </p:nvSpPr>
         <p:spPr>
           <a:xfrm>
-            <a:off x="1344216" y="6400800"/>
-            <a:ext cx="4114800" cy="755651"/>
+            <a:off x="0" y="5155893"/>
+            <a:ext cx="6858000" cy="3988107"/>
           </a:xfrm>
+          <a:prstGeom prst="rect">
+            <a:avLst/>
+          </a:prstGeom>
+          <a:gradFill>
+            <a:gsLst>
+              <a:gs pos="0">
+                <a:schemeClr val="bg1">
+                  <a:alpha val="92000"/>
+                </a:schemeClr>
+              </a:gs>
+              <a:gs pos="37000">
+                <a:schemeClr val="bg1">
+                  <a:alpha val="77000"/>
+                </a:schemeClr>
+              </a:gs>
+              <a:gs pos="100000">
+                <a:schemeClr val="bg2">
+                  <a:alpha val="80000"/>
+                </a:schemeClr>
+              </a:gs>
+            </a:gsLst>
+            <a:path path="circle">
+              <a:fillToRect l="50000" t="50000" r="50000" b="50000"/>
+            </a:path>
+          </a:gradFill>
+          <a:ln>
+            <a:noFill/>
+          </a:ln>
         </p:spPr>
-        <p:txBody>
-          <a:bodyPr anchor="b"/>
-          <a:lstStyle>
-            <a:lvl1pPr algn="l">
-              <a:defRPr sz="2000" b="1"/>
-            </a:lvl1pPr>
-          </a:lstStyle>
-          <a:p>
-            <a:r>
-              <a:rPr kumimoji="1" lang="ja-JP" altLang="en-US" smtClean="0"/>
-              <a:t>マスター タイトルの書式設定</a:t>
-            </a:r>
-            <a:endParaRPr kumimoji="1" lang="ja-JP" altLang="en-US"/>
-          </a:p>
-        </p:txBody>
-      </p:sp>
-      <p:sp>
-        <p:nvSpPr>
-          <p:cNvPr id="3" name="図プレースホルダー 2"/>
+        <p:style>
+          <a:lnRef idx="2">
+            <a:schemeClr val="accent1">
+              <a:shade val="50000"/>
+            </a:schemeClr>
+          </a:lnRef>
+          <a:fillRef idx="1">
+            <a:schemeClr val="accent1"/>
+          </a:fillRef>
+          <a:effectRef idx="0">
+            <a:schemeClr val="accent1"/>
+          </a:effectRef>
+          <a:fontRef idx="minor">
+            <a:schemeClr val="lt1"/>
+          </a:fontRef>
+        </p:style>
+        <p:txBody>
+          <a:bodyPr rtlCol="0" anchor="ctr"/>
+          <a:lstStyle/>
+          <a:p>
+            <a:pPr algn="ctr"/>
+            <a:endParaRPr lang="en-US"/>
+          </a:p>
+        </p:txBody>
+      </p:sp>
+      <p:sp>
+        <p:nvSpPr>
+          <p:cNvPr id="9" name="Rectangle 8"/>
+          <p:cNvSpPr/>
+          <p:nvPr/>
+        </p:nvSpPr>
+        <p:spPr>
+          <a:xfrm>
+            <a:off x="0" y="0"/>
+            <a:ext cx="6858000" cy="5155893"/>
+          </a:xfrm>
+          <a:prstGeom prst="rect">
+            <a:avLst/>
+          </a:prstGeom>
+          <a:gradFill flip="none" rotWithShape="1">
+            <a:gsLst>
+              <a:gs pos="0">
+                <a:schemeClr val="bg1">
+                  <a:alpha val="90000"/>
+                </a:schemeClr>
+              </a:gs>
+              <a:gs pos="48000">
+                <a:schemeClr val="bg1">
+                  <a:alpha val="63000"/>
+                </a:schemeClr>
+              </a:gs>
+              <a:gs pos="100000">
+                <a:schemeClr val="bg2">
+                  <a:alpha val="80000"/>
+                </a:schemeClr>
+              </a:gs>
+            </a:gsLst>
+            <a:path path="circle">
+              <a:fillToRect l="50000" t="50000" r="50000" b="50000"/>
+            </a:path>
+            <a:tileRect/>
+          </a:gradFill>
+          <a:ln>
+            <a:noFill/>
+          </a:ln>
+        </p:spPr>
+        <p:style>
+          <a:lnRef idx="2">
+            <a:schemeClr val="accent1">
+              <a:shade val="50000"/>
+            </a:schemeClr>
+          </a:lnRef>
+          <a:fillRef idx="1">
+            <a:schemeClr val="accent1"/>
+          </a:fillRef>
+          <a:effectRef idx="0">
+            <a:schemeClr val="accent1"/>
+          </a:effectRef>
+          <a:fontRef idx="minor">
+            <a:schemeClr val="lt1"/>
+          </a:fontRef>
+        </p:style>
+        <p:txBody>
+          <a:bodyPr rtlCol="0" anchor="ctr"/>
+          <a:lstStyle/>
+          <a:p>
+            <a:pPr algn="ctr"/>
+            <a:endParaRPr lang="en-US" dirty="0"/>
+          </a:p>
+        </p:txBody>
+      </p:sp>
+      <p:sp>
+        <p:nvSpPr>
+          <p:cNvPr id="10" name="Rectangle 9"/>
+          <p:cNvSpPr/>
+          <p:nvPr/>
+        </p:nvSpPr>
+        <p:spPr>
+          <a:xfrm>
+            <a:off x="0" y="3536415"/>
+            <a:ext cx="6858000" cy="3048000"/>
+          </a:xfrm>
+          <a:prstGeom prst="rect">
+            <a:avLst/>
+          </a:prstGeom>
+          <a:gradFill flip="none" rotWithShape="1">
+            <a:gsLst>
+              <a:gs pos="0">
+                <a:schemeClr val="bg1">
+                  <a:alpha val="0"/>
+                </a:schemeClr>
+              </a:gs>
+              <a:gs pos="29000">
+                <a:schemeClr val="bg1">
+                  <a:alpha val="30000"/>
+                </a:schemeClr>
+              </a:gs>
+              <a:gs pos="45000">
+                <a:schemeClr val="bg2">
+                  <a:alpha val="40000"/>
+                </a:schemeClr>
+              </a:gs>
+              <a:gs pos="55000">
+                <a:schemeClr val="bg1">
+                  <a:alpha val="26000"/>
+                </a:schemeClr>
+              </a:gs>
+              <a:gs pos="65000">
+                <a:schemeClr val="bg2">
+                  <a:alpha val="60000"/>
+                </a:schemeClr>
+              </a:gs>
+              <a:gs pos="100000">
+                <a:schemeClr val="bg1">
+                  <a:alpha val="0"/>
+                </a:schemeClr>
+              </a:gs>
+            </a:gsLst>
+            <a:lin ang="5400000" scaled="0"/>
+            <a:tileRect/>
+          </a:gradFill>
+          <a:ln>
+            <a:noFill/>
+          </a:ln>
+        </p:spPr>
+        <p:style>
+          <a:lnRef idx="2">
+            <a:schemeClr val="accent1">
+              <a:shade val="50000"/>
+            </a:schemeClr>
+          </a:lnRef>
+          <a:fillRef idx="1">
+            <a:schemeClr val="accent1"/>
+          </a:fillRef>
+          <a:effectRef idx="0">
+            <a:schemeClr val="accent1"/>
+          </a:effectRef>
+          <a:fontRef idx="minor">
+            <a:schemeClr val="lt1"/>
+          </a:fontRef>
+        </p:style>
+        <p:txBody>
+          <a:bodyPr rtlCol="0" anchor="ctr"/>
+          <a:lstStyle/>
+          <a:p>
+            <a:pPr algn="ctr"/>
+            <a:endParaRPr lang="en-US"/>
+          </a:p>
+        </p:txBody>
+      </p:sp>
+      <p:sp>
+        <p:nvSpPr>
+          <p:cNvPr id="11" name="Oval 10"/>
+          <p:cNvSpPr/>
+          <p:nvPr/>
+        </p:nvSpPr>
+        <p:spPr>
+          <a:xfrm>
+            <a:off x="0" y="2133600"/>
+            <a:ext cx="6858000" cy="6807200"/>
+          </a:xfrm>
+          <a:prstGeom prst="ellipse">
+            <a:avLst/>
+          </a:prstGeom>
+          <a:gradFill flip="none" rotWithShape="1">
+            <a:gsLst>
+              <a:gs pos="0">
+                <a:schemeClr val="bg1"/>
+              </a:gs>
+              <a:gs pos="54000">
+                <a:schemeClr val="bg1">
+                  <a:alpha val="0"/>
+                </a:schemeClr>
+              </a:gs>
+            </a:gsLst>
+            <a:path path="circle">
+              <a:fillToRect l="50000" t="50000" r="50000" b="50000"/>
+            </a:path>
+            <a:tileRect/>
+          </a:gradFill>
+          <a:ln>
+            <a:noFill/>
+          </a:ln>
+        </p:spPr>
+        <p:style>
+          <a:lnRef idx="2">
+            <a:schemeClr val="accent1">
+              <a:shade val="50000"/>
+            </a:schemeClr>
+          </a:lnRef>
+          <a:fillRef idx="1">
+            <a:schemeClr val="accent1"/>
+          </a:fillRef>
+          <a:effectRef idx="0">
+            <a:schemeClr val="accent1"/>
+          </a:effectRef>
+          <a:fontRef idx="minor">
+            <a:schemeClr val="lt1"/>
+          </a:fontRef>
+        </p:style>
+        <p:txBody>
+          <a:bodyPr rtlCol="0" anchor="ctr"/>
+          <a:lstStyle/>
+          <a:p>
+            <a:pPr algn="ctr"/>
+            <a:endParaRPr lang="en-US"/>
+          </a:p>
+        </p:txBody>
+      </p:sp>
+      <p:sp>
+        <p:nvSpPr>
+          <p:cNvPr id="3" name="Picture Placeholder 2"/>
           <p:cNvSpPr>
             <a:spLocks noGrp="1"/>
           </p:cNvSpPr>
@@ -2638,16 +3465,41 @@
         </p:nvSpPr>
         <p:spPr>
           <a:xfrm>
-            <a:off x="1344216" y="817033"/>
-            <a:ext cx="4114800" cy="5486400"/>
+            <a:off x="3356381" y="1524000"/>
+            <a:ext cx="3086100" cy="4170408"/>
           </a:xfrm>
+          <a:prstGeom prst="roundRect">
+            <a:avLst>
+              <a:gd name="adj" fmla="val 4230"/>
+            </a:avLst>
+          </a:prstGeom>
+          <a:solidFill>
+            <a:schemeClr val="bg2">
+              <a:lumMod val="90000"/>
+            </a:schemeClr>
+          </a:solidFill>
+          <a:effectLst>
+            <a:reflection blurRad="4350" stA="23000" endA="300" endPos="28000" dir="5400000" sy="-100000" algn="bl" rotWithShape="0"/>
+          </a:effectLst>
+          <a:scene3d>
+            <a:camera prst="perspectiveContrastingLeftFacing" fov="1800000">
+              <a:rot lat="300000" lon="2100000" rev="0"/>
+            </a:camera>
+            <a:lightRig rig="balanced" dir="t"/>
+          </a:scene3d>
+          <a:sp3d>
+            <a:bevelT w="50800" h="50800"/>
+          </a:sp3d>
         </p:spPr>
         <p:txBody>
-          <a:bodyPr/>
+          <a:bodyPr>
+            <a:normAutofit/>
+            <a:flatTx/>
+          </a:bodyPr>
           <a:lstStyle>
-            <a:lvl1pPr marL="0" indent="0">
+            <a:lvl1pPr marL="0" indent="0" algn="ctr">
               <a:buNone/>
-              <a:defRPr sz="3200"/>
+              <a:defRPr sz="2000"/>
             </a:lvl1pPr>
             <a:lvl2pPr marL="457200" indent="0">
               <a:buNone/>
@@ -2683,13 +3535,17 @@
             </a:lvl9pPr>
           </a:lstStyle>
           <a:p>
-            <a:endParaRPr kumimoji="1" lang="ja-JP" altLang="en-US"/>
-          </a:p>
-        </p:txBody>
-      </p:sp>
-      <p:sp>
-        <p:nvSpPr>
-          <p:cNvPr id="4" name="テキスト プレースホルダー 3"/>
+            <a:r>
+              <a:rPr lang="ja-JP" altLang="en-US" smtClean="0"/>
+              <a:t>アイコンをクリックして図を追加</a:t>
+            </a:r>
+            <a:endParaRPr lang="en-US" dirty="0"/>
+          </a:p>
+        </p:txBody>
+      </p:sp>
+      <p:sp>
+        <p:nvSpPr>
+          <p:cNvPr id="4" name="Text Placeholder 3"/>
           <p:cNvSpPr>
             <a:spLocks noGrp="1"/>
           </p:cNvSpPr>
@@ -2699,16 +3555,17 @@
         </p:nvSpPr>
         <p:spPr>
           <a:xfrm>
-            <a:off x="1344216" y="7156451"/>
-            <a:ext cx="4114800" cy="1073149"/>
+            <a:off x="658415" y="1347315"/>
+            <a:ext cx="2770586" cy="2884027"/>
           </a:xfrm>
         </p:spPr>
         <p:txBody>
-          <a:bodyPr/>
+          <a:bodyPr anchor="b"/>
           <a:lstStyle>
-            <a:lvl1pPr marL="0" indent="0">
-              <a:buNone/>
-              <a:defRPr sz="1400"/>
+            <a:lvl1pPr marL="182880" indent="-182880">
+              <a:buFont typeface="Georgia" pitchFamily="18" charset="0"/>
+              <a:buChar char="*"/>
+              <a:defRPr sz="1600"/>
             </a:lvl1pPr>
             <a:lvl2pPr marL="457200" indent="0">
               <a:buNone/>
@@ -2746,7 +3603,7 @@
           <a:p>
             <a:pPr lvl="0"/>
             <a:r>
-              <a:rPr kumimoji="1" lang="ja-JP" altLang="en-US" smtClean="0"/>
+              <a:rPr lang="ja-JP" altLang="en-US" smtClean="0"/>
               <a:t>マスター テキストの書式設定</a:t>
             </a:r>
           </a:p>
@@ -2754,7 +3611,7 @@
       </p:sp>
       <p:sp>
         <p:nvSpPr>
-          <p:cNvPr id="5" name="日付プレースホルダー 4"/>
+          <p:cNvPr id="5" name="Date Placeholder 4"/>
           <p:cNvSpPr>
             <a:spLocks noGrp="1"/>
           </p:cNvSpPr>
@@ -2769,7 +3626,7 @@
           <a:p>
             <a:fld id="{4ADE0E56-B02A-4EE7-B89E-44845DFFCF82}" type="datetimeFigureOut">
               <a:rPr kumimoji="1" lang="ja-JP" altLang="en-US" smtClean="0"/>
-              <a:t>2013/12/9</a:t>
+              <a:t>2013/12/10</a:t>
             </a:fld>
             <a:endParaRPr kumimoji="1" lang="ja-JP" altLang="en-US"/>
           </a:p>
@@ -2777,7 +3634,7 @@
       </p:sp>
       <p:sp>
         <p:nvSpPr>
-          <p:cNvPr id="6" name="フッター プレースホルダー 5"/>
+          <p:cNvPr id="6" name="Footer Placeholder 5"/>
           <p:cNvSpPr>
             <a:spLocks noGrp="1"/>
           </p:cNvSpPr>
@@ -2796,7 +3653,7 @@
       </p:sp>
       <p:sp>
         <p:nvSpPr>
-          <p:cNvPr id="7" name="スライド番号プレースホルダー 6"/>
+          <p:cNvPr id="7" name="Slide Number Placeholder 6"/>
           <p:cNvSpPr>
             <a:spLocks noGrp="1"/>
           </p:cNvSpPr>
@@ -2817,16 +3674,52 @@
           </a:p>
         </p:txBody>
       </p:sp>
+      <p:sp>
+        <p:nvSpPr>
+          <p:cNvPr id="2" name="Title 1"/>
+          <p:cNvSpPr>
+            <a:spLocks noGrp="1"/>
+          </p:cNvSpPr>
+          <p:nvPr>
+            <p:ph type="title"/>
+          </p:nvPr>
+        </p:nvSpPr>
+        <p:spPr>
+          <a:xfrm>
+            <a:off x="545451" y="5952561"/>
+            <a:ext cx="4787654" cy="1524000"/>
+          </a:xfrm>
+        </p:spPr>
+        <p:txBody>
+          <a:bodyPr anchor="b">
+            <a:noAutofit/>
+          </a:bodyPr>
+          <a:lstStyle>
+            <a:lvl1pPr algn="l">
+              <a:defRPr sz="4600" b="1"/>
+            </a:lvl1pPr>
+          </a:lstStyle>
+          <a:p>
+            <a:r>
+              <a:rPr lang="ja-JP" altLang="en-US" smtClean="0"/>
+              <a:t>マスター タイトルの書式設定</a:t>
+            </a:r>
+            <a:endParaRPr lang="en-US" dirty="0"/>
+          </a:p>
+        </p:txBody>
+      </p:sp>
     </p:spTree>
-    <p:extLst>
-      <p:ext uri="{BB962C8B-B14F-4D97-AF65-F5344CB8AC3E}">
-        <p14:creationId xmlns:p14="http://schemas.microsoft.com/office/powerpoint/2010/main" val="3971293682"/>
-      </p:ext>
-    </p:extLst>
   </p:cSld>
   <p:clrMapOvr>
     <a:masterClrMapping/>
   </p:clrMapOvr>
+  <p:timing>
+    <p:tnLst>
+      <p:par>
+        <p:cTn id="1" dur="indefinite" restart="never" nodeType="tmRoot"/>
+      </p:par>
+    </p:tnLst>
+  </p:timing>
 </p:sldLayout>
 </file>
 
@@ -2834,8 +3727,8 @@
 <p:sldMaster xmlns:a="http://schemas.openxmlformats.org/drawingml/2006/main" xmlns:r="http://schemas.openxmlformats.org/officeDocument/2006/relationships" xmlns:p="http://schemas.openxmlformats.org/presentationml/2006/main">
   <p:cSld>
     <p:bg>
-      <p:bgRef idx="1001">
-        <a:schemeClr val="bg1"/>
+      <p:bgRef idx="1002">
+        <a:schemeClr val="bg2"/>
       </p:bgRef>
     </p:bg>
     <p:spTree>
@@ -2854,7 +3747,276 @@
       </p:grpSpPr>
       <p:sp>
         <p:nvSpPr>
-          <p:cNvPr id="2" name="タイトル プレースホルダー 1"/>
+          <p:cNvPr id="7" name="Rectangle 6"/>
+          <p:cNvSpPr/>
+          <p:nvPr/>
+        </p:nvSpPr>
+        <p:spPr>
+          <a:xfrm>
+            <a:off x="0" y="6807200"/>
+            <a:ext cx="6858000" cy="2336800"/>
+          </a:xfrm>
+          <a:prstGeom prst="rect">
+            <a:avLst/>
+          </a:prstGeom>
+          <a:gradFill>
+            <a:gsLst>
+              <a:gs pos="0">
+                <a:schemeClr val="bg1">
+                  <a:alpha val="91000"/>
+                </a:schemeClr>
+              </a:gs>
+              <a:gs pos="37000">
+                <a:schemeClr val="bg1">
+                  <a:alpha val="76000"/>
+                </a:schemeClr>
+              </a:gs>
+              <a:gs pos="100000">
+                <a:schemeClr val="bg2">
+                  <a:alpha val="79000"/>
+                </a:schemeClr>
+              </a:gs>
+            </a:gsLst>
+            <a:path path="circle">
+              <a:fillToRect l="50000" t="50000" r="50000" b="50000"/>
+            </a:path>
+          </a:gradFill>
+          <a:ln>
+            <a:noFill/>
+          </a:ln>
+        </p:spPr>
+        <p:style>
+          <a:lnRef idx="2">
+            <a:schemeClr val="accent1">
+              <a:shade val="50000"/>
+            </a:schemeClr>
+          </a:lnRef>
+          <a:fillRef idx="1">
+            <a:schemeClr val="accent1"/>
+          </a:fillRef>
+          <a:effectRef idx="0">
+            <a:schemeClr val="accent1"/>
+          </a:effectRef>
+          <a:fontRef idx="minor">
+            <a:schemeClr val="lt1"/>
+          </a:fontRef>
+        </p:style>
+        <p:txBody>
+          <a:bodyPr rtlCol="0" anchor="ctr"/>
+          <a:lstStyle/>
+          <a:p>
+            <a:pPr algn="ctr"/>
+            <a:endParaRPr lang="en-US"/>
+          </a:p>
+        </p:txBody>
+      </p:sp>
+      <p:sp>
+        <p:nvSpPr>
+          <p:cNvPr id="8" name="Rectangle 7"/>
+          <p:cNvSpPr/>
+          <p:nvPr/>
+        </p:nvSpPr>
+        <p:spPr>
+          <a:xfrm>
+            <a:off x="0" y="0"/>
+            <a:ext cx="6858000" cy="6807200"/>
+          </a:xfrm>
+          <a:prstGeom prst="rect">
+            <a:avLst/>
+          </a:prstGeom>
+          <a:gradFill flip="none" rotWithShape="1">
+            <a:gsLst>
+              <a:gs pos="0">
+                <a:schemeClr val="bg1">
+                  <a:alpha val="89000"/>
+                </a:schemeClr>
+              </a:gs>
+              <a:gs pos="48000">
+                <a:schemeClr val="bg1">
+                  <a:alpha val="62000"/>
+                </a:schemeClr>
+              </a:gs>
+              <a:gs pos="100000">
+                <a:schemeClr val="bg2">
+                  <a:alpha val="79000"/>
+                </a:schemeClr>
+              </a:gs>
+            </a:gsLst>
+            <a:path path="circle">
+              <a:fillToRect l="50000" t="50000" r="50000" b="50000"/>
+            </a:path>
+            <a:tileRect/>
+          </a:gradFill>
+          <a:ln>
+            <a:noFill/>
+          </a:ln>
+        </p:spPr>
+        <p:style>
+          <a:lnRef idx="2">
+            <a:schemeClr val="accent1">
+              <a:shade val="50000"/>
+            </a:schemeClr>
+          </a:lnRef>
+          <a:fillRef idx="1">
+            <a:schemeClr val="accent1"/>
+          </a:fillRef>
+          <a:effectRef idx="0">
+            <a:schemeClr val="accent1"/>
+          </a:effectRef>
+          <a:fontRef idx="minor">
+            <a:schemeClr val="lt1"/>
+          </a:fontRef>
+        </p:style>
+        <p:txBody>
+          <a:bodyPr rtlCol="0" anchor="ctr"/>
+          <a:lstStyle/>
+          <a:p>
+            <a:pPr algn="ctr"/>
+            <a:endParaRPr lang="en-US" dirty="0"/>
+          </a:p>
+        </p:txBody>
+      </p:sp>
+      <p:sp>
+        <p:nvSpPr>
+          <p:cNvPr id="9" name="Rectangle 8"/>
+          <p:cNvSpPr/>
+          <p:nvPr/>
+        </p:nvSpPr>
+        <p:spPr>
+          <a:xfrm>
+            <a:off x="0" y="5024405"/>
+            <a:ext cx="6858000" cy="3048000"/>
+          </a:xfrm>
+          <a:prstGeom prst="rect">
+            <a:avLst/>
+          </a:prstGeom>
+          <a:gradFill flip="none" rotWithShape="1">
+            <a:gsLst>
+              <a:gs pos="0">
+                <a:schemeClr val="bg1">
+                  <a:alpha val="0"/>
+                </a:schemeClr>
+              </a:gs>
+              <a:gs pos="29000">
+                <a:schemeClr val="bg1">
+                  <a:alpha val="30000"/>
+                </a:schemeClr>
+              </a:gs>
+              <a:gs pos="45000">
+                <a:schemeClr val="bg2">
+                  <a:alpha val="40000"/>
+                </a:schemeClr>
+              </a:gs>
+              <a:gs pos="55000">
+                <a:schemeClr val="bg1">
+                  <a:alpha val="26000"/>
+                </a:schemeClr>
+              </a:gs>
+              <a:gs pos="65000">
+                <a:schemeClr val="bg2">
+                  <a:alpha val="60000"/>
+                </a:schemeClr>
+              </a:gs>
+              <a:gs pos="100000">
+                <a:schemeClr val="bg1">
+                  <a:alpha val="0"/>
+                </a:schemeClr>
+              </a:gs>
+            </a:gsLst>
+            <a:lin ang="5400000" scaled="0"/>
+            <a:tileRect/>
+          </a:gradFill>
+          <a:ln>
+            <a:noFill/>
+          </a:ln>
+        </p:spPr>
+        <p:style>
+          <a:lnRef idx="2">
+            <a:schemeClr val="accent1">
+              <a:shade val="50000"/>
+            </a:schemeClr>
+          </a:lnRef>
+          <a:fillRef idx="1">
+            <a:schemeClr val="accent1"/>
+          </a:fillRef>
+          <a:effectRef idx="0">
+            <a:schemeClr val="accent1"/>
+          </a:effectRef>
+          <a:fontRef idx="minor">
+            <a:schemeClr val="lt1"/>
+          </a:fontRef>
+        </p:style>
+        <p:txBody>
+          <a:bodyPr rtlCol="0" anchor="ctr"/>
+          <a:lstStyle/>
+          <a:p>
+            <a:pPr algn="ctr"/>
+            <a:endParaRPr lang="en-US"/>
+          </a:p>
+        </p:txBody>
+      </p:sp>
+      <p:sp>
+        <p:nvSpPr>
+          <p:cNvPr id="10" name="Oval 9"/>
+          <p:cNvSpPr/>
+          <p:nvPr/>
+        </p:nvSpPr>
+        <p:spPr>
+          <a:xfrm>
+            <a:off x="0" y="2133600"/>
+            <a:ext cx="6858000" cy="6807200"/>
+          </a:xfrm>
+          <a:prstGeom prst="ellipse">
+            <a:avLst/>
+          </a:prstGeom>
+          <a:gradFill flip="none" rotWithShape="1">
+            <a:gsLst>
+              <a:gs pos="0">
+                <a:schemeClr val="bg1"/>
+              </a:gs>
+              <a:gs pos="56000">
+                <a:schemeClr val="bg1">
+                  <a:alpha val="0"/>
+                </a:schemeClr>
+              </a:gs>
+            </a:gsLst>
+            <a:path path="circle">
+              <a:fillToRect l="50000" t="50000" r="50000" b="50000"/>
+            </a:path>
+            <a:tileRect/>
+          </a:gradFill>
+          <a:ln>
+            <a:noFill/>
+          </a:ln>
+        </p:spPr>
+        <p:style>
+          <a:lnRef idx="2">
+            <a:schemeClr val="accent1">
+              <a:shade val="50000"/>
+            </a:schemeClr>
+          </a:lnRef>
+          <a:fillRef idx="1">
+            <a:schemeClr val="accent1"/>
+          </a:fillRef>
+          <a:effectRef idx="0">
+            <a:schemeClr val="accent1"/>
+          </a:effectRef>
+          <a:fontRef idx="minor">
+            <a:schemeClr val="lt1"/>
+          </a:fontRef>
+        </p:style>
+        <p:txBody>
+          <a:bodyPr rtlCol="0" anchor="ctr"/>
+          <a:lstStyle/>
+          <a:p>
+            <a:pPr algn="ctr"/>
+            <a:endParaRPr lang="en-US"/>
+          </a:p>
+        </p:txBody>
+      </p:sp>
+      <p:sp>
+        <p:nvSpPr>
+          <p:cNvPr id="2" name="Title Placeholder 1"/>
           <p:cNvSpPr>
             <a:spLocks noGrp="1"/>
           </p:cNvSpPr>
@@ -2864,30 +4026,31 @@
         </p:nvSpPr>
         <p:spPr>
           <a:xfrm>
-            <a:off x="342900" y="366184"/>
-            <a:ext cx="6172200" cy="1524000"/>
+            <a:off x="1344967" y="5829557"/>
+            <a:ext cx="4884383" cy="1524000"/>
           </a:xfrm>
           <a:prstGeom prst="rect">
             <a:avLst/>
           </a:prstGeom>
+          <a:effectLst/>
         </p:spPr>
         <p:txBody>
-          <a:bodyPr vert="horz" lIns="91440" tIns="45720" rIns="91440" bIns="45720" rtlCol="0" anchor="ctr">
-            <a:normAutofit/>
+          <a:bodyPr vert="horz" lIns="91440" tIns="45720" rIns="91440" bIns="45720" rtlCol="0" anchor="t" anchorCtr="0">
+            <a:noAutofit/>
           </a:bodyPr>
           <a:lstStyle/>
           <a:p>
             <a:r>
-              <a:rPr kumimoji="1" lang="ja-JP" altLang="en-US" smtClean="0"/>
+              <a:rPr lang="ja-JP" altLang="en-US" smtClean="0"/>
               <a:t>マスター タイトルの書式設定</a:t>
             </a:r>
-            <a:endParaRPr kumimoji="1" lang="ja-JP" altLang="en-US"/>
-          </a:p>
-        </p:txBody>
-      </p:sp>
-      <p:sp>
-        <p:nvSpPr>
-          <p:cNvPr id="3" name="テキスト プレースホルダー 2"/>
+            <a:endParaRPr lang="en-US" dirty="0"/>
+          </a:p>
+        </p:txBody>
+      </p:sp>
+      <p:sp>
+        <p:nvSpPr>
+          <p:cNvPr id="3" name="Text Placeholder 2"/>
           <p:cNvSpPr>
             <a:spLocks noGrp="1"/>
           </p:cNvSpPr>
@@ -2897,8 +4060,8 @@
         </p:nvSpPr>
         <p:spPr>
           <a:xfrm>
-            <a:off x="342900" y="2133601"/>
-            <a:ext cx="6172200" cy="6034617"/>
+            <a:off x="857250" y="976347"/>
+            <a:ext cx="4800600" cy="4632960"/>
           </a:xfrm>
           <a:prstGeom prst="rect">
             <a:avLst/>
@@ -2912,76 +4075,76 @@
           <a:p>
             <a:pPr lvl="0"/>
             <a:r>
-              <a:rPr kumimoji="1" lang="ja-JP" altLang="en-US" smtClean="0"/>
+              <a:rPr lang="ja-JP" altLang="en-US" smtClean="0"/>
               <a:t>マスター テキストの書式設定</a:t>
             </a:r>
           </a:p>
           <a:p>
             <a:pPr lvl="1"/>
             <a:r>
-              <a:rPr kumimoji="1" lang="ja-JP" altLang="en-US" smtClean="0"/>
+              <a:rPr lang="ja-JP" altLang="en-US" smtClean="0"/>
               <a:t>第 </a:t>
             </a:r>
             <a:r>
-              <a:rPr kumimoji="1" lang="en-US" altLang="ja-JP" smtClean="0"/>
+              <a:rPr lang="en-US" altLang="ja-JP" smtClean="0"/>
               <a:t>2 </a:t>
             </a:r>
             <a:r>
-              <a:rPr kumimoji="1" lang="ja-JP" altLang="en-US" smtClean="0"/>
+              <a:rPr lang="ja-JP" altLang="en-US" smtClean="0"/>
               <a:t>レベル</a:t>
             </a:r>
           </a:p>
           <a:p>
             <a:pPr lvl="2"/>
             <a:r>
-              <a:rPr kumimoji="1" lang="ja-JP" altLang="en-US" smtClean="0"/>
+              <a:rPr lang="ja-JP" altLang="en-US" smtClean="0"/>
               <a:t>第 </a:t>
             </a:r>
             <a:r>
-              <a:rPr kumimoji="1" lang="en-US" altLang="ja-JP" smtClean="0"/>
+              <a:rPr lang="en-US" altLang="ja-JP" smtClean="0"/>
               <a:t>3 </a:t>
             </a:r>
             <a:r>
-              <a:rPr kumimoji="1" lang="ja-JP" altLang="en-US" smtClean="0"/>
+              <a:rPr lang="ja-JP" altLang="en-US" smtClean="0"/>
               <a:t>レベル</a:t>
             </a:r>
           </a:p>
           <a:p>
             <a:pPr lvl="3"/>
             <a:r>
-              <a:rPr kumimoji="1" lang="ja-JP" altLang="en-US" smtClean="0"/>
+              <a:rPr lang="ja-JP" altLang="en-US" smtClean="0"/>
               <a:t>第 </a:t>
             </a:r>
             <a:r>
-              <a:rPr kumimoji="1" lang="en-US" altLang="ja-JP" smtClean="0"/>
+              <a:rPr lang="en-US" altLang="ja-JP" smtClean="0"/>
               <a:t>4 </a:t>
             </a:r>
             <a:r>
-              <a:rPr kumimoji="1" lang="ja-JP" altLang="en-US" smtClean="0"/>
+              <a:rPr lang="ja-JP" altLang="en-US" smtClean="0"/>
               <a:t>レベル</a:t>
             </a:r>
           </a:p>
           <a:p>
             <a:pPr lvl="4"/>
             <a:r>
-              <a:rPr kumimoji="1" lang="ja-JP" altLang="en-US" smtClean="0"/>
+              <a:rPr lang="ja-JP" altLang="en-US" smtClean="0"/>
               <a:t>第 </a:t>
             </a:r>
             <a:r>
-              <a:rPr kumimoji="1" lang="en-US" altLang="ja-JP" smtClean="0"/>
+              <a:rPr lang="en-US" altLang="ja-JP" smtClean="0"/>
               <a:t>5 </a:t>
             </a:r>
             <a:r>
-              <a:rPr kumimoji="1" lang="ja-JP" altLang="en-US" smtClean="0"/>
+              <a:rPr lang="ja-JP" altLang="en-US" smtClean="0"/>
               <a:t>レベル</a:t>
             </a:r>
-            <a:endParaRPr kumimoji="1" lang="ja-JP" altLang="en-US"/>
-          </a:p>
-        </p:txBody>
-      </p:sp>
-      <p:sp>
-        <p:nvSpPr>
-          <p:cNvPr id="4" name="日付プレースホルダー 3"/>
+            <a:endParaRPr lang="en-US" dirty="0"/>
+          </a:p>
+        </p:txBody>
+      </p:sp>
+      <p:sp>
+        <p:nvSpPr>
+          <p:cNvPr id="4" name="Date Placeholder 3"/>
           <p:cNvSpPr>
             <a:spLocks noGrp="1"/>
           </p:cNvSpPr>
@@ -2991,8 +4154,8 @@
         </p:nvSpPr>
         <p:spPr>
           <a:xfrm>
-            <a:off x="342900" y="8475134"/>
-            <a:ext cx="1600200" cy="486833"/>
+            <a:off x="4629150" y="8229601"/>
+            <a:ext cx="1885950" cy="486833"/>
           </a:xfrm>
           <a:prstGeom prst="rect">
             <a:avLst/>
@@ -3001,11 +4164,12 @@
         <p:txBody>
           <a:bodyPr vert="horz" lIns="91440" tIns="45720" rIns="91440" bIns="45720" rtlCol="0" anchor="ctr"/>
           <a:lstStyle>
-            <a:lvl1pPr algn="l">
-              <a:defRPr sz="1200">
+            <a:lvl1pPr algn="r">
+              <a:defRPr sz="1100" b="1">
                 <a:solidFill>
                   <a:schemeClr val="tx1">
-                    <a:tint val="75000"/>
+                    <a:lumMod val="50000"/>
+                    <a:lumOff val="50000"/>
                   </a:schemeClr>
                 </a:solidFill>
               </a:defRPr>
@@ -3014,7 +4178,7 @@
           <a:p>
             <a:fld id="{4ADE0E56-B02A-4EE7-B89E-44845DFFCF82}" type="datetimeFigureOut">
               <a:rPr kumimoji="1" lang="ja-JP" altLang="en-US" smtClean="0"/>
-              <a:t>2013/12/9</a:t>
+              <a:t>2013/12/10</a:t>
             </a:fld>
             <a:endParaRPr kumimoji="1" lang="ja-JP" altLang="en-US"/>
           </a:p>
@@ -3022,7 +4186,7 @@
       </p:sp>
       <p:sp>
         <p:nvSpPr>
-          <p:cNvPr id="5" name="フッター プレースホルダー 4"/>
+          <p:cNvPr id="5" name="Footer Placeholder 4"/>
           <p:cNvSpPr>
             <a:spLocks noGrp="1"/>
           </p:cNvSpPr>
@@ -3032,8 +4196,8 @@
         </p:nvSpPr>
         <p:spPr>
           <a:xfrm>
-            <a:off x="2343150" y="8475134"/>
-            <a:ext cx="2171700" cy="486833"/>
+            <a:off x="342900" y="8229601"/>
+            <a:ext cx="2514601" cy="486833"/>
           </a:xfrm>
           <a:prstGeom prst="rect">
             <a:avLst/>
@@ -3042,11 +4206,12 @@
         <p:txBody>
           <a:bodyPr vert="horz" lIns="91440" tIns="45720" rIns="91440" bIns="45720" rtlCol="0" anchor="ctr"/>
           <a:lstStyle>
-            <a:lvl1pPr algn="ctr">
-              <a:defRPr sz="1200">
+            <a:lvl1pPr algn="l">
+              <a:defRPr sz="1100" b="1">
                 <a:solidFill>
                   <a:schemeClr val="tx1">
-                    <a:tint val="75000"/>
+                    <a:lumMod val="50000"/>
+                    <a:lumOff val="50000"/>
                   </a:schemeClr>
                 </a:solidFill>
               </a:defRPr>
@@ -3059,7 +4224,7 @@
       </p:sp>
       <p:sp>
         <p:nvSpPr>
-          <p:cNvPr id="6" name="スライド番号プレースホルダー 5"/>
+          <p:cNvPr id="6" name="Slide Number Placeholder 5"/>
           <p:cNvSpPr>
             <a:spLocks noGrp="1"/>
           </p:cNvSpPr>
@@ -3069,8 +4234,8 @@
         </p:nvSpPr>
         <p:spPr>
           <a:xfrm>
-            <a:off x="4914900" y="8475134"/>
-            <a:ext cx="1600200" cy="486833"/>
+            <a:off x="2857500" y="8229601"/>
+            <a:ext cx="1371600" cy="486833"/>
           </a:xfrm>
           <a:prstGeom prst="rect">
             <a:avLst/>
@@ -3079,11 +4244,12 @@
         <p:txBody>
           <a:bodyPr vert="horz" lIns="91440" tIns="45720" rIns="91440" bIns="45720" rtlCol="0" anchor="ctr"/>
           <a:lstStyle>
-            <a:lvl1pPr algn="r">
-              <a:defRPr sz="1200">
+            <a:lvl1pPr algn="ctr">
+              <a:defRPr sz="1200" b="1">
                 <a:solidFill>
                   <a:schemeClr val="tx1">
-                    <a:tint val="75000"/>
+                    <a:lumMod val="50000"/>
+                    <a:lumOff val="50000"/>
                   </a:schemeClr>
                 </a:solidFill>
               </a:defRPr>
@@ -3099,173 +4265,365 @@
         </p:txBody>
       </p:sp>
     </p:spTree>
-    <p:extLst>
-      <p:ext uri="{BB962C8B-B14F-4D97-AF65-F5344CB8AC3E}">
-        <p14:creationId xmlns:p14="http://schemas.microsoft.com/office/powerpoint/2010/main" val="1765995834"/>
-      </p:ext>
-    </p:extLst>
   </p:cSld>
   <p:clrMap bg1="lt1" tx1="dk1" bg2="lt2" tx2="dk2" accent1="accent1" accent2="accent2" accent3="accent3" accent4="accent4" accent5="accent5" accent6="accent6" hlink="hlink" folHlink="folHlink"/>
   <p:sldLayoutIdLst>
-    <p:sldLayoutId id="2147483649" r:id="rId1"/>
-    <p:sldLayoutId id="2147483650" r:id="rId2"/>
-    <p:sldLayoutId id="2147483651" r:id="rId3"/>
-    <p:sldLayoutId id="2147483652" r:id="rId4"/>
-    <p:sldLayoutId id="2147483653" r:id="rId5"/>
-    <p:sldLayoutId id="2147483654" r:id="rId6"/>
-    <p:sldLayoutId id="2147483655" r:id="rId7"/>
-    <p:sldLayoutId id="2147483656" r:id="rId8"/>
-    <p:sldLayoutId id="2147483657" r:id="rId9"/>
-    <p:sldLayoutId id="2147483658" r:id="rId10"/>
-    <p:sldLayoutId id="2147483659" r:id="rId11"/>
+    <p:sldLayoutId id="2147483793" r:id="rId1"/>
+    <p:sldLayoutId id="2147483794" r:id="rId2"/>
+    <p:sldLayoutId id="2147483795" r:id="rId3"/>
+    <p:sldLayoutId id="2147483796" r:id="rId4"/>
+    <p:sldLayoutId id="2147483797" r:id="rId5"/>
+    <p:sldLayoutId id="2147483798" r:id="rId6"/>
+    <p:sldLayoutId id="2147483799" r:id="rId7"/>
+    <p:sldLayoutId id="2147483800" r:id="rId8"/>
+    <p:sldLayoutId id="2147483801" r:id="rId9"/>
+    <p:sldLayoutId id="2147483802" r:id="rId10"/>
+    <p:sldLayoutId id="2147483803" r:id="rId11"/>
   </p:sldLayoutIdLst>
+  <p:timing>
+    <p:tnLst>
+      <p:par>
+        <p:cTn id="1" dur="indefinite" restart="never" nodeType="tmRoot"/>
+      </p:par>
+    </p:tnLst>
+  </p:timing>
   <p:txStyles>
     <p:titleStyle>
-      <a:lvl1pPr algn="ctr" defTabSz="914400" rtl="0" eaLnBrk="1" latinLnBrk="0" hangingPunct="1">
+      <a:lvl1pPr marL="320040" indent="-320040" algn="r" defTabSz="914400" rtl="0" eaLnBrk="1" latinLnBrk="0" hangingPunct="1">
         <a:spcBef>
           <a:spcPct val="0"/>
         </a:spcBef>
-        <a:buNone/>
-        <a:defRPr kumimoji="1" sz="4400" kern="1200">
-          <a:solidFill>
-            <a:schemeClr val="tx1"/>
-          </a:solidFill>
+        <a:buClr>
+          <a:schemeClr val="accent6">
+            <a:lumMod val="75000"/>
+          </a:schemeClr>
+        </a:buClr>
+        <a:buSzPct val="128000"/>
+        <a:buFont typeface="Georgia" pitchFamily="18" charset="0"/>
+        <a:buChar char="*"/>
+        <a:defRPr kumimoji="1" sz="4600" b="1" i="0" kern="1200">
+          <a:gradFill>
+            <a:gsLst>
+              <a:gs pos="0">
+                <a:schemeClr val="tx1"/>
+              </a:gs>
+              <a:gs pos="40000">
+                <a:schemeClr val="tx1">
+                  <a:lumMod val="75000"/>
+                  <a:lumOff val="25000"/>
+                </a:schemeClr>
+              </a:gs>
+              <a:gs pos="100000">
+                <a:schemeClr val="tx2">
+                  <a:alpha val="65000"/>
+                </a:schemeClr>
+              </a:gs>
+            </a:gsLst>
+            <a:lin ang="5400000" scaled="0"/>
+          </a:gradFill>
+          <a:effectLst>
+            <a:reflection blurRad="6350" stA="55000" endA="300" endPos="45500" dir="5400000" sy="-100000" algn="bl" rotWithShape="0"/>
+          </a:effectLst>
           <a:latin typeface="+mj-lt"/>
           <a:ea typeface="+mj-ea"/>
           <a:cs typeface="+mj-cs"/>
         </a:defRPr>
       </a:lvl1pPr>
+      <a:lvl2pPr eaLnBrk="1" hangingPunct="1">
+        <a:defRPr kumimoji="1">
+          <a:solidFill>
+            <a:schemeClr val="tx2"/>
+          </a:solidFill>
+        </a:defRPr>
+      </a:lvl2pPr>
+      <a:lvl3pPr eaLnBrk="1" hangingPunct="1">
+        <a:defRPr kumimoji="1">
+          <a:solidFill>
+            <a:schemeClr val="tx2"/>
+          </a:solidFill>
+        </a:defRPr>
+      </a:lvl3pPr>
+      <a:lvl4pPr eaLnBrk="1" hangingPunct="1">
+        <a:defRPr kumimoji="1">
+          <a:solidFill>
+            <a:schemeClr val="tx2"/>
+          </a:solidFill>
+        </a:defRPr>
+      </a:lvl4pPr>
+      <a:lvl5pPr eaLnBrk="1" hangingPunct="1">
+        <a:defRPr kumimoji="1">
+          <a:solidFill>
+            <a:schemeClr val="tx2"/>
+          </a:solidFill>
+        </a:defRPr>
+      </a:lvl5pPr>
+      <a:lvl6pPr eaLnBrk="1" hangingPunct="1">
+        <a:defRPr kumimoji="1">
+          <a:solidFill>
+            <a:schemeClr val="tx2"/>
+          </a:solidFill>
+        </a:defRPr>
+      </a:lvl6pPr>
+      <a:lvl7pPr eaLnBrk="1" hangingPunct="1">
+        <a:defRPr kumimoji="1">
+          <a:solidFill>
+            <a:schemeClr val="tx2"/>
+          </a:solidFill>
+        </a:defRPr>
+      </a:lvl7pPr>
+      <a:lvl8pPr eaLnBrk="1" hangingPunct="1">
+        <a:defRPr kumimoji="1">
+          <a:solidFill>
+            <a:schemeClr val="tx2"/>
+          </a:solidFill>
+        </a:defRPr>
+      </a:lvl8pPr>
+      <a:lvl9pPr eaLnBrk="1" hangingPunct="1">
+        <a:defRPr kumimoji="1">
+          <a:solidFill>
+            <a:schemeClr val="tx2"/>
+          </a:solidFill>
+        </a:defRPr>
+      </a:lvl9pPr>
     </p:titleStyle>
     <p:bodyStyle>
-      <a:lvl1pPr marL="342900" indent="-342900" algn="l" defTabSz="914400" rtl="0" eaLnBrk="1" latinLnBrk="0" hangingPunct="1">
+      <a:lvl1pPr marL="228600" indent="-182880" algn="l" defTabSz="914400" rtl="0" eaLnBrk="1" latinLnBrk="0" hangingPunct="1">
         <a:spcBef>
           <a:spcPct val="20000"/>
         </a:spcBef>
-        <a:buFont typeface="Arial" panose="020B0604020202020204" pitchFamily="34" charset="0"/>
-        <a:buChar char="•"/>
-        <a:defRPr kumimoji="1" sz="3200" kern="1200">
+        <a:spcAft>
+          <a:spcPts val="300"/>
+        </a:spcAft>
+        <a:buClr>
+          <a:schemeClr val="accent6">
+            <a:lumMod val="75000"/>
+          </a:schemeClr>
+        </a:buClr>
+        <a:buSzPct val="130000"/>
+        <a:buFont typeface="Georgia" pitchFamily="18" charset="0"/>
+        <a:buChar char="*"/>
+        <a:defRPr kumimoji="1" sz="2200" kern="1200">
           <a:solidFill>
-            <a:schemeClr val="tx1"/>
+            <a:schemeClr val="tx1">
+              <a:lumMod val="75000"/>
+              <a:lumOff val="25000"/>
+            </a:schemeClr>
           </a:solidFill>
           <a:latin typeface="+mn-lt"/>
           <a:ea typeface="+mn-ea"/>
           <a:cs typeface="+mn-cs"/>
         </a:defRPr>
       </a:lvl1pPr>
-      <a:lvl2pPr marL="742950" indent="-285750" algn="l" defTabSz="914400" rtl="0" eaLnBrk="1" latinLnBrk="0" hangingPunct="1">
+      <a:lvl2pPr marL="548640" indent="-182880" algn="l" defTabSz="914400" rtl="0" eaLnBrk="1" latinLnBrk="0" hangingPunct="1">
         <a:spcBef>
           <a:spcPct val="20000"/>
         </a:spcBef>
-        <a:buFont typeface="Arial" panose="020B0604020202020204" pitchFamily="34" charset="0"/>
-        <a:buChar char="–"/>
-        <a:defRPr kumimoji="1" sz="2800" kern="1200">
+        <a:spcAft>
+          <a:spcPts val="300"/>
+        </a:spcAft>
+        <a:buClr>
+          <a:schemeClr val="accent6">
+            <a:lumMod val="75000"/>
+          </a:schemeClr>
+        </a:buClr>
+        <a:buSzPct val="130000"/>
+        <a:buFont typeface="Georgia" pitchFamily="18" charset="0"/>
+        <a:buChar char="*"/>
+        <a:defRPr kumimoji="1" sz="2000" kern="1200">
           <a:solidFill>
-            <a:schemeClr val="tx1"/>
+            <a:schemeClr val="tx1">
+              <a:lumMod val="75000"/>
+              <a:lumOff val="25000"/>
+            </a:schemeClr>
           </a:solidFill>
           <a:latin typeface="+mn-lt"/>
           <a:ea typeface="+mn-ea"/>
           <a:cs typeface="+mn-cs"/>
         </a:defRPr>
       </a:lvl2pPr>
-      <a:lvl3pPr marL="1143000" indent="-228600" algn="l" defTabSz="914400" rtl="0" eaLnBrk="1" latinLnBrk="0" hangingPunct="1">
+      <a:lvl3pPr marL="822960" indent="-182880" algn="l" defTabSz="914400" rtl="0" eaLnBrk="1" latinLnBrk="0" hangingPunct="1">
         <a:spcBef>
           <a:spcPct val="20000"/>
         </a:spcBef>
-        <a:buFont typeface="Arial" panose="020B0604020202020204" pitchFamily="34" charset="0"/>
-        <a:buChar char="•"/>
-        <a:defRPr kumimoji="1" sz="2400" kern="1200">
+        <a:spcAft>
+          <a:spcPts val="300"/>
+        </a:spcAft>
+        <a:buClr>
+          <a:schemeClr val="accent6">
+            <a:lumMod val="75000"/>
+          </a:schemeClr>
+        </a:buClr>
+        <a:buSzPct val="130000"/>
+        <a:buFont typeface="Georgia" pitchFamily="18" charset="0"/>
+        <a:buChar char="*"/>
+        <a:defRPr kumimoji="1" sz="1800" kern="1200">
           <a:solidFill>
-            <a:schemeClr val="tx1"/>
+            <a:schemeClr val="tx1">
+              <a:lumMod val="75000"/>
+              <a:lumOff val="25000"/>
+            </a:schemeClr>
           </a:solidFill>
           <a:latin typeface="+mn-lt"/>
           <a:ea typeface="+mn-ea"/>
           <a:cs typeface="+mn-cs"/>
         </a:defRPr>
       </a:lvl3pPr>
-      <a:lvl4pPr marL="1600200" indent="-228600" algn="l" defTabSz="914400" rtl="0" eaLnBrk="1" latinLnBrk="0" hangingPunct="1">
+      <a:lvl4pPr marL="1097280" indent="-182880" algn="l" defTabSz="914400" rtl="0" eaLnBrk="1" latinLnBrk="0" hangingPunct="1">
         <a:spcBef>
           <a:spcPct val="20000"/>
         </a:spcBef>
-        <a:buFont typeface="Arial" panose="020B0604020202020204" pitchFamily="34" charset="0"/>
-        <a:buChar char="–"/>
-        <a:defRPr kumimoji="1" sz="2000" kern="1200">
+        <a:spcAft>
+          <a:spcPts val="300"/>
+        </a:spcAft>
+        <a:buClr>
+          <a:schemeClr val="accent6">
+            <a:lumMod val="75000"/>
+          </a:schemeClr>
+        </a:buClr>
+        <a:buSzPct val="130000"/>
+        <a:buFont typeface="Georgia" pitchFamily="18" charset="0"/>
+        <a:buChar char="*"/>
+        <a:defRPr kumimoji="1" sz="1600" kern="1200">
           <a:solidFill>
-            <a:schemeClr val="tx1"/>
+            <a:schemeClr val="tx1">
+              <a:lumMod val="75000"/>
+              <a:lumOff val="25000"/>
+            </a:schemeClr>
           </a:solidFill>
           <a:latin typeface="+mn-lt"/>
           <a:ea typeface="+mn-ea"/>
           <a:cs typeface="+mn-cs"/>
         </a:defRPr>
       </a:lvl4pPr>
-      <a:lvl5pPr marL="2057400" indent="-228600" algn="l" defTabSz="914400" rtl="0" eaLnBrk="1" latinLnBrk="0" hangingPunct="1">
+      <a:lvl5pPr marL="1389888" indent="-182880" algn="l" defTabSz="914400" rtl="0" eaLnBrk="1" latinLnBrk="0" hangingPunct="1">
         <a:spcBef>
           <a:spcPct val="20000"/>
         </a:spcBef>
-        <a:buFont typeface="Arial" panose="020B0604020202020204" pitchFamily="34" charset="0"/>
-        <a:buChar char="»"/>
-        <a:defRPr kumimoji="1" sz="2000" kern="1200">
+        <a:spcAft>
+          <a:spcPts val="300"/>
+        </a:spcAft>
+        <a:buClr>
+          <a:schemeClr val="accent6">
+            <a:lumMod val="75000"/>
+          </a:schemeClr>
+        </a:buClr>
+        <a:buSzPct val="130000"/>
+        <a:buFont typeface="Georgia" pitchFamily="18" charset="0"/>
+        <a:buChar char="*"/>
+        <a:defRPr kumimoji="1" sz="1400" kern="1200">
           <a:solidFill>
-            <a:schemeClr val="tx1"/>
+            <a:schemeClr val="tx1">
+              <a:lumMod val="75000"/>
+              <a:lumOff val="25000"/>
+            </a:schemeClr>
           </a:solidFill>
           <a:latin typeface="+mn-lt"/>
           <a:ea typeface="+mn-ea"/>
           <a:cs typeface="+mn-cs"/>
         </a:defRPr>
       </a:lvl5pPr>
-      <a:lvl6pPr marL="2514600" indent="-228600" algn="l" defTabSz="914400" rtl="0" eaLnBrk="1" latinLnBrk="0" hangingPunct="1">
+      <a:lvl6pPr marL="1664208" indent="-182880" algn="l" defTabSz="914400" rtl="0" eaLnBrk="1" latinLnBrk="0" hangingPunct="1">
         <a:spcBef>
           <a:spcPct val="20000"/>
         </a:spcBef>
-        <a:buFont typeface="Arial" panose="020B0604020202020204" pitchFamily="34" charset="0"/>
-        <a:buChar char="•"/>
-        <a:defRPr kumimoji="1" sz="2000" kern="1200">
+        <a:spcAft>
+          <a:spcPts val="300"/>
+        </a:spcAft>
+        <a:buClr>
+          <a:schemeClr val="accent6">
+            <a:lumMod val="75000"/>
+          </a:schemeClr>
+        </a:buClr>
+        <a:buSzPct val="130000"/>
+        <a:buFont typeface="Georgia" pitchFamily="18" charset="0"/>
+        <a:buChar char="*"/>
+        <a:defRPr kumimoji="1" sz="1400" kern="1200">
           <a:solidFill>
-            <a:schemeClr val="tx1"/>
+            <a:schemeClr val="tx1">
+              <a:lumMod val="75000"/>
+              <a:lumOff val="25000"/>
+            </a:schemeClr>
           </a:solidFill>
           <a:latin typeface="+mn-lt"/>
           <a:ea typeface="+mn-ea"/>
           <a:cs typeface="+mn-cs"/>
         </a:defRPr>
       </a:lvl6pPr>
-      <a:lvl7pPr marL="2971800" indent="-228600" algn="l" defTabSz="914400" rtl="0" eaLnBrk="1" latinLnBrk="0" hangingPunct="1">
+      <a:lvl7pPr marL="1965960" indent="-182880" algn="l" defTabSz="914400" rtl="0" eaLnBrk="1" latinLnBrk="0" hangingPunct="1">
         <a:spcBef>
           <a:spcPct val="20000"/>
         </a:spcBef>
-        <a:buFont typeface="Arial" panose="020B0604020202020204" pitchFamily="34" charset="0"/>
-        <a:buChar char="•"/>
-        <a:defRPr kumimoji="1" sz="2000" kern="1200">
+        <a:spcAft>
+          <a:spcPts val="300"/>
+        </a:spcAft>
+        <a:buClr>
+          <a:schemeClr val="accent6">
+            <a:lumMod val="75000"/>
+          </a:schemeClr>
+        </a:buClr>
+        <a:buSzPct val="130000"/>
+        <a:buFont typeface="Georgia" pitchFamily="18" charset="0"/>
+        <a:buChar char="*"/>
+        <a:defRPr kumimoji="1" sz="1400" kern="1200">
           <a:solidFill>
-            <a:schemeClr val="tx1"/>
+            <a:schemeClr val="tx1">
+              <a:lumMod val="75000"/>
+              <a:lumOff val="25000"/>
+            </a:schemeClr>
           </a:solidFill>
           <a:latin typeface="+mn-lt"/>
           <a:ea typeface="+mn-ea"/>
           <a:cs typeface="+mn-cs"/>
         </a:defRPr>
       </a:lvl7pPr>
-      <a:lvl8pPr marL="3429000" indent="-228600" algn="l" defTabSz="914400" rtl="0" eaLnBrk="1" latinLnBrk="0" hangingPunct="1">
+      <a:lvl8pPr marL="2286000" indent="-182880" algn="l" defTabSz="914400" rtl="0" eaLnBrk="1" latinLnBrk="0" hangingPunct="1">
         <a:spcBef>
           <a:spcPct val="20000"/>
         </a:spcBef>
-        <a:buFont typeface="Arial" panose="020B0604020202020204" pitchFamily="34" charset="0"/>
-        <a:buChar char="•"/>
-        <a:defRPr kumimoji="1" sz="2000" kern="1200">
+        <a:spcAft>
+          <a:spcPts val="300"/>
+        </a:spcAft>
+        <a:buClr>
+          <a:schemeClr val="accent6">
+            <a:lumMod val="75000"/>
+          </a:schemeClr>
+        </a:buClr>
+        <a:buSzPct val="130000"/>
+        <a:buFont typeface="Georgia" pitchFamily="18" charset="0"/>
+        <a:buChar char="*"/>
+        <a:defRPr kumimoji="1" sz="1400" kern="1200">
           <a:solidFill>
-            <a:schemeClr val="tx1"/>
+            <a:schemeClr val="tx1">
+              <a:lumMod val="75000"/>
+              <a:lumOff val="25000"/>
+            </a:schemeClr>
           </a:solidFill>
           <a:latin typeface="+mn-lt"/>
           <a:ea typeface="+mn-ea"/>
           <a:cs typeface="+mn-cs"/>
         </a:defRPr>
       </a:lvl8pPr>
-      <a:lvl9pPr marL="3886200" indent="-228600" algn="l" defTabSz="914400" rtl="0" eaLnBrk="1" latinLnBrk="0" hangingPunct="1">
+      <a:lvl9pPr marL="2587752" indent="-182880" algn="l" defTabSz="914400" rtl="0" eaLnBrk="1" latinLnBrk="0" hangingPunct="1">
         <a:spcBef>
           <a:spcPct val="20000"/>
         </a:spcBef>
-        <a:buFont typeface="Arial" panose="020B0604020202020204" pitchFamily="34" charset="0"/>
-        <a:buChar char="•"/>
-        <a:defRPr kumimoji="1" sz="2000" kern="1200">
+        <a:spcAft>
+          <a:spcPts val="300"/>
+        </a:spcAft>
+        <a:buClr>
+          <a:schemeClr val="accent6">
+            <a:lumMod val="75000"/>
+          </a:schemeClr>
+        </a:buClr>
+        <a:buSzPct val="130000"/>
+        <a:buFont typeface="Georgia" pitchFamily="18" charset="0"/>
+        <a:buChar char="*"/>
+        <a:defRPr kumimoji="1" sz="1400" kern="1200">
           <a:solidFill>
-            <a:schemeClr val="tx1"/>
+            <a:schemeClr val="tx1">
+              <a:lumMod val="75000"/>
+              <a:lumOff val="25000"/>
+            </a:schemeClr>
           </a:solidFill>
           <a:latin typeface="+mn-lt"/>
           <a:ea typeface="+mn-ea"/>
@@ -3275,7 +4633,7 @@
     </p:bodyStyle>
     <p:otherStyle>
       <a:defPPr>
-        <a:defRPr lang="ja-JP"/>
+        <a:defRPr lang="en-US"/>
       </a:defPPr>
       <a:lvl1pPr marL="0" algn="l" defTabSz="914400" rtl="0" eaLnBrk="1" latinLnBrk="0" hangingPunct="1">
         <a:defRPr kumimoji="1" sz="1800" kern="1200">
@@ -3444,7 +4802,47 @@
                 <a:latin typeface="自由の翼フォント" panose="02000600000000000000" pitchFamily="2" charset="-128"/>
                 <a:ea typeface="自由の翼フォント" panose="02000600000000000000" pitchFamily="2" charset="-128"/>
               </a:rPr>
-              <a:t>大容量のデータを収集・分析する方法の調査</a:t>
+              <a:t>大容量のデータ</a:t>
+            </a:r>
+            <a:r>
+              <a:rPr lang="ja-JP" altLang="en-US" sz="2000" b="1" dirty="0" smtClean="0">
+                <a:solidFill>
+                  <a:prstClr val="black"/>
+                </a:solidFill>
+                <a:latin typeface="自由の翼フォント" panose="02000600000000000000" pitchFamily="2" charset="-128"/>
+                <a:ea typeface="自由の翼フォント" panose="02000600000000000000" pitchFamily="2" charset="-128"/>
+              </a:rPr>
+              <a:t>を</a:t>
+            </a:r>
+            <a:endParaRPr lang="en-US" altLang="ja-JP" sz="2000" b="1" dirty="0" smtClean="0">
+              <a:solidFill>
+                <a:prstClr val="black"/>
+              </a:solidFill>
+              <a:latin typeface="自由の翼フォント" panose="02000600000000000000" pitchFamily="2" charset="-128"/>
+              <a:ea typeface="自由の翼フォント" panose="02000600000000000000" pitchFamily="2" charset="-128"/>
+            </a:endParaRPr>
+          </a:p>
+          <a:p>
+            <a:pPr lvl="0" algn="ctr"/>
+            <a:r>
+              <a:rPr lang="ja-JP" altLang="en-US" sz="2000" b="1" dirty="0" smtClean="0">
+                <a:solidFill>
+                  <a:prstClr val="black"/>
+                </a:solidFill>
+                <a:latin typeface="自由の翼フォント" panose="02000600000000000000" pitchFamily="2" charset="-128"/>
+                <a:ea typeface="自由の翼フォント" panose="02000600000000000000" pitchFamily="2" charset="-128"/>
+              </a:rPr>
+              <a:t>収集</a:t>
+            </a:r>
+            <a:r>
+              <a:rPr lang="ja-JP" altLang="en-US" sz="2000" b="1" dirty="0">
+                <a:solidFill>
+                  <a:prstClr val="black"/>
+                </a:solidFill>
+                <a:latin typeface="自由の翼フォント" panose="02000600000000000000" pitchFamily="2" charset="-128"/>
+                <a:ea typeface="自由の翼フォント" panose="02000600000000000000" pitchFamily="2" charset="-128"/>
+              </a:rPr>
+              <a:t>・分析する方法の調査</a:t>
             </a:r>
           </a:p>
         </p:txBody>
@@ -3637,7 +5035,7 @@
           <a:lstStyle/>
           <a:p>
             <a:pPr algn="ctr"/>
-            <a:endParaRPr kumimoji="1" lang="ja-JP" altLang="en-US"/>
+            <a:endParaRPr kumimoji="1" lang="ja-JP" altLang="en-US" dirty="0"/>
           </a:p>
         </p:txBody>
       </p:sp>
@@ -3691,7 +5089,31 @@
                   <a:schemeClr val="tx1"/>
                 </a:solidFill>
               </a:rPr>
-              <a:t>ネットの普及</a:t>
+              <a:t>ネット</a:t>
+            </a:r>
+            <a:r>
+              <a:rPr kumimoji="1" lang="ja-JP" altLang="en-US" dirty="0" smtClean="0">
+                <a:solidFill>
+                  <a:schemeClr val="tx1"/>
+                </a:solidFill>
+              </a:rPr>
+              <a:t>の</a:t>
+            </a:r>
+            <a:endParaRPr kumimoji="1" lang="en-US" altLang="ja-JP" dirty="0" smtClean="0">
+              <a:solidFill>
+                <a:schemeClr val="tx1"/>
+              </a:solidFill>
+            </a:endParaRPr>
+          </a:p>
+          <a:p>
+            <a:pPr algn="ctr"/>
+            <a:r>
+              <a:rPr kumimoji="1" lang="ja-JP" altLang="en-US" dirty="0" smtClean="0">
+                <a:solidFill>
+                  <a:schemeClr val="tx1"/>
+                </a:solidFill>
+              </a:rPr>
+              <a:t>普及</a:t>
             </a:r>
             <a:endParaRPr kumimoji="1" lang="ja-JP" altLang="en-US" dirty="0">
               <a:solidFill>
@@ -3811,7 +5233,39 @@
                   <a:schemeClr val="tx1"/>
                 </a:solidFill>
               </a:rPr>
-              <a:t>大量のデータの収集・分析が可能</a:t>
+              <a:t>大量のデータ</a:t>
+            </a:r>
+            <a:r>
+              <a:rPr kumimoji="1" lang="ja-JP" altLang="en-US" dirty="0" smtClean="0">
+                <a:solidFill>
+                  <a:schemeClr val="tx1"/>
+                </a:solidFill>
+              </a:rPr>
+              <a:t>の</a:t>
+            </a:r>
+            <a:endParaRPr kumimoji="1" lang="en-US" altLang="ja-JP" dirty="0" smtClean="0">
+              <a:solidFill>
+                <a:schemeClr val="tx1"/>
+              </a:solidFill>
+            </a:endParaRPr>
+          </a:p>
+          <a:p>
+            <a:pPr algn="ctr"/>
+            <a:r>
+              <a:rPr kumimoji="1" lang="ja-JP" altLang="en-US" dirty="0" smtClean="0">
+                <a:solidFill>
+                  <a:schemeClr val="tx1"/>
+                </a:solidFill>
+              </a:rPr>
+              <a:t>収集</a:t>
+            </a:r>
+            <a:r>
+              <a:rPr kumimoji="1" lang="ja-JP" altLang="en-US" dirty="0" smtClean="0">
+                <a:solidFill>
+                  <a:schemeClr val="tx1"/>
+                </a:solidFill>
+              </a:rPr>
+              <a:t>・分析が可能</a:t>
             </a:r>
             <a:endParaRPr kumimoji="1" lang="ja-JP" altLang="en-US" dirty="0">
               <a:solidFill>
@@ -3931,7 +5385,39 @@
                   <a:schemeClr val="tx1"/>
                 </a:solidFill>
               </a:rPr>
-              <a:t>オープンソースのデータを収集</a:t>
+              <a:t>オープンソース</a:t>
+            </a:r>
+            <a:r>
+              <a:rPr kumimoji="1" lang="ja-JP" altLang="en-US" dirty="0" smtClean="0">
+                <a:solidFill>
+                  <a:schemeClr val="tx1"/>
+                </a:solidFill>
+              </a:rPr>
+              <a:t>の</a:t>
+            </a:r>
+            <a:endParaRPr kumimoji="1" lang="en-US" altLang="ja-JP" dirty="0" smtClean="0">
+              <a:solidFill>
+                <a:schemeClr val="tx1"/>
+              </a:solidFill>
+            </a:endParaRPr>
+          </a:p>
+          <a:p>
+            <a:pPr algn="ctr"/>
+            <a:r>
+              <a:rPr kumimoji="1" lang="ja-JP" altLang="en-US" dirty="0" smtClean="0">
+                <a:solidFill>
+                  <a:schemeClr val="tx1"/>
+                </a:solidFill>
+              </a:rPr>
+              <a:t>データ</a:t>
+            </a:r>
+            <a:r>
+              <a:rPr kumimoji="1" lang="ja-JP" altLang="en-US" dirty="0" smtClean="0">
+                <a:solidFill>
+                  <a:schemeClr val="tx1"/>
+                </a:solidFill>
+              </a:rPr>
+              <a:t>を収集</a:t>
             </a:r>
             <a:endParaRPr kumimoji="1" lang="ja-JP" altLang="en-US" dirty="0">
               <a:solidFill>
@@ -4045,7 +5531,7 @@
           <a:lstStyle/>
           <a:p>
             <a:pPr algn="ctr"/>
-            <a:endParaRPr kumimoji="1" lang="ja-JP" altLang="en-US">
+            <a:endParaRPr kumimoji="1" lang="ja-JP" altLang="en-US" dirty="0">
               <a:solidFill>
                 <a:schemeClr val="tx1"/>
               </a:solidFill>
@@ -4103,7 +5589,23 @@
                   <a:schemeClr val="tx1"/>
                 </a:solidFill>
               </a:rPr>
-              <a:t>人気のプログラミン言語の調査</a:t>
+              <a:t>人気の</a:t>
+            </a:r>
+            <a:r>
+              <a:rPr kumimoji="1" lang="ja-JP" altLang="en-US" dirty="0" smtClean="0">
+                <a:solidFill>
+                  <a:schemeClr val="tx1"/>
+                </a:solidFill>
+              </a:rPr>
+              <a:t>プログラミング言語</a:t>
+            </a:r>
+            <a:r>
+              <a:rPr kumimoji="1" lang="ja-JP" altLang="en-US" dirty="0" smtClean="0">
+                <a:solidFill>
+                  <a:schemeClr val="tx1"/>
+                </a:solidFill>
+              </a:rPr>
+              <a:t>の調査</a:t>
             </a:r>
             <a:endParaRPr kumimoji="1" lang="ja-JP" altLang="en-US" dirty="0">
               <a:solidFill>
@@ -4157,7 +5659,7 @@
           <a:lstStyle/>
           <a:p>
             <a:pPr algn="ctr"/>
-            <a:endParaRPr kumimoji="1" lang="ja-JP" altLang="en-US">
+            <a:endParaRPr kumimoji="1" lang="ja-JP" altLang="en-US" dirty="0">
               <a:solidFill>
                 <a:schemeClr val="tx1"/>
               </a:solidFill>
@@ -4242,7 +5744,7 @@
         <p:spPr>
           <a:xfrm>
             <a:off x="1252756" y="7524328"/>
-            <a:ext cx="4464496" cy="1152128"/>
+            <a:ext cx="4696524" cy="1152128"/>
           </a:xfrm>
           <a:prstGeom prst="roundRect">
             <a:avLst/>
@@ -4283,7 +5785,39 @@
                   <a:schemeClr val="tx1"/>
                 </a:solidFill>
               </a:rPr>
-              <a:t>オープンソースのプロジェクトで使われているプログラミング言語を調査する研究</a:t>
+              <a:t>オープンソースのプロジェクト</a:t>
+            </a:r>
+            <a:r>
+              <a:rPr kumimoji="1" lang="ja-JP" altLang="en-US" dirty="0" smtClean="0">
+                <a:solidFill>
+                  <a:schemeClr val="tx1"/>
+                </a:solidFill>
+              </a:rPr>
+              <a:t>で使われて</a:t>
+            </a:r>
+            <a:r>
+              <a:rPr kumimoji="1" lang="ja-JP" altLang="en-US" dirty="0" smtClean="0">
+                <a:solidFill>
+                  <a:schemeClr val="tx1"/>
+                </a:solidFill>
+              </a:rPr>
+              <a:t>いるプログラミング言語</a:t>
+            </a:r>
+            <a:r>
+              <a:rPr kumimoji="1" lang="ja-JP" altLang="en-US" dirty="0" smtClean="0">
+                <a:solidFill>
+                  <a:schemeClr val="tx1"/>
+                </a:solidFill>
+              </a:rPr>
+              <a:t>を調査</a:t>
+            </a:r>
+            <a:r>
+              <a:rPr kumimoji="1" lang="ja-JP" altLang="en-US" dirty="0" smtClean="0">
+                <a:solidFill>
+                  <a:schemeClr val="tx1"/>
+                </a:solidFill>
+              </a:rPr>
+              <a:t>する研究</a:t>
             </a:r>
             <a:endParaRPr kumimoji="1" lang="ja-JP" altLang="en-US" dirty="0">
               <a:solidFill>
@@ -4556,7 +6090,7 @@
             <a:lstStyle/>
             <a:p>
               <a:r>
-                <a:rPr kumimoji="1" lang="en-US" altLang="ja-JP" dirty="0" smtClean="0">
+                <a:rPr kumimoji="1" lang="en-US" altLang="ja-JP" sz="1750" dirty="0" smtClean="0">
                   <a:solidFill>
                     <a:schemeClr val="tx1"/>
                   </a:solidFill>
@@ -4564,14 +6098,62 @@
                 <a:t>1.</a:t>
               </a:r>
               <a:r>
-                <a:rPr kumimoji="1" lang="ja-JP" altLang="en-US" dirty="0" smtClean="0">
+                <a:rPr kumimoji="1" lang="ja-JP" altLang="en-US" sz="1750" dirty="0" smtClean="0">
                   <a:solidFill>
                     <a:schemeClr val="tx1"/>
                   </a:solidFill>
                 </a:rPr>
-                <a:t>ビッグデータの利点，欠点，事例を調査する</a:t>
+                <a:t>ビッグデータの</a:t>
               </a:r>
-              <a:endParaRPr kumimoji="1" lang="ja-JP" altLang="en-US" dirty="0">
+              <a:r>
+                <a:rPr kumimoji="1" lang="ja-JP" altLang="en-US" sz="1750" dirty="0" smtClean="0">
+                  <a:solidFill>
+                    <a:schemeClr val="tx1"/>
+                  </a:solidFill>
+                </a:rPr>
+                <a:t>利点</a:t>
+              </a:r>
+              <a:r>
+                <a:rPr kumimoji="1" lang="en-US" altLang="ja-JP" sz="1750" dirty="0" smtClean="0">
+                  <a:solidFill>
+                    <a:schemeClr val="tx1"/>
+                  </a:solidFill>
+                </a:rPr>
+                <a:t>,</a:t>
+              </a:r>
+              <a:r>
+                <a:rPr kumimoji="1" lang="ja-JP" altLang="en-US" sz="1750" dirty="0" smtClean="0">
+                  <a:solidFill>
+                    <a:schemeClr val="tx1"/>
+                  </a:solidFill>
+                </a:rPr>
+                <a:t>欠点</a:t>
+              </a:r>
+              <a:r>
+                <a:rPr kumimoji="1" lang="en-US" altLang="ja-JP" sz="1750" dirty="0" smtClean="0">
+                  <a:solidFill>
+                    <a:schemeClr val="tx1"/>
+                  </a:solidFill>
+                </a:rPr>
+                <a:t>,</a:t>
+              </a:r>
+              <a:r>
+                <a:rPr kumimoji="1" lang="ja-JP" altLang="en-US" sz="1750" dirty="0" smtClean="0">
+                  <a:solidFill>
+                    <a:schemeClr val="tx1"/>
+                  </a:solidFill>
+                </a:rPr>
+                <a:t>事例</a:t>
+              </a:r>
+              <a:r>
+                <a:rPr kumimoji="1" lang="ja-JP" altLang="en-US" sz="1750" dirty="0" smtClean="0">
+                  <a:solidFill>
+                    <a:schemeClr val="tx1"/>
+                  </a:solidFill>
+                </a:rPr>
+                <a:t>を調査する</a:t>
+              </a:r>
+              <a:endParaRPr kumimoji="1" lang="ja-JP" altLang="en-US" sz="1750" dirty="0">
                 <a:solidFill>
                   <a:schemeClr val="tx1"/>
                 </a:solidFill>
@@ -4623,7 +6205,7 @@
             <a:lstStyle/>
             <a:p>
               <a:r>
-                <a:rPr lang="en-US" altLang="ja-JP" dirty="0" smtClean="0">
+                <a:rPr lang="en-US" altLang="ja-JP" sz="1750" dirty="0" smtClean="0">
                   <a:solidFill>
                     <a:schemeClr val="tx1"/>
                   </a:solidFill>
@@ -4631,7 +6213,7 @@
                 <a:t>2</a:t>
               </a:r>
               <a:r>
-                <a:rPr kumimoji="1" lang="en-US" altLang="ja-JP" dirty="0" smtClean="0">
+                <a:rPr kumimoji="1" lang="en-US" altLang="ja-JP" sz="1750" dirty="0" smtClean="0">
                   <a:solidFill>
                     <a:schemeClr val="tx1"/>
                   </a:solidFill>
@@ -4639,14 +6221,14 @@
                 <a:t>.</a:t>
               </a:r>
               <a:r>
-                <a:rPr kumimoji="1" lang="ja-JP" altLang="en-US" dirty="0" smtClean="0">
+                <a:rPr kumimoji="1" lang="ja-JP" altLang="en-US" sz="1750" dirty="0" smtClean="0">
                   <a:solidFill>
                     <a:schemeClr val="tx1"/>
                   </a:solidFill>
                 </a:rPr>
                 <a:t>データの収集，分析ツールを調査する</a:t>
               </a:r>
-              <a:endParaRPr kumimoji="1" lang="ja-JP" altLang="en-US" dirty="0">
+              <a:endParaRPr kumimoji="1" lang="ja-JP" altLang="en-US" sz="1750" dirty="0">
                 <a:solidFill>
                   <a:schemeClr val="tx1"/>
                 </a:solidFill>
@@ -4698,7 +6280,7 @@
             <a:lstStyle/>
             <a:p>
               <a:r>
-                <a:rPr kumimoji="1" lang="en-US" altLang="ja-JP" dirty="0" smtClean="0">
+                <a:rPr kumimoji="1" lang="en-US" altLang="ja-JP" sz="1750" dirty="0" smtClean="0">
                   <a:solidFill>
                     <a:schemeClr val="tx1"/>
                   </a:solidFill>
@@ -4706,14 +6288,14 @@
                 <a:t>3.</a:t>
               </a:r>
               <a:r>
-                <a:rPr kumimoji="1" lang="ja-JP" altLang="en-US" dirty="0" smtClean="0">
+                <a:rPr kumimoji="1" lang="ja-JP" altLang="en-US" sz="1750" dirty="0" smtClean="0">
                   <a:solidFill>
                     <a:schemeClr val="tx1"/>
                   </a:solidFill>
                 </a:rPr>
                 <a:t>使われてるプログラミング言語の調査</a:t>
               </a:r>
-              <a:endParaRPr kumimoji="1" lang="ja-JP" altLang="en-US" dirty="0">
+              <a:endParaRPr kumimoji="1" lang="ja-JP" altLang="en-US" sz="1750" dirty="0">
                 <a:solidFill>
                   <a:schemeClr val="tx1"/>
                 </a:solidFill>
@@ -4804,8 +6386,8 @@
           </p:nvSpPr>
           <p:spPr>
             <a:xfrm>
-              <a:off x="742392" y="2645498"/>
-              <a:ext cx="1944216" cy="432048"/>
+              <a:off x="742391" y="2645498"/>
+              <a:ext cx="2169985" cy="432048"/>
             </a:xfrm>
             <a:prstGeom prst="roundRect">
               <a:avLst/>
@@ -4969,20 +6551,12 @@
             <a:p>
               <a:pPr algn="ctr"/>
               <a:r>
-                <a:rPr kumimoji="1" lang="en-US" altLang="ja-JP" dirty="0" err="1" smtClean="0">
-                  <a:solidFill>
-                    <a:schemeClr val="tx1"/>
-                  </a:solidFill>
-                </a:rPr>
-                <a:t>GitHub</a:t>
-              </a:r>
-              <a:r>
                 <a:rPr kumimoji="1" lang="en-US" altLang="ja-JP" dirty="0" smtClean="0">
                   <a:solidFill>
                     <a:schemeClr val="tx1"/>
                   </a:solidFill>
                 </a:rPr>
-                <a:t> Archive</a:t>
+                <a:t>GitHub Archive</a:t>
               </a:r>
               <a:endParaRPr kumimoji="1" lang="ja-JP" altLang="en-US" dirty="0">
                 <a:solidFill>
@@ -6306,9 +7880,9 @@
 </file>
 
 <file path=ppt/theme/theme1.xml><?xml version="1.0" encoding="utf-8"?>
-<a:theme xmlns:a="http://schemas.openxmlformats.org/drawingml/2006/main" name="Office ​​テーマ">
+<a:theme xmlns:a="http://schemas.openxmlformats.org/drawingml/2006/main" name="スリップストリーム">
   <a:themeElements>
-    <a:clrScheme name="Office">
+    <a:clrScheme name="スリップストリーム">
       <a:dk1>
         <a:sysClr val="windowText" lastClr="000000"/>
       </a:dk1>
@@ -6316,52 +7890,52 @@
         <a:sysClr val="window" lastClr="FFFFFF"/>
       </a:lt1>
       <a:dk2>
-        <a:srgbClr val="1F497D"/>
+        <a:srgbClr val="212745"/>
       </a:dk2>
       <a:lt2>
-        <a:srgbClr val="EEECE1"/>
+        <a:srgbClr val="B4DCFA"/>
       </a:lt2>
       <a:accent1>
-        <a:srgbClr val="4F81BD"/>
+        <a:srgbClr val="4E67C8"/>
       </a:accent1>
       <a:accent2>
-        <a:srgbClr val="C0504D"/>
+        <a:srgbClr val="5ECCF3"/>
       </a:accent2>
       <a:accent3>
-        <a:srgbClr val="9BBB59"/>
+        <a:srgbClr val="A7EA52"/>
       </a:accent3>
       <a:accent4>
-        <a:srgbClr val="8064A2"/>
+        <a:srgbClr val="5DCEAF"/>
       </a:accent4>
       <a:accent5>
-        <a:srgbClr val="4BACC6"/>
+        <a:srgbClr val="FF8021"/>
       </a:accent5>
       <a:accent6>
-        <a:srgbClr val="F79646"/>
+        <a:srgbClr val="F14124"/>
       </a:accent6>
       <a:hlink>
-        <a:srgbClr val="0000FF"/>
+        <a:srgbClr val="56C7AA"/>
       </a:hlink>
       <a:folHlink>
-        <a:srgbClr val="800080"/>
+        <a:srgbClr val="59A8D1"/>
       </a:folHlink>
     </a:clrScheme>
-    <a:fontScheme name="Office">
+    <a:fontScheme name="スリップストリーム">
       <a:majorFont>
-        <a:latin typeface="Calibri"/>
+        <a:latin typeface="Trebuchet MS"/>
         <a:ea typeface=""/>
         <a:cs typeface=""/>
-        <a:font script="Jpan" typeface="ＭＳ Ｐゴシック"/>
-        <a:font script="Hang" typeface="맑은 고딕"/>
-        <a:font script="Hans" typeface="宋体"/>
-        <a:font script="Hant" typeface="新細明體"/>
-        <a:font script="Arab" typeface="Times New Roman"/>
-        <a:font script="Hebr" typeface="Times New Roman"/>
-        <a:font script="Thai" typeface="Angsana New"/>
+        <a:font script="Jpan" typeface="HGｺﾞｼｯｸM"/>
+        <a:font script="Hang" typeface="HY그래픽B"/>
+        <a:font script="Hans" typeface="方正姚体"/>
+        <a:font script="Hant" typeface="微軟正黑體"/>
+        <a:font script="Arab" typeface="Tahoma"/>
+        <a:font script="Hebr" typeface="Gisha"/>
+        <a:font script="Thai" typeface="IrisUPC"/>
         <a:font script="Ethi" typeface="Nyala"/>
         <a:font script="Beng" typeface="Vrinda"/>
         <a:font script="Gujr" typeface="Shruti"/>
-        <a:font script="Khmr" typeface="MoolBoran"/>
+        <a:font script="Khmr" typeface="DaunPenh"/>
         <a:font script="Knda" typeface="Tunga"/>
         <a:font script="Guru" typeface="Raavi"/>
         <a:font script="Cans" typeface="Euphemia"/>
@@ -6378,21 +7952,21 @@
         <a:font script="Laoo" typeface="DokChampa"/>
         <a:font script="Sinh" typeface="Iskoola Pota"/>
         <a:font script="Mong" typeface="Mongolian Baiti"/>
-        <a:font script="Viet" typeface="Times New Roman"/>
+        <a:font script="Viet" typeface="Tahoma"/>
         <a:font script="Uigh" typeface="Microsoft Uighur"/>
         <a:font script="Geor" typeface="Sylfaen"/>
       </a:majorFont>
       <a:minorFont>
-        <a:latin typeface="Calibri"/>
+        <a:latin typeface="Trebuchet MS"/>
         <a:ea typeface=""/>
         <a:cs typeface=""/>
-        <a:font script="Jpan" typeface="ＭＳ Ｐゴシック"/>
-        <a:font script="Hang" typeface="맑은 고딕"/>
-        <a:font script="Hans" typeface="宋体"/>
-        <a:font script="Hant" typeface="新細明體"/>
-        <a:font script="Arab" typeface="Arial"/>
-        <a:font script="Hebr" typeface="Arial"/>
-        <a:font script="Thai" typeface="Cordia New"/>
+        <a:font script="Jpan" typeface="HGｺﾞｼｯｸM"/>
+        <a:font script="Hang" typeface="HY그래픽M"/>
+        <a:font script="Hans" typeface="方正姚体"/>
+        <a:font script="Hant" typeface="微軟正黑體"/>
+        <a:font script="Arab" typeface="Tahoma"/>
+        <a:font script="Hebr" typeface="Gisha"/>
+        <a:font script="Thai" typeface="IrisUPC"/>
         <a:font script="Ethi" typeface="Nyala"/>
         <a:font script="Beng" typeface="Vrinda"/>
         <a:font script="Gujr" typeface="Shruti"/>
@@ -6418,64 +7992,61 @@
         <a:font script="Geor" typeface="Sylfaen"/>
       </a:minorFont>
     </a:fontScheme>
-    <a:fmtScheme name="Office">
+    <a:fmtScheme name="スリップストリーム">
       <a:fillStyleLst>
         <a:solidFill>
           <a:schemeClr val="phClr"/>
         </a:solidFill>
         <a:gradFill rotWithShape="1">
           <a:gsLst>
-            <a:gs pos="0">
+            <a:gs pos="28000">
               <a:schemeClr val="phClr">
-                <a:tint val="50000"/>
-                <a:satMod val="300000"/>
-              </a:schemeClr>
-            </a:gs>
-            <a:gs pos="35000">
-              <a:schemeClr val="phClr">
-                <a:tint val="37000"/>
-                <a:satMod val="300000"/>
+                <a:tint val="18000"/>
+                <a:satMod val="120000"/>
+                <a:lumMod val="88000"/>
               </a:schemeClr>
             </a:gs>
             <a:gs pos="100000">
               <a:schemeClr val="phClr">
-                <a:tint val="15000"/>
-                <a:satMod val="350000"/>
+                <a:tint val="40000"/>
+                <a:satMod val="100000"/>
+                <a:lumMod val="78000"/>
               </a:schemeClr>
             </a:gs>
           </a:gsLst>
-          <a:lin ang="16200000" scaled="1"/>
+          <a:lin ang="5400000" scaled="0"/>
         </a:gradFill>
         <a:gradFill rotWithShape="1">
           <a:gsLst>
             <a:gs pos="0">
               <a:schemeClr val="phClr">
-                <a:shade val="51000"/>
-                <a:satMod val="130000"/>
-              </a:schemeClr>
-            </a:gs>
-            <a:gs pos="80000">
-              <a:schemeClr val="phClr">
-                <a:shade val="93000"/>
-                <a:satMod val="130000"/>
+                <a:lumMod val="95000"/>
               </a:schemeClr>
             </a:gs>
             <a:gs pos="100000">
               <a:schemeClr val="phClr">
-                <a:shade val="94000"/>
-                <a:satMod val="135000"/>
+                <a:shade val="82000"/>
+                <a:satMod val="125000"/>
+                <a:lumMod val="74000"/>
               </a:schemeClr>
             </a:gs>
           </a:gsLst>
-          <a:lin ang="16200000" scaled="0"/>
+          <a:lin ang="5400000" scaled="0"/>
         </a:gradFill>
       </a:fillStyleLst>
       <a:lnStyleLst>
         <a:ln w="9525" cap="flat" cmpd="sng" algn="ctr">
           <a:solidFill>
+            <a:schemeClr val="phClr"/>
+          </a:solidFill>
+          <a:prstDash val="solid"/>
+        </a:ln>
+        <a:ln w="15875" cap="flat" cmpd="sng" algn="ctr">
+          <a:solidFill>
             <a:schemeClr val="phClr">
-              <a:shade val="95000"/>
-              <a:satMod val="105000"/>
+              <a:shade val="75000"/>
+              <a:satMod val="125000"/>
+              <a:lumMod val="75000"/>
             </a:schemeClr>
           </a:solidFill>
           <a:prstDash val="solid"/>
@@ -6486,37 +8057,22 @@
           </a:solidFill>
           <a:prstDash val="solid"/>
         </a:ln>
-        <a:ln w="38100" cap="flat" cmpd="sng" algn="ctr">
-          <a:solidFill>
-            <a:schemeClr val="phClr"/>
-          </a:solidFill>
-          <a:prstDash val="solid"/>
-        </a:ln>
       </a:lnStyleLst>
       <a:effectStyleLst>
         <a:effectStyle>
           <a:effectLst>
-            <a:outerShdw blurRad="40000" dist="20000" dir="5400000" rotWithShape="0">
+            <a:outerShdw blurRad="63500" dist="50800" dir="5400000" sx="98000" sy="98000" rotWithShape="0">
               <a:srgbClr val="000000">
-                <a:alpha val="38000"/>
+                <a:alpha val="20000"/>
               </a:srgbClr>
             </a:outerShdw>
           </a:effectLst>
         </a:effectStyle>
         <a:effectStyle>
           <a:effectLst>
-            <a:outerShdw blurRad="40000" dist="23000" dir="5400000" rotWithShape="0">
+            <a:outerShdw blurRad="40005" dist="22984" dir="5400000" rotWithShape="0">
               <a:srgbClr val="000000">
-                <a:alpha val="35000"/>
-              </a:srgbClr>
-            </a:outerShdw>
-          </a:effectLst>
-        </a:effectStyle>
-        <a:effectStyle>
-          <a:effectLst>
-            <a:outerShdw blurRad="40000" dist="23000" dir="5400000" rotWithShape="0">
-              <a:srgbClr val="000000">
-                <a:alpha val="35000"/>
+                <a:alpha val="45000"/>
               </a:srgbClr>
             </a:outerShdw>
           </a:effectLst>
@@ -6524,12 +8080,30 @@
             <a:camera prst="orthographicFront">
               <a:rot lat="0" lon="0" rev="0"/>
             </a:camera>
-            <a:lightRig rig="threePt" dir="t">
-              <a:rot lat="0" lon="0" rev="1200000"/>
-            </a:lightRig>
+            <a:lightRig rig="balanced" dir="tr"/>
           </a:scene3d>
-          <a:sp3d>
-            <a:bevelT w="63500" h="25400"/>
+          <a:sp3d prstMaterial="matte">
+            <a:bevelT w="19050" h="38100"/>
+          </a:sp3d>
+        </a:effectStyle>
+        <a:effectStyle>
+          <a:effectLst>
+            <a:reflection blurRad="38100" stA="26000" endPos="23000" dist="25400" dir="5400000" sy="-100000" rotWithShape="0"/>
+          </a:effectLst>
+          <a:scene3d>
+            <a:camera prst="orthographicFront">
+              <a:rot lat="0" lon="0" rev="0"/>
+            </a:camera>
+            <a:lightRig rig="balanced" dir="tr"/>
+          </a:scene3d>
+          <a:sp3d contourW="14605" prstMaterial="plastic">
+            <a:bevelT w="50800"/>
+            <a:contourClr>
+              <a:schemeClr val="phClr">
+                <a:shade val="30000"/>
+                <a:satMod val="120000"/>
+              </a:schemeClr>
+            </a:contourClr>
           </a:sp3d>
         </a:effectStyle>
       </a:effectStyleLst>
@@ -6541,45 +8115,62 @@
           <a:gsLst>
             <a:gs pos="0">
               <a:schemeClr val="phClr">
-                <a:tint val="40000"/>
-                <a:satMod val="350000"/>
+                <a:tint val="98000"/>
+                <a:shade val="90000"/>
+                <a:satMod val="160000"/>
+                <a:lumMod val="100000"/>
               </a:schemeClr>
             </a:gs>
-            <a:gs pos="40000">
+            <a:gs pos="60000">
               <a:schemeClr val="phClr">
-                <a:tint val="45000"/>
-                <a:shade val="99000"/>
-                <a:satMod val="350000"/>
+                <a:tint val="95000"/>
+                <a:shade val="100000"/>
+                <a:satMod val="130000"/>
+                <a:lumMod val="130000"/>
               </a:schemeClr>
             </a:gs>
             <a:gs pos="100000">
               <a:schemeClr val="phClr">
-                <a:shade val="20000"/>
-                <a:satMod val="255000"/>
+                <a:tint val="97000"/>
+                <a:shade val="100000"/>
+                <a:hueMod val="100000"/>
+                <a:satMod val="140000"/>
+                <a:lumMod val="80000"/>
               </a:schemeClr>
             </a:gs>
           </a:gsLst>
           <a:path path="circle">
-            <a:fillToRect l="50000" t="-80000" r="50000" b="180000"/>
+            <a:fillToRect l="20000" t="10000" r="20000" b="60000"/>
           </a:path>
         </a:gradFill>
         <a:gradFill rotWithShape="1">
           <a:gsLst>
             <a:gs pos="0">
               <a:schemeClr val="phClr">
-                <a:tint val="80000"/>
-                <a:satMod val="300000"/>
+                <a:tint val="94000"/>
+                <a:satMod val="160000"/>
+                <a:lumMod val="160000"/>
+              </a:schemeClr>
+            </a:gs>
+            <a:gs pos="42000">
+              <a:schemeClr val="phClr">
+                <a:tint val="94000"/>
+                <a:shade val="94000"/>
+                <a:satMod val="160000"/>
+                <a:lumMod val="130000"/>
               </a:schemeClr>
             </a:gs>
             <a:gs pos="100000">
               <a:schemeClr val="phClr">
-                <a:shade val="30000"/>
-                <a:satMod val="200000"/>
+                <a:tint val="97000"/>
+                <a:shade val="94000"/>
+                <a:satMod val="180000"/>
+                <a:lumMod val="84000"/>
               </a:schemeClr>
             </a:gs>
           </a:gsLst>
           <a:path path="circle">
-            <a:fillToRect l="50000" t="50000" r="50000" b="50000"/>
+            <a:fillToRect l="24000" t="44000" r="24000" b="12000"/>
           </a:path>
         </a:gradFill>
       </a:bgFillStyleLst>

--- a/課題研究/2013/小池由也/ポスター.pptx
+++ b/課題研究/2013/小池由也/ポスター.pptx
@@ -8,14 +8,14 @@
     <p:sldId id="256" r:id="rId2"/>
     <p:sldId id="257" r:id="rId3"/>
   </p:sldIdLst>
-  <p:sldSz cx="6858000" cy="9144000" type="screen4x3"/>
+  <p:sldSz cx="21386800" cy="30279975"/>
   <p:notesSz cx="6858000" cy="9144000"/>
   <p:defaultTextStyle>
     <a:defPPr>
       <a:defRPr lang="ja-JP"/>
     </a:defPPr>
-    <a:lvl1pPr marL="0" algn="l" defTabSz="914400" rtl="0" eaLnBrk="1" latinLnBrk="0" hangingPunct="1">
-      <a:defRPr kumimoji="1" sz="1800" kern="1200">
+    <a:lvl1pPr marL="0" algn="l" defTabSz="3055193" rtl="0" eaLnBrk="1" latinLnBrk="0" hangingPunct="1">
+      <a:defRPr kumimoji="1" sz="6000" kern="1200">
         <a:solidFill>
           <a:schemeClr val="tx1"/>
         </a:solidFill>
@@ -24,8 +24,8 @@
         <a:cs typeface="+mn-cs"/>
       </a:defRPr>
     </a:lvl1pPr>
-    <a:lvl2pPr marL="457200" algn="l" defTabSz="914400" rtl="0" eaLnBrk="1" latinLnBrk="0" hangingPunct="1">
-      <a:defRPr kumimoji="1" sz="1800" kern="1200">
+    <a:lvl2pPr marL="1527597" algn="l" defTabSz="3055193" rtl="0" eaLnBrk="1" latinLnBrk="0" hangingPunct="1">
+      <a:defRPr kumimoji="1" sz="6000" kern="1200">
         <a:solidFill>
           <a:schemeClr val="tx1"/>
         </a:solidFill>
@@ -34,8 +34,8 @@
         <a:cs typeface="+mn-cs"/>
       </a:defRPr>
     </a:lvl2pPr>
-    <a:lvl3pPr marL="914400" algn="l" defTabSz="914400" rtl="0" eaLnBrk="1" latinLnBrk="0" hangingPunct="1">
-      <a:defRPr kumimoji="1" sz="1800" kern="1200">
+    <a:lvl3pPr marL="3055193" algn="l" defTabSz="3055193" rtl="0" eaLnBrk="1" latinLnBrk="0" hangingPunct="1">
+      <a:defRPr kumimoji="1" sz="6000" kern="1200">
         <a:solidFill>
           <a:schemeClr val="tx1"/>
         </a:solidFill>
@@ -44,8 +44,8 @@
         <a:cs typeface="+mn-cs"/>
       </a:defRPr>
     </a:lvl3pPr>
-    <a:lvl4pPr marL="1371600" algn="l" defTabSz="914400" rtl="0" eaLnBrk="1" latinLnBrk="0" hangingPunct="1">
-      <a:defRPr kumimoji="1" sz="1800" kern="1200">
+    <a:lvl4pPr marL="4582790" algn="l" defTabSz="3055193" rtl="0" eaLnBrk="1" latinLnBrk="0" hangingPunct="1">
+      <a:defRPr kumimoji="1" sz="6000" kern="1200">
         <a:solidFill>
           <a:schemeClr val="tx1"/>
         </a:solidFill>
@@ -54,8 +54,8 @@
         <a:cs typeface="+mn-cs"/>
       </a:defRPr>
     </a:lvl4pPr>
-    <a:lvl5pPr marL="1828800" algn="l" defTabSz="914400" rtl="0" eaLnBrk="1" latinLnBrk="0" hangingPunct="1">
-      <a:defRPr kumimoji="1" sz="1800" kern="1200">
+    <a:lvl5pPr marL="6110387" algn="l" defTabSz="3055193" rtl="0" eaLnBrk="1" latinLnBrk="0" hangingPunct="1">
+      <a:defRPr kumimoji="1" sz="6000" kern="1200">
         <a:solidFill>
           <a:schemeClr val="tx1"/>
         </a:solidFill>
@@ -64,8 +64,8 @@
         <a:cs typeface="+mn-cs"/>
       </a:defRPr>
     </a:lvl5pPr>
-    <a:lvl6pPr marL="2286000" algn="l" defTabSz="914400" rtl="0" eaLnBrk="1" latinLnBrk="0" hangingPunct="1">
-      <a:defRPr kumimoji="1" sz="1800" kern="1200">
+    <a:lvl6pPr marL="7637983" algn="l" defTabSz="3055193" rtl="0" eaLnBrk="1" latinLnBrk="0" hangingPunct="1">
+      <a:defRPr kumimoji="1" sz="6000" kern="1200">
         <a:solidFill>
           <a:schemeClr val="tx1"/>
         </a:solidFill>
@@ -74,8 +74,8 @@
         <a:cs typeface="+mn-cs"/>
       </a:defRPr>
     </a:lvl6pPr>
-    <a:lvl7pPr marL="2743200" algn="l" defTabSz="914400" rtl="0" eaLnBrk="1" latinLnBrk="0" hangingPunct="1">
-      <a:defRPr kumimoji="1" sz="1800" kern="1200">
+    <a:lvl7pPr marL="9165580" algn="l" defTabSz="3055193" rtl="0" eaLnBrk="1" latinLnBrk="0" hangingPunct="1">
+      <a:defRPr kumimoji="1" sz="6000" kern="1200">
         <a:solidFill>
           <a:schemeClr val="tx1"/>
         </a:solidFill>
@@ -84,8 +84,8 @@
         <a:cs typeface="+mn-cs"/>
       </a:defRPr>
     </a:lvl7pPr>
-    <a:lvl8pPr marL="3200400" algn="l" defTabSz="914400" rtl="0" eaLnBrk="1" latinLnBrk="0" hangingPunct="1">
-      <a:defRPr kumimoji="1" sz="1800" kern="1200">
+    <a:lvl8pPr marL="10693176" algn="l" defTabSz="3055193" rtl="0" eaLnBrk="1" latinLnBrk="0" hangingPunct="1">
+      <a:defRPr kumimoji="1" sz="6000" kern="1200">
         <a:solidFill>
           <a:schemeClr val="tx1"/>
         </a:solidFill>
@@ -94,8 +94,8 @@
         <a:cs typeface="+mn-cs"/>
       </a:defRPr>
     </a:lvl8pPr>
-    <a:lvl9pPr marL="3657600" algn="l" defTabSz="914400" rtl="0" eaLnBrk="1" latinLnBrk="0" hangingPunct="1">
-      <a:defRPr kumimoji="1" sz="1800" kern="1200">
+    <a:lvl9pPr marL="12220773" algn="l" defTabSz="3055193" rtl="0" eaLnBrk="1" latinLnBrk="0" hangingPunct="1">
+      <a:defRPr kumimoji="1" sz="6000" kern="1200">
         <a:solidFill>
           <a:schemeClr val="tx1"/>
         </a:solidFill>
@@ -106,6 +106,296 @@
     </a:lvl9pPr>
   </p:defaultTextStyle>
 </p:presentation>
+</file>
+
+<file path=ppt/charts/chart1.xml><?xml version="1.0" encoding="utf-8"?>
+<c:chartSpace xmlns:c="http://schemas.openxmlformats.org/drawingml/2006/chart" xmlns:a="http://schemas.openxmlformats.org/drawingml/2006/main" xmlns:r="http://schemas.openxmlformats.org/officeDocument/2006/relationships">
+  <c:date1904 val="0"/>
+  <c:lang val="ja-JP"/>
+  <c:roundedCorners val="0"/>
+  <mc:AlternateContent xmlns:mc="http://schemas.openxmlformats.org/markup-compatibility/2006">
+    <mc:Choice xmlns:c14="http://schemas.microsoft.com/office/drawing/2007/8/2/chart" Requires="c14">
+      <c14:style val="102"/>
+    </mc:Choice>
+    <mc:Fallback>
+      <c:style val="2"/>
+    </mc:Fallback>
+  </mc:AlternateContent>
+  <c:chart>
+    <c:autoTitleDeleted val="1"/>
+    <c:plotArea>
+      <c:layout/>
+      <c:barChart>
+        <c:barDir val="bar"/>
+        <c:grouping val="clustered"/>
+        <c:varyColors val="0"/>
+        <c:ser>
+          <c:idx val="0"/>
+          <c:order val="0"/>
+          <c:tx>
+            <c:strRef>
+              <c:f>Sheet1!$C$3</c:f>
+              <c:strCache>
+                <c:ptCount val="1"/>
+                <c:pt idx="0">
+                  <c:v>Count</c:v>
+                </c:pt>
+              </c:strCache>
+            </c:strRef>
+          </c:tx>
+          <c:invertIfNegative val="0"/>
+          <c:dLbls>
+            <c:txPr>
+              <a:bodyPr/>
+              <a:lstStyle/>
+              <a:p>
+                <a:pPr>
+                  <a:defRPr sz="1800"/>
+                </a:pPr>
+                <a:endParaRPr lang="ja-JP"/>
+              </a:p>
+            </c:txPr>
+            <c:showLegendKey val="0"/>
+            <c:showVal val="1"/>
+            <c:showCatName val="0"/>
+            <c:showSerName val="0"/>
+            <c:showPercent val="0"/>
+            <c:showBubbleSize val="0"/>
+            <c:showLeaderLines val="0"/>
+          </c:dLbls>
+          <c:cat>
+            <c:strRef>
+              <c:f>Sheet1!$B$4:$B$22</c:f>
+              <c:strCache>
+                <c:ptCount val="19"/>
+                <c:pt idx="0">
+                  <c:v>ActionScript</c:v>
+                </c:pt>
+                <c:pt idx="1">
+                  <c:v>Luna</c:v>
+                </c:pt>
+                <c:pt idx="2">
+                  <c:v>Emacs Lisp</c:v>
+                </c:pt>
+                <c:pt idx="3">
+                  <c:v>Clojure</c:v>
+                </c:pt>
+                <c:pt idx="4">
+                  <c:v>Haskell</c:v>
+                </c:pt>
+                <c:pt idx="5">
+                  <c:v>CoffeeScript</c:v>
+                </c:pt>
+                <c:pt idx="6">
+                  <c:v>Scala</c:v>
+                </c:pt>
+                <c:pt idx="7">
+                  <c:v>VimL</c:v>
+                </c:pt>
+                <c:pt idx="8">
+                  <c:v>perl</c:v>
+                </c:pt>
+                <c:pt idx="9">
+                  <c:v>C#</c:v>
+                </c:pt>
+                <c:pt idx="10">
+                  <c:v>Shell</c:v>
+                </c:pt>
+                <c:pt idx="11">
+                  <c:v>Objective-C</c:v>
+                </c:pt>
+                <c:pt idx="12">
+                  <c:v>C++</c:v>
+                </c:pt>
+                <c:pt idx="13">
+                  <c:v>PHP</c:v>
+                </c:pt>
+                <c:pt idx="14">
+                  <c:v>Python</c:v>
+                </c:pt>
+                <c:pt idx="15">
+                  <c:v>C</c:v>
+                </c:pt>
+                <c:pt idx="16">
+                  <c:v>Ruby</c:v>
+                </c:pt>
+                <c:pt idx="17">
+                  <c:v>JavaScript</c:v>
+                </c:pt>
+                <c:pt idx="18">
+                  <c:v>JavaScript</c:v>
+                </c:pt>
+              </c:strCache>
+            </c:strRef>
+          </c:cat>
+          <c:val>
+            <c:numRef>
+              <c:f>Sheet1!$C$4:$C$22</c:f>
+              <c:numCache>
+                <c:formatCode>General</c:formatCode>
+                <c:ptCount val="19"/>
+                <c:pt idx="0">
+                  <c:v>5414</c:v>
+                </c:pt>
+                <c:pt idx="1">
+                  <c:v>5835</c:v>
+                </c:pt>
+                <c:pt idx="2">
+                  <c:v>7057</c:v>
+                </c:pt>
+                <c:pt idx="3">
+                  <c:v>7521</c:v>
+                </c:pt>
+                <c:pt idx="4">
+                  <c:v>8088</c:v>
+                </c:pt>
+                <c:pt idx="5">
+                  <c:v>11884</c:v>
+                </c:pt>
+                <c:pt idx="6">
+                  <c:v>12924</c:v>
+                </c:pt>
+                <c:pt idx="7">
+                  <c:v>17846</c:v>
+                </c:pt>
+                <c:pt idx="8">
+                  <c:v>18661</c:v>
+                </c:pt>
+                <c:pt idx="9">
+                  <c:v>37308</c:v>
+                </c:pt>
+                <c:pt idx="10">
+                  <c:v>38753</c:v>
+                </c:pt>
+                <c:pt idx="11">
+                  <c:v>38971</c:v>
+                </c:pt>
+                <c:pt idx="12">
+                  <c:v>87092</c:v>
+                </c:pt>
+                <c:pt idx="13">
+                  <c:v>149716</c:v>
+                </c:pt>
+                <c:pt idx="14">
+                  <c:v>160237</c:v>
+                </c:pt>
+                <c:pt idx="15">
+                  <c:v>169426</c:v>
+                </c:pt>
+                <c:pt idx="16">
+                  <c:v>193769</c:v>
+                </c:pt>
+                <c:pt idx="17">
+                  <c:v>198030</c:v>
+                </c:pt>
+                <c:pt idx="18">
+                  <c:v>314659</c:v>
+                </c:pt>
+              </c:numCache>
+            </c:numRef>
+          </c:val>
+        </c:ser>
+        <c:dLbls>
+          <c:showLegendKey val="0"/>
+          <c:showVal val="1"/>
+          <c:showCatName val="0"/>
+          <c:showSerName val="0"/>
+          <c:showPercent val="0"/>
+          <c:showBubbleSize val="0"/>
+        </c:dLbls>
+        <c:gapWidth val="75"/>
+        <c:axId val="96523776"/>
+        <c:axId val="108999040"/>
+      </c:barChart>
+      <c:catAx>
+        <c:axId val="96523776"/>
+        <c:scaling>
+          <c:orientation val="minMax"/>
+        </c:scaling>
+        <c:delete val="0"/>
+        <c:axPos val="l"/>
+        <c:majorTickMark val="none"/>
+        <c:minorTickMark val="none"/>
+        <c:tickLblPos val="nextTo"/>
+        <c:txPr>
+          <a:bodyPr/>
+          <a:lstStyle/>
+          <a:p>
+            <a:pPr>
+              <a:defRPr sz="2800"/>
+            </a:pPr>
+            <a:endParaRPr lang="ja-JP"/>
+          </a:p>
+        </c:txPr>
+        <c:crossAx val="108999040"/>
+        <c:crosses val="autoZero"/>
+        <c:auto val="1"/>
+        <c:lblAlgn val="ctr"/>
+        <c:lblOffset val="100"/>
+        <c:noMultiLvlLbl val="0"/>
+      </c:catAx>
+      <c:valAx>
+        <c:axId val="108999040"/>
+        <c:scaling>
+          <c:orientation val="minMax"/>
+          <c:max val="400000"/>
+        </c:scaling>
+        <c:delete val="0"/>
+        <c:axPos val="b"/>
+        <c:majorGridlines/>
+        <c:numFmt formatCode="General" sourceLinked="1"/>
+        <c:majorTickMark val="none"/>
+        <c:minorTickMark val="none"/>
+        <c:tickLblPos val="nextTo"/>
+        <c:txPr>
+          <a:bodyPr/>
+          <a:lstStyle/>
+          <a:p>
+            <a:pPr>
+              <a:defRPr sz="2000"/>
+            </a:pPr>
+            <a:endParaRPr lang="ja-JP"/>
+          </a:p>
+        </c:txPr>
+        <c:crossAx val="96523776"/>
+        <c:crosses val="autoZero"/>
+        <c:crossBetween val="between"/>
+        <c:majorUnit val="100000"/>
+      </c:valAx>
+    </c:plotArea>
+    <c:legend>
+      <c:legendPos val="b"/>
+      <c:layout/>
+      <c:overlay val="0"/>
+      <c:txPr>
+        <a:bodyPr/>
+        <a:lstStyle/>
+        <a:p>
+          <a:pPr>
+            <a:defRPr sz="1800"/>
+          </a:pPr>
+          <a:endParaRPr lang="ja-JP"/>
+        </a:p>
+      </c:txPr>
+    </c:legend>
+    <c:plotVisOnly val="1"/>
+    <c:dispBlanksAs val="gap"/>
+    <c:showDLblsOverMax val="0"/>
+  </c:chart>
+  <c:txPr>
+    <a:bodyPr/>
+    <a:lstStyle/>
+    <a:p>
+      <a:pPr>
+        <a:defRPr sz="700"/>
+      </a:pPr>
+      <a:endParaRPr lang="ja-JP"/>
+    </a:p>
+  </c:txPr>
+  <c:externalData r:id="rId1">
+    <c:autoUpdate val="0"/>
+  </c:externalData>
+</c:chartSpace>
 </file>
 
 <file path=ppt/slideLayouts/slideLayout1.xml><?xml version="1.0" encoding="utf-8"?>
@@ -133,8 +423,8 @@
         </p:nvSpPr>
         <p:spPr>
           <a:xfrm>
-            <a:off x="0" y="5155893"/>
-            <a:ext cx="6858000" cy="3988107"/>
+            <a:off x="0" y="17073527"/>
+            <a:ext cx="21386800" cy="13206450"/>
           </a:xfrm>
           <a:prstGeom prst="rect">
             <a:avLst/>
@@ -182,7 +472,7 @@
           </a:fontRef>
         </p:style>
         <p:txBody>
-          <a:bodyPr rtlCol="0" anchor="ctr"/>
+          <a:bodyPr lIns="305519" tIns="152760" rIns="305519" bIns="152760" rtlCol="0" anchor="ctr"/>
           <a:lstStyle/>
           <a:p>
             <a:pPr algn="ctr"/>
@@ -198,8 +488,8 @@
         </p:nvSpPr>
         <p:spPr>
           <a:xfrm>
-            <a:off x="0" y="0"/>
-            <a:ext cx="6858000" cy="5155893"/>
+            <a:off x="0" y="2"/>
+            <a:ext cx="21386800" cy="17073525"/>
           </a:xfrm>
           <a:prstGeom prst="rect">
             <a:avLst/>
@@ -248,7 +538,7 @@
           </a:fontRef>
         </p:style>
         <p:txBody>
-          <a:bodyPr rtlCol="0" anchor="ctr"/>
+          <a:bodyPr lIns="305519" tIns="152760" rIns="305519" bIns="152760" rtlCol="0" anchor="ctr"/>
           <a:lstStyle/>
           <a:p>
             <a:pPr algn="ctr"/>
@@ -264,8 +554,8 @@
         </p:nvSpPr>
         <p:spPr>
           <a:xfrm>
-            <a:off x="0" y="3536415"/>
-            <a:ext cx="6858000" cy="3048000"/>
+            <a:off x="0" y="11710691"/>
+            <a:ext cx="21386800" cy="10093325"/>
           </a:xfrm>
           <a:prstGeom prst="rect">
             <a:avLst/>
@@ -327,7 +617,7 @@
           </a:fontRef>
         </p:style>
         <p:txBody>
-          <a:bodyPr rtlCol="0" anchor="ctr"/>
+          <a:bodyPr lIns="305519" tIns="152760" rIns="305519" bIns="152760" rtlCol="0" anchor="ctr"/>
           <a:lstStyle/>
           <a:p>
             <a:pPr algn="ctr"/>
@@ -343,8 +633,8 @@
         </p:nvSpPr>
         <p:spPr>
           <a:xfrm>
-            <a:off x="0" y="2133600"/>
-            <a:ext cx="6858000" cy="6807200"/>
+            <a:off x="0" y="7065328"/>
+            <a:ext cx="21386800" cy="22541759"/>
           </a:xfrm>
           <a:prstGeom prst="ellipse">
             <a:avLst/>
@@ -386,7 +676,7 @@
           </a:fontRef>
         </p:style>
         <p:txBody>
-          <a:bodyPr rtlCol="0" anchor="ctr"/>
+          <a:bodyPr lIns="305519" tIns="152760" rIns="305519" bIns="152760" rtlCol="0" anchor="ctr"/>
           <a:lstStyle/>
           <a:p>
             <a:pPr algn="ctr"/>
@@ -406,8 +696,8 @@
         </p:nvSpPr>
         <p:spPr>
           <a:xfrm>
-            <a:off x="1105346" y="6736727"/>
-            <a:ext cx="4227758" cy="1176159"/>
+            <a:off x="3447042" y="22308393"/>
+            <a:ext cx="13184342" cy="3894802"/>
           </a:xfrm>
         </p:spPr>
         <p:txBody>
@@ -417,13 +707,13 @@
           <a:lstStyle>
             <a:lvl1pPr marL="0" indent="0" algn="l">
               <a:buNone/>
-              <a:defRPr sz="2200">
+              <a:defRPr sz="7400">
                 <a:solidFill>
                   <a:schemeClr val="tx2"/>
                 </a:solidFill>
               </a:defRPr>
             </a:lvl1pPr>
-            <a:lvl2pPr marL="457200" indent="0" algn="ctr">
+            <a:lvl2pPr marL="1527597" indent="0" algn="ctr">
               <a:buNone/>
               <a:defRPr>
                 <a:solidFill>
@@ -433,7 +723,7 @@
                 </a:solidFill>
               </a:defRPr>
             </a:lvl2pPr>
-            <a:lvl3pPr marL="914400" indent="0" algn="ctr">
+            <a:lvl3pPr marL="3055193" indent="0" algn="ctr">
               <a:buNone/>
               <a:defRPr>
                 <a:solidFill>
@@ -443,7 +733,7 @@
                 </a:solidFill>
               </a:defRPr>
             </a:lvl3pPr>
-            <a:lvl4pPr marL="1371600" indent="0" algn="ctr">
+            <a:lvl4pPr marL="4582790" indent="0" algn="ctr">
               <a:buNone/>
               <a:defRPr>
                 <a:solidFill>
@@ -453,7 +743,7 @@
                 </a:solidFill>
               </a:defRPr>
             </a:lvl4pPr>
-            <a:lvl5pPr marL="1828800" indent="0" algn="ctr">
+            <a:lvl5pPr marL="6110387" indent="0" algn="ctr">
               <a:buNone/>
               <a:defRPr>
                 <a:solidFill>
@@ -463,7 +753,7 @@
                 </a:solidFill>
               </a:defRPr>
             </a:lvl5pPr>
-            <a:lvl6pPr marL="2286000" indent="0" algn="ctr">
+            <a:lvl6pPr marL="7637983" indent="0" algn="ctr">
               <a:buNone/>
               <a:defRPr>
                 <a:solidFill>
@@ -473,7 +763,7 @@
                 </a:solidFill>
               </a:defRPr>
             </a:lvl6pPr>
-            <a:lvl7pPr marL="2743200" indent="0" algn="ctr">
+            <a:lvl7pPr marL="9165580" indent="0" algn="ctr">
               <a:buNone/>
               <a:defRPr>
                 <a:solidFill>
@@ -483,7 +773,7 @@
                 </a:solidFill>
               </a:defRPr>
             </a:lvl7pPr>
-            <a:lvl8pPr marL="3200400" indent="0" algn="ctr">
+            <a:lvl8pPr marL="10693176" indent="0" algn="ctr">
               <a:buNone/>
               <a:defRPr>
                 <a:solidFill>
@@ -493,7 +783,7 @@
                 </a:solidFill>
               </a:defRPr>
             </a:lvl8pPr>
-            <a:lvl9pPr marL="3657600" indent="0" algn="ctr">
+            <a:lvl9pPr marL="12220773" indent="0" algn="ctr">
               <a:buNone/>
               <a:defRPr>
                 <a:solidFill>
@@ -530,7 +820,7 @@
           <a:p>
             <a:fld id="{4ADE0E56-B02A-4EE7-B89E-44845DFFCF82}" type="datetimeFigureOut">
               <a:rPr kumimoji="1" lang="ja-JP" altLang="en-US" smtClean="0"/>
-              <a:t>2013/12/10</a:t>
+              <a:t>2013/12/11</a:t>
             </a:fld>
             <a:endParaRPr kumimoji="1" lang="ja-JP" altLang="en-US"/>
           </a:p>
@@ -590,8 +880,8 @@
         </p:nvSpPr>
         <p:spPr>
           <a:xfrm>
-            <a:off x="613186" y="4176388"/>
-            <a:ext cx="5381513" cy="2390889"/>
+            <a:off x="1912233" y="13829936"/>
+            <a:ext cx="16782348" cy="7917330"/>
           </a:xfrm>
           <a:effectLst/>
         </p:spPr>
@@ -600,8 +890,8 @@
             <a:noAutofit/>
           </a:bodyPr>
           <a:lstStyle>
-            <a:lvl1pPr marL="640080" indent="-457200" algn="l">
-              <a:defRPr sz="5400"/>
+            <a:lvl1pPr marL="2138635" indent="-1527597" algn="l">
+              <a:defRPr sz="18000"/>
             </a:lvl1pPr>
           </a:lstStyle>
           <a:p>
@@ -680,8 +970,8 @@
         </p:nvSpPr>
         <p:spPr>
           <a:xfrm>
-            <a:off x="1428750" y="975359"/>
-            <a:ext cx="4800600" cy="4632960"/>
+            <a:off x="4455583" y="3229860"/>
+            <a:ext cx="14970760" cy="15341854"/>
           </a:xfrm>
         </p:spPr>
         <p:txBody>
@@ -774,7 +1064,7 @@
           <a:p>
             <a:fld id="{4ADE0E56-B02A-4EE7-B89E-44845DFFCF82}" type="datetimeFigureOut">
               <a:rPr kumimoji="1" lang="ja-JP" altLang="en-US" smtClean="0"/>
-              <a:t>2013/12/10</a:t>
+              <a:t>2013/12/11</a:t>
             </a:fld>
             <a:endParaRPr kumimoji="1" lang="ja-JP" altLang="en-US"/>
           </a:p>
@@ -866,8 +1156,8 @@
         </p:nvSpPr>
         <p:spPr>
           <a:xfrm>
-            <a:off x="865319" y="502023"/>
-            <a:ext cx="1543050" cy="6984452"/>
+            <a:off x="2698513" y="1662428"/>
+            <a:ext cx="4812030" cy="23128722"/>
           </a:xfrm>
           <a:effectLst/>
         </p:spPr>
@@ -899,8 +1189,8 @@
         </p:nvSpPr>
         <p:spPr>
           <a:xfrm>
-            <a:off x="2493085" y="975360"/>
-            <a:ext cx="3621965" cy="6526305"/>
+            <a:off x="7774734" y="3229866"/>
+            <a:ext cx="11295165" cy="21611587"/>
           </a:xfrm>
         </p:spPr>
         <p:txBody>
@@ -993,7 +1283,7 @@
           <a:p>
             <a:fld id="{4ADE0E56-B02A-4EE7-B89E-44845DFFCF82}" type="datetimeFigureOut">
               <a:rPr kumimoji="1" lang="ja-JP" altLang="en-US" smtClean="0"/>
-              <a:t>2013/12/10</a:t>
+              <a:t>2013/12/11</a:t>
             </a:fld>
             <a:endParaRPr kumimoji="1" lang="ja-JP" altLang="en-US"/>
           </a:p>
@@ -1090,7 +1380,7 @@
           <a:p>
             <a:fld id="{4ADE0E56-B02A-4EE7-B89E-44845DFFCF82}" type="datetimeFigureOut">
               <a:rPr kumimoji="1" lang="ja-JP" altLang="en-US" smtClean="0"/>
-              <a:t>2013/12/10</a:t>
+              <a:t>2013/12/11</a:t>
             </a:fld>
             <a:endParaRPr kumimoji="1" lang="ja-JP" altLang="en-US"/>
           </a:p>
@@ -1173,8 +1463,8 @@
         </p:nvSpPr>
         <p:spPr>
           <a:xfrm>
-            <a:off x="857250" y="975360"/>
-            <a:ext cx="4800600" cy="4632960"/>
+            <a:off x="2673350" y="3229864"/>
+            <a:ext cx="14970760" cy="15341854"/>
           </a:xfrm>
         </p:spPr>
         <p:txBody>
@@ -1290,8 +1580,8 @@
         </p:nvSpPr>
         <p:spPr>
           <a:xfrm>
-            <a:off x="0" y="5155893"/>
-            <a:ext cx="6858000" cy="3988107"/>
+            <a:off x="0" y="17073527"/>
+            <a:ext cx="21386800" cy="13206450"/>
           </a:xfrm>
           <a:prstGeom prst="rect">
             <a:avLst/>
@@ -1339,7 +1629,7 @@
           </a:fontRef>
         </p:style>
         <p:txBody>
-          <a:bodyPr rtlCol="0" anchor="ctr"/>
+          <a:bodyPr lIns="305519" tIns="152760" rIns="305519" bIns="152760" rtlCol="0" anchor="ctr"/>
           <a:lstStyle/>
           <a:p>
             <a:pPr algn="ctr"/>
@@ -1355,8 +1645,8 @@
         </p:nvSpPr>
         <p:spPr>
           <a:xfrm>
-            <a:off x="0" y="0"/>
-            <a:ext cx="6858000" cy="5155893"/>
+            <a:off x="0" y="2"/>
+            <a:ext cx="21386800" cy="17073525"/>
           </a:xfrm>
           <a:prstGeom prst="rect">
             <a:avLst/>
@@ -1405,7 +1695,7 @@
           </a:fontRef>
         </p:style>
         <p:txBody>
-          <a:bodyPr rtlCol="0" anchor="ctr"/>
+          <a:bodyPr lIns="305519" tIns="152760" rIns="305519" bIns="152760" rtlCol="0" anchor="ctr"/>
           <a:lstStyle/>
           <a:p>
             <a:pPr algn="ctr"/>
@@ -1421,8 +1711,8 @@
         </p:nvSpPr>
         <p:spPr>
           <a:xfrm>
-            <a:off x="0" y="3536415"/>
-            <a:ext cx="6858000" cy="3048000"/>
+            <a:off x="0" y="11710691"/>
+            <a:ext cx="21386800" cy="10093325"/>
           </a:xfrm>
           <a:prstGeom prst="rect">
             <a:avLst/>
@@ -1484,7 +1774,7 @@
           </a:fontRef>
         </p:style>
         <p:txBody>
-          <a:bodyPr rtlCol="0" anchor="ctr"/>
+          <a:bodyPr lIns="305519" tIns="152760" rIns="305519" bIns="152760" rtlCol="0" anchor="ctr"/>
           <a:lstStyle/>
           <a:p>
             <a:pPr algn="ctr"/>
@@ -1500,8 +1790,8 @@
         </p:nvSpPr>
         <p:spPr>
           <a:xfrm>
-            <a:off x="0" y="2133600"/>
-            <a:ext cx="6858000" cy="6807200"/>
+            <a:off x="0" y="7065328"/>
+            <a:ext cx="21386800" cy="22541759"/>
           </a:xfrm>
           <a:prstGeom prst="ellipse">
             <a:avLst/>
@@ -1543,7 +1833,7 @@
           </a:fontRef>
         </p:style>
         <p:txBody>
-          <a:bodyPr rtlCol="0" anchor="ctr"/>
+          <a:bodyPr lIns="305519" tIns="152760" rIns="305519" bIns="152760" rtlCol="0" anchor="ctr"/>
           <a:lstStyle/>
           <a:p>
             <a:pPr algn="ctr"/>
@@ -1563,8 +1853,8 @@
         </p:nvSpPr>
         <p:spPr>
           <a:xfrm>
-            <a:off x="1524896" y="2896864"/>
-            <a:ext cx="4475000" cy="3231128"/>
+            <a:off x="4755417" y="9592845"/>
+            <a:ext cx="13955370" cy="10699746"/>
           </a:xfrm>
           <a:effectLst/>
         </p:spPr>
@@ -1572,7 +1862,7 @@
           <a:bodyPr anchor="b"/>
           <a:lstStyle>
             <a:lvl1pPr algn="r">
-              <a:defRPr sz="4600" b="1" cap="none" baseline="0"/>
+              <a:defRPr sz="15400" b="1" cap="none" baseline="0"/>
             </a:lvl1pPr>
           </a:lstStyle>
           <a:p>
@@ -1596,8 +1886,8 @@
         </p:nvSpPr>
         <p:spPr>
           <a:xfrm>
-            <a:off x="1516828" y="6143348"/>
-            <a:ext cx="4477871" cy="1113947"/>
+            <a:off x="4730258" y="20343444"/>
+            <a:ext cx="13964324" cy="3688789"/>
           </a:xfrm>
         </p:spPr>
         <p:txBody>
@@ -1605,15 +1895,15 @@
           <a:lstStyle>
             <a:lvl1pPr marL="0" indent="0" algn="r">
               <a:buNone/>
-              <a:defRPr sz="2000">
+              <a:defRPr sz="6700">
                 <a:solidFill>
                   <a:schemeClr val="tx2"/>
                 </a:solidFill>
               </a:defRPr>
             </a:lvl1pPr>
-            <a:lvl2pPr marL="457200" indent="0">
+            <a:lvl2pPr marL="1527597" indent="0">
               <a:buNone/>
-              <a:defRPr sz="1800">
+              <a:defRPr sz="6000">
                 <a:solidFill>
                   <a:schemeClr val="tx1">
                     <a:tint val="75000"/>
@@ -1621,9 +1911,9 @@
                 </a:solidFill>
               </a:defRPr>
             </a:lvl2pPr>
-            <a:lvl3pPr marL="914400" indent="0">
+            <a:lvl3pPr marL="3055193" indent="0">
               <a:buNone/>
-              <a:defRPr sz="1600">
+              <a:defRPr sz="5300">
                 <a:solidFill>
                   <a:schemeClr val="tx1">
                     <a:tint val="75000"/>
@@ -1631,9 +1921,9 @@
                 </a:solidFill>
               </a:defRPr>
             </a:lvl3pPr>
-            <a:lvl4pPr marL="1371600" indent="0">
+            <a:lvl4pPr marL="4582790" indent="0">
               <a:buNone/>
-              <a:defRPr sz="1400">
+              <a:defRPr sz="4700">
                 <a:solidFill>
                   <a:schemeClr val="tx1">
                     <a:tint val="75000"/>
@@ -1641,9 +1931,9 @@
                 </a:solidFill>
               </a:defRPr>
             </a:lvl4pPr>
-            <a:lvl5pPr marL="1828800" indent="0">
+            <a:lvl5pPr marL="6110387" indent="0">
               <a:buNone/>
-              <a:defRPr sz="1400">
+              <a:defRPr sz="4700">
                 <a:solidFill>
                   <a:schemeClr val="tx1">
                     <a:tint val="75000"/>
@@ -1651,9 +1941,9 @@
                 </a:solidFill>
               </a:defRPr>
             </a:lvl5pPr>
-            <a:lvl6pPr marL="2286000" indent="0">
+            <a:lvl6pPr marL="7637983" indent="0">
               <a:buNone/>
-              <a:defRPr sz="1400">
+              <a:defRPr sz="4700">
                 <a:solidFill>
                   <a:schemeClr val="tx1">
                     <a:tint val="75000"/>
@@ -1661,9 +1951,9 @@
                 </a:solidFill>
               </a:defRPr>
             </a:lvl6pPr>
-            <a:lvl7pPr marL="2743200" indent="0">
+            <a:lvl7pPr marL="9165580" indent="0">
               <a:buNone/>
-              <a:defRPr sz="1400">
+              <a:defRPr sz="4700">
                 <a:solidFill>
                   <a:schemeClr val="tx1">
                     <a:tint val="75000"/>
@@ -1671,9 +1961,9 @@
                 </a:solidFill>
               </a:defRPr>
             </a:lvl7pPr>
-            <a:lvl8pPr marL="3200400" indent="0">
+            <a:lvl8pPr marL="10693176" indent="0">
               <a:buNone/>
-              <a:defRPr sz="1400">
+              <a:defRPr sz="4700">
                 <a:solidFill>
                   <a:schemeClr val="tx1">
                     <a:tint val="75000"/>
@@ -1681,9 +1971,9 @@
                 </a:solidFill>
               </a:defRPr>
             </a:lvl8pPr>
-            <a:lvl9pPr marL="3657600" indent="0">
+            <a:lvl9pPr marL="12220773" indent="0">
               <a:buNone/>
-              <a:defRPr sz="1400">
+              <a:defRPr sz="4700">
                 <a:solidFill>
                   <a:schemeClr val="tx1">
                     <a:tint val="75000"/>
@@ -1718,7 +2008,7 @@
           <a:p>
             <a:fld id="{4ADE0E56-B02A-4EE7-B89E-44845DFFCF82}" type="datetimeFigureOut">
               <a:rPr kumimoji="1" lang="ja-JP" altLang="en-US" smtClean="0"/>
-              <a:t>2013/12/10</a:t>
+              <a:t>2013/12/11</a:t>
             </a:fld>
             <a:endParaRPr kumimoji="1" lang="ja-JP" altLang="en-US"/>
           </a:p>
@@ -1815,7 +2105,7 @@
           <a:p>
             <a:fld id="{4ADE0E56-B02A-4EE7-B89E-44845DFFCF82}" type="datetimeFigureOut">
               <a:rPr kumimoji="1" lang="ja-JP" altLang="en-US" smtClean="0"/>
-              <a:t>2013/12/10</a:t>
+              <a:t>2013/12/11</a:t>
             </a:fld>
             <a:endParaRPr kumimoji="1" lang="ja-JP" altLang="en-US"/>
           </a:p>
@@ -1898,8 +2188,8 @@
         </p:nvSpPr>
         <p:spPr>
           <a:xfrm>
-            <a:off x="857249" y="975359"/>
-            <a:ext cx="2510028" cy="4632960"/>
+            <a:off x="2673348" y="3229860"/>
+            <a:ext cx="7827569" cy="15341854"/>
           </a:xfrm>
         </p:spPr>
         <p:txBody>
@@ -1987,8 +2277,8 @@
         </p:nvSpPr>
         <p:spPr>
           <a:xfrm>
-            <a:off x="3483864" y="975360"/>
-            <a:ext cx="2510028" cy="4632960"/>
+            <a:off x="10864495" y="3229864"/>
+            <a:ext cx="7827569" cy="15341854"/>
           </a:xfrm>
         </p:spPr>
         <p:txBody>
@@ -2108,8 +2398,8 @@
         </p:nvSpPr>
         <p:spPr>
           <a:xfrm>
-            <a:off x="857250" y="975360"/>
-            <a:ext cx="2510028" cy="853016"/>
+            <a:off x="2673351" y="3229864"/>
+            <a:ext cx="7827569" cy="2824727"/>
           </a:xfrm>
         </p:spPr>
         <p:txBody>
@@ -2119,7 +2409,7 @@
           <a:lstStyle>
             <a:lvl1pPr marL="0" indent="0" algn="ctr">
               <a:buNone/>
-              <a:defRPr lang="en-US" sz="2400" b="1" i="0" kern="1200" dirty="0" smtClean="0">
+              <a:defRPr lang="en-US" sz="8000" b="1" i="0" kern="1200" dirty="0" smtClean="0">
                 <a:gradFill>
                   <a:gsLst>
                     <a:gs pos="0">
@@ -2145,37 +2435,37 @@
                 <a:cs typeface="+mj-cs"/>
               </a:defRPr>
             </a:lvl1pPr>
-            <a:lvl2pPr marL="457200" indent="0">
+            <a:lvl2pPr marL="1527597" indent="0">
               <a:buNone/>
-              <a:defRPr sz="2000" b="1"/>
+              <a:defRPr sz="6700" b="1"/>
             </a:lvl2pPr>
-            <a:lvl3pPr marL="914400" indent="0">
+            <a:lvl3pPr marL="3055193" indent="0">
               <a:buNone/>
-              <a:defRPr sz="1800" b="1"/>
+              <a:defRPr sz="6000" b="1"/>
             </a:lvl3pPr>
-            <a:lvl4pPr marL="1371600" indent="0">
+            <a:lvl4pPr marL="4582790" indent="0">
               <a:buNone/>
-              <a:defRPr sz="1600" b="1"/>
+              <a:defRPr sz="5300" b="1"/>
             </a:lvl4pPr>
-            <a:lvl5pPr marL="1828800" indent="0">
+            <a:lvl5pPr marL="6110387" indent="0">
               <a:buNone/>
-              <a:defRPr sz="1600" b="1"/>
+              <a:defRPr sz="5300" b="1"/>
             </a:lvl5pPr>
-            <a:lvl6pPr marL="2286000" indent="0">
+            <a:lvl6pPr marL="7637983" indent="0">
               <a:buNone/>
-              <a:defRPr sz="1600" b="1"/>
+              <a:defRPr sz="5300" b="1"/>
             </a:lvl6pPr>
-            <a:lvl7pPr marL="2743200" indent="0">
+            <a:lvl7pPr marL="9165580" indent="0">
               <a:buNone/>
-              <a:defRPr sz="1600" b="1"/>
+              <a:defRPr sz="5300" b="1"/>
             </a:lvl7pPr>
-            <a:lvl8pPr marL="3200400" indent="0">
+            <a:lvl8pPr marL="10693176" indent="0">
               <a:buNone/>
-              <a:defRPr sz="1600" b="1"/>
+              <a:defRPr sz="5300" b="1"/>
             </a:lvl8pPr>
-            <a:lvl9pPr marL="3657600" indent="0">
+            <a:lvl9pPr marL="12220773" indent="0">
               <a:buNone/>
-              <a:defRPr sz="1600" b="1"/>
+              <a:defRPr sz="5300" b="1"/>
             </a:lvl9pPr>
           </a:lstStyle>
           <a:p>
@@ -2199,8 +2489,8 @@
         </p:nvSpPr>
         <p:spPr>
           <a:xfrm>
-            <a:off x="867335" y="1867103"/>
-            <a:ext cx="2510028" cy="3657600"/>
+            <a:off x="2704801" y="6182834"/>
+            <a:ext cx="7827569" cy="12111990"/>
           </a:xfrm>
         </p:spPr>
         <p:txBody>
@@ -2209,31 +2499,31 @@
           </a:bodyPr>
           <a:lstStyle>
             <a:lvl1pPr>
-              <a:defRPr sz="1800"/>
+              <a:defRPr sz="6000"/>
             </a:lvl1pPr>
             <a:lvl2pPr>
-              <a:defRPr sz="1800"/>
+              <a:defRPr sz="6000"/>
             </a:lvl2pPr>
             <a:lvl3pPr>
-              <a:defRPr sz="1600"/>
+              <a:defRPr sz="5300"/>
             </a:lvl3pPr>
             <a:lvl4pPr>
-              <a:defRPr sz="1600"/>
+              <a:defRPr sz="5300"/>
             </a:lvl4pPr>
             <a:lvl5pPr>
-              <a:defRPr sz="1600"/>
+              <a:defRPr sz="5300"/>
             </a:lvl5pPr>
             <a:lvl6pPr>
-              <a:defRPr sz="1600"/>
+              <a:defRPr sz="5300"/>
             </a:lvl6pPr>
             <a:lvl7pPr>
-              <a:defRPr sz="1600"/>
+              <a:defRPr sz="5300"/>
             </a:lvl7pPr>
             <a:lvl8pPr>
-              <a:defRPr sz="1600"/>
+              <a:defRPr sz="5300"/>
             </a:lvl8pPr>
             <a:lvl9pPr>
-              <a:defRPr sz="1600"/>
+              <a:defRPr sz="5300"/>
             </a:lvl9pPr>
           </a:lstStyle>
           <a:p>
@@ -2318,8 +2608,8 @@
         </p:nvSpPr>
         <p:spPr>
           <a:xfrm>
-            <a:off x="3485477" y="975360"/>
-            <a:ext cx="2510028" cy="853016"/>
+            <a:off x="10869525" y="3229864"/>
+            <a:ext cx="7827569" cy="2824727"/>
           </a:xfrm>
         </p:spPr>
         <p:txBody>
@@ -2329,7 +2619,7 @@
           <a:lstStyle>
             <a:lvl1pPr marL="0" indent="0" algn="ctr">
               <a:buNone/>
-              <a:defRPr lang="en-US" sz="2400" b="1" i="0" kern="1200" dirty="0" smtClean="0">
+              <a:defRPr lang="en-US" sz="8000" b="1" i="0" kern="1200" dirty="0" smtClean="0">
                 <a:gradFill>
                   <a:gsLst>
                     <a:gs pos="0">
@@ -2355,46 +2645,46 @@
                 <a:cs typeface="+mj-cs"/>
               </a:defRPr>
             </a:lvl1pPr>
-            <a:lvl2pPr marL="457200" indent="0">
+            <a:lvl2pPr marL="1527597" indent="0">
               <a:buNone/>
-              <a:defRPr sz="2000" b="1"/>
+              <a:defRPr sz="6700" b="1"/>
             </a:lvl2pPr>
-            <a:lvl3pPr marL="914400" indent="0">
+            <a:lvl3pPr marL="3055193" indent="0">
               <a:buNone/>
-              <a:defRPr sz="1800" b="1"/>
+              <a:defRPr sz="6000" b="1"/>
             </a:lvl3pPr>
-            <a:lvl4pPr marL="1371600" indent="0">
+            <a:lvl4pPr marL="4582790" indent="0">
               <a:buNone/>
-              <a:defRPr sz="1600" b="1"/>
+              <a:defRPr sz="5300" b="1"/>
             </a:lvl4pPr>
-            <a:lvl5pPr marL="1828800" indent="0">
+            <a:lvl5pPr marL="6110387" indent="0">
               <a:buNone/>
-              <a:defRPr sz="1600" b="1"/>
+              <a:defRPr sz="5300" b="1"/>
             </a:lvl5pPr>
-            <a:lvl6pPr marL="2286000" indent="0">
+            <a:lvl6pPr marL="7637983" indent="0">
               <a:buNone/>
-              <a:defRPr sz="1600" b="1"/>
+              <a:defRPr sz="5300" b="1"/>
             </a:lvl6pPr>
-            <a:lvl7pPr marL="2743200" indent="0">
+            <a:lvl7pPr marL="9165580" indent="0">
               <a:buNone/>
-              <a:defRPr sz="1600" b="1"/>
+              <a:defRPr sz="5300" b="1"/>
             </a:lvl7pPr>
-            <a:lvl8pPr marL="3200400" indent="0">
+            <a:lvl8pPr marL="10693176" indent="0">
               <a:buNone/>
-              <a:defRPr sz="1600" b="1"/>
+              <a:defRPr sz="5300" b="1"/>
             </a:lvl8pPr>
-            <a:lvl9pPr marL="3657600" indent="0">
+            <a:lvl9pPr marL="12220773" indent="0">
               <a:buNone/>
-              <a:defRPr sz="1600" b="1"/>
+              <a:defRPr sz="5300" b="1"/>
             </a:lvl9pPr>
           </a:lstStyle>
           <a:p>
-            <a:pPr marL="0" lvl="0" indent="0" algn="ctr" defTabSz="914400" rtl="0" eaLnBrk="1" latinLnBrk="0" hangingPunct="1">
+            <a:pPr marL="0" lvl="0" indent="0" algn="ctr" defTabSz="3055193" rtl="0" eaLnBrk="1" latinLnBrk="0" hangingPunct="1">
               <a:spcBef>
                 <a:spcPct val="20000"/>
               </a:spcBef>
               <a:spcAft>
-                <a:spcPts val="300"/>
+                <a:spcPts val="1002"/>
               </a:spcAft>
               <a:buClr>
                 <a:schemeClr val="accent6">
@@ -2424,8 +2714,8 @@
         </p:nvSpPr>
         <p:spPr>
           <a:xfrm>
-            <a:off x="3483769" y="1865376"/>
-            <a:ext cx="2510028" cy="3657600"/>
+            <a:off x="10864199" y="6177115"/>
+            <a:ext cx="7827569" cy="12111990"/>
           </a:xfrm>
         </p:spPr>
         <p:txBody>
@@ -2434,31 +2724,31 @@
           </a:bodyPr>
           <a:lstStyle>
             <a:lvl1pPr>
-              <a:defRPr sz="1800"/>
+              <a:defRPr sz="6000"/>
             </a:lvl1pPr>
             <a:lvl2pPr>
-              <a:defRPr sz="1800"/>
+              <a:defRPr sz="6000"/>
             </a:lvl2pPr>
             <a:lvl3pPr>
-              <a:defRPr sz="1600"/>
+              <a:defRPr sz="5300"/>
             </a:lvl3pPr>
             <a:lvl4pPr>
-              <a:defRPr sz="1600"/>
+              <a:defRPr sz="5300"/>
             </a:lvl4pPr>
             <a:lvl5pPr>
-              <a:defRPr sz="1600"/>
+              <a:defRPr sz="5300"/>
             </a:lvl5pPr>
             <a:lvl6pPr>
-              <a:defRPr sz="1600"/>
+              <a:defRPr sz="5300"/>
             </a:lvl6pPr>
             <a:lvl7pPr>
-              <a:defRPr sz="1600"/>
+              <a:defRPr sz="5300"/>
             </a:lvl7pPr>
             <a:lvl8pPr>
-              <a:defRPr sz="1600"/>
+              <a:defRPr sz="5300"/>
             </a:lvl8pPr>
             <a:lvl9pPr>
-              <a:defRPr sz="1600"/>
+              <a:defRPr sz="5300"/>
             </a:lvl9pPr>
           </a:lstStyle>
           <a:p>
@@ -2548,7 +2838,7 @@
           <a:p>
             <a:fld id="{4ADE0E56-B02A-4EE7-B89E-44845DFFCF82}" type="datetimeFigureOut">
               <a:rPr kumimoji="1" lang="ja-JP" altLang="en-US" smtClean="0"/>
-              <a:t>2013/12/10</a:t>
+              <a:t>2013/12/11</a:t>
             </a:fld>
             <a:endParaRPr kumimoji="1" lang="ja-JP" altLang="en-US"/>
           </a:p>
@@ -2691,7 +2981,7 @@
           <a:p>
             <a:fld id="{4ADE0E56-B02A-4EE7-B89E-44845DFFCF82}" type="datetimeFigureOut">
               <a:rPr kumimoji="1" lang="ja-JP" altLang="en-US" smtClean="0"/>
-              <a:t>2013/12/10</a:t>
+              <a:t>2013/12/11</a:t>
             </a:fld>
             <a:endParaRPr kumimoji="1" lang="ja-JP" altLang="en-US"/>
           </a:p>
@@ -2788,7 +3078,7 @@
           <a:p>
             <a:fld id="{4ADE0E56-B02A-4EE7-B89E-44845DFFCF82}" type="datetimeFigureOut">
               <a:rPr kumimoji="1" lang="ja-JP" altLang="en-US" smtClean="0"/>
-              <a:t>2013/12/10</a:t>
+              <a:t>2013/12/11</a:t>
             </a:fld>
             <a:endParaRPr kumimoji="1" lang="ja-JP" altLang="en-US"/>
           </a:p>
@@ -2880,8 +3170,8 @@
         </p:nvSpPr>
         <p:spPr>
           <a:xfrm>
-            <a:off x="629322" y="2946401"/>
-            <a:ext cx="2727064" cy="1677991"/>
+            <a:off x="1962552" y="9756885"/>
+            <a:ext cx="8504400" cy="5556598"/>
           </a:xfrm>
           <a:effectLst/>
         </p:spPr>
@@ -2890,8 +3180,8 @@
             <a:noAutofit/>
           </a:bodyPr>
           <a:lstStyle>
-            <a:lvl1pPr marL="228600" indent="-228600" algn="l">
-              <a:defRPr sz="2800" b="1">
+            <a:lvl1pPr marL="763798" indent="-763798" algn="l">
+              <a:defRPr sz="9400" b="1">
                 <a:effectLst/>
               </a:defRPr>
             </a:lvl1pPr>
@@ -2917,39 +3207,39 @@
         </p:nvSpPr>
         <p:spPr>
           <a:xfrm>
-            <a:off x="3445137" y="975360"/>
-            <a:ext cx="3012814" cy="6526307"/>
+            <a:off x="10743724" y="3229866"/>
+            <a:ext cx="9395516" cy="21611593"/>
           </a:xfrm>
         </p:spPr>
         <p:txBody>
           <a:bodyPr anchor="ctr"/>
           <a:lstStyle>
             <a:lvl1pPr>
-              <a:defRPr sz="2200"/>
+              <a:defRPr sz="7400"/>
             </a:lvl1pPr>
             <a:lvl2pPr>
-              <a:defRPr sz="2000"/>
+              <a:defRPr sz="6700"/>
             </a:lvl2pPr>
             <a:lvl3pPr>
-              <a:defRPr sz="1800"/>
+              <a:defRPr sz="6000"/>
             </a:lvl3pPr>
             <a:lvl4pPr>
-              <a:defRPr sz="1600"/>
+              <a:defRPr sz="5300"/>
             </a:lvl4pPr>
             <a:lvl5pPr>
-              <a:defRPr sz="1400"/>
+              <a:defRPr sz="4700"/>
             </a:lvl5pPr>
             <a:lvl6pPr>
-              <a:defRPr sz="2000"/>
+              <a:defRPr sz="6700"/>
             </a:lvl6pPr>
             <a:lvl7pPr>
-              <a:defRPr sz="2000"/>
+              <a:defRPr sz="6700"/>
             </a:lvl7pPr>
             <a:lvl8pPr>
-              <a:defRPr sz="2000"/>
+              <a:defRPr sz="6700"/>
             </a:lvl8pPr>
             <a:lvl9pPr>
-              <a:defRPr sz="2000"/>
+              <a:defRPr sz="6700"/>
             </a:lvl9pPr>
           </a:lstStyle>
           <a:p>
@@ -3034,8 +3324,8 @@
         </p:nvSpPr>
         <p:spPr>
           <a:xfrm>
-            <a:off x="806824" y="4663736"/>
-            <a:ext cx="2541495" cy="2852691"/>
+            <a:off x="2516098" y="15443770"/>
+            <a:ext cx="7925699" cy="9446567"/>
           </a:xfrm>
         </p:spPr>
         <p:txBody>
@@ -3043,39 +3333,39 @@
           <a:lstStyle>
             <a:lvl1pPr marL="0" indent="0">
               <a:buNone/>
-              <a:defRPr sz="1400"/>
+              <a:defRPr sz="4700"/>
             </a:lvl1pPr>
-            <a:lvl2pPr marL="457200" indent="0">
+            <a:lvl2pPr marL="1527597" indent="0">
               <a:buNone/>
-              <a:defRPr sz="1200"/>
+              <a:defRPr sz="4000"/>
             </a:lvl2pPr>
-            <a:lvl3pPr marL="914400" indent="0">
+            <a:lvl3pPr marL="3055193" indent="0">
               <a:buNone/>
-              <a:defRPr sz="1000"/>
+              <a:defRPr sz="3300"/>
             </a:lvl3pPr>
-            <a:lvl4pPr marL="1371600" indent="0">
+            <a:lvl4pPr marL="4582790" indent="0">
               <a:buNone/>
-              <a:defRPr sz="900"/>
+              <a:defRPr sz="3000"/>
             </a:lvl4pPr>
-            <a:lvl5pPr marL="1828800" indent="0">
+            <a:lvl5pPr marL="6110387" indent="0">
               <a:buNone/>
-              <a:defRPr sz="900"/>
+              <a:defRPr sz="3000"/>
             </a:lvl5pPr>
-            <a:lvl6pPr marL="2286000" indent="0">
+            <a:lvl6pPr marL="7637983" indent="0">
               <a:buNone/>
-              <a:defRPr sz="900"/>
+              <a:defRPr sz="3000"/>
             </a:lvl6pPr>
-            <a:lvl7pPr marL="2743200" indent="0">
+            <a:lvl7pPr marL="9165580" indent="0">
               <a:buNone/>
-              <a:defRPr sz="900"/>
+              <a:defRPr sz="3000"/>
             </a:lvl7pPr>
-            <a:lvl8pPr marL="3200400" indent="0">
+            <a:lvl8pPr marL="10693176" indent="0">
               <a:buNone/>
-              <a:defRPr sz="900"/>
+              <a:defRPr sz="3000"/>
             </a:lvl8pPr>
-            <a:lvl9pPr marL="3657600" indent="0">
+            <a:lvl9pPr marL="12220773" indent="0">
               <a:buNone/>
-              <a:defRPr sz="900"/>
+              <a:defRPr sz="3000"/>
             </a:lvl9pPr>
           </a:lstStyle>
           <a:p>
@@ -3104,7 +3394,7 @@
           <a:p>
             <a:fld id="{4ADE0E56-B02A-4EE7-B89E-44845DFFCF82}" type="datetimeFigureOut">
               <a:rPr kumimoji="1" lang="ja-JP" altLang="en-US" smtClean="0"/>
-              <a:t>2013/12/10</a:t>
+              <a:t>2013/12/11</a:t>
             </a:fld>
             <a:endParaRPr kumimoji="1" lang="ja-JP" altLang="en-US"/>
           </a:p>
@@ -3192,8 +3482,8 @@
         </p:nvSpPr>
         <p:spPr>
           <a:xfrm>
-            <a:off x="0" y="5155893"/>
-            <a:ext cx="6858000" cy="3988107"/>
+            <a:off x="0" y="17073527"/>
+            <a:ext cx="21386800" cy="13206450"/>
           </a:xfrm>
           <a:prstGeom prst="rect">
             <a:avLst/>
@@ -3241,7 +3531,7 @@
           </a:fontRef>
         </p:style>
         <p:txBody>
-          <a:bodyPr rtlCol="0" anchor="ctr"/>
+          <a:bodyPr lIns="305519" tIns="152760" rIns="305519" bIns="152760" rtlCol="0" anchor="ctr"/>
           <a:lstStyle/>
           <a:p>
             <a:pPr algn="ctr"/>
@@ -3257,8 +3547,8 @@
         </p:nvSpPr>
         <p:spPr>
           <a:xfrm>
-            <a:off x="0" y="0"/>
-            <a:ext cx="6858000" cy="5155893"/>
+            <a:off x="0" y="2"/>
+            <a:ext cx="21386800" cy="17073525"/>
           </a:xfrm>
           <a:prstGeom prst="rect">
             <a:avLst/>
@@ -3307,7 +3597,7 @@
           </a:fontRef>
         </p:style>
         <p:txBody>
-          <a:bodyPr rtlCol="0" anchor="ctr"/>
+          <a:bodyPr lIns="305519" tIns="152760" rIns="305519" bIns="152760" rtlCol="0" anchor="ctr"/>
           <a:lstStyle/>
           <a:p>
             <a:pPr algn="ctr"/>
@@ -3323,8 +3613,8 @@
         </p:nvSpPr>
         <p:spPr>
           <a:xfrm>
-            <a:off x="0" y="3536415"/>
-            <a:ext cx="6858000" cy="3048000"/>
+            <a:off x="0" y="11710691"/>
+            <a:ext cx="21386800" cy="10093325"/>
           </a:xfrm>
           <a:prstGeom prst="rect">
             <a:avLst/>
@@ -3386,7 +3676,7 @@
           </a:fontRef>
         </p:style>
         <p:txBody>
-          <a:bodyPr rtlCol="0" anchor="ctr"/>
+          <a:bodyPr lIns="305519" tIns="152760" rIns="305519" bIns="152760" rtlCol="0" anchor="ctr"/>
           <a:lstStyle/>
           <a:p>
             <a:pPr algn="ctr"/>
@@ -3402,8 +3692,8 @@
         </p:nvSpPr>
         <p:spPr>
           <a:xfrm>
-            <a:off x="0" y="2133600"/>
-            <a:ext cx="6858000" cy="6807200"/>
+            <a:off x="0" y="7065328"/>
+            <a:ext cx="21386800" cy="22541759"/>
           </a:xfrm>
           <a:prstGeom prst="ellipse">
             <a:avLst/>
@@ -3445,7 +3735,7 @@
           </a:fontRef>
         </p:style>
         <p:txBody>
-          <a:bodyPr rtlCol="0" anchor="ctr"/>
+          <a:bodyPr lIns="305519" tIns="152760" rIns="305519" bIns="152760" rtlCol="0" anchor="ctr"/>
           <a:lstStyle/>
           <a:p>
             <a:pPr algn="ctr"/>
@@ -3465,8 +3755,8 @@
         </p:nvSpPr>
         <p:spPr>
           <a:xfrm>
-            <a:off x="3356381" y="1524000"/>
-            <a:ext cx="3086100" cy="4170408"/>
+            <a:off x="10466936" y="5046663"/>
+            <a:ext cx="9624060" cy="13810132"/>
           </a:xfrm>
           <a:prstGeom prst="roundRect">
             <a:avLst>
@@ -3499,39 +3789,39 @@
           <a:lstStyle>
             <a:lvl1pPr marL="0" indent="0" algn="ctr">
               <a:buNone/>
-              <a:defRPr sz="2000"/>
+              <a:defRPr sz="6700"/>
             </a:lvl1pPr>
-            <a:lvl2pPr marL="457200" indent="0">
+            <a:lvl2pPr marL="1527597" indent="0">
               <a:buNone/>
-              <a:defRPr sz="2800"/>
+              <a:defRPr sz="9400"/>
             </a:lvl2pPr>
-            <a:lvl3pPr marL="914400" indent="0">
+            <a:lvl3pPr marL="3055193" indent="0">
               <a:buNone/>
-              <a:defRPr sz="2400"/>
+              <a:defRPr sz="8000"/>
             </a:lvl3pPr>
-            <a:lvl4pPr marL="1371600" indent="0">
+            <a:lvl4pPr marL="4582790" indent="0">
               <a:buNone/>
-              <a:defRPr sz="2000"/>
+              <a:defRPr sz="6700"/>
             </a:lvl4pPr>
-            <a:lvl5pPr marL="1828800" indent="0">
+            <a:lvl5pPr marL="6110387" indent="0">
               <a:buNone/>
-              <a:defRPr sz="2000"/>
+              <a:defRPr sz="6700"/>
             </a:lvl5pPr>
-            <a:lvl6pPr marL="2286000" indent="0">
+            <a:lvl6pPr marL="7637983" indent="0">
               <a:buNone/>
-              <a:defRPr sz="2000"/>
+              <a:defRPr sz="6700"/>
             </a:lvl6pPr>
-            <a:lvl7pPr marL="2743200" indent="0">
+            <a:lvl7pPr marL="9165580" indent="0">
               <a:buNone/>
-              <a:defRPr sz="2000"/>
+              <a:defRPr sz="6700"/>
             </a:lvl7pPr>
-            <a:lvl8pPr marL="3200400" indent="0">
+            <a:lvl8pPr marL="10693176" indent="0">
               <a:buNone/>
-              <a:defRPr sz="2000"/>
+              <a:defRPr sz="6700"/>
             </a:lvl8pPr>
-            <a:lvl9pPr marL="3657600" indent="0">
+            <a:lvl9pPr marL="12220773" indent="0">
               <a:buNone/>
-              <a:defRPr sz="2000"/>
+              <a:defRPr sz="6700"/>
             </a:lvl9pPr>
           </a:lstStyle>
           <a:p>
@@ -3555,49 +3845,49 @@
         </p:nvSpPr>
         <p:spPr>
           <a:xfrm>
-            <a:off x="658415" y="1347315"/>
-            <a:ext cx="2770586" cy="2884027"/>
+            <a:off x="2053279" y="4461579"/>
+            <a:ext cx="8640124" cy="9550335"/>
           </a:xfrm>
         </p:spPr>
         <p:txBody>
           <a:bodyPr anchor="b"/>
           <a:lstStyle>
-            <a:lvl1pPr marL="182880" indent="-182880">
+            <a:lvl1pPr marL="611039" indent="-611039">
               <a:buFont typeface="Georgia" pitchFamily="18" charset="0"/>
               <a:buChar char="*"/>
-              <a:defRPr sz="1600"/>
+              <a:defRPr sz="5300"/>
             </a:lvl1pPr>
-            <a:lvl2pPr marL="457200" indent="0">
+            <a:lvl2pPr marL="1527597" indent="0">
               <a:buNone/>
-              <a:defRPr sz="1200"/>
+              <a:defRPr sz="4000"/>
             </a:lvl2pPr>
-            <a:lvl3pPr marL="914400" indent="0">
+            <a:lvl3pPr marL="3055193" indent="0">
               <a:buNone/>
-              <a:defRPr sz="1000"/>
+              <a:defRPr sz="3300"/>
             </a:lvl3pPr>
-            <a:lvl4pPr marL="1371600" indent="0">
+            <a:lvl4pPr marL="4582790" indent="0">
               <a:buNone/>
-              <a:defRPr sz="900"/>
+              <a:defRPr sz="3000"/>
             </a:lvl4pPr>
-            <a:lvl5pPr marL="1828800" indent="0">
+            <a:lvl5pPr marL="6110387" indent="0">
               <a:buNone/>
-              <a:defRPr sz="900"/>
+              <a:defRPr sz="3000"/>
             </a:lvl5pPr>
-            <a:lvl6pPr marL="2286000" indent="0">
+            <a:lvl6pPr marL="7637983" indent="0">
               <a:buNone/>
-              <a:defRPr sz="900"/>
+              <a:defRPr sz="3000"/>
             </a:lvl6pPr>
-            <a:lvl7pPr marL="2743200" indent="0">
+            <a:lvl7pPr marL="9165580" indent="0">
               <a:buNone/>
-              <a:defRPr sz="900"/>
+              <a:defRPr sz="3000"/>
             </a:lvl7pPr>
-            <a:lvl8pPr marL="3200400" indent="0">
+            <a:lvl8pPr marL="10693176" indent="0">
               <a:buNone/>
-              <a:defRPr sz="900"/>
+              <a:defRPr sz="3000"/>
             </a:lvl8pPr>
-            <a:lvl9pPr marL="3657600" indent="0">
+            <a:lvl9pPr marL="12220773" indent="0">
               <a:buNone/>
-              <a:defRPr sz="900"/>
+              <a:defRPr sz="3000"/>
             </a:lvl9pPr>
           </a:lstStyle>
           <a:p>
@@ -3626,7 +3916,7 @@
           <a:p>
             <a:fld id="{4ADE0E56-B02A-4EE7-B89E-44845DFFCF82}" type="datetimeFigureOut">
               <a:rPr kumimoji="1" lang="ja-JP" altLang="en-US" smtClean="0"/>
-              <a:t>2013/12/10</a:t>
+              <a:t>2013/12/11</a:t>
             </a:fld>
             <a:endParaRPr kumimoji="1" lang="ja-JP" altLang="en-US"/>
           </a:p>
@@ -3686,8 +3976,8 @@
         </p:nvSpPr>
         <p:spPr>
           <a:xfrm>
-            <a:off x="545451" y="5952561"/>
-            <a:ext cx="4787654" cy="1524000"/>
+            <a:off x="1700999" y="19711657"/>
+            <a:ext cx="14930388" cy="5046663"/>
           </a:xfrm>
         </p:spPr>
         <p:txBody>
@@ -3696,7 +3986,7 @@
           </a:bodyPr>
           <a:lstStyle>
             <a:lvl1pPr algn="l">
-              <a:defRPr sz="4600" b="1"/>
+              <a:defRPr sz="15400" b="1"/>
             </a:lvl1pPr>
           </a:lstStyle>
           <a:p>
@@ -3753,8 +4043,8 @@
         </p:nvSpPr>
         <p:spPr>
           <a:xfrm>
-            <a:off x="0" y="6807200"/>
-            <a:ext cx="6858000" cy="2336800"/>
+            <a:off x="0" y="22541760"/>
+            <a:ext cx="21386800" cy="7738216"/>
           </a:xfrm>
           <a:prstGeom prst="rect">
             <a:avLst/>
@@ -3802,7 +4092,7 @@
           </a:fontRef>
         </p:style>
         <p:txBody>
-          <a:bodyPr rtlCol="0" anchor="ctr"/>
+          <a:bodyPr lIns="305519" tIns="152760" rIns="305519" bIns="152760" rtlCol="0" anchor="ctr"/>
           <a:lstStyle/>
           <a:p>
             <a:pPr algn="ctr"/>
@@ -3818,8 +4108,8 @@
         </p:nvSpPr>
         <p:spPr>
           <a:xfrm>
-            <a:off x="0" y="0"/>
-            <a:ext cx="6858000" cy="6807200"/>
+            <a:off x="0" y="1"/>
+            <a:ext cx="21386800" cy="22541759"/>
           </a:xfrm>
           <a:prstGeom prst="rect">
             <a:avLst/>
@@ -3868,7 +4158,7 @@
           </a:fontRef>
         </p:style>
         <p:txBody>
-          <a:bodyPr rtlCol="0" anchor="ctr"/>
+          <a:bodyPr lIns="305519" tIns="152760" rIns="305519" bIns="152760" rtlCol="0" anchor="ctr"/>
           <a:lstStyle/>
           <a:p>
             <a:pPr algn="ctr"/>
@@ -3884,8 +4174,8 @@
         </p:nvSpPr>
         <p:spPr>
           <a:xfrm>
-            <a:off x="0" y="5024405"/>
-            <a:ext cx="6858000" cy="3048000"/>
+            <a:off x="0" y="16638108"/>
+            <a:ext cx="21386800" cy="10093325"/>
           </a:xfrm>
           <a:prstGeom prst="rect">
             <a:avLst/>
@@ -3947,7 +4237,7 @@
           </a:fontRef>
         </p:style>
         <p:txBody>
-          <a:bodyPr rtlCol="0" anchor="ctr"/>
+          <a:bodyPr lIns="305519" tIns="152760" rIns="305519" bIns="152760" rtlCol="0" anchor="ctr"/>
           <a:lstStyle/>
           <a:p>
             <a:pPr algn="ctr"/>
@@ -3963,8 +4253,8 @@
         </p:nvSpPr>
         <p:spPr>
           <a:xfrm>
-            <a:off x="0" y="2133600"/>
-            <a:ext cx="6858000" cy="6807200"/>
+            <a:off x="0" y="7065328"/>
+            <a:ext cx="21386800" cy="22541759"/>
           </a:xfrm>
           <a:prstGeom prst="ellipse">
             <a:avLst/>
@@ -4006,7 +4296,7 @@
           </a:fontRef>
         </p:style>
         <p:txBody>
-          <a:bodyPr rtlCol="0" anchor="ctr"/>
+          <a:bodyPr lIns="305519" tIns="152760" rIns="305519" bIns="152760" rtlCol="0" anchor="ctr"/>
           <a:lstStyle/>
           <a:p>
             <a:pPr algn="ctr"/>
@@ -4026,8 +4316,8 @@
         </p:nvSpPr>
         <p:spPr>
           <a:xfrm>
-            <a:off x="1344967" y="5829557"/>
-            <a:ext cx="4884383" cy="1524000"/>
+            <a:off x="4194306" y="19304335"/>
+            <a:ext cx="15232039" cy="5046663"/>
           </a:xfrm>
           <a:prstGeom prst="rect">
             <a:avLst/>
@@ -4035,7 +4325,7 @@
           <a:effectLst/>
         </p:spPr>
         <p:txBody>
-          <a:bodyPr vert="horz" lIns="91440" tIns="45720" rIns="91440" bIns="45720" rtlCol="0" anchor="t" anchorCtr="0">
+          <a:bodyPr vert="horz" lIns="305519" tIns="152760" rIns="305519" bIns="152760" rtlCol="0" anchor="t" anchorCtr="0">
             <a:noAutofit/>
           </a:bodyPr>
           <a:lstStyle/>
@@ -4060,15 +4350,15 @@
         </p:nvSpPr>
         <p:spPr>
           <a:xfrm>
-            <a:off x="857250" y="976347"/>
-            <a:ext cx="4800600" cy="4632960"/>
+            <a:off x="2673350" y="3233133"/>
+            <a:ext cx="14970760" cy="15341854"/>
           </a:xfrm>
           <a:prstGeom prst="rect">
             <a:avLst/>
           </a:prstGeom>
         </p:spPr>
         <p:txBody>
-          <a:bodyPr vert="horz" lIns="91440" tIns="45720" rIns="91440" bIns="45720" rtlCol="0">
+          <a:bodyPr vert="horz" lIns="305519" tIns="152760" rIns="305519" bIns="152760" rtlCol="0">
             <a:normAutofit/>
           </a:bodyPr>
           <a:lstStyle/>
@@ -4154,18 +4444,18 @@
         </p:nvSpPr>
         <p:spPr>
           <a:xfrm>
-            <a:off x="4629150" y="8229601"/>
-            <a:ext cx="1885950" cy="486833"/>
+            <a:off x="14436090" y="27251982"/>
+            <a:ext cx="5881370" cy="1612127"/>
           </a:xfrm>
           <a:prstGeom prst="rect">
             <a:avLst/>
           </a:prstGeom>
         </p:spPr>
         <p:txBody>
-          <a:bodyPr vert="horz" lIns="91440" tIns="45720" rIns="91440" bIns="45720" rtlCol="0" anchor="ctr"/>
+          <a:bodyPr vert="horz" lIns="305519" tIns="152760" rIns="305519" bIns="152760" rtlCol="0" anchor="ctr"/>
           <a:lstStyle>
             <a:lvl1pPr algn="r">
-              <a:defRPr sz="1100" b="1">
+              <a:defRPr sz="3700" b="1">
                 <a:solidFill>
                   <a:schemeClr val="tx1">
                     <a:lumMod val="50000"/>
@@ -4178,7 +4468,7 @@
           <a:p>
             <a:fld id="{4ADE0E56-B02A-4EE7-B89E-44845DFFCF82}" type="datetimeFigureOut">
               <a:rPr kumimoji="1" lang="ja-JP" altLang="en-US" smtClean="0"/>
-              <a:t>2013/12/10</a:t>
+              <a:t>2013/12/11</a:t>
             </a:fld>
             <a:endParaRPr kumimoji="1" lang="ja-JP" altLang="en-US"/>
           </a:p>
@@ -4196,18 +4486,18 @@
         </p:nvSpPr>
         <p:spPr>
           <a:xfrm>
-            <a:off x="342900" y="8229601"/>
-            <a:ext cx="2514601" cy="486833"/>
+            <a:off x="1069341" y="27251982"/>
+            <a:ext cx="7841830" cy="1612127"/>
           </a:xfrm>
           <a:prstGeom prst="rect">
             <a:avLst/>
           </a:prstGeom>
         </p:spPr>
         <p:txBody>
-          <a:bodyPr vert="horz" lIns="91440" tIns="45720" rIns="91440" bIns="45720" rtlCol="0" anchor="ctr"/>
+          <a:bodyPr vert="horz" lIns="305519" tIns="152760" rIns="305519" bIns="152760" rtlCol="0" anchor="ctr"/>
           <a:lstStyle>
             <a:lvl1pPr algn="l">
-              <a:defRPr sz="1100" b="1">
+              <a:defRPr sz="3700" b="1">
                 <a:solidFill>
                   <a:schemeClr val="tx1">
                     <a:lumMod val="50000"/>
@@ -4234,18 +4524,18 @@
         </p:nvSpPr>
         <p:spPr>
           <a:xfrm>
-            <a:off x="2857500" y="8229601"/>
-            <a:ext cx="1371600" cy="486833"/>
+            <a:off x="8911167" y="27251982"/>
+            <a:ext cx="4277360" cy="1612127"/>
           </a:xfrm>
           <a:prstGeom prst="rect">
             <a:avLst/>
           </a:prstGeom>
         </p:spPr>
         <p:txBody>
-          <a:bodyPr vert="horz" lIns="91440" tIns="45720" rIns="91440" bIns="45720" rtlCol="0" anchor="ctr"/>
+          <a:bodyPr vert="horz" lIns="305519" tIns="152760" rIns="305519" bIns="152760" rtlCol="0" anchor="ctr"/>
           <a:lstStyle>
             <a:lvl1pPr algn="ctr">
-              <a:defRPr sz="1200" b="1">
+              <a:defRPr sz="4000" b="1">
                 <a:solidFill>
                   <a:schemeClr val="tx1">
                     <a:lumMod val="50000"/>
@@ -4289,7 +4579,7 @@
   </p:timing>
   <p:txStyles>
     <p:titleStyle>
-      <a:lvl1pPr marL="320040" indent="-320040" algn="r" defTabSz="914400" rtl="0" eaLnBrk="1" latinLnBrk="0" hangingPunct="1">
+      <a:lvl1pPr marL="1069318" indent="-1069318" algn="r" defTabSz="3055193" rtl="0" eaLnBrk="1" latinLnBrk="0" hangingPunct="1">
         <a:spcBef>
           <a:spcPct val="0"/>
         </a:spcBef>
@@ -4301,7 +4591,7 @@
         <a:buSzPct val="128000"/>
         <a:buFont typeface="Georgia" pitchFamily="18" charset="0"/>
         <a:buChar char="*"/>
-        <a:defRPr kumimoji="1" sz="4600" b="1" i="0" kern="1200">
+        <a:defRPr kumimoji="1" sz="15400" b="1" i="0" kern="1200">
           <a:gradFill>
             <a:gsLst>
               <a:gs pos="0">
@@ -4387,12 +4677,12 @@
       </a:lvl9pPr>
     </p:titleStyle>
     <p:bodyStyle>
-      <a:lvl1pPr marL="228600" indent="-182880" algn="l" defTabSz="914400" rtl="0" eaLnBrk="1" latinLnBrk="0" hangingPunct="1">
+      <a:lvl1pPr marL="763798" indent="-611039" algn="l" defTabSz="3055193" rtl="0" eaLnBrk="1" latinLnBrk="0" hangingPunct="1">
         <a:spcBef>
           <a:spcPct val="20000"/>
         </a:spcBef>
         <a:spcAft>
-          <a:spcPts val="300"/>
+          <a:spcPts val="1002"/>
         </a:spcAft>
         <a:buClr>
           <a:schemeClr val="accent6">
@@ -4402,7 +4692,7 @@
         <a:buSzPct val="130000"/>
         <a:buFont typeface="Georgia" pitchFamily="18" charset="0"/>
         <a:buChar char="*"/>
-        <a:defRPr kumimoji="1" sz="2200" kern="1200">
+        <a:defRPr kumimoji="1" sz="7400" kern="1200">
           <a:solidFill>
             <a:schemeClr val="tx1">
               <a:lumMod val="75000"/>
@@ -4414,12 +4704,12 @@
           <a:cs typeface="+mn-cs"/>
         </a:defRPr>
       </a:lvl1pPr>
-      <a:lvl2pPr marL="548640" indent="-182880" algn="l" defTabSz="914400" rtl="0" eaLnBrk="1" latinLnBrk="0" hangingPunct="1">
+      <a:lvl2pPr marL="1833116" indent="-611039" algn="l" defTabSz="3055193" rtl="0" eaLnBrk="1" latinLnBrk="0" hangingPunct="1">
         <a:spcBef>
           <a:spcPct val="20000"/>
         </a:spcBef>
         <a:spcAft>
-          <a:spcPts val="300"/>
+          <a:spcPts val="1002"/>
         </a:spcAft>
         <a:buClr>
           <a:schemeClr val="accent6">
@@ -4429,7 +4719,7 @@
         <a:buSzPct val="130000"/>
         <a:buFont typeface="Georgia" pitchFamily="18" charset="0"/>
         <a:buChar char="*"/>
-        <a:defRPr kumimoji="1" sz="2000" kern="1200">
+        <a:defRPr kumimoji="1" sz="6700" kern="1200">
           <a:solidFill>
             <a:schemeClr val="tx1">
               <a:lumMod val="75000"/>
@@ -4441,12 +4731,12 @@
           <a:cs typeface="+mn-cs"/>
         </a:defRPr>
       </a:lvl2pPr>
-      <a:lvl3pPr marL="822960" indent="-182880" algn="l" defTabSz="914400" rtl="0" eaLnBrk="1" latinLnBrk="0" hangingPunct="1">
+      <a:lvl3pPr marL="2749674" indent="-611039" algn="l" defTabSz="3055193" rtl="0" eaLnBrk="1" latinLnBrk="0" hangingPunct="1">
         <a:spcBef>
           <a:spcPct val="20000"/>
         </a:spcBef>
         <a:spcAft>
-          <a:spcPts val="300"/>
+          <a:spcPts val="1002"/>
         </a:spcAft>
         <a:buClr>
           <a:schemeClr val="accent6">
@@ -4456,7 +4746,7 @@
         <a:buSzPct val="130000"/>
         <a:buFont typeface="Georgia" pitchFamily="18" charset="0"/>
         <a:buChar char="*"/>
-        <a:defRPr kumimoji="1" sz="1800" kern="1200">
+        <a:defRPr kumimoji="1" sz="6000" kern="1200">
           <a:solidFill>
             <a:schemeClr val="tx1">
               <a:lumMod val="75000"/>
@@ -4468,12 +4758,12 @@
           <a:cs typeface="+mn-cs"/>
         </a:defRPr>
       </a:lvl3pPr>
-      <a:lvl4pPr marL="1097280" indent="-182880" algn="l" defTabSz="914400" rtl="0" eaLnBrk="1" latinLnBrk="0" hangingPunct="1">
+      <a:lvl4pPr marL="3666232" indent="-611039" algn="l" defTabSz="3055193" rtl="0" eaLnBrk="1" latinLnBrk="0" hangingPunct="1">
         <a:spcBef>
           <a:spcPct val="20000"/>
         </a:spcBef>
         <a:spcAft>
-          <a:spcPts val="300"/>
+          <a:spcPts val="1002"/>
         </a:spcAft>
         <a:buClr>
           <a:schemeClr val="accent6">
@@ -4483,7 +4773,7 @@
         <a:buSzPct val="130000"/>
         <a:buFont typeface="Georgia" pitchFamily="18" charset="0"/>
         <a:buChar char="*"/>
-        <a:defRPr kumimoji="1" sz="1600" kern="1200">
+        <a:defRPr kumimoji="1" sz="5300" kern="1200">
           <a:solidFill>
             <a:schemeClr val="tx1">
               <a:lumMod val="75000"/>
@@ -4495,12 +4785,12 @@
           <a:cs typeface="+mn-cs"/>
         </a:defRPr>
       </a:lvl4pPr>
-      <a:lvl5pPr marL="1389888" indent="-182880" algn="l" defTabSz="914400" rtl="0" eaLnBrk="1" latinLnBrk="0" hangingPunct="1">
+      <a:lvl5pPr marL="4643894" indent="-611039" algn="l" defTabSz="3055193" rtl="0" eaLnBrk="1" latinLnBrk="0" hangingPunct="1">
         <a:spcBef>
           <a:spcPct val="20000"/>
         </a:spcBef>
         <a:spcAft>
-          <a:spcPts val="300"/>
+          <a:spcPts val="1002"/>
         </a:spcAft>
         <a:buClr>
           <a:schemeClr val="accent6">
@@ -4510,7 +4800,7 @@
         <a:buSzPct val="130000"/>
         <a:buFont typeface="Georgia" pitchFamily="18" charset="0"/>
         <a:buChar char="*"/>
-        <a:defRPr kumimoji="1" sz="1400" kern="1200">
+        <a:defRPr kumimoji="1" sz="4700" kern="1200">
           <a:solidFill>
             <a:schemeClr val="tx1">
               <a:lumMod val="75000"/>
@@ -4522,12 +4812,12 @@
           <a:cs typeface="+mn-cs"/>
         </a:defRPr>
       </a:lvl5pPr>
-      <a:lvl6pPr marL="1664208" indent="-182880" algn="l" defTabSz="914400" rtl="0" eaLnBrk="1" latinLnBrk="0" hangingPunct="1">
+      <a:lvl6pPr marL="5560452" indent="-611039" algn="l" defTabSz="3055193" rtl="0" eaLnBrk="1" latinLnBrk="0" hangingPunct="1">
         <a:spcBef>
           <a:spcPct val="20000"/>
         </a:spcBef>
         <a:spcAft>
-          <a:spcPts val="300"/>
+          <a:spcPts val="1002"/>
         </a:spcAft>
         <a:buClr>
           <a:schemeClr val="accent6">
@@ -4537,7 +4827,7 @@
         <a:buSzPct val="130000"/>
         <a:buFont typeface="Georgia" pitchFamily="18" charset="0"/>
         <a:buChar char="*"/>
-        <a:defRPr kumimoji="1" sz="1400" kern="1200">
+        <a:defRPr kumimoji="1" sz="4700" kern="1200">
           <a:solidFill>
             <a:schemeClr val="tx1">
               <a:lumMod val="75000"/>
@@ -4549,12 +4839,12 @@
           <a:cs typeface="+mn-cs"/>
         </a:defRPr>
       </a:lvl6pPr>
-      <a:lvl7pPr marL="1965960" indent="-182880" algn="l" defTabSz="914400" rtl="0" eaLnBrk="1" latinLnBrk="0" hangingPunct="1">
+      <a:lvl7pPr marL="6568666" indent="-611039" algn="l" defTabSz="3055193" rtl="0" eaLnBrk="1" latinLnBrk="0" hangingPunct="1">
         <a:spcBef>
           <a:spcPct val="20000"/>
         </a:spcBef>
         <a:spcAft>
-          <a:spcPts val="300"/>
+          <a:spcPts val="1002"/>
         </a:spcAft>
         <a:buClr>
           <a:schemeClr val="accent6">
@@ -4564,7 +4854,7 @@
         <a:buSzPct val="130000"/>
         <a:buFont typeface="Georgia" pitchFamily="18" charset="0"/>
         <a:buChar char="*"/>
-        <a:defRPr kumimoji="1" sz="1400" kern="1200">
+        <a:defRPr kumimoji="1" sz="4700" kern="1200">
           <a:solidFill>
             <a:schemeClr val="tx1">
               <a:lumMod val="75000"/>
@@ -4576,12 +4866,12 @@
           <a:cs typeface="+mn-cs"/>
         </a:defRPr>
       </a:lvl7pPr>
-      <a:lvl8pPr marL="2286000" indent="-182880" algn="l" defTabSz="914400" rtl="0" eaLnBrk="1" latinLnBrk="0" hangingPunct="1">
+      <a:lvl8pPr marL="7637983" indent="-611039" algn="l" defTabSz="3055193" rtl="0" eaLnBrk="1" latinLnBrk="0" hangingPunct="1">
         <a:spcBef>
           <a:spcPct val="20000"/>
         </a:spcBef>
         <a:spcAft>
-          <a:spcPts val="300"/>
+          <a:spcPts val="1002"/>
         </a:spcAft>
         <a:buClr>
           <a:schemeClr val="accent6">
@@ -4591,7 +4881,7 @@
         <a:buSzPct val="130000"/>
         <a:buFont typeface="Georgia" pitchFamily="18" charset="0"/>
         <a:buChar char="*"/>
-        <a:defRPr kumimoji="1" sz="1400" kern="1200">
+        <a:defRPr kumimoji="1" sz="4700" kern="1200">
           <a:solidFill>
             <a:schemeClr val="tx1">
               <a:lumMod val="75000"/>
@@ -4603,12 +4893,12 @@
           <a:cs typeface="+mn-cs"/>
         </a:defRPr>
       </a:lvl8pPr>
-      <a:lvl9pPr marL="2587752" indent="-182880" algn="l" defTabSz="914400" rtl="0" eaLnBrk="1" latinLnBrk="0" hangingPunct="1">
+      <a:lvl9pPr marL="8646197" indent="-611039" algn="l" defTabSz="3055193" rtl="0" eaLnBrk="1" latinLnBrk="0" hangingPunct="1">
         <a:spcBef>
           <a:spcPct val="20000"/>
         </a:spcBef>
         <a:spcAft>
-          <a:spcPts val="300"/>
+          <a:spcPts val="1002"/>
         </a:spcAft>
         <a:buClr>
           <a:schemeClr val="accent6">
@@ -4618,7 +4908,7 @@
         <a:buSzPct val="130000"/>
         <a:buFont typeface="Georgia" pitchFamily="18" charset="0"/>
         <a:buChar char="*"/>
-        <a:defRPr kumimoji="1" sz="1400" kern="1200">
+        <a:defRPr kumimoji="1" sz="4700" kern="1200">
           <a:solidFill>
             <a:schemeClr val="tx1">
               <a:lumMod val="75000"/>
@@ -4635,8 +4925,8 @@
       <a:defPPr>
         <a:defRPr lang="en-US"/>
       </a:defPPr>
-      <a:lvl1pPr marL="0" algn="l" defTabSz="914400" rtl="0" eaLnBrk="1" latinLnBrk="0" hangingPunct="1">
-        <a:defRPr kumimoji="1" sz="1800" kern="1200">
+      <a:lvl1pPr marL="0" algn="l" defTabSz="3055193" rtl="0" eaLnBrk="1" latinLnBrk="0" hangingPunct="1">
+        <a:defRPr kumimoji="1" sz="6000" kern="1200">
           <a:solidFill>
             <a:schemeClr val="tx1"/>
           </a:solidFill>
@@ -4645,8 +4935,8 @@
           <a:cs typeface="+mn-cs"/>
         </a:defRPr>
       </a:lvl1pPr>
-      <a:lvl2pPr marL="457200" algn="l" defTabSz="914400" rtl="0" eaLnBrk="1" latinLnBrk="0" hangingPunct="1">
-        <a:defRPr kumimoji="1" sz="1800" kern="1200">
+      <a:lvl2pPr marL="1527597" algn="l" defTabSz="3055193" rtl="0" eaLnBrk="1" latinLnBrk="0" hangingPunct="1">
+        <a:defRPr kumimoji="1" sz="6000" kern="1200">
           <a:solidFill>
             <a:schemeClr val="tx1"/>
           </a:solidFill>
@@ -4655,8 +4945,8 @@
           <a:cs typeface="+mn-cs"/>
         </a:defRPr>
       </a:lvl2pPr>
-      <a:lvl3pPr marL="914400" algn="l" defTabSz="914400" rtl="0" eaLnBrk="1" latinLnBrk="0" hangingPunct="1">
-        <a:defRPr kumimoji="1" sz="1800" kern="1200">
+      <a:lvl3pPr marL="3055193" algn="l" defTabSz="3055193" rtl="0" eaLnBrk="1" latinLnBrk="0" hangingPunct="1">
+        <a:defRPr kumimoji="1" sz="6000" kern="1200">
           <a:solidFill>
             <a:schemeClr val="tx1"/>
           </a:solidFill>
@@ -4665,8 +4955,8 @@
           <a:cs typeface="+mn-cs"/>
         </a:defRPr>
       </a:lvl3pPr>
-      <a:lvl4pPr marL="1371600" algn="l" defTabSz="914400" rtl="0" eaLnBrk="1" latinLnBrk="0" hangingPunct="1">
-        <a:defRPr kumimoji="1" sz="1800" kern="1200">
+      <a:lvl4pPr marL="4582790" algn="l" defTabSz="3055193" rtl="0" eaLnBrk="1" latinLnBrk="0" hangingPunct="1">
+        <a:defRPr kumimoji="1" sz="6000" kern="1200">
           <a:solidFill>
             <a:schemeClr val="tx1"/>
           </a:solidFill>
@@ -4675,8 +4965,8 @@
           <a:cs typeface="+mn-cs"/>
         </a:defRPr>
       </a:lvl4pPr>
-      <a:lvl5pPr marL="1828800" algn="l" defTabSz="914400" rtl="0" eaLnBrk="1" latinLnBrk="0" hangingPunct="1">
-        <a:defRPr kumimoji="1" sz="1800" kern="1200">
+      <a:lvl5pPr marL="6110387" algn="l" defTabSz="3055193" rtl="0" eaLnBrk="1" latinLnBrk="0" hangingPunct="1">
+        <a:defRPr kumimoji="1" sz="6000" kern="1200">
           <a:solidFill>
             <a:schemeClr val="tx1"/>
           </a:solidFill>
@@ -4685,8 +4975,8 @@
           <a:cs typeface="+mn-cs"/>
         </a:defRPr>
       </a:lvl5pPr>
-      <a:lvl6pPr marL="2286000" algn="l" defTabSz="914400" rtl="0" eaLnBrk="1" latinLnBrk="0" hangingPunct="1">
-        <a:defRPr kumimoji="1" sz="1800" kern="1200">
+      <a:lvl6pPr marL="7637983" algn="l" defTabSz="3055193" rtl="0" eaLnBrk="1" latinLnBrk="0" hangingPunct="1">
+        <a:defRPr kumimoji="1" sz="6000" kern="1200">
           <a:solidFill>
             <a:schemeClr val="tx1"/>
           </a:solidFill>
@@ -4695,8 +4985,8 @@
           <a:cs typeface="+mn-cs"/>
         </a:defRPr>
       </a:lvl6pPr>
-      <a:lvl7pPr marL="2743200" algn="l" defTabSz="914400" rtl="0" eaLnBrk="1" latinLnBrk="0" hangingPunct="1">
-        <a:defRPr kumimoji="1" sz="1800" kern="1200">
+      <a:lvl7pPr marL="9165580" algn="l" defTabSz="3055193" rtl="0" eaLnBrk="1" latinLnBrk="0" hangingPunct="1">
+        <a:defRPr kumimoji="1" sz="6000" kern="1200">
           <a:solidFill>
             <a:schemeClr val="tx1"/>
           </a:solidFill>
@@ -4705,8 +4995,8 @@
           <a:cs typeface="+mn-cs"/>
         </a:defRPr>
       </a:lvl7pPr>
-      <a:lvl8pPr marL="3200400" algn="l" defTabSz="914400" rtl="0" eaLnBrk="1" latinLnBrk="0" hangingPunct="1">
-        <a:defRPr kumimoji="1" sz="1800" kern="1200">
+      <a:lvl8pPr marL="10693176" algn="l" defTabSz="3055193" rtl="0" eaLnBrk="1" latinLnBrk="0" hangingPunct="1">
+        <a:defRPr kumimoji="1" sz="6000" kern="1200">
           <a:solidFill>
             <a:schemeClr val="tx1"/>
           </a:solidFill>
@@ -4715,8 +5005,8 @@
           <a:cs typeface="+mn-cs"/>
         </a:defRPr>
       </a:lvl8pPr>
-      <a:lvl9pPr marL="3657600" algn="l" defTabSz="914400" rtl="0" eaLnBrk="1" latinLnBrk="0" hangingPunct="1">
-        <a:defRPr kumimoji="1" sz="1800" kern="1200">
+      <a:lvl9pPr marL="12220773" algn="l" defTabSz="3055193" rtl="0" eaLnBrk="1" latinLnBrk="0" hangingPunct="1">
+        <a:defRPr kumimoji="1" sz="6000" kern="1200">
           <a:solidFill>
             <a:schemeClr val="tx1"/>
           </a:solidFill>
@@ -4755,12 +5045,12 @@
         </p:nvSpPr>
         <p:spPr>
           <a:xfrm>
-            <a:off x="72008" y="179512"/>
-            <a:ext cx="6597352" cy="936104"/>
+            <a:off x="0" y="594447"/>
+            <a:ext cx="21023081" cy="3099870"/>
           </a:xfrm>
           <a:prstGeom prst="ribbon2">
             <a:avLst>
-              <a:gd name="adj1" fmla="val 15504"/>
+              <a:gd name="adj1" fmla="val 13178"/>
               <a:gd name="adj2" fmla="val 75000"/>
             </a:avLst>
           </a:prstGeom>
@@ -4790,60 +5080,47 @@
           </a:fontRef>
         </p:style>
         <p:txBody>
-          <a:bodyPr rtlCol="0" anchor="ctr"/>
+          <a:bodyPr lIns="305519" tIns="152760" rIns="305519" bIns="152760" rtlCol="0" anchor="ctr"/>
           <a:lstStyle/>
           <a:p>
             <a:pPr lvl="0" algn="ctr"/>
             <a:r>
-              <a:rPr lang="ja-JP" altLang="en-US" sz="2000" b="1" dirty="0">
+              <a:rPr lang="ja-JP" altLang="en-US" b="1" dirty="0" smtClean="0">
                 <a:solidFill>
                   <a:prstClr val="black"/>
                 </a:solidFill>
-                <a:latin typeface="自由の翼フォント" panose="02000600000000000000" pitchFamily="2" charset="-128"/>
-                <a:ea typeface="自由の翼フォント" panose="02000600000000000000" pitchFamily="2" charset="-128"/>
+                <a:latin typeface="+mj-ea"/>
+                <a:ea typeface="+mj-ea"/>
               </a:rPr>
-              <a:t>大容量のデータ</a:t>
-            </a:r>
-            <a:r>
-              <a:rPr lang="ja-JP" altLang="en-US" sz="2000" b="1" dirty="0" smtClean="0">
+              <a:t>ビッグデータの処理技術を活用した</a:t>
+            </a:r>
+            <a:endParaRPr lang="en-US" altLang="ja-JP" b="1" dirty="0" smtClean="0">
+              <a:solidFill>
+                <a:prstClr val="black"/>
+              </a:solidFill>
+              <a:latin typeface="+mj-ea"/>
+              <a:ea typeface="+mj-ea"/>
+            </a:endParaRPr>
+          </a:p>
+          <a:p>
+            <a:pPr lvl="0" algn="ctr"/>
+            <a:r>
+              <a:rPr lang="ja-JP" altLang="en-US" b="1" dirty="0" smtClean="0">
                 <a:solidFill>
                   <a:prstClr val="black"/>
                 </a:solidFill>
-                <a:latin typeface="自由の翼フォント" panose="02000600000000000000" pitchFamily="2" charset="-128"/>
-                <a:ea typeface="自由の翼フォント" panose="02000600000000000000" pitchFamily="2" charset="-128"/>
+                <a:latin typeface="+mj-ea"/>
+                <a:ea typeface="+mj-ea"/>
               </a:rPr>
-              <a:t>を</a:t>
-            </a:r>
-            <a:endParaRPr lang="en-US" altLang="ja-JP" sz="2000" b="1" dirty="0" smtClean="0">
+              <a:t>オープンソフトウェア開発プロジェクト解析</a:t>
+            </a:r>
+            <a:endParaRPr lang="ja-JP" altLang="en-US" b="1" dirty="0">
               <a:solidFill>
                 <a:prstClr val="black"/>
               </a:solidFill>
-              <a:latin typeface="自由の翼フォント" panose="02000600000000000000" pitchFamily="2" charset="-128"/>
-              <a:ea typeface="自由の翼フォント" panose="02000600000000000000" pitchFamily="2" charset="-128"/>
+              <a:latin typeface="+mj-ea"/>
+              <a:ea typeface="+mj-ea"/>
             </a:endParaRPr>
-          </a:p>
-          <a:p>
-            <a:pPr lvl="0" algn="ctr"/>
-            <a:r>
-              <a:rPr lang="ja-JP" altLang="en-US" sz="2000" b="1" dirty="0" smtClean="0">
-                <a:solidFill>
-                  <a:prstClr val="black"/>
-                </a:solidFill>
-                <a:latin typeface="自由の翼フォント" panose="02000600000000000000" pitchFamily="2" charset="-128"/>
-                <a:ea typeface="自由の翼フォント" panose="02000600000000000000" pitchFamily="2" charset="-128"/>
-              </a:rPr>
-              <a:t>収集</a:t>
-            </a:r>
-            <a:r>
-              <a:rPr lang="ja-JP" altLang="en-US" sz="2000" b="1" dirty="0">
-                <a:solidFill>
-                  <a:prstClr val="black"/>
-                </a:solidFill>
-                <a:latin typeface="自由の翼フォント" panose="02000600000000000000" pitchFamily="2" charset="-128"/>
-                <a:ea typeface="自由の翼フォント" panose="02000600000000000000" pitchFamily="2" charset="-128"/>
-              </a:rPr>
-              <a:t>・分析する方法の調査</a:t>
-            </a:r>
           </a:p>
         </p:txBody>
       </p:sp>
@@ -4855,8 +5132,8 @@
         </p:nvSpPr>
         <p:spPr>
           <a:xfrm>
-            <a:off x="2044844" y="1115616"/>
-            <a:ext cx="2880320" cy="432048"/>
+            <a:off x="6376884" y="3694316"/>
+            <a:ext cx="8982331" cy="1430709"/>
           </a:xfrm>
           <a:prstGeom prst="roundRect">
             <a:avLst/>
@@ -4887,19 +5164,19 @@
           </a:fontRef>
         </p:style>
         <p:txBody>
-          <a:bodyPr rtlCol="0" anchor="ctr"/>
+          <a:bodyPr lIns="305519" tIns="152760" rIns="305519" bIns="152760" rtlCol="0" anchor="ctr"/>
           <a:lstStyle/>
           <a:p>
             <a:pPr algn="ctr"/>
             <a:r>
-              <a:rPr kumimoji="1" lang="ja-JP" altLang="en-US" sz="1200" dirty="0" smtClean="0">
+              <a:rPr lang="ja-JP" altLang="en-US" sz="4000" dirty="0">
                 <a:solidFill>
                   <a:schemeClr val="tx1"/>
                 </a:solidFill>
               </a:rPr>
               <a:t>プロジェクトマネジメントコース</a:t>
             </a:r>
-            <a:endParaRPr kumimoji="1" lang="en-US" altLang="ja-JP" sz="1200" dirty="0" smtClean="0">
+            <a:endParaRPr lang="en-US" altLang="ja-JP" sz="4000" dirty="0">
               <a:solidFill>
                 <a:schemeClr val="tx1"/>
               </a:solidFill>
@@ -4908,7 +5185,7 @@
           <a:p>
             <a:pPr algn="ctr"/>
             <a:r>
-              <a:rPr lang="en-US" altLang="ja-JP" sz="1200" dirty="0" smtClean="0">
+              <a:rPr lang="en-US" altLang="ja-JP" sz="4000" dirty="0">
                 <a:solidFill>
                   <a:schemeClr val="tx1"/>
                 </a:solidFill>
@@ -4916,18 +5193,13 @@
               <a:t>1142046</a:t>
             </a:r>
             <a:r>
-              <a:rPr lang="ja-JP" altLang="en-US" sz="1200" dirty="0" smtClean="0">
+              <a:rPr lang="ja-JP" altLang="en-US" sz="4000" dirty="0">
                 <a:solidFill>
                   <a:schemeClr val="tx1"/>
                 </a:solidFill>
               </a:rPr>
               <a:t>　小池由也</a:t>
             </a:r>
-            <a:endParaRPr kumimoji="1" lang="ja-JP" altLang="en-US" sz="1200" dirty="0">
-              <a:solidFill>
-                <a:schemeClr val="tx1"/>
-              </a:solidFill>
-            </a:endParaRPr>
           </a:p>
         </p:txBody>
       </p:sp>
@@ -4939,8 +5211,8 @@
         </p:nvSpPr>
         <p:spPr>
           <a:xfrm>
-            <a:off x="72008" y="1547664"/>
-            <a:ext cx="980728" cy="504056"/>
+            <a:off x="224558" y="5125025"/>
+            <a:ext cx="3058418" cy="1669160"/>
           </a:xfrm>
           <a:prstGeom prst="homePlate">
             <a:avLst/>
@@ -4971,7 +5243,7 @@
           </a:fontRef>
         </p:style>
         <p:txBody>
-          <a:bodyPr rtlCol="0" anchor="ctr"/>
+          <a:bodyPr lIns="305519" tIns="152760" rIns="305519" bIns="152760" rtlCol="0" anchor="ctr"/>
           <a:lstStyle/>
           <a:p>
             <a:pPr algn="ctr"/>
@@ -4980,6 +5252,8 @@
                 <a:solidFill>
                   <a:schemeClr val="tx1"/>
                 </a:solidFill>
+                <a:latin typeface="+mj-ea"/>
+                <a:ea typeface="+mj-ea"/>
               </a:rPr>
               <a:t>背景</a:t>
             </a:r>
@@ -4987,304 +5261,933 @@
               <a:solidFill>
                 <a:schemeClr val="tx1"/>
               </a:solidFill>
+              <a:latin typeface="+mj-ea"/>
+              <a:ea typeface="+mj-ea"/>
             </a:endParaRPr>
           </a:p>
         </p:txBody>
       </p:sp>
-      <p:sp>
-        <p:nvSpPr>
-          <p:cNvPr id="10" name="下矢印 9"/>
-          <p:cNvSpPr/>
+      <p:grpSp>
+        <p:nvGrpSpPr>
+          <p:cNvPr id="34" name="グループ化 33"/>
+          <p:cNvGrpSpPr/>
           <p:nvPr/>
-        </p:nvSpPr>
-        <p:spPr>
+        </p:nvGrpSpPr>
+        <p:grpSpPr>
           <a:xfrm>
-            <a:off x="3140968" y="2555776"/>
-            <a:ext cx="864096" cy="432048"/>
+            <a:off x="812837" y="6210996"/>
+            <a:ext cx="20573963" cy="8208912"/>
+            <a:chOff x="260648" y="2086015"/>
+            <a:chExt cx="6597352" cy="2557993"/>
           </a:xfrm>
-          <a:prstGeom prst="downArrow">
-            <a:avLst/>
-          </a:prstGeom>
-          <a:solidFill>
-            <a:schemeClr val="tx1"/>
-          </a:solidFill>
-          <a:ln>
+        </p:grpSpPr>
+        <p:sp>
+          <p:nvSpPr>
+            <p:cNvPr id="30" name="円/楕円 29"/>
+            <p:cNvSpPr/>
+            <p:nvPr/>
+          </p:nvSpPr>
+          <p:spPr>
+            <a:xfrm>
+              <a:off x="260648" y="2627784"/>
+              <a:ext cx="6120680" cy="1872208"/>
+            </a:xfrm>
+            <a:prstGeom prst="ellipse">
+              <a:avLst/>
+            </a:prstGeom>
+            <a:noFill/>
+            <a:ln>
+              <a:solidFill>
+                <a:schemeClr val="tx1"/>
+              </a:solidFill>
+            </a:ln>
+          </p:spPr>
+          <p:style>
+            <a:lnRef idx="2">
+              <a:schemeClr val="accent1">
+                <a:shade val="50000"/>
+              </a:schemeClr>
+            </a:lnRef>
+            <a:fillRef idx="1">
+              <a:schemeClr val="accent1"/>
+            </a:fillRef>
+            <a:effectRef idx="0">
+              <a:schemeClr val="accent1"/>
+            </a:effectRef>
+            <a:fontRef idx="minor">
+              <a:schemeClr val="lt1"/>
+            </a:fontRef>
+          </p:style>
+          <p:txBody>
+            <a:bodyPr rtlCol="0" anchor="ctr"/>
+            <a:lstStyle/>
+            <a:p>
+              <a:pPr algn="ctr"/>
+              <a:endParaRPr kumimoji="1" lang="ja-JP" altLang="en-US"/>
+            </a:p>
+          </p:txBody>
+        </p:sp>
+        <p:sp>
+          <p:nvSpPr>
+            <p:cNvPr id="3" name="円/楕円 2"/>
+            <p:cNvSpPr/>
+            <p:nvPr/>
+          </p:nvSpPr>
+          <p:spPr>
+            <a:xfrm>
+              <a:off x="260648" y="2267744"/>
+              <a:ext cx="1473215" cy="864096"/>
+            </a:xfrm>
+            <a:prstGeom prst="ellipse">
+              <a:avLst/>
+            </a:prstGeom>
             <a:solidFill>
+              <a:schemeClr val="bg1"/>
+            </a:solidFill>
+            <a:ln>
+              <a:solidFill>
+                <a:schemeClr val="tx1"/>
+              </a:solidFill>
+            </a:ln>
+          </p:spPr>
+          <p:style>
+            <a:lnRef idx="2">
+              <a:schemeClr val="accent1">
+                <a:shade val="50000"/>
+              </a:schemeClr>
+            </a:lnRef>
+            <a:fillRef idx="1">
+              <a:schemeClr val="accent1"/>
+            </a:fillRef>
+            <a:effectRef idx="0">
+              <a:schemeClr val="accent1"/>
+            </a:effectRef>
+            <a:fontRef idx="minor">
+              <a:schemeClr val="lt1"/>
+            </a:fontRef>
+          </p:style>
+          <p:txBody>
+            <a:bodyPr rtlCol="0" anchor="ctr"/>
+            <a:lstStyle/>
+            <a:p>
+              <a:pPr algn="ctr"/>
+              <a:r>
+                <a:rPr lang="ja-JP" altLang="en-US" sz="4700" b="1" dirty="0">
+                  <a:solidFill>
+                    <a:schemeClr val="tx1"/>
+                  </a:solidFill>
+                </a:rPr>
+                <a:t>テスト駆動開発の実態調査</a:t>
+              </a:r>
+            </a:p>
+          </p:txBody>
+        </p:sp>
+        <p:sp>
+          <p:nvSpPr>
+            <p:cNvPr id="26" name="円/楕円 25"/>
+            <p:cNvSpPr/>
+            <p:nvPr/>
+          </p:nvSpPr>
+          <p:spPr>
+            <a:xfrm>
+              <a:off x="5013176" y="2267744"/>
+              <a:ext cx="1486854" cy="864096"/>
+            </a:xfrm>
+            <a:prstGeom prst="ellipse">
+              <a:avLst/>
+            </a:prstGeom>
+            <a:solidFill>
+              <a:schemeClr val="bg1"/>
+            </a:solidFill>
+            <a:ln>
+              <a:solidFill>
+                <a:schemeClr val="tx1"/>
+              </a:solidFill>
+            </a:ln>
+          </p:spPr>
+          <p:style>
+            <a:lnRef idx="2">
+              <a:schemeClr val="accent1">
+                <a:shade val="50000"/>
+              </a:schemeClr>
+            </a:lnRef>
+            <a:fillRef idx="1">
+              <a:schemeClr val="accent1"/>
+            </a:fillRef>
+            <a:effectRef idx="0">
+              <a:schemeClr val="accent1"/>
+            </a:effectRef>
+            <a:fontRef idx="minor">
+              <a:schemeClr val="lt1"/>
+            </a:fontRef>
+          </p:style>
+          <p:txBody>
+            <a:bodyPr rtlCol="0" anchor="ctr"/>
+            <a:lstStyle/>
+            <a:p>
+              <a:pPr algn="ctr"/>
+              <a:r>
+                <a:rPr lang="ja-JP" altLang="en-US" sz="4700" b="1" dirty="0">
+                  <a:solidFill>
+                    <a:schemeClr val="tx1"/>
+                  </a:solidFill>
+                </a:rPr>
+                <a:t>テスト駆動開発の実態調査</a:t>
+              </a:r>
+            </a:p>
+          </p:txBody>
+        </p:sp>
+        <p:sp>
+          <p:nvSpPr>
+            <p:cNvPr id="27" name="円/楕円 26"/>
+            <p:cNvSpPr/>
+            <p:nvPr/>
+          </p:nvSpPr>
+          <p:spPr>
+            <a:xfrm>
+              <a:off x="2636912" y="2086015"/>
+              <a:ext cx="1530982" cy="901809"/>
+            </a:xfrm>
+            <a:prstGeom prst="ellipse">
+              <a:avLst/>
+            </a:prstGeom>
+            <a:solidFill>
+              <a:schemeClr val="bg1"/>
+            </a:solidFill>
+            <a:ln>
+              <a:solidFill>
+                <a:schemeClr val="tx1"/>
+              </a:solidFill>
+            </a:ln>
+          </p:spPr>
+          <p:style>
+            <a:lnRef idx="2">
+              <a:schemeClr val="accent1">
+                <a:shade val="50000"/>
+              </a:schemeClr>
+            </a:lnRef>
+            <a:fillRef idx="1">
+              <a:schemeClr val="accent1"/>
+            </a:fillRef>
+            <a:effectRef idx="0">
+              <a:schemeClr val="accent1"/>
+            </a:effectRef>
+            <a:fontRef idx="minor">
+              <a:schemeClr val="lt1"/>
+            </a:fontRef>
+          </p:style>
+          <p:txBody>
+            <a:bodyPr rtlCol="0" anchor="ctr"/>
+            <a:lstStyle/>
+            <a:p>
+              <a:pPr algn="ctr"/>
+              <a:r>
+                <a:rPr lang="ja-JP" altLang="en-US" sz="4700" b="1" dirty="0">
+                  <a:solidFill>
+                    <a:schemeClr val="tx1"/>
+                  </a:solidFill>
+                </a:rPr>
+                <a:t>テスト駆動開発の実態調査</a:t>
+              </a:r>
+            </a:p>
+          </p:txBody>
+        </p:sp>
+        <p:cxnSp>
+          <p:nvCxnSpPr>
+            <p:cNvPr id="8" name="直線矢印コネクタ 7"/>
+            <p:cNvCxnSpPr>
+              <a:stCxn id="27" idx="4"/>
+            </p:cNvCxnSpPr>
+            <p:nvPr/>
+          </p:nvCxnSpPr>
+          <p:spPr>
+            <a:xfrm flipH="1">
+              <a:off x="3402403" y="2987824"/>
+              <a:ext cx="0" cy="936102"/>
+            </a:xfrm>
+            <a:prstGeom prst="straightConnector1">
+              <a:avLst/>
+            </a:prstGeom>
+            <a:ln w="57150">
+              <a:solidFill>
+                <a:schemeClr val="tx1"/>
+              </a:solidFill>
+              <a:tailEnd type="arrow"/>
+            </a:ln>
+          </p:spPr>
+          <p:style>
+            <a:lnRef idx="1">
+              <a:schemeClr val="accent1"/>
+            </a:lnRef>
+            <a:fillRef idx="0">
+              <a:schemeClr val="accent1"/>
+            </a:fillRef>
+            <a:effectRef idx="0">
+              <a:schemeClr val="accent1"/>
+            </a:effectRef>
+            <a:fontRef idx="minor">
               <a:schemeClr val="tx1"/>
+            </a:fontRef>
+          </p:style>
+        </p:cxnSp>
+        <p:cxnSp>
+          <p:nvCxnSpPr>
+            <p:cNvPr id="14" name="直線矢印コネクタ 13"/>
+            <p:cNvCxnSpPr>
+              <a:stCxn id="26" idx="4"/>
+            </p:cNvCxnSpPr>
+            <p:nvPr/>
+          </p:nvCxnSpPr>
+          <p:spPr>
+            <a:xfrm flipH="1">
+              <a:off x="4653136" y="3131840"/>
+              <a:ext cx="1103467" cy="792086"/>
+            </a:xfrm>
+            <a:prstGeom prst="straightConnector1">
+              <a:avLst/>
+            </a:prstGeom>
+            <a:ln w="57150">
+              <a:solidFill>
+                <a:schemeClr val="tx1"/>
+              </a:solidFill>
+              <a:tailEnd type="arrow"/>
+            </a:ln>
+          </p:spPr>
+          <p:style>
+            <a:lnRef idx="1">
+              <a:schemeClr val="accent1"/>
+            </a:lnRef>
+            <a:fillRef idx="0">
+              <a:schemeClr val="accent1"/>
+            </a:fillRef>
+            <a:effectRef idx="0">
+              <a:schemeClr val="accent1"/>
+            </a:effectRef>
+            <a:fontRef idx="minor">
+              <a:schemeClr val="tx1"/>
+            </a:fontRef>
+          </p:style>
+        </p:cxnSp>
+        <p:cxnSp>
+          <p:nvCxnSpPr>
+            <p:cNvPr id="28" name="直線矢印コネクタ 27"/>
+            <p:cNvCxnSpPr>
+              <a:stCxn id="3" idx="4"/>
+            </p:cNvCxnSpPr>
+            <p:nvPr/>
+          </p:nvCxnSpPr>
+          <p:spPr>
+            <a:xfrm>
+              <a:off x="997256" y="3131840"/>
+              <a:ext cx="1047589" cy="792086"/>
+            </a:xfrm>
+            <a:prstGeom prst="straightConnector1">
+              <a:avLst/>
+            </a:prstGeom>
+            <a:ln w="57150">
+              <a:solidFill>
+                <a:schemeClr val="tx1"/>
+              </a:solidFill>
+              <a:tailEnd type="arrow"/>
+            </a:ln>
+          </p:spPr>
+          <p:style>
+            <a:lnRef idx="1">
+              <a:schemeClr val="accent1"/>
+            </a:lnRef>
+            <a:fillRef idx="0">
+              <a:schemeClr val="accent1"/>
+            </a:fillRef>
+            <a:effectRef idx="0">
+              <a:schemeClr val="accent1"/>
+            </a:effectRef>
+            <a:fontRef idx="minor">
+              <a:schemeClr val="tx1"/>
+            </a:fontRef>
+          </p:style>
+        </p:cxnSp>
+        <p:sp>
+          <p:nvSpPr>
+            <p:cNvPr id="29" name="正方形/長方形 28"/>
+            <p:cNvSpPr/>
+            <p:nvPr/>
+          </p:nvSpPr>
+          <p:spPr>
+            <a:xfrm>
+              <a:off x="1556792" y="3995936"/>
+              <a:ext cx="3528392" cy="648072"/>
+            </a:xfrm>
+            <a:prstGeom prst="rect">
+              <a:avLst/>
+            </a:prstGeom>
+            <a:solidFill>
+              <a:schemeClr val="accent3">
+                <a:lumMod val="20000"/>
+                <a:lumOff val="80000"/>
+              </a:schemeClr>
             </a:solidFill>
-          </a:ln>
-        </p:spPr>
-        <p:style>
-          <a:lnRef idx="2">
-            <a:schemeClr val="accent1">
-              <a:shade val="50000"/>
-            </a:schemeClr>
-          </a:lnRef>
-          <a:fillRef idx="1">
-            <a:schemeClr val="accent1"/>
-          </a:fillRef>
-          <a:effectRef idx="0">
-            <a:schemeClr val="accent1"/>
-          </a:effectRef>
-          <a:fontRef idx="minor">
-            <a:schemeClr val="lt1"/>
-          </a:fontRef>
-        </p:style>
-        <p:txBody>
-          <a:bodyPr rtlCol="0" anchor="ctr"/>
-          <a:lstStyle/>
-          <a:p>
-            <a:pPr algn="ctr"/>
-            <a:endParaRPr kumimoji="1" lang="ja-JP" altLang="en-US" dirty="0"/>
-          </a:p>
-        </p:txBody>
-      </p:sp>
-      <p:sp>
-        <p:nvSpPr>
-          <p:cNvPr id="12" name="正方形/長方形 11"/>
-          <p:cNvSpPr/>
+            <a:ln>
+              <a:solidFill>
+                <a:schemeClr val="tx1"/>
+              </a:solidFill>
+            </a:ln>
+          </p:spPr>
+          <p:style>
+            <a:lnRef idx="2">
+              <a:schemeClr val="accent1">
+                <a:shade val="50000"/>
+              </a:schemeClr>
+            </a:lnRef>
+            <a:fillRef idx="1">
+              <a:schemeClr val="accent1"/>
+            </a:fillRef>
+            <a:effectRef idx="0">
+              <a:schemeClr val="accent1"/>
+            </a:effectRef>
+            <a:fontRef idx="minor">
+              <a:schemeClr val="lt1"/>
+            </a:fontRef>
+          </p:style>
+          <p:txBody>
+            <a:bodyPr rtlCol="0" anchor="ctr"/>
+            <a:lstStyle/>
+            <a:p>
+              <a:pPr algn="ctr"/>
+              <a:r>
+                <a:rPr lang="ja-JP" altLang="en-US" sz="6700" b="1" dirty="0">
+                  <a:solidFill>
+                    <a:schemeClr val="tx1"/>
+                  </a:solidFill>
+                </a:rPr>
+                <a:t>サンプリングによる調査</a:t>
+              </a:r>
+            </a:p>
+          </p:txBody>
+        </p:sp>
+        <p:sp>
+          <p:nvSpPr>
+            <p:cNvPr id="32" name="テキスト ボックス 31"/>
+            <p:cNvSpPr txBox="1"/>
+            <p:nvPr/>
+          </p:nvSpPr>
+          <p:spPr>
+            <a:xfrm>
+              <a:off x="5445224" y="4319972"/>
+              <a:ext cx="1412776" cy="267122"/>
+            </a:xfrm>
+            <a:prstGeom prst="rect">
+              <a:avLst/>
+            </a:prstGeom>
+            <a:noFill/>
+          </p:spPr>
+          <p:txBody>
+            <a:bodyPr wrap="square" rtlCol="0">
+              <a:spAutoFit/>
+            </a:bodyPr>
+            <a:lstStyle/>
+            <a:p>
+              <a:r>
+                <a:rPr lang="ja-JP" altLang="en-US" sz="4700" dirty="0"/>
+                <a:t>矢吹研の研究</a:t>
+              </a:r>
+            </a:p>
+          </p:txBody>
+        </p:sp>
+      </p:grpSp>
+      <p:grpSp>
+        <p:nvGrpSpPr>
+          <p:cNvPr id="2" name="グループ化 1"/>
+          <p:cNvGrpSpPr/>
           <p:nvPr/>
-        </p:nvSpPr>
-        <p:spPr>
+        </p:nvGrpSpPr>
+        <p:grpSpPr>
           <a:xfrm>
-            <a:off x="1772816" y="1907704"/>
-            <a:ext cx="1440160" cy="648072"/>
+            <a:off x="1357783" y="14995971"/>
+            <a:ext cx="18912681" cy="10692804"/>
+            <a:chOff x="812836" y="15824446"/>
+            <a:chExt cx="20210244" cy="12204973"/>
           </a:xfrm>
-          <a:prstGeom prst="rect">
-            <a:avLst/>
-          </a:prstGeom>
-          <a:solidFill>
-            <a:schemeClr val="bg1"/>
-          </a:solidFill>
-          <a:ln>
+        </p:grpSpPr>
+        <p:sp>
+          <p:nvSpPr>
+            <p:cNvPr id="43" name="フローチャート : 代替処理 42"/>
+            <p:cNvSpPr/>
+            <p:nvPr/>
+          </p:nvSpPr>
+          <p:spPr>
+            <a:xfrm>
+              <a:off x="812837" y="15824446"/>
+              <a:ext cx="20210243" cy="12204973"/>
+            </a:xfrm>
+            <a:prstGeom prst="flowChartAlternateProcess">
+              <a:avLst/>
+            </a:prstGeom>
+            <a:ln>
+              <a:noFill/>
+            </a:ln>
+          </p:spPr>
+          <p:style>
+            <a:lnRef idx="2">
+              <a:schemeClr val="accent1">
+                <a:shade val="50000"/>
+              </a:schemeClr>
+            </a:lnRef>
+            <a:fillRef idx="1">
+              <a:schemeClr val="accent1"/>
+            </a:fillRef>
+            <a:effectRef idx="0">
+              <a:schemeClr val="accent1"/>
+            </a:effectRef>
+            <a:fontRef idx="minor">
+              <a:schemeClr val="lt1"/>
+            </a:fontRef>
+          </p:style>
+          <p:txBody>
+            <a:bodyPr lIns="305519" tIns="152760" rIns="305519" bIns="152760" rtlCol="0" anchor="ctr"/>
+            <a:lstStyle/>
+            <a:p>
+              <a:pPr algn="ctr"/>
+              <a:endParaRPr kumimoji="1" lang="ja-JP" altLang="en-US"/>
+            </a:p>
+          </p:txBody>
+        </p:sp>
+        <p:sp>
+          <p:nvSpPr>
+            <p:cNvPr id="41" name="雲形吹き出し 40"/>
+            <p:cNvSpPr/>
+            <p:nvPr/>
+          </p:nvSpPr>
+          <p:spPr>
+            <a:xfrm>
+              <a:off x="8447818" y="16793698"/>
+              <a:ext cx="12350705" cy="10268862"/>
+            </a:xfrm>
+            <a:prstGeom prst="cloudCallout">
+              <a:avLst>
+                <a:gd name="adj1" fmla="val -62588"/>
+                <a:gd name="adj2" fmla="val -21217"/>
+              </a:avLst>
+            </a:prstGeom>
             <a:solidFill>
-              <a:schemeClr val="tx1"/>
+              <a:schemeClr val="bg1"/>
             </a:solidFill>
-          </a:ln>
-        </p:spPr>
-        <p:style>
-          <a:lnRef idx="2">
-            <a:schemeClr val="accent1">
-              <a:shade val="50000"/>
-            </a:schemeClr>
-          </a:lnRef>
-          <a:fillRef idx="1">
-            <a:schemeClr val="accent1"/>
-          </a:fillRef>
-          <a:effectRef idx="0">
-            <a:schemeClr val="accent1"/>
-          </a:effectRef>
-          <a:fontRef idx="minor">
-            <a:schemeClr val="lt1"/>
-          </a:fontRef>
-        </p:style>
-        <p:txBody>
-          <a:bodyPr rtlCol="0" anchor="ctr"/>
-          <a:lstStyle/>
-          <a:p>
-            <a:pPr algn="ctr"/>
-            <a:r>
-              <a:rPr kumimoji="1" lang="ja-JP" altLang="en-US" dirty="0" smtClean="0">
+            <a:ln>
+              <a:noFill/>
+            </a:ln>
+          </p:spPr>
+          <p:style>
+            <a:lnRef idx="2">
+              <a:schemeClr val="accent1">
+                <a:shade val="50000"/>
+              </a:schemeClr>
+            </a:lnRef>
+            <a:fillRef idx="1">
+              <a:schemeClr val="accent1"/>
+            </a:fillRef>
+            <a:effectRef idx="0">
+              <a:schemeClr val="accent1"/>
+            </a:effectRef>
+            <a:fontRef idx="minor">
+              <a:schemeClr val="lt1"/>
+            </a:fontRef>
+          </p:style>
+          <p:txBody>
+            <a:bodyPr lIns="305519" tIns="152760" rIns="305519" bIns="152760" rtlCol="0" anchor="ctr"/>
+            <a:lstStyle/>
+            <a:p>
+              <a:pPr algn="ctr"/>
+              <a:endParaRPr kumimoji="1" lang="ja-JP" altLang="en-US">
                 <a:solidFill>
                   <a:schemeClr val="tx1"/>
                 </a:solidFill>
-              </a:rPr>
-              <a:t>ネット</a:t>
-            </a:r>
-            <a:r>
-              <a:rPr kumimoji="1" lang="ja-JP" altLang="en-US" dirty="0" smtClean="0">
+              </a:endParaRPr>
+            </a:p>
+          </p:txBody>
+        </p:sp>
+        <p:sp>
+          <p:nvSpPr>
+            <p:cNvPr id="39" name="爆発 1 38"/>
+            <p:cNvSpPr/>
+            <p:nvPr/>
+          </p:nvSpPr>
+          <p:spPr>
+            <a:xfrm rot="1310115">
+              <a:off x="3703724" y="20260425"/>
+              <a:ext cx="6305913" cy="4976218"/>
+            </a:xfrm>
+            <a:prstGeom prst="irregularSeal1">
+              <a:avLst/>
+            </a:prstGeom>
+            <a:solidFill>
+              <a:srgbClr val="FFFF66"/>
+            </a:solidFill>
+            <a:ln>
+              <a:solidFill>
+                <a:schemeClr val="tx1"/>
+              </a:solidFill>
+            </a:ln>
+          </p:spPr>
+          <p:style>
+            <a:lnRef idx="2">
+              <a:schemeClr val="accent1">
+                <a:shade val="50000"/>
+              </a:schemeClr>
+            </a:lnRef>
+            <a:fillRef idx="1">
+              <a:schemeClr val="accent1"/>
+            </a:fillRef>
+            <a:effectRef idx="0">
+              <a:schemeClr val="accent1"/>
+            </a:effectRef>
+            <a:fontRef idx="minor">
+              <a:schemeClr val="lt1"/>
+            </a:fontRef>
+          </p:style>
+          <p:txBody>
+            <a:bodyPr lIns="305519" tIns="152760" rIns="305519" bIns="152760" rtlCol="0" anchor="ctr"/>
+            <a:lstStyle/>
+            <a:p>
+              <a:pPr algn="ctr"/>
+              <a:r>
+                <a:rPr kumimoji="1" lang="ja-JP" altLang="en-US" dirty="0" smtClean="0">
+                  <a:solidFill>
+                    <a:schemeClr val="tx1"/>
+                  </a:solidFill>
+                </a:rPr>
+                <a:t>リアル</a:t>
+              </a:r>
+              <a:endParaRPr kumimoji="1" lang="en-US" altLang="ja-JP" dirty="0" smtClean="0">
                 <a:solidFill>
                   <a:schemeClr val="tx1"/>
                 </a:solidFill>
-              </a:rPr>
-              <a:t>の</a:t>
-            </a:r>
-            <a:endParaRPr kumimoji="1" lang="en-US" altLang="ja-JP" dirty="0" smtClean="0">
+              </a:endParaRPr>
+            </a:p>
+            <a:p>
+              <a:pPr algn="ctr"/>
+              <a:r>
+                <a:rPr kumimoji="1" lang="ja-JP" altLang="en-US" dirty="0" smtClean="0">
+                  <a:solidFill>
+                    <a:schemeClr val="tx1"/>
+                  </a:solidFill>
+                </a:rPr>
+                <a:t>タイム！</a:t>
+              </a:r>
+              <a:endParaRPr kumimoji="1" lang="ja-JP" altLang="en-US" dirty="0">
+                <a:solidFill>
+                  <a:schemeClr val="tx1"/>
+                </a:solidFill>
+              </a:endParaRPr>
+            </a:p>
+          </p:txBody>
+        </p:sp>
+        <p:sp>
+          <p:nvSpPr>
+            <p:cNvPr id="35" name="雲 34"/>
+            <p:cNvSpPr/>
+            <p:nvPr/>
+          </p:nvSpPr>
+          <p:spPr>
+            <a:xfrm>
+              <a:off x="812836" y="18478309"/>
+              <a:ext cx="6287632" cy="2861418"/>
+            </a:xfrm>
+            <a:prstGeom prst="cloud">
+              <a:avLst/>
+            </a:prstGeom>
+            <a:solidFill>
+              <a:schemeClr val="bg1"/>
+            </a:solidFill>
+            <a:ln>
               <a:solidFill>
                 <a:schemeClr val="tx1"/>
               </a:solidFill>
-            </a:endParaRPr>
-          </a:p>
-          <a:p>
-            <a:pPr algn="ctr"/>
-            <a:r>
-              <a:rPr kumimoji="1" lang="ja-JP" altLang="en-US" dirty="0" smtClean="0">
+            </a:ln>
+          </p:spPr>
+          <p:style>
+            <a:lnRef idx="2">
+              <a:schemeClr val="accent1">
+                <a:shade val="50000"/>
+              </a:schemeClr>
+            </a:lnRef>
+            <a:fillRef idx="1">
+              <a:schemeClr val="accent1"/>
+            </a:fillRef>
+            <a:effectRef idx="0">
+              <a:schemeClr val="accent1"/>
+            </a:effectRef>
+            <a:fontRef idx="minor">
+              <a:schemeClr val="lt1"/>
+            </a:fontRef>
+          </p:style>
+          <p:txBody>
+            <a:bodyPr lIns="305519" tIns="152760" rIns="305519" bIns="152760" rtlCol="0" anchor="ctr"/>
+            <a:lstStyle/>
+            <a:p>
+              <a:pPr algn="ctr"/>
+              <a:r>
+                <a:rPr lang="ja-JP" altLang="en-US" sz="4700" b="1" dirty="0">
+                  <a:solidFill>
+                    <a:schemeClr val="tx1"/>
+                  </a:solidFill>
+                </a:rPr>
+                <a:t>ビッグデータ</a:t>
+              </a:r>
+            </a:p>
+          </p:txBody>
+        </p:sp>
+        <p:sp>
+          <p:nvSpPr>
+            <p:cNvPr id="33" name="フローチャート : 代替処理 32"/>
+            <p:cNvSpPr/>
+            <p:nvPr/>
+          </p:nvSpPr>
+          <p:spPr>
+            <a:xfrm>
+              <a:off x="1935627" y="15824447"/>
+              <a:ext cx="3992140" cy="1938508"/>
+            </a:xfrm>
+            <a:prstGeom prst="flowChartAlternateProcess">
+              <a:avLst/>
+            </a:prstGeom>
+            <a:solidFill>
+              <a:schemeClr val="bg1"/>
+            </a:solidFill>
+            <a:ln>
+              <a:solidFill>
+                <a:schemeClr val="tx1"/>
+              </a:solidFill>
+            </a:ln>
+          </p:spPr>
+          <p:style>
+            <a:lnRef idx="2">
+              <a:schemeClr val="accent1">
+                <a:shade val="50000"/>
+              </a:schemeClr>
+            </a:lnRef>
+            <a:fillRef idx="1">
+              <a:schemeClr val="accent1"/>
+            </a:fillRef>
+            <a:effectRef idx="0">
+              <a:schemeClr val="accent1"/>
+            </a:effectRef>
+            <a:fontRef idx="minor">
+              <a:schemeClr val="lt1"/>
+            </a:fontRef>
+          </p:style>
+          <p:txBody>
+            <a:bodyPr lIns="305519" tIns="152760" rIns="305519" bIns="152760" rtlCol="0" anchor="ctr"/>
+            <a:lstStyle/>
+            <a:p>
+              <a:pPr algn="ctr"/>
+              <a:r>
+                <a:rPr lang="en-US" altLang="ja-JP" sz="5300" b="1" dirty="0" err="1">
+                  <a:solidFill>
+                    <a:schemeClr val="tx1"/>
+                  </a:solidFill>
+                </a:rPr>
+                <a:t>BigQuery</a:t>
+              </a:r>
+              <a:endParaRPr lang="ja-JP" altLang="en-US" sz="5300" b="1" dirty="0">
                 <a:solidFill>
                   <a:schemeClr val="tx1"/>
                 </a:solidFill>
-              </a:rPr>
-              <a:t>普及</a:t>
-            </a:r>
-            <a:endParaRPr kumimoji="1" lang="ja-JP" altLang="en-US" dirty="0">
+              </a:endParaRPr>
+            </a:p>
+          </p:txBody>
+        </p:sp>
+        <p:sp>
+          <p:nvSpPr>
+            <p:cNvPr id="36" name="下矢印 35"/>
+            <p:cNvSpPr/>
+            <p:nvPr/>
+          </p:nvSpPr>
+          <p:spPr>
+            <a:xfrm>
+              <a:off x="1960582" y="22055081"/>
+              <a:ext cx="3992140" cy="2303020"/>
+            </a:xfrm>
+            <a:prstGeom prst="downArrow">
+              <a:avLst>
+                <a:gd name="adj1" fmla="val 50000"/>
+                <a:gd name="adj2" fmla="val 41123"/>
+              </a:avLst>
+            </a:prstGeom>
+            <a:solidFill>
+              <a:srgbClr val="FFCCCC"/>
+            </a:solidFill>
+            <a:ln>
               <a:solidFill>
                 <a:schemeClr val="tx1"/>
               </a:solidFill>
-            </a:endParaRPr>
-          </a:p>
-        </p:txBody>
-      </p:sp>
-      <p:sp>
-        <p:nvSpPr>
-          <p:cNvPr id="13" name="正方形/長方形 12"/>
-          <p:cNvSpPr/>
-          <p:nvPr/>
-        </p:nvSpPr>
-        <p:spPr>
-          <a:xfrm>
-            <a:off x="3917052" y="1907704"/>
-            <a:ext cx="1440160" cy="648072"/>
-          </a:xfrm>
-          <a:prstGeom prst="rect">
-            <a:avLst/>
-          </a:prstGeom>
-          <a:solidFill>
-            <a:schemeClr val="bg1"/>
-          </a:solidFill>
-          <a:ln>
-            <a:solidFill>
-              <a:schemeClr val="tx1"/>
-            </a:solidFill>
-          </a:ln>
-        </p:spPr>
-        <p:style>
-          <a:lnRef idx="2">
-            <a:schemeClr val="accent1">
-              <a:shade val="50000"/>
-            </a:schemeClr>
-          </a:lnRef>
-          <a:fillRef idx="1">
-            <a:schemeClr val="accent1"/>
-          </a:fillRef>
-          <a:effectRef idx="0">
-            <a:schemeClr val="accent1"/>
-          </a:effectRef>
-          <a:fontRef idx="minor">
-            <a:schemeClr val="lt1"/>
-          </a:fontRef>
-        </p:style>
-        <p:txBody>
-          <a:bodyPr rtlCol="0" anchor="ctr"/>
-          <a:lstStyle/>
-          <a:p>
-            <a:pPr algn="ctr"/>
-            <a:r>
-              <a:rPr kumimoji="1" lang="ja-JP" altLang="en-US" dirty="0" smtClean="0">
+            </a:ln>
+          </p:spPr>
+          <p:style>
+            <a:lnRef idx="2">
+              <a:schemeClr val="accent1">
+                <a:shade val="50000"/>
+              </a:schemeClr>
+            </a:lnRef>
+            <a:fillRef idx="1">
+              <a:schemeClr val="accent1"/>
+            </a:fillRef>
+            <a:effectRef idx="0">
+              <a:schemeClr val="accent1"/>
+            </a:effectRef>
+            <a:fontRef idx="minor">
+              <a:schemeClr val="lt1"/>
+            </a:fontRef>
+          </p:style>
+          <p:txBody>
+            <a:bodyPr lIns="305519" tIns="152760" rIns="305519" bIns="152760" rtlCol="0" anchor="ctr"/>
+            <a:lstStyle/>
+            <a:p>
+              <a:pPr algn="ctr"/>
+              <a:r>
+                <a:rPr kumimoji="1" lang="en-US" altLang="ja-JP" dirty="0" smtClean="0">
+                  <a:solidFill>
+                    <a:schemeClr val="tx1"/>
+                  </a:solidFill>
+                </a:rPr>
+                <a:t>SQL</a:t>
+              </a:r>
+              <a:endParaRPr kumimoji="1" lang="ja-JP" altLang="en-US" dirty="0">
                 <a:solidFill>
                   <a:schemeClr val="tx1"/>
                 </a:solidFill>
-              </a:rPr>
-              <a:t>処理速度の向上</a:t>
-            </a:r>
-            <a:endParaRPr kumimoji="1" lang="ja-JP" altLang="en-US" dirty="0">
+              </a:endParaRPr>
+            </a:p>
+          </p:txBody>
+        </p:sp>
+        <p:sp>
+          <p:nvSpPr>
+            <p:cNvPr id="38" name="正方形/長方形 37"/>
+            <p:cNvSpPr/>
+            <p:nvPr/>
+          </p:nvSpPr>
+          <p:spPr>
+            <a:xfrm>
+              <a:off x="2506220" y="25154950"/>
+              <a:ext cx="2900865" cy="1669160"/>
+            </a:xfrm>
+            <a:prstGeom prst="rect">
+              <a:avLst/>
+            </a:prstGeom>
+            <a:solidFill>
+              <a:schemeClr val="bg1"/>
+            </a:solidFill>
+            <a:ln>
               <a:solidFill>
                 <a:schemeClr val="tx1"/>
               </a:solidFill>
-            </a:endParaRPr>
-          </a:p>
-        </p:txBody>
-      </p:sp>
-      <p:sp>
-        <p:nvSpPr>
-          <p:cNvPr id="16" name="円/楕円 15"/>
+            </a:ln>
+          </p:spPr>
+          <p:style>
+            <a:lnRef idx="2">
+              <a:schemeClr val="accent1">
+                <a:shade val="50000"/>
+              </a:schemeClr>
+            </a:lnRef>
+            <a:fillRef idx="1">
+              <a:schemeClr val="accent1"/>
+            </a:fillRef>
+            <a:effectRef idx="0">
+              <a:schemeClr val="accent1"/>
+            </a:effectRef>
+            <a:fontRef idx="minor">
+              <a:schemeClr val="lt1"/>
+            </a:fontRef>
+          </p:style>
+          <p:txBody>
+            <a:bodyPr lIns="305519" tIns="152760" rIns="305519" bIns="152760" rtlCol="0" anchor="ctr"/>
+            <a:lstStyle/>
+            <a:p>
+              <a:pPr algn="ctr"/>
+              <a:r>
+                <a:rPr lang="ja-JP" altLang="en-US" sz="6700" b="1" dirty="0">
+                  <a:solidFill>
+                    <a:schemeClr val="tx1"/>
+                  </a:solidFill>
+                </a:rPr>
+                <a:t>管理</a:t>
+              </a:r>
+            </a:p>
+          </p:txBody>
+        </p:sp>
+        <p:pic>
+          <p:nvPicPr>
+            <p:cNvPr id="1029" name="Picture 5"/>
+            <p:cNvPicPr>
+              <a:picLocks noChangeAspect="1" noChangeArrowheads="1"/>
+            </p:cNvPicPr>
+            <p:nvPr/>
+          </p:nvPicPr>
+          <p:blipFill>
+            <a:blip r:embed="rId2" cstate="print">
+              <a:extLst>
+                <a:ext uri="{28A0092B-C50C-407E-A947-70E740481C1C}">
+                  <a14:useLocalDpi xmlns:a14="http://schemas.microsoft.com/office/drawing/2010/main" val="0"/>
+                </a:ext>
+              </a:extLst>
+            </a:blip>
+            <a:srcRect/>
+            <a:stretch>
+              <a:fillRect/>
+            </a:stretch>
+          </p:blipFill>
+          <p:spPr bwMode="auto">
+            <a:xfrm>
+              <a:off x="9874600" y="18001405"/>
+              <a:ext cx="9721698" cy="7153545"/>
+            </a:xfrm>
+            <a:prstGeom prst="rect">
+              <a:avLst/>
+            </a:prstGeom>
+            <a:noFill/>
+            <a:ln>
+              <a:noFill/>
+            </a:ln>
+            <a:effectLst/>
+            <a:extLst>
+              <a:ext uri="{909E8E84-426E-40DD-AFC4-6F175D3DCCD1}">
+                <a14:hiddenFill xmlns:a14="http://schemas.microsoft.com/office/drawing/2010/main">
+                  <a:solidFill>
+                    <a:schemeClr val="accent1"/>
+                  </a:solidFill>
+                </a14:hiddenFill>
+              </a:ext>
+              <a:ext uri="{91240B29-F687-4F45-9708-019B960494DF}">
+                <a14:hiddenLine xmlns:a14="http://schemas.microsoft.com/office/drawing/2010/main" w="9525">
+                  <a:solidFill>
+                    <a:schemeClr val="tx1"/>
+                  </a:solidFill>
+                  <a:miter lim="800000"/>
+                  <a:headEnd/>
+                  <a:tailEnd/>
+                </a14:hiddenLine>
+              </a:ext>
+              <a:ext uri="{AF507438-7753-43E0-B8FC-AC1667EBCBE1}">
+                <a14:hiddenEffects xmlns:a14="http://schemas.microsoft.com/office/drawing/2010/main">
+                  <a:effectLst>
+                    <a:outerShdw dist="35921" dir="2700000" algn="ctr" rotWithShape="0">
+                      <a:schemeClr val="bg2"/>
+                    </a:outerShdw>
+                  </a:effectLst>
+                </a14:hiddenEffects>
+              </a:ext>
+            </a:extLst>
+          </p:spPr>
+        </p:pic>
+      </p:grpSp>
+      <p:sp>
+        <p:nvSpPr>
+          <p:cNvPr id="24" name="ホームベース 23"/>
           <p:cNvSpPr/>
           <p:nvPr/>
         </p:nvSpPr>
         <p:spPr>
           <a:xfrm>
-            <a:off x="1852826" y="3059832"/>
-            <a:ext cx="3504386" cy="1008112"/>
-          </a:xfrm>
-          <a:prstGeom prst="ellipse">
-            <a:avLst/>
-          </a:prstGeom>
-          <a:solidFill>
-            <a:schemeClr val="bg1"/>
-          </a:solidFill>
-          <a:ln>
-            <a:solidFill>
-              <a:schemeClr val="tx1"/>
-            </a:solidFill>
-          </a:ln>
-        </p:spPr>
-        <p:style>
-          <a:lnRef idx="2">
-            <a:schemeClr val="accent1">
-              <a:shade val="50000"/>
-            </a:schemeClr>
-          </a:lnRef>
-          <a:fillRef idx="1">
-            <a:schemeClr val="accent1"/>
-          </a:fillRef>
-          <a:effectRef idx="0">
-            <a:schemeClr val="accent1"/>
-          </a:effectRef>
-          <a:fontRef idx="minor">
-            <a:schemeClr val="lt1"/>
-          </a:fontRef>
-        </p:style>
-        <p:txBody>
-          <a:bodyPr rtlCol="0" anchor="ctr"/>
-          <a:lstStyle/>
-          <a:p>
-            <a:pPr algn="ctr"/>
-            <a:r>
-              <a:rPr kumimoji="1" lang="ja-JP" altLang="en-US" dirty="0" smtClean="0">
-                <a:solidFill>
-                  <a:schemeClr val="tx1"/>
-                </a:solidFill>
-              </a:rPr>
-              <a:t>大量のデータ</a:t>
-            </a:r>
-            <a:r>
-              <a:rPr kumimoji="1" lang="ja-JP" altLang="en-US" dirty="0" smtClean="0">
-                <a:solidFill>
-                  <a:schemeClr val="tx1"/>
-                </a:solidFill>
-              </a:rPr>
-              <a:t>の</a:t>
-            </a:r>
-            <a:endParaRPr kumimoji="1" lang="en-US" altLang="ja-JP" dirty="0" smtClean="0">
-              <a:solidFill>
-                <a:schemeClr val="tx1"/>
-              </a:solidFill>
-            </a:endParaRPr>
-          </a:p>
-          <a:p>
-            <a:pPr algn="ctr"/>
-            <a:r>
-              <a:rPr kumimoji="1" lang="ja-JP" altLang="en-US" dirty="0" smtClean="0">
-                <a:solidFill>
-                  <a:schemeClr val="tx1"/>
-                </a:solidFill>
-              </a:rPr>
-              <a:t>収集</a:t>
-            </a:r>
-            <a:r>
-              <a:rPr kumimoji="1" lang="ja-JP" altLang="en-US" dirty="0" smtClean="0">
-                <a:solidFill>
-                  <a:schemeClr val="tx1"/>
-                </a:solidFill>
-              </a:rPr>
-              <a:t>・分析が可能</a:t>
-            </a:r>
-            <a:endParaRPr kumimoji="1" lang="ja-JP" altLang="en-US" dirty="0">
-              <a:solidFill>
-                <a:schemeClr val="tx1"/>
-              </a:solidFill>
-            </a:endParaRPr>
-          </a:p>
-        </p:txBody>
-      </p:sp>
-      <p:sp>
-        <p:nvSpPr>
-          <p:cNvPr id="17" name="ホームベース 16"/>
-          <p:cNvSpPr/>
-          <p:nvPr/>
-        </p:nvSpPr>
-        <p:spPr>
-          <a:xfrm>
-            <a:off x="72008" y="4067944"/>
-            <a:ext cx="980728" cy="504056"/>
+            <a:off x="224558" y="25797171"/>
+            <a:ext cx="3058418" cy="1669160"/>
           </a:xfrm>
           <a:prstGeom prst="homePlate">
             <a:avLst/>
@@ -5315,15 +6218,17 @@
           </a:fontRef>
         </p:style>
         <p:txBody>
-          <a:bodyPr rtlCol="0" anchor="ctr"/>
+          <a:bodyPr lIns="305519" tIns="152760" rIns="305519" bIns="152760" rtlCol="0" anchor="ctr"/>
           <a:lstStyle/>
           <a:p>
             <a:pPr algn="ctr"/>
             <a:r>
-              <a:rPr kumimoji="1" lang="ja-JP" altLang="en-US" dirty="0" smtClean="0">
+              <a:rPr lang="ja-JP" altLang="en-US" dirty="0">
                 <a:solidFill>
                   <a:schemeClr val="tx1"/>
                 </a:solidFill>
+                <a:latin typeface="+mj-ea"/>
+                <a:ea typeface="+mj-ea"/>
               </a:rPr>
               <a:t>目的</a:t>
             </a:r>
@@ -5331,22 +6236,24 @@
               <a:solidFill>
                 <a:schemeClr val="tx1"/>
               </a:solidFill>
+              <a:latin typeface="+mj-ea"/>
+              <a:ea typeface="+mj-ea"/>
             </a:endParaRPr>
           </a:p>
         </p:txBody>
       </p:sp>
       <p:sp>
         <p:nvSpPr>
-          <p:cNvPr id="18" name="角丸四角形 17"/>
+          <p:cNvPr id="7" name="横巻き 6"/>
           <p:cNvSpPr/>
           <p:nvPr/>
         </p:nvSpPr>
         <p:spPr>
           <a:xfrm>
-            <a:off x="188640" y="4745326"/>
-            <a:ext cx="2697988" cy="504056"/>
+            <a:off x="3282976" y="26013195"/>
+            <a:ext cx="16987488" cy="4050755"/>
           </a:xfrm>
-          <a:prstGeom prst="roundRect">
+          <a:prstGeom prst="horizontalScroll">
             <a:avLst/>
           </a:prstGeom>
           <a:solidFill>
@@ -5380,561 +6287,21 @@
           <a:p>
             <a:pPr algn="ctr"/>
             <a:r>
-              <a:rPr kumimoji="1" lang="ja-JP" altLang="en-US" dirty="0" smtClean="0">
+              <a:rPr lang="ja-JP" altLang="en-US" dirty="0">
                 <a:solidFill>
                   <a:schemeClr val="tx1"/>
                 </a:solidFill>
               </a:rPr>
-              <a:t>オープンソース</a:t>
-            </a:r>
-            <a:r>
-              <a:rPr kumimoji="1" lang="ja-JP" altLang="en-US" dirty="0" smtClean="0">
-                <a:solidFill>
-                  <a:schemeClr val="tx1"/>
-                </a:solidFill>
-              </a:rPr>
-              <a:t>の</a:t>
-            </a:r>
-            <a:endParaRPr kumimoji="1" lang="en-US" altLang="ja-JP" dirty="0" smtClean="0">
+              <a:t>オープンソフトウェアの実態を，ビッグデータ処理技術を使って調査する</a:t>
+            </a:r>
+            <a:endParaRPr lang="ja-JP" altLang="en-US" dirty="0">
               <a:solidFill>
                 <a:schemeClr val="tx1"/>
               </a:solidFill>
             </a:endParaRPr>
           </a:p>
-          <a:p>
-            <a:pPr algn="ctr"/>
-            <a:r>
-              <a:rPr kumimoji="1" lang="ja-JP" altLang="en-US" dirty="0" smtClean="0">
-                <a:solidFill>
-                  <a:schemeClr val="tx1"/>
-                </a:solidFill>
-              </a:rPr>
-              <a:t>データ</a:t>
-            </a:r>
-            <a:r>
-              <a:rPr kumimoji="1" lang="ja-JP" altLang="en-US" dirty="0" smtClean="0">
-                <a:solidFill>
-                  <a:schemeClr val="tx1"/>
-                </a:solidFill>
-              </a:rPr>
-              <a:t>を収集</a:t>
-            </a:r>
-            <a:endParaRPr kumimoji="1" lang="ja-JP" altLang="en-US" dirty="0">
-              <a:solidFill>
-                <a:schemeClr val="tx1"/>
-              </a:solidFill>
-            </a:endParaRPr>
-          </a:p>
-        </p:txBody>
-      </p:sp>
-      <p:sp>
-        <p:nvSpPr>
-          <p:cNvPr id="20" name="角丸四角形 19"/>
-          <p:cNvSpPr/>
-          <p:nvPr/>
-        </p:nvSpPr>
-        <p:spPr>
-          <a:xfrm>
-            <a:off x="4055010" y="4744481"/>
-            <a:ext cx="2697988" cy="504056"/>
-          </a:xfrm>
-          <a:prstGeom prst="roundRect">
-            <a:avLst/>
-          </a:prstGeom>
-          <a:solidFill>
-            <a:schemeClr val="bg1"/>
-          </a:solidFill>
-          <a:ln>
-            <a:solidFill>
-              <a:schemeClr val="tx1"/>
-            </a:solidFill>
-          </a:ln>
-        </p:spPr>
-        <p:style>
-          <a:lnRef idx="2">
-            <a:schemeClr val="accent1">
-              <a:shade val="50000"/>
-            </a:schemeClr>
-          </a:lnRef>
-          <a:fillRef idx="1">
-            <a:schemeClr val="accent1"/>
-          </a:fillRef>
-          <a:effectRef idx="0">
-            <a:schemeClr val="accent1"/>
-          </a:effectRef>
-          <a:fontRef idx="minor">
-            <a:schemeClr val="lt1"/>
-          </a:fontRef>
-        </p:style>
-        <p:txBody>
-          <a:bodyPr rtlCol="0" anchor="ctr"/>
-          <a:lstStyle/>
-          <a:p>
-            <a:pPr algn="ctr"/>
-            <a:r>
-              <a:rPr kumimoji="1" lang="ja-JP" altLang="en-US" dirty="0" smtClean="0">
-                <a:solidFill>
-                  <a:schemeClr val="tx1"/>
-                </a:solidFill>
-              </a:rPr>
-              <a:t>集めたデータを分析</a:t>
-            </a:r>
-            <a:endParaRPr kumimoji="1" lang="ja-JP" altLang="en-US" dirty="0">
-              <a:solidFill>
-                <a:schemeClr val="tx1"/>
-              </a:solidFill>
-            </a:endParaRPr>
-          </a:p>
-        </p:txBody>
-      </p:sp>
-      <p:sp>
-        <p:nvSpPr>
-          <p:cNvPr id="21" name="右矢印 20"/>
-          <p:cNvSpPr/>
-          <p:nvPr/>
-        </p:nvSpPr>
-        <p:spPr>
-          <a:xfrm>
-            <a:off x="3212976" y="4860032"/>
-            <a:ext cx="648072" cy="216024"/>
-          </a:xfrm>
-          <a:prstGeom prst="rightArrow">
-            <a:avLst/>
-          </a:prstGeom>
-          <a:solidFill>
-            <a:schemeClr val="tx1"/>
-          </a:solidFill>
-          <a:ln>
-            <a:solidFill>
-              <a:schemeClr val="tx1"/>
-            </a:solidFill>
-          </a:ln>
-        </p:spPr>
-        <p:style>
-          <a:lnRef idx="2">
-            <a:schemeClr val="accent1">
-              <a:shade val="50000"/>
-            </a:schemeClr>
-          </a:lnRef>
-          <a:fillRef idx="1">
-            <a:schemeClr val="accent1"/>
-          </a:fillRef>
-          <a:effectRef idx="0">
-            <a:schemeClr val="accent1"/>
-          </a:effectRef>
-          <a:fontRef idx="minor">
-            <a:schemeClr val="lt1"/>
-          </a:fontRef>
-        </p:style>
-        <p:txBody>
-          <a:bodyPr rtlCol="0" anchor="ctr"/>
-          <a:lstStyle/>
-          <a:p>
-            <a:pPr algn="ctr"/>
-            <a:endParaRPr kumimoji="1" lang="ja-JP" altLang="en-US" dirty="0">
-              <a:solidFill>
-                <a:schemeClr val="tx1"/>
-              </a:solidFill>
-            </a:endParaRPr>
-          </a:p>
-        </p:txBody>
-      </p:sp>
-      <p:sp>
-        <p:nvSpPr>
-          <p:cNvPr id="22" name="角丸四角形 21"/>
-          <p:cNvSpPr/>
-          <p:nvPr/>
-        </p:nvSpPr>
-        <p:spPr>
-          <a:xfrm>
-            <a:off x="188640" y="5888124"/>
-            <a:ext cx="2697988" cy="504056"/>
-          </a:xfrm>
-          <a:prstGeom prst="roundRect">
-            <a:avLst/>
-          </a:prstGeom>
-          <a:solidFill>
-            <a:schemeClr val="bg1"/>
-          </a:solidFill>
-          <a:ln>
-            <a:solidFill>
-              <a:schemeClr val="tx1"/>
-            </a:solidFill>
-          </a:ln>
-        </p:spPr>
-        <p:style>
-          <a:lnRef idx="2">
-            <a:schemeClr val="accent1">
-              <a:shade val="50000"/>
-            </a:schemeClr>
-          </a:lnRef>
-          <a:fillRef idx="1">
-            <a:schemeClr val="accent1"/>
-          </a:fillRef>
-          <a:effectRef idx="0">
-            <a:schemeClr val="accent1"/>
-          </a:effectRef>
-          <a:fontRef idx="minor">
-            <a:schemeClr val="lt1"/>
-          </a:fontRef>
-        </p:style>
-        <p:txBody>
-          <a:bodyPr rtlCol="0" anchor="ctr"/>
-          <a:lstStyle/>
-          <a:p>
-            <a:pPr algn="ctr"/>
-            <a:r>
-              <a:rPr kumimoji="1" lang="ja-JP" altLang="en-US" dirty="0" smtClean="0">
-                <a:solidFill>
-                  <a:schemeClr val="tx1"/>
-                </a:solidFill>
-              </a:rPr>
-              <a:t>人気の</a:t>
-            </a:r>
-            <a:r>
-              <a:rPr kumimoji="1" lang="ja-JP" altLang="en-US" dirty="0" smtClean="0">
-                <a:solidFill>
-                  <a:schemeClr val="tx1"/>
-                </a:solidFill>
-              </a:rPr>
-              <a:t>プログラミング言語</a:t>
-            </a:r>
-            <a:r>
-              <a:rPr kumimoji="1" lang="ja-JP" altLang="en-US" dirty="0" smtClean="0">
-                <a:solidFill>
-                  <a:schemeClr val="tx1"/>
-                </a:solidFill>
-              </a:rPr>
-              <a:t>の調査</a:t>
-            </a:r>
-            <a:endParaRPr kumimoji="1" lang="ja-JP" altLang="en-US" dirty="0">
-              <a:solidFill>
-                <a:schemeClr val="tx1"/>
-              </a:solidFill>
-            </a:endParaRPr>
-          </a:p>
-        </p:txBody>
-      </p:sp>
-      <p:sp>
-        <p:nvSpPr>
-          <p:cNvPr id="24" name="右矢印 23"/>
-          <p:cNvSpPr/>
-          <p:nvPr/>
-        </p:nvSpPr>
-        <p:spPr>
-          <a:xfrm rot="8460112">
-            <a:off x="3028663" y="5563768"/>
-            <a:ext cx="1016696" cy="288642"/>
-          </a:xfrm>
-          <a:prstGeom prst="rightArrow">
-            <a:avLst/>
-          </a:prstGeom>
-          <a:solidFill>
-            <a:schemeClr val="tx1"/>
-          </a:solidFill>
-          <a:ln>
-            <a:solidFill>
-              <a:schemeClr val="tx1"/>
-            </a:solidFill>
-          </a:ln>
-        </p:spPr>
-        <p:style>
-          <a:lnRef idx="2">
-            <a:schemeClr val="accent1">
-              <a:shade val="50000"/>
-            </a:schemeClr>
-          </a:lnRef>
-          <a:fillRef idx="1">
-            <a:schemeClr val="accent1"/>
-          </a:fillRef>
-          <a:effectRef idx="0">
-            <a:schemeClr val="accent1"/>
-          </a:effectRef>
-          <a:fontRef idx="minor">
-            <a:schemeClr val="lt1"/>
-          </a:fontRef>
-        </p:style>
-        <p:txBody>
-          <a:bodyPr rtlCol="0" anchor="ctr"/>
-          <a:lstStyle/>
-          <a:p>
-            <a:pPr algn="ctr"/>
-            <a:endParaRPr kumimoji="1" lang="ja-JP" altLang="en-US" dirty="0">
-              <a:solidFill>
-                <a:schemeClr val="tx1"/>
-              </a:solidFill>
-            </a:endParaRPr>
-          </a:p>
-        </p:txBody>
-      </p:sp>
-      <p:sp>
-        <p:nvSpPr>
-          <p:cNvPr id="25" name="ホームベース 24"/>
-          <p:cNvSpPr/>
-          <p:nvPr/>
-        </p:nvSpPr>
-        <p:spPr>
-          <a:xfrm>
-            <a:off x="72008" y="6736432"/>
-            <a:ext cx="1180748" cy="504056"/>
-          </a:xfrm>
-          <a:prstGeom prst="homePlate">
-            <a:avLst/>
-          </a:prstGeom>
-          <a:solidFill>
-            <a:schemeClr val="bg1"/>
-          </a:solidFill>
-          <a:ln>
-            <a:solidFill>
-              <a:schemeClr val="tx1"/>
-            </a:solidFill>
-          </a:ln>
-        </p:spPr>
-        <p:style>
-          <a:lnRef idx="2">
-            <a:schemeClr val="accent1">
-              <a:shade val="50000"/>
-            </a:schemeClr>
-          </a:lnRef>
-          <a:fillRef idx="1">
-            <a:schemeClr val="accent1"/>
-          </a:fillRef>
-          <a:effectRef idx="0">
-            <a:schemeClr val="accent1"/>
-          </a:effectRef>
-          <a:fontRef idx="minor">
-            <a:schemeClr val="lt1"/>
-          </a:fontRef>
-        </p:style>
-        <p:txBody>
-          <a:bodyPr rtlCol="0" anchor="ctr"/>
-          <a:lstStyle/>
-          <a:p>
-            <a:pPr algn="ctr"/>
-            <a:r>
-              <a:rPr kumimoji="1" lang="en-US" altLang="ja-JP" dirty="0" smtClean="0">
-                <a:solidFill>
-                  <a:schemeClr val="tx1"/>
-                </a:solidFill>
-              </a:rPr>
-              <a:t>PM</a:t>
-            </a:r>
-            <a:r>
-              <a:rPr kumimoji="1" lang="ja-JP" altLang="en-US" dirty="0" smtClean="0">
-                <a:solidFill>
-                  <a:schemeClr val="tx1"/>
-                </a:solidFill>
-              </a:rPr>
-              <a:t>との関連</a:t>
-            </a:r>
-            <a:endParaRPr kumimoji="1" lang="ja-JP" altLang="en-US" dirty="0">
-              <a:solidFill>
-                <a:schemeClr val="tx1"/>
-              </a:solidFill>
-            </a:endParaRPr>
-          </a:p>
-        </p:txBody>
-      </p:sp>
-      <p:sp>
-        <p:nvSpPr>
-          <p:cNvPr id="2" name="角丸四角形 1"/>
-          <p:cNvSpPr/>
-          <p:nvPr/>
-        </p:nvSpPr>
-        <p:spPr>
-          <a:xfrm>
-            <a:off x="1252756" y="7524328"/>
-            <a:ext cx="4696524" cy="1152128"/>
-          </a:xfrm>
-          <a:prstGeom prst="roundRect">
-            <a:avLst/>
-          </a:prstGeom>
-          <a:solidFill>
-            <a:schemeClr val="bg1"/>
-          </a:solidFill>
-          <a:ln>
-            <a:solidFill>
-              <a:schemeClr val="tx1"/>
-            </a:solidFill>
-          </a:ln>
-        </p:spPr>
-        <p:style>
-          <a:lnRef idx="2">
-            <a:schemeClr val="accent1">
-              <a:shade val="50000"/>
-            </a:schemeClr>
-          </a:lnRef>
-          <a:fillRef idx="1">
-            <a:schemeClr val="accent1"/>
-          </a:fillRef>
-          <a:effectRef idx="0">
-            <a:schemeClr val="accent1"/>
-          </a:effectRef>
-          <a:fontRef idx="minor">
-            <a:schemeClr val="lt1"/>
-          </a:fontRef>
-        </p:style>
-        <p:txBody>
-          <a:bodyPr rtlCol="0" anchor="ctr"/>
-          <a:lstStyle/>
-          <a:p>
-            <a:pPr algn="ctr"/>
-            <a:r>
-              <a:rPr kumimoji="1" lang="ja-JP" altLang="en-US" dirty="0" smtClean="0">
-                <a:solidFill>
-                  <a:schemeClr val="tx1"/>
-                </a:solidFill>
-              </a:rPr>
-              <a:t>オープンソースのプロジェクト</a:t>
-            </a:r>
-            <a:r>
-              <a:rPr kumimoji="1" lang="ja-JP" altLang="en-US" dirty="0" smtClean="0">
-                <a:solidFill>
-                  <a:schemeClr val="tx1"/>
-                </a:solidFill>
-              </a:rPr>
-              <a:t>で使われて</a:t>
-            </a:r>
-            <a:r>
-              <a:rPr kumimoji="1" lang="ja-JP" altLang="en-US" dirty="0" smtClean="0">
-                <a:solidFill>
-                  <a:schemeClr val="tx1"/>
-                </a:solidFill>
-              </a:rPr>
-              <a:t>いるプログラミング言語</a:t>
-            </a:r>
-            <a:r>
-              <a:rPr kumimoji="1" lang="ja-JP" altLang="en-US" dirty="0" smtClean="0">
-                <a:solidFill>
-                  <a:schemeClr val="tx1"/>
-                </a:solidFill>
-              </a:rPr>
-              <a:t>を調査</a:t>
-            </a:r>
-            <a:r>
-              <a:rPr kumimoji="1" lang="ja-JP" altLang="en-US" dirty="0" smtClean="0">
-                <a:solidFill>
-                  <a:schemeClr val="tx1"/>
-                </a:solidFill>
-              </a:rPr>
-              <a:t>する研究</a:t>
-            </a:r>
-            <a:endParaRPr kumimoji="1" lang="ja-JP" altLang="en-US" dirty="0">
-              <a:solidFill>
-                <a:schemeClr val="tx1"/>
-              </a:solidFill>
-            </a:endParaRPr>
-          </a:p>
-        </p:txBody>
-      </p:sp>
-      <p:cxnSp>
-        <p:nvCxnSpPr>
-          <p:cNvPr id="4" name="直線コネクタ 3"/>
-          <p:cNvCxnSpPr/>
-          <p:nvPr/>
-        </p:nvCxnSpPr>
-        <p:spPr>
-          <a:xfrm>
-            <a:off x="1138686" y="1799692"/>
-            <a:ext cx="5719314" cy="0"/>
-          </a:xfrm>
-          <a:prstGeom prst="line">
-            <a:avLst/>
-          </a:prstGeom>
-          <a:ln w="19050">
-            <a:solidFill>
-              <a:schemeClr val="tx1"/>
-            </a:solidFill>
-            <a:prstDash val="lgDashDot"/>
-          </a:ln>
-        </p:spPr>
-        <p:style>
-          <a:lnRef idx="1">
-            <a:schemeClr val="accent1"/>
-          </a:lnRef>
-          <a:fillRef idx="0">
-            <a:schemeClr val="accent1"/>
-          </a:fillRef>
-          <a:effectRef idx="0">
-            <a:schemeClr val="accent1"/>
-          </a:effectRef>
-          <a:fontRef idx="minor">
-            <a:schemeClr val="tx1"/>
-          </a:fontRef>
-        </p:style>
-      </p:cxnSp>
-      <p:cxnSp>
-        <p:nvCxnSpPr>
-          <p:cNvPr id="19" name="直線コネクタ 18"/>
-          <p:cNvCxnSpPr/>
-          <p:nvPr/>
-        </p:nvCxnSpPr>
-        <p:spPr>
-          <a:xfrm>
-            <a:off x="1124744" y="4325854"/>
-            <a:ext cx="5733256" cy="0"/>
-          </a:xfrm>
-          <a:prstGeom prst="line">
-            <a:avLst/>
-          </a:prstGeom>
-          <a:ln w="19050">
-            <a:solidFill>
-              <a:schemeClr val="tx1"/>
-            </a:solidFill>
-            <a:prstDash val="lgDashDot"/>
-          </a:ln>
-        </p:spPr>
-        <p:style>
-          <a:lnRef idx="1">
-            <a:schemeClr val="accent1"/>
-          </a:lnRef>
-          <a:fillRef idx="0">
-            <a:schemeClr val="accent1"/>
-          </a:fillRef>
-          <a:effectRef idx="0">
-            <a:schemeClr val="accent1"/>
-          </a:effectRef>
-          <a:fontRef idx="minor">
-            <a:schemeClr val="tx1"/>
-          </a:fontRef>
-        </p:style>
-      </p:cxnSp>
-      <p:cxnSp>
-        <p:nvCxnSpPr>
-          <p:cNvPr id="23" name="直線コネクタ 22"/>
-          <p:cNvCxnSpPr/>
-          <p:nvPr/>
-        </p:nvCxnSpPr>
-        <p:spPr>
-          <a:xfrm>
-            <a:off x="1365984" y="6980076"/>
-            <a:ext cx="5492016" cy="0"/>
-          </a:xfrm>
-          <a:prstGeom prst="line">
-            <a:avLst/>
-          </a:prstGeom>
-          <a:ln w="19050">
-            <a:solidFill>
-              <a:schemeClr val="tx1"/>
-            </a:solidFill>
-            <a:prstDash val="lgDashDot"/>
-          </a:ln>
-        </p:spPr>
-        <p:style>
-          <a:lnRef idx="1">
-            <a:schemeClr val="accent1"/>
-          </a:lnRef>
-          <a:fillRef idx="0">
-            <a:schemeClr val="accent1"/>
-          </a:fillRef>
-          <a:effectRef idx="0">
-            <a:schemeClr val="accent1"/>
-          </a:effectRef>
-          <a:fontRef idx="minor">
-            <a:schemeClr val="tx1"/>
-          </a:fontRef>
-        </p:style>
-      </p:cxnSp>
+        </p:txBody>
+      </p:sp>
     </p:spTree>
     <p:extLst>
       <p:ext uri="{BB962C8B-B14F-4D97-AF65-F5344CB8AC3E}">
@@ -5980,8 +6347,8 @@
         </p:nvSpPr>
         <p:spPr>
           <a:xfrm>
-            <a:off x="72008" y="395536"/>
-            <a:ext cx="1340768" cy="504056"/>
+            <a:off x="224558" y="1309801"/>
+            <a:ext cx="4181210" cy="1669160"/>
           </a:xfrm>
           <a:prstGeom prst="homePlate">
             <a:avLst/>
@@ -6012,7 +6379,7 @@
           </a:fontRef>
         </p:style>
         <p:txBody>
-          <a:bodyPr rtlCol="0" anchor="ctr"/>
+          <a:bodyPr lIns="305519" tIns="152760" rIns="305519" bIns="152760" rtlCol="0" anchor="ctr"/>
           <a:lstStyle/>
           <a:p>
             <a:pPr algn="ctr"/>
@@ -6040,10 +6407,10 @@
         </p:nvGrpSpPr>
         <p:grpSpPr>
           <a:xfrm>
-            <a:off x="1700808" y="971600"/>
-            <a:ext cx="4608512" cy="1260140"/>
-            <a:chOff x="1700808" y="467544"/>
-            <a:chExt cx="4608512" cy="1260140"/>
+            <a:off x="4936900" y="1524989"/>
+            <a:ext cx="15760609" cy="6676642"/>
+            <a:chOff x="1700808" y="251520"/>
+            <a:chExt cx="4680520" cy="1476164"/>
           </a:xfrm>
         </p:grpSpPr>
         <p:sp>
@@ -6054,8 +6421,8 @@
           </p:nvSpPr>
           <p:spPr>
             <a:xfrm>
-              <a:off x="1700808" y="467544"/>
-              <a:ext cx="4608512" cy="396044"/>
+              <a:off x="1700808" y="251520"/>
+              <a:ext cx="4680520" cy="612068"/>
             </a:xfrm>
             <a:prstGeom prst="roundRect">
               <a:avLst/>
@@ -6090,74 +6457,76 @@
             <a:lstStyle/>
             <a:p>
               <a:r>
-                <a:rPr kumimoji="1" lang="en-US" altLang="ja-JP" sz="1750" dirty="0" smtClean="0">
+                <a:rPr lang="en-US" altLang="ja-JP" sz="5300" dirty="0">
                   <a:solidFill>
                     <a:schemeClr val="tx1"/>
                   </a:solidFill>
                 </a:rPr>
-                <a:t>1.</a:t>
+                <a:t>1.GitHub</a:t>
               </a:r>
               <a:r>
-                <a:rPr kumimoji="1" lang="ja-JP" altLang="en-US" sz="1750" dirty="0" smtClean="0">
+                <a:rPr lang="ja-JP" altLang="en-US" sz="5300" dirty="0">
                   <a:solidFill>
                     <a:schemeClr val="tx1"/>
                   </a:solidFill>
                 </a:rPr>
-                <a:t>ビッグデータの</a:t>
+                <a:t>の大量データを利用できるようにする</a:t>
               </a:r>
+              <a:endParaRPr lang="en-US" altLang="ja-JP" sz="5300" dirty="0">
+                <a:solidFill>
+                  <a:schemeClr val="tx1"/>
+                </a:solidFill>
+              </a:endParaRPr>
+            </a:p>
+            <a:p>
               <a:r>
-                <a:rPr kumimoji="1" lang="ja-JP" altLang="en-US" sz="1750" dirty="0" smtClean="0">
+                <a:rPr lang="ja-JP" altLang="en-US" sz="5300" dirty="0">
                   <a:solidFill>
                     <a:schemeClr val="tx1"/>
                   </a:solidFill>
                 </a:rPr>
-                <a:t>利点</a:t>
+                <a:t>　</a:t>
               </a:r>
               <a:r>
-                <a:rPr kumimoji="1" lang="en-US" altLang="ja-JP" sz="1750" dirty="0" smtClean="0">
+                <a:rPr lang="en-US" altLang="ja-JP" sz="5300" dirty="0">
                   <a:solidFill>
                     <a:schemeClr val="tx1"/>
                   </a:solidFill>
                 </a:rPr>
-                <a:t>,</a:t>
+                <a:t>(</a:t>
               </a:r>
               <a:r>
-                <a:rPr kumimoji="1" lang="ja-JP" altLang="en-US" sz="1750" dirty="0" smtClean="0">
+                <a:rPr lang="en-US" altLang="ja-JP" sz="5300" dirty="0" err="1">
                   <a:solidFill>
                     <a:schemeClr val="tx1"/>
                   </a:solidFill>
                 </a:rPr>
-                <a:t>欠点</a:t>
+                <a:t>GitHub</a:t>
               </a:r>
               <a:r>
-                <a:rPr kumimoji="1" lang="en-US" altLang="ja-JP" sz="1750" dirty="0" smtClean="0">
+                <a:rPr lang="en-US" altLang="ja-JP" sz="5300" dirty="0">
                   <a:solidFill>
                     <a:schemeClr val="tx1"/>
                   </a:solidFill>
                 </a:rPr>
-                <a:t>,</a:t>
+                <a:t> Archive</a:t>
               </a:r>
               <a:r>
-                <a:rPr kumimoji="1" lang="ja-JP" altLang="en-US" sz="1750" dirty="0" smtClean="0">
+                <a:rPr lang="ja-JP" altLang="en-US" sz="5300" dirty="0">
                   <a:solidFill>
                     <a:schemeClr val="tx1"/>
                   </a:solidFill>
                 </a:rPr>
-                <a:t>事例</a:t>
+                <a:t>も活用する</a:t>
               </a:r>
               <a:r>
-                <a:rPr kumimoji="1" lang="ja-JP" altLang="en-US" sz="1750" dirty="0" smtClean="0">
+                <a:rPr lang="en-US" altLang="ja-JP" sz="5300" dirty="0">
                   <a:solidFill>
                     <a:schemeClr val="tx1"/>
                   </a:solidFill>
                 </a:rPr>
-                <a:t>を調査する</a:t>
+                <a:t>)</a:t>
               </a:r>
-              <a:endParaRPr kumimoji="1" lang="ja-JP" altLang="en-US" sz="1750" dirty="0">
-                <a:solidFill>
-                  <a:schemeClr val="tx1"/>
-                </a:solidFill>
-              </a:endParaRPr>
             </a:p>
           </p:txBody>
         </p:sp>
@@ -6205,34 +6574,21 @@
             <a:lstStyle/>
             <a:p>
               <a:r>
-                <a:rPr lang="en-US" altLang="ja-JP" sz="1750" dirty="0" smtClean="0">
+                <a:rPr lang="en-US" altLang="ja-JP" sz="5300" dirty="0">
                   <a:solidFill>
                     <a:schemeClr val="tx1"/>
                   </a:solidFill>
                 </a:rPr>
-                <a:t>2</a:t>
+                <a:t>2.</a:t>
               </a:r>
               <a:r>
-                <a:rPr kumimoji="1" lang="en-US" altLang="ja-JP" sz="1750" dirty="0" smtClean="0">
+                <a:rPr lang="ja-JP" altLang="en-US" sz="5300" dirty="0">
                   <a:solidFill>
                     <a:schemeClr val="tx1"/>
                   </a:solidFill>
                 </a:rPr>
-                <a:t>.</a:t>
+                <a:t>例としてプログラミング言語の統計を取ってみる</a:t>
               </a:r>
-              <a:r>
-                <a:rPr kumimoji="1" lang="ja-JP" altLang="en-US" sz="1750" dirty="0" smtClean="0">
-                  <a:solidFill>
-                    <a:schemeClr val="tx1"/>
-                  </a:solidFill>
-                </a:rPr>
-                <a:t>データの収集，分析ツールを調査する</a:t>
-              </a:r>
-              <a:endParaRPr kumimoji="1" lang="ja-JP" altLang="en-US" sz="1750" dirty="0">
-                <a:solidFill>
-                  <a:schemeClr val="tx1"/>
-                </a:solidFill>
-              </a:endParaRPr>
             </a:p>
           </p:txBody>
         </p:sp>
@@ -6280,7 +6636,7 @@
             <a:lstStyle/>
             <a:p>
               <a:r>
-                <a:rPr kumimoji="1" lang="en-US" altLang="ja-JP" sz="1750" dirty="0" smtClean="0">
+                <a:rPr lang="en-US" altLang="ja-JP" sz="5300" dirty="0">
                   <a:solidFill>
                     <a:schemeClr val="tx1"/>
                   </a:solidFill>
@@ -6288,537 +6644,17 @@
                 <a:t>3.</a:t>
               </a:r>
               <a:r>
-                <a:rPr kumimoji="1" lang="ja-JP" altLang="en-US" sz="1750" dirty="0" smtClean="0">
+                <a:rPr lang="ja-JP" altLang="en-US" sz="5300" dirty="0">
                   <a:solidFill>
                     <a:schemeClr val="tx1"/>
                   </a:solidFill>
                 </a:rPr>
-                <a:t>使われてるプログラミング言語の調査</a:t>
+                <a:t>矢吹研でサンプル調査しているものの規模を拡大してみる</a:t>
               </a:r>
-              <a:endParaRPr kumimoji="1" lang="ja-JP" altLang="en-US" sz="1750" dirty="0">
-                <a:solidFill>
-                  <a:schemeClr val="tx1"/>
-                </a:solidFill>
-              </a:endParaRPr>
             </a:p>
           </p:txBody>
         </p:sp>
       </p:grpSp>
-      <p:grpSp>
-        <p:nvGrpSpPr>
-          <p:cNvPr id="13" name="グループ化 12"/>
-          <p:cNvGrpSpPr/>
-          <p:nvPr/>
-        </p:nvGrpSpPr>
-        <p:grpSpPr>
-          <a:xfrm>
-            <a:off x="72008" y="2555776"/>
-            <a:ext cx="6619056" cy="3456384"/>
-            <a:chOff x="72008" y="1835696"/>
-            <a:chExt cx="6619056" cy="3456384"/>
-          </a:xfrm>
-        </p:grpSpPr>
-        <p:sp>
-          <p:nvSpPr>
-            <p:cNvPr id="6" name="ホームベース 5"/>
-            <p:cNvSpPr/>
-            <p:nvPr/>
-          </p:nvSpPr>
-          <p:spPr>
-            <a:xfrm>
-              <a:off x="72008" y="1835696"/>
-              <a:ext cx="1340768" cy="504056"/>
-            </a:xfrm>
-            <a:prstGeom prst="homePlate">
-              <a:avLst/>
-            </a:prstGeom>
-            <a:solidFill>
-              <a:schemeClr val="bg1"/>
-            </a:solidFill>
-            <a:ln>
-              <a:solidFill>
-                <a:schemeClr val="tx1"/>
-              </a:solidFill>
-            </a:ln>
-          </p:spPr>
-          <p:style>
-            <a:lnRef idx="2">
-              <a:schemeClr val="accent1">
-                <a:shade val="50000"/>
-              </a:schemeClr>
-            </a:lnRef>
-            <a:fillRef idx="1">
-              <a:schemeClr val="accent1"/>
-            </a:fillRef>
-            <a:effectRef idx="0">
-              <a:schemeClr val="accent1"/>
-            </a:effectRef>
-            <a:fontRef idx="minor">
-              <a:schemeClr val="lt1"/>
-            </a:fontRef>
-          </p:style>
-          <p:txBody>
-            <a:bodyPr rtlCol="0" anchor="ctr"/>
-            <a:lstStyle/>
-            <a:p>
-              <a:pPr algn="ctr"/>
-              <a:r>
-                <a:rPr kumimoji="1" lang="ja-JP" altLang="en-US" dirty="0" smtClean="0">
-                  <a:solidFill>
-                    <a:schemeClr val="tx1"/>
-                  </a:solidFill>
-                </a:rPr>
-                <a:t>進捗状況</a:t>
-              </a:r>
-              <a:endParaRPr kumimoji="1" lang="ja-JP" altLang="en-US" dirty="0">
-                <a:solidFill>
-                  <a:schemeClr val="tx1"/>
-                </a:solidFill>
-              </a:endParaRPr>
-            </a:p>
-          </p:txBody>
-        </p:sp>
-        <p:sp>
-          <p:nvSpPr>
-            <p:cNvPr id="7" name="角丸四角形 6"/>
-            <p:cNvSpPr/>
-            <p:nvPr/>
-          </p:nvSpPr>
-          <p:spPr>
-            <a:xfrm>
-              <a:off x="742391" y="2645498"/>
-              <a:ext cx="2169985" cy="432048"/>
-            </a:xfrm>
-            <a:prstGeom prst="roundRect">
-              <a:avLst/>
-            </a:prstGeom>
-            <a:solidFill>
-              <a:schemeClr val="bg1"/>
-            </a:solidFill>
-            <a:ln>
-              <a:solidFill>
-                <a:schemeClr val="tx1"/>
-              </a:solidFill>
-            </a:ln>
-          </p:spPr>
-          <p:style>
-            <a:lnRef idx="2">
-              <a:schemeClr val="accent1">
-                <a:shade val="50000"/>
-              </a:schemeClr>
-            </a:lnRef>
-            <a:fillRef idx="1">
-              <a:schemeClr val="accent1"/>
-            </a:fillRef>
-            <a:effectRef idx="0">
-              <a:schemeClr val="accent1"/>
-            </a:effectRef>
-            <a:fontRef idx="minor">
-              <a:schemeClr val="lt1"/>
-            </a:fontRef>
-          </p:style>
-          <p:txBody>
-            <a:bodyPr rtlCol="0" anchor="ctr"/>
-            <a:lstStyle/>
-            <a:p>
-              <a:pPr algn="ctr"/>
-              <a:r>
-                <a:rPr kumimoji="1" lang="ja-JP" altLang="en-US" dirty="0" smtClean="0">
-                  <a:solidFill>
-                    <a:schemeClr val="tx1"/>
-                  </a:solidFill>
-                </a:rPr>
-                <a:t>ビッグデータとは</a:t>
-              </a:r>
-              <a:endParaRPr kumimoji="1" lang="ja-JP" altLang="en-US" dirty="0">
-                <a:solidFill>
-                  <a:schemeClr val="tx1"/>
-                </a:solidFill>
-              </a:endParaRPr>
-            </a:p>
-          </p:txBody>
-        </p:sp>
-        <p:sp>
-          <p:nvSpPr>
-            <p:cNvPr id="11" name="角丸四角形 10"/>
-            <p:cNvSpPr/>
-            <p:nvPr/>
-          </p:nvSpPr>
-          <p:spPr>
-            <a:xfrm>
-              <a:off x="4026768" y="2645498"/>
-              <a:ext cx="1944216" cy="432048"/>
-            </a:xfrm>
-            <a:prstGeom prst="roundRect">
-              <a:avLst/>
-            </a:prstGeom>
-            <a:solidFill>
-              <a:schemeClr val="bg1"/>
-            </a:solidFill>
-            <a:ln>
-              <a:solidFill>
-                <a:schemeClr val="tx1"/>
-              </a:solidFill>
-            </a:ln>
-          </p:spPr>
-          <p:style>
-            <a:lnRef idx="2">
-              <a:schemeClr val="accent1">
-                <a:shade val="50000"/>
-              </a:schemeClr>
-            </a:lnRef>
-            <a:fillRef idx="1">
-              <a:schemeClr val="accent1"/>
-            </a:fillRef>
-            <a:effectRef idx="0">
-              <a:schemeClr val="accent1"/>
-            </a:effectRef>
-            <a:fontRef idx="minor">
-              <a:schemeClr val="lt1"/>
-            </a:fontRef>
-          </p:style>
-          <p:txBody>
-            <a:bodyPr rtlCol="0" anchor="ctr"/>
-            <a:lstStyle/>
-            <a:p>
-              <a:pPr algn="ctr"/>
-              <a:r>
-                <a:rPr lang="ja-JP" altLang="en-US" dirty="0">
-                  <a:solidFill>
-                    <a:schemeClr val="tx1"/>
-                  </a:solidFill>
-                </a:rPr>
-                <a:t>使用</a:t>
-              </a:r>
-              <a:r>
-                <a:rPr kumimoji="1" lang="ja-JP" altLang="en-US" dirty="0" smtClean="0">
-                  <a:solidFill>
-                    <a:schemeClr val="tx1"/>
-                  </a:solidFill>
-                </a:rPr>
-                <a:t>ツール</a:t>
-              </a:r>
-              <a:endParaRPr kumimoji="1" lang="ja-JP" altLang="en-US" dirty="0">
-                <a:solidFill>
-                  <a:schemeClr val="tx1"/>
-                </a:solidFill>
-              </a:endParaRPr>
-            </a:p>
-          </p:txBody>
-        </p:sp>
-        <p:sp>
-          <p:nvSpPr>
-            <p:cNvPr id="9" name="ホームベース 8"/>
-            <p:cNvSpPr/>
-            <p:nvPr/>
-          </p:nvSpPr>
-          <p:spPr>
-            <a:xfrm>
-              <a:off x="3401279" y="3714665"/>
-              <a:ext cx="1569876" cy="576064"/>
-            </a:xfrm>
-            <a:prstGeom prst="homePlate">
-              <a:avLst/>
-            </a:prstGeom>
-            <a:solidFill>
-              <a:schemeClr val="bg1"/>
-            </a:solidFill>
-            <a:ln>
-              <a:solidFill>
-                <a:schemeClr val="tx1"/>
-              </a:solidFill>
-            </a:ln>
-          </p:spPr>
-          <p:style>
-            <a:lnRef idx="2">
-              <a:schemeClr val="accent1">
-                <a:shade val="50000"/>
-              </a:schemeClr>
-            </a:lnRef>
-            <a:fillRef idx="1">
-              <a:schemeClr val="accent1"/>
-            </a:fillRef>
-            <a:effectRef idx="0">
-              <a:schemeClr val="accent1"/>
-            </a:effectRef>
-            <a:fontRef idx="minor">
-              <a:schemeClr val="lt1"/>
-            </a:fontRef>
-          </p:style>
-          <p:txBody>
-            <a:bodyPr rtlCol="0" anchor="ctr"/>
-            <a:lstStyle/>
-            <a:p>
-              <a:pPr algn="ctr"/>
-              <a:r>
-                <a:rPr kumimoji="1" lang="en-US" altLang="ja-JP" dirty="0" smtClean="0">
-                  <a:solidFill>
-                    <a:schemeClr val="tx1"/>
-                  </a:solidFill>
-                </a:rPr>
-                <a:t>GitHub Archive</a:t>
-              </a:r>
-              <a:endParaRPr kumimoji="1" lang="ja-JP" altLang="en-US" dirty="0">
-                <a:solidFill>
-                  <a:schemeClr val="tx1"/>
-                </a:solidFill>
-              </a:endParaRPr>
-            </a:p>
-          </p:txBody>
-        </p:sp>
-        <p:sp>
-          <p:nvSpPr>
-            <p:cNvPr id="12" name="円/楕円 11"/>
-            <p:cNvSpPr/>
-            <p:nvPr/>
-          </p:nvSpPr>
-          <p:spPr>
-            <a:xfrm>
-              <a:off x="5229200" y="3714665"/>
-              <a:ext cx="1440160" cy="576064"/>
-            </a:xfrm>
-            <a:prstGeom prst="ellipse">
-              <a:avLst/>
-            </a:prstGeom>
-            <a:solidFill>
-              <a:schemeClr val="bg1"/>
-            </a:solidFill>
-            <a:ln>
-              <a:solidFill>
-                <a:schemeClr val="tx1"/>
-              </a:solidFill>
-            </a:ln>
-          </p:spPr>
-          <p:style>
-            <a:lnRef idx="2">
-              <a:schemeClr val="accent1">
-                <a:shade val="50000"/>
-              </a:schemeClr>
-            </a:lnRef>
-            <a:fillRef idx="1">
-              <a:schemeClr val="accent1"/>
-            </a:fillRef>
-            <a:effectRef idx="0">
-              <a:schemeClr val="accent1"/>
-            </a:effectRef>
-            <a:fontRef idx="minor">
-              <a:schemeClr val="lt1"/>
-            </a:fontRef>
-          </p:style>
-          <p:txBody>
-            <a:bodyPr rtlCol="0" anchor="ctr"/>
-            <a:lstStyle/>
-            <a:p>
-              <a:pPr algn="ctr"/>
-              <a:r>
-                <a:rPr kumimoji="1" lang="ja-JP" altLang="en-US" dirty="0" smtClean="0">
-                  <a:solidFill>
-                    <a:schemeClr val="tx1"/>
-                  </a:solidFill>
-                </a:rPr>
-                <a:t>データの収集</a:t>
-              </a:r>
-              <a:endParaRPr kumimoji="1" lang="ja-JP" altLang="en-US" dirty="0">
-                <a:solidFill>
-                  <a:schemeClr val="tx1"/>
-                </a:solidFill>
-              </a:endParaRPr>
-            </a:p>
-          </p:txBody>
-        </p:sp>
-        <p:sp>
-          <p:nvSpPr>
-            <p:cNvPr id="15" name="ホームベース 14"/>
-            <p:cNvSpPr/>
-            <p:nvPr/>
-          </p:nvSpPr>
-          <p:spPr>
-            <a:xfrm>
-              <a:off x="3401279" y="4716016"/>
-              <a:ext cx="1569876" cy="576064"/>
-            </a:xfrm>
-            <a:prstGeom prst="homePlate">
-              <a:avLst/>
-            </a:prstGeom>
-            <a:solidFill>
-              <a:schemeClr val="bg1"/>
-            </a:solidFill>
-            <a:ln>
-              <a:solidFill>
-                <a:schemeClr val="tx1"/>
-              </a:solidFill>
-            </a:ln>
-          </p:spPr>
-          <p:style>
-            <a:lnRef idx="2">
-              <a:schemeClr val="accent1">
-                <a:shade val="50000"/>
-              </a:schemeClr>
-            </a:lnRef>
-            <a:fillRef idx="1">
-              <a:schemeClr val="accent1"/>
-            </a:fillRef>
-            <a:effectRef idx="0">
-              <a:schemeClr val="accent1"/>
-            </a:effectRef>
-            <a:fontRef idx="minor">
-              <a:schemeClr val="lt1"/>
-            </a:fontRef>
-          </p:style>
-          <p:txBody>
-            <a:bodyPr rtlCol="0" anchor="ctr"/>
-            <a:lstStyle/>
-            <a:p>
-              <a:pPr algn="ctr"/>
-              <a:r>
-                <a:rPr kumimoji="1" lang="en-US" altLang="ja-JP" dirty="0" smtClean="0">
-                  <a:solidFill>
-                    <a:schemeClr val="tx1"/>
-                  </a:solidFill>
-                </a:rPr>
-                <a:t>Google </a:t>
-              </a:r>
-              <a:r>
-                <a:rPr kumimoji="1" lang="en-US" altLang="ja-JP" dirty="0" err="1" smtClean="0">
-                  <a:solidFill>
-                    <a:schemeClr val="tx1"/>
-                  </a:solidFill>
-                </a:rPr>
-                <a:t>BigQuery</a:t>
-              </a:r>
-              <a:endParaRPr kumimoji="1" lang="ja-JP" altLang="en-US" dirty="0">
-                <a:solidFill>
-                  <a:schemeClr val="tx1"/>
-                </a:solidFill>
-              </a:endParaRPr>
-            </a:p>
-          </p:txBody>
-        </p:sp>
-        <p:sp>
-          <p:nvSpPr>
-            <p:cNvPr id="16" name="円/楕円 15"/>
-            <p:cNvSpPr/>
-            <p:nvPr/>
-          </p:nvSpPr>
-          <p:spPr>
-            <a:xfrm>
-              <a:off x="5250904" y="4716016"/>
-              <a:ext cx="1440160" cy="576064"/>
-            </a:xfrm>
-            <a:prstGeom prst="ellipse">
-              <a:avLst/>
-            </a:prstGeom>
-            <a:solidFill>
-              <a:schemeClr val="bg1"/>
-            </a:solidFill>
-            <a:ln>
-              <a:solidFill>
-                <a:schemeClr val="tx1"/>
-              </a:solidFill>
-            </a:ln>
-          </p:spPr>
-          <p:style>
-            <a:lnRef idx="2">
-              <a:schemeClr val="accent1">
-                <a:shade val="50000"/>
-              </a:schemeClr>
-            </a:lnRef>
-            <a:fillRef idx="1">
-              <a:schemeClr val="accent1"/>
-            </a:fillRef>
-            <a:effectRef idx="0">
-              <a:schemeClr val="accent1"/>
-            </a:effectRef>
-            <a:fontRef idx="minor">
-              <a:schemeClr val="lt1"/>
-            </a:fontRef>
-          </p:style>
-          <p:txBody>
-            <a:bodyPr rtlCol="0" anchor="ctr"/>
-            <a:lstStyle/>
-            <a:p>
-              <a:pPr algn="ctr"/>
-              <a:r>
-                <a:rPr kumimoji="1" lang="ja-JP" altLang="en-US" dirty="0" smtClean="0">
-                  <a:solidFill>
-                    <a:schemeClr val="tx1"/>
-                  </a:solidFill>
-                </a:rPr>
-                <a:t>データの分析</a:t>
-              </a:r>
-              <a:endParaRPr kumimoji="1" lang="ja-JP" altLang="en-US" dirty="0">
-                <a:solidFill>
-                  <a:schemeClr val="tx1"/>
-                </a:solidFill>
-              </a:endParaRPr>
-            </a:p>
-          </p:txBody>
-        </p:sp>
-        <p:pic>
-          <p:nvPicPr>
-            <p:cNvPr id="1028" name="Picture 4"/>
-            <p:cNvPicPr>
-              <a:picLocks noChangeAspect="1" noChangeArrowheads="1"/>
-            </p:cNvPicPr>
-            <p:nvPr/>
-          </p:nvPicPr>
-          <p:blipFill>
-            <a:blip r:embed="rId2" cstate="print">
-              <a:extLst>
-                <a:ext uri="{28A0092B-C50C-407E-A947-70E740481C1C}">
-                  <a14:useLocalDpi xmlns:a14="http://schemas.microsoft.com/office/drawing/2010/main" val="0"/>
-                </a:ext>
-              </a:extLst>
-            </a:blip>
-            <a:srcRect/>
-            <a:stretch>
-              <a:fillRect/>
-            </a:stretch>
-          </p:blipFill>
-          <p:spPr bwMode="auto">
-            <a:xfrm>
-              <a:off x="516623" y="3444315"/>
-              <a:ext cx="2395754" cy="1847765"/>
-            </a:xfrm>
-            <a:prstGeom prst="rect">
-              <a:avLst/>
-            </a:prstGeom>
-            <a:noFill/>
-            <a:ln>
-              <a:noFill/>
-            </a:ln>
-            <a:effectLst/>
-            <a:extLst>
-              <a:ext uri="{909E8E84-426E-40DD-AFC4-6F175D3DCCD1}">
-                <a14:hiddenFill xmlns:a14="http://schemas.microsoft.com/office/drawing/2010/main">
-                  <a:solidFill>
-                    <a:schemeClr val="accent1"/>
-                  </a:solidFill>
-                </a14:hiddenFill>
-              </a:ext>
-              <a:ext uri="{91240B29-F687-4F45-9708-019B960494DF}">
-                <a14:hiddenLine xmlns:a14="http://schemas.microsoft.com/office/drawing/2010/main" w="9525">
-                  <a:solidFill>
-                    <a:schemeClr val="tx1"/>
-                  </a:solidFill>
-                  <a:miter lim="800000"/>
-                  <a:headEnd/>
-                  <a:tailEnd/>
-                </a14:hiddenLine>
-              </a:ext>
-              <a:ext uri="{AF507438-7753-43E0-B8FC-AC1667EBCBE1}">
-                <a14:hiddenEffects xmlns:a14="http://schemas.microsoft.com/office/drawing/2010/main">
-                  <a:effectLst>
-                    <a:outerShdw dist="35921" dir="2700000" algn="ctr" rotWithShape="0">
-                      <a:schemeClr val="bg2"/>
-                    </a:outerShdw>
-                  </a:effectLst>
-                </a14:hiddenEffects>
-              </a:ext>
-            </a:extLst>
-          </p:spPr>
-        </p:pic>
-      </p:grpSp>
       <p:sp>
         <p:nvSpPr>
           <p:cNvPr id="20" name="ホームベース 19"/>
@@ -6827,8 +6663,8 @@
         </p:nvSpPr>
         <p:spPr>
           <a:xfrm>
-            <a:off x="72008" y="6300192"/>
-            <a:ext cx="1340768" cy="504056"/>
+            <a:off x="224558" y="20862824"/>
+            <a:ext cx="4181210" cy="1669160"/>
           </a:xfrm>
           <a:prstGeom prst="homePlate">
             <a:avLst/>
@@ -6859,7 +6695,7 @@
           </a:fontRef>
         </p:style>
         <p:txBody>
-          <a:bodyPr rtlCol="0" anchor="ctr"/>
+          <a:bodyPr lIns="305519" tIns="152760" rIns="305519" bIns="152760" rtlCol="0" anchor="ctr"/>
           <a:lstStyle/>
           <a:p>
             <a:pPr algn="ctr"/>
@@ -6894,8 +6730,8 @@
           </p:nvPr>
         </p:nvGraphicFramePr>
         <p:xfrm>
-          <a:off x="1434480" y="6804248"/>
-          <a:ext cx="5220072" cy="1834970"/>
+          <a:off x="4473453" y="22531984"/>
+          <a:ext cx="16278891" cy="6076428"/>
         </p:xfrm>
         <a:graphic>
           <a:graphicData uri="http://schemas.openxmlformats.org/drawingml/2006/table">
@@ -6904,31 +6740,31 @@
                 <a:tableStyleId>{5C22544A-7EE6-4342-B048-85BDC9FD1C3A}</a:tableStyleId>
               </a:tblPr>
               <a:tblGrid>
-                <a:gridCol w="3672408"/>
-                <a:gridCol w="1547664"/>
+                <a:gridCol w="11452472"/>
+                <a:gridCol w="4826419"/>
               </a:tblGrid>
-              <a:tr h="306034">
+              <a:tr h="1013419">
                 <a:tc>
                   <a:txBody>
                     <a:bodyPr/>
                     <a:lstStyle/>
                     <a:p>
                       <a:r>
-                        <a:rPr kumimoji="1" lang="ja-JP" altLang="en-US" sz="1400" dirty="0" smtClean="0">
+                        <a:rPr kumimoji="1" lang="ja-JP" altLang="en-US" sz="4600" dirty="0" smtClean="0">
                           <a:solidFill>
                             <a:schemeClr val="tx1"/>
                           </a:solidFill>
                         </a:rPr>
                         <a:t>内容</a:t>
                       </a:r>
-                      <a:endParaRPr kumimoji="1" lang="ja-JP" altLang="en-US" sz="1400" dirty="0">
+                      <a:endParaRPr kumimoji="1" lang="ja-JP" altLang="en-US" sz="4600" dirty="0">
                         <a:solidFill>
                           <a:schemeClr val="tx1"/>
                         </a:solidFill>
                       </a:endParaRPr>
                     </a:p>
                   </a:txBody>
-                  <a:tcPr>
+                  <a:tcPr marL="285157" marR="285157" marT="151400" marB="151400">
                     <a:lnL w="12700" cap="flat" cmpd="sng" algn="ctr">
                       <a:solidFill>
                         <a:schemeClr val="tx1"/>
@@ -6976,21 +6812,21 @@
                     <a:lstStyle/>
                     <a:p>
                       <a:r>
-                        <a:rPr kumimoji="1" lang="ja-JP" altLang="en-US" sz="1400" dirty="0" smtClean="0">
+                        <a:rPr kumimoji="1" lang="ja-JP" altLang="en-US" sz="4600" dirty="0" smtClean="0">
                           <a:solidFill>
                             <a:schemeClr val="tx1"/>
                           </a:solidFill>
                         </a:rPr>
                         <a:t>日程</a:t>
                       </a:r>
-                      <a:endParaRPr kumimoji="1" lang="ja-JP" altLang="en-US" sz="1400" dirty="0">
+                      <a:endParaRPr kumimoji="1" lang="ja-JP" altLang="en-US" sz="4600" dirty="0">
                         <a:solidFill>
                           <a:schemeClr val="tx1"/>
                         </a:solidFill>
                       </a:endParaRPr>
                     </a:p>
                   </a:txBody>
-                  <a:tcPr>
+                  <a:tcPr marL="285157" marR="285157" marT="151400" marB="151400">
                     <a:lnL w="12700" cap="flat" cmpd="sng" algn="ctr">
                       <a:solidFill>
                         <a:schemeClr val="tx1"/>
@@ -7033,28 +6869,28 @@
                   </a:tcPr>
                 </a:tc>
               </a:tr>
-              <a:tr h="306034">
+              <a:tr h="1013419">
                 <a:tc>
                   <a:txBody>
                     <a:bodyPr/>
                     <a:lstStyle/>
                     <a:p>
                       <a:r>
-                        <a:rPr kumimoji="1" lang="ja-JP" altLang="en-US" sz="1400" dirty="0" smtClean="0">
+                        <a:rPr kumimoji="1" lang="ja-JP" altLang="en-US" sz="4600" dirty="0" smtClean="0">
                           <a:solidFill>
                             <a:schemeClr val="tx1"/>
                           </a:solidFill>
                         </a:rPr>
                         <a:t>データの収集・解析ツールの試運転</a:t>
                       </a:r>
-                      <a:endParaRPr kumimoji="1" lang="ja-JP" altLang="en-US" sz="1400" dirty="0">
+                      <a:endParaRPr kumimoji="1" lang="ja-JP" altLang="en-US" sz="4600" dirty="0">
                         <a:solidFill>
                           <a:schemeClr val="tx1"/>
                         </a:solidFill>
                       </a:endParaRPr>
                     </a:p>
                   </a:txBody>
-                  <a:tcPr>
+                  <a:tcPr marL="285157" marR="285157" marT="151400" marB="151400">
                     <a:lnL w="12700" cap="flat" cmpd="sng" algn="ctr">
                       <a:solidFill>
                         <a:schemeClr val="tx1"/>
@@ -7102,7 +6938,7 @@
                     <a:lstStyle/>
                     <a:p>
                       <a:r>
-                        <a:rPr kumimoji="1" lang="en-US" altLang="ja-JP" sz="1400" dirty="0" smtClean="0">
+                        <a:rPr kumimoji="1" lang="en-US" altLang="ja-JP" sz="4600" dirty="0" smtClean="0">
                           <a:solidFill>
                             <a:schemeClr val="tx1"/>
                           </a:solidFill>
@@ -7110,7 +6946,7 @@
                         <a:t>2014</a:t>
                       </a:r>
                       <a:r>
-                        <a:rPr kumimoji="1" lang="ja-JP" altLang="en-US" sz="1400" dirty="0" smtClean="0">
+                        <a:rPr kumimoji="1" lang="ja-JP" altLang="en-US" sz="4600" dirty="0" smtClean="0">
                           <a:solidFill>
                             <a:schemeClr val="tx1"/>
                           </a:solidFill>
@@ -7118,7 +6954,7 @@
                         <a:t>年</a:t>
                       </a:r>
                       <a:r>
-                        <a:rPr kumimoji="1" lang="en-US" altLang="ja-JP" sz="1400" dirty="0" smtClean="0">
+                        <a:rPr kumimoji="1" lang="en-US" altLang="ja-JP" sz="4600" dirty="0" smtClean="0">
                           <a:solidFill>
                             <a:schemeClr val="tx1"/>
                           </a:solidFill>
@@ -7126,21 +6962,21 @@
                         <a:t>1</a:t>
                       </a:r>
                       <a:r>
-                        <a:rPr kumimoji="1" lang="ja-JP" altLang="en-US" sz="1400" dirty="0" smtClean="0">
+                        <a:rPr kumimoji="1" lang="ja-JP" altLang="en-US" sz="4600" dirty="0" smtClean="0">
                           <a:solidFill>
                             <a:schemeClr val="tx1"/>
                           </a:solidFill>
                         </a:rPr>
                         <a:t>月～</a:t>
                       </a:r>
-                      <a:endParaRPr kumimoji="1" lang="ja-JP" altLang="en-US" sz="1400" dirty="0">
+                      <a:endParaRPr kumimoji="1" lang="ja-JP" altLang="en-US" sz="4600" dirty="0">
                         <a:solidFill>
                           <a:schemeClr val="tx1"/>
                         </a:solidFill>
                       </a:endParaRPr>
                     </a:p>
                   </a:txBody>
-                  <a:tcPr>
+                  <a:tcPr marL="285157" marR="285157" marT="151400" marB="151400">
                     <a:lnL w="12700" cap="flat" cmpd="sng" algn="ctr">
                       <a:solidFill>
                         <a:schemeClr val="tx1"/>
@@ -7183,28 +7019,28 @@
                   </a:tcPr>
                 </a:tc>
               </a:tr>
-              <a:tr h="306034">
+              <a:tr h="1013419">
                 <a:tc>
                   <a:txBody>
                     <a:bodyPr/>
                     <a:lstStyle/>
                     <a:p>
                       <a:r>
-                        <a:rPr kumimoji="1" lang="ja-JP" altLang="en-US" sz="1400" dirty="0" smtClean="0">
+                        <a:rPr kumimoji="1" lang="ja-JP" altLang="en-US" sz="4600" dirty="0" smtClean="0">
                           <a:solidFill>
                             <a:schemeClr val="tx1"/>
                           </a:solidFill>
                         </a:rPr>
                         <a:t>データの収集</a:t>
                       </a:r>
-                      <a:endParaRPr kumimoji="1" lang="ja-JP" altLang="en-US" sz="1400" dirty="0">
+                      <a:endParaRPr kumimoji="1" lang="ja-JP" altLang="en-US" sz="4600" dirty="0">
                         <a:solidFill>
                           <a:schemeClr val="tx1"/>
                         </a:solidFill>
                       </a:endParaRPr>
                     </a:p>
                   </a:txBody>
-                  <a:tcPr>
+                  <a:tcPr marL="285157" marR="285157" marT="151400" marB="151400">
                     <a:lnL w="12700" cap="flat" cmpd="sng" algn="ctr">
                       <a:solidFill>
                         <a:schemeClr val="tx1"/>
@@ -7252,7 +7088,7 @@
                     <a:lstStyle/>
                     <a:p>
                       <a:r>
-                        <a:rPr kumimoji="1" lang="en-US" altLang="ja-JP" sz="1400" dirty="0" smtClean="0">
+                        <a:rPr kumimoji="1" lang="en-US" altLang="ja-JP" sz="4600" dirty="0" smtClean="0">
                           <a:solidFill>
                             <a:schemeClr val="tx1"/>
                           </a:solidFill>
@@ -7260,7 +7096,7 @@
                         <a:t>2014</a:t>
                       </a:r>
                       <a:r>
-                        <a:rPr kumimoji="1" lang="ja-JP" altLang="en-US" sz="1400" dirty="0" smtClean="0">
+                        <a:rPr kumimoji="1" lang="ja-JP" altLang="en-US" sz="4600" dirty="0" smtClean="0">
                           <a:solidFill>
                             <a:schemeClr val="tx1"/>
                           </a:solidFill>
@@ -7268,7 +7104,7 @@
                         <a:t>年</a:t>
                       </a:r>
                       <a:r>
-                        <a:rPr kumimoji="1" lang="en-US" altLang="ja-JP" sz="1400" dirty="0" smtClean="0">
+                        <a:rPr kumimoji="1" lang="en-US" altLang="ja-JP" sz="4600" dirty="0" smtClean="0">
                           <a:solidFill>
                             <a:schemeClr val="tx1"/>
                           </a:solidFill>
@@ -7276,21 +7112,21 @@
                         <a:t>4</a:t>
                       </a:r>
                       <a:r>
-                        <a:rPr kumimoji="1" lang="ja-JP" altLang="en-US" sz="1400" dirty="0" smtClean="0">
+                        <a:rPr kumimoji="1" lang="ja-JP" altLang="en-US" sz="4600" dirty="0" smtClean="0">
                           <a:solidFill>
                             <a:schemeClr val="tx1"/>
                           </a:solidFill>
                         </a:rPr>
                         <a:t>月～</a:t>
                       </a:r>
-                      <a:endParaRPr kumimoji="1" lang="ja-JP" altLang="en-US" sz="1400" dirty="0">
+                      <a:endParaRPr kumimoji="1" lang="ja-JP" altLang="en-US" sz="4600" dirty="0">
                         <a:solidFill>
                           <a:schemeClr val="tx1"/>
                         </a:solidFill>
                       </a:endParaRPr>
                     </a:p>
                   </a:txBody>
-                  <a:tcPr>
+                  <a:tcPr marL="285157" marR="285157" marT="151400" marB="151400">
                     <a:lnL w="12700" cap="flat" cmpd="sng" algn="ctr">
                       <a:solidFill>
                         <a:schemeClr val="tx1"/>
@@ -7333,28 +7169,28 @@
                   </a:tcPr>
                 </a:tc>
               </a:tr>
-              <a:tr h="306034">
+              <a:tr h="1013419">
                 <a:tc>
                   <a:txBody>
                     <a:bodyPr/>
                     <a:lstStyle/>
                     <a:p>
                       <a:r>
-                        <a:rPr kumimoji="1" lang="ja-JP" altLang="en-US" sz="1400" dirty="0" smtClean="0">
+                        <a:rPr kumimoji="1" lang="ja-JP" altLang="en-US" sz="4600" dirty="0" smtClean="0">
                           <a:solidFill>
                             <a:schemeClr val="tx1"/>
                           </a:solidFill>
                         </a:rPr>
                         <a:t>データの解析</a:t>
                       </a:r>
-                      <a:endParaRPr kumimoji="1" lang="ja-JP" altLang="en-US" sz="1400" dirty="0">
+                      <a:endParaRPr kumimoji="1" lang="ja-JP" altLang="en-US" sz="4600" dirty="0">
                         <a:solidFill>
                           <a:schemeClr val="tx1"/>
                         </a:solidFill>
                       </a:endParaRPr>
                     </a:p>
                   </a:txBody>
-                  <a:tcPr>
+                  <a:tcPr marL="285157" marR="285157" marT="151400" marB="151400">
                     <a:lnL w="12700" cap="flat" cmpd="sng" algn="ctr">
                       <a:solidFill>
                         <a:schemeClr val="tx1"/>
@@ -7402,7 +7238,7 @@
                     <a:lstStyle/>
                     <a:p>
                       <a:r>
-                        <a:rPr kumimoji="1" lang="en-US" altLang="ja-JP" sz="1400" dirty="0" smtClean="0">
+                        <a:rPr kumimoji="1" lang="en-US" altLang="ja-JP" sz="4600" dirty="0" smtClean="0">
                           <a:solidFill>
                             <a:schemeClr val="tx1"/>
                           </a:solidFill>
@@ -7410,7 +7246,7 @@
                         <a:t>2014</a:t>
                       </a:r>
                       <a:r>
-                        <a:rPr kumimoji="1" lang="ja-JP" altLang="en-US" sz="1400" dirty="0" smtClean="0">
+                        <a:rPr kumimoji="1" lang="ja-JP" altLang="en-US" sz="4600" dirty="0" smtClean="0">
                           <a:solidFill>
                             <a:schemeClr val="tx1"/>
                           </a:solidFill>
@@ -7418,7 +7254,7 @@
                         <a:t>年</a:t>
                       </a:r>
                       <a:r>
-                        <a:rPr kumimoji="1" lang="en-US" altLang="ja-JP" sz="1400" dirty="0" smtClean="0">
+                        <a:rPr kumimoji="1" lang="en-US" altLang="ja-JP" sz="4600" dirty="0" smtClean="0">
                           <a:solidFill>
                             <a:schemeClr val="tx1"/>
                           </a:solidFill>
@@ -7426,21 +7262,21 @@
                         <a:t>6</a:t>
                       </a:r>
                       <a:r>
-                        <a:rPr kumimoji="1" lang="ja-JP" altLang="en-US" sz="1400" dirty="0" smtClean="0">
+                        <a:rPr kumimoji="1" lang="ja-JP" altLang="en-US" sz="4600" dirty="0" smtClean="0">
                           <a:solidFill>
                             <a:schemeClr val="tx1"/>
                           </a:solidFill>
                         </a:rPr>
                         <a:t>月～</a:t>
                       </a:r>
-                      <a:endParaRPr kumimoji="1" lang="ja-JP" altLang="en-US" sz="1400" dirty="0">
+                      <a:endParaRPr kumimoji="1" lang="ja-JP" altLang="en-US" sz="4600" dirty="0">
                         <a:solidFill>
                           <a:schemeClr val="tx1"/>
                         </a:solidFill>
                       </a:endParaRPr>
                     </a:p>
                   </a:txBody>
-                  <a:tcPr>
+                  <a:tcPr marL="285157" marR="285157" marT="151400" marB="151400">
                     <a:lnL w="12700" cap="flat" cmpd="sng" algn="ctr">
                       <a:solidFill>
                         <a:schemeClr val="tx1"/>
@@ -7483,28 +7319,28 @@
                   </a:tcPr>
                 </a:tc>
               </a:tr>
-              <a:tr h="306034">
+              <a:tr h="1013419">
                 <a:tc>
                   <a:txBody>
                     <a:bodyPr/>
                     <a:lstStyle/>
                     <a:p>
                       <a:r>
-                        <a:rPr kumimoji="1" lang="ja-JP" altLang="en-US" sz="1400" dirty="0" smtClean="0">
+                        <a:rPr kumimoji="1" lang="ja-JP" altLang="en-US" sz="4600" dirty="0" smtClean="0">
                           <a:solidFill>
                             <a:schemeClr val="tx1"/>
                           </a:solidFill>
                         </a:rPr>
                         <a:t>解析結果の有用性調査</a:t>
                       </a:r>
-                      <a:endParaRPr kumimoji="1" lang="ja-JP" altLang="en-US" sz="1400" dirty="0">
+                      <a:endParaRPr kumimoji="1" lang="ja-JP" altLang="en-US" sz="4600" dirty="0">
                         <a:solidFill>
                           <a:schemeClr val="tx1"/>
                         </a:solidFill>
                       </a:endParaRPr>
                     </a:p>
                   </a:txBody>
-                  <a:tcPr>
+                  <a:tcPr marL="285157" marR="285157" marT="151400" marB="151400">
                     <a:lnL w="12700" cap="flat" cmpd="sng" algn="ctr">
                       <a:solidFill>
                         <a:schemeClr val="tx1"/>
@@ -7552,7 +7388,7 @@
                     <a:lstStyle/>
                     <a:p>
                       <a:r>
-                        <a:rPr kumimoji="1" lang="en-US" altLang="ja-JP" sz="1400" dirty="0" smtClean="0">
+                        <a:rPr kumimoji="1" lang="en-US" altLang="ja-JP" sz="4600" dirty="0" smtClean="0">
                           <a:solidFill>
                             <a:schemeClr val="tx1"/>
                           </a:solidFill>
@@ -7560,7 +7396,7 @@
                         <a:t>2014</a:t>
                       </a:r>
                       <a:r>
-                        <a:rPr kumimoji="1" lang="ja-JP" altLang="en-US" sz="1400" dirty="0" smtClean="0">
+                        <a:rPr kumimoji="1" lang="ja-JP" altLang="en-US" sz="4600" dirty="0" smtClean="0">
                           <a:solidFill>
                             <a:schemeClr val="tx1"/>
                           </a:solidFill>
@@ -7568,7 +7404,7 @@
                         <a:t>年</a:t>
                       </a:r>
                       <a:r>
-                        <a:rPr kumimoji="1" lang="en-US" altLang="ja-JP" sz="1400" dirty="0" smtClean="0">
+                        <a:rPr kumimoji="1" lang="en-US" altLang="ja-JP" sz="4600" dirty="0" smtClean="0">
                           <a:solidFill>
                             <a:schemeClr val="tx1"/>
                           </a:solidFill>
@@ -7576,21 +7412,21 @@
                         <a:t>8</a:t>
                       </a:r>
                       <a:r>
-                        <a:rPr kumimoji="1" lang="ja-JP" altLang="en-US" sz="1400" dirty="0" smtClean="0">
+                        <a:rPr kumimoji="1" lang="ja-JP" altLang="en-US" sz="4600" dirty="0" smtClean="0">
                           <a:solidFill>
                             <a:schemeClr val="tx1"/>
                           </a:solidFill>
                         </a:rPr>
                         <a:t>月～</a:t>
                       </a:r>
-                      <a:endParaRPr kumimoji="1" lang="ja-JP" altLang="en-US" sz="1400" dirty="0">
+                      <a:endParaRPr kumimoji="1" lang="ja-JP" altLang="en-US" sz="4600" dirty="0">
                         <a:solidFill>
                           <a:schemeClr val="tx1"/>
                         </a:solidFill>
                       </a:endParaRPr>
                     </a:p>
                   </a:txBody>
-                  <a:tcPr>
+                  <a:tcPr marL="285157" marR="285157" marT="151400" marB="151400">
                     <a:lnL w="12700" cap="flat" cmpd="sng" algn="ctr">
                       <a:solidFill>
                         <a:schemeClr val="tx1"/>
@@ -7633,28 +7469,28 @@
                   </a:tcPr>
                 </a:tc>
               </a:tr>
-              <a:tr h="132778">
+              <a:tr h="1009333">
                 <a:tc>
                   <a:txBody>
                     <a:bodyPr/>
                     <a:lstStyle/>
                     <a:p>
                       <a:r>
-                        <a:rPr kumimoji="1" lang="ja-JP" altLang="en-US" sz="1400" dirty="0" smtClean="0">
+                        <a:rPr kumimoji="1" lang="ja-JP" altLang="en-US" sz="4600" dirty="0" smtClean="0">
                           <a:solidFill>
                             <a:schemeClr val="tx1"/>
                           </a:solidFill>
                         </a:rPr>
                         <a:t>卒業論文で執筆</a:t>
                       </a:r>
-                      <a:endParaRPr kumimoji="1" lang="ja-JP" altLang="en-US" sz="1400" dirty="0">
+                      <a:endParaRPr kumimoji="1" lang="ja-JP" altLang="en-US" sz="4600" dirty="0">
                         <a:solidFill>
                           <a:schemeClr val="tx1"/>
                         </a:solidFill>
                       </a:endParaRPr>
                     </a:p>
                   </a:txBody>
-                  <a:tcPr>
+                  <a:tcPr marL="285157" marR="285157" marT="151400" marB="151400">
                     <a:lnL w="12700" cap="flat" cmpd="sng" algn="ctr">
                       <a:solidFill>
                         <a:schemeClr val="tx1"/>
@@ -7702,7 +7538,7 @@
                     <a:lstStyle/>
                     <a:p>
                       <a:r>
-                        <a:rPr kumimoji="1" lang="en-US" altLang="ja-JP" sz="1400" dirty="0" smtClean="0">
+                        <a:rPr kumimoji="1" lang="en-US" altLang="ja-JP" sz="4600" dirty="0" smtClean="0">
                           <a:solidFill>
                             <a:schemeClr val="tx1"/>
                           </a:solidFill>
@@ -7710,7 +7546,7 @@
                         <a:t>2014</a:t>
                       </a:r>
                       <a:r>
-                        <a:rPr kumimoji="1" lang="ja-JP" altLang="en-US" sz="1400" dirty="0" smtClean="0">
+                        <a:rPr kumimoji="1" lang="ja-JP" altLang="en-US" sz="4600" dirty="0" smtClean="0">
                           <a:solidFill>
                             <a:schemeClr val="tx1"/>
                           </a:solidFill>
@@ -7718,7 +7554,7 @@
                         <a:t>年</a:t>
                       </a:r>
                       <a:r>
-                        <a:rPr kumimoji="1" lang="en-US" altLang="ja-JP" sz="1400" dirty="0" smtClean="0">
+                        <a:rPr kumimoji="1" lang="en-US" altLang="ja-JP" sz="4600" dirty="0" smtClean="0">
                           <a:solidFill>
                             <a:schemeClr val="tx1"/>
                           </a:solidFill>
@@ -7726,21 +7562,21 @@
                         <a:t>10</a:t>
                       </a:r>
                       <a:r>
-                        <a:rPr kumimoji="1" lang="ja-JP" altLang="en-US" sz="1400" dirty="0" smtClean="0">
+                        <a:rPr kumimoji="1" lang="ja-JP" altLang="en-US" sz="4600" dirty="0" smtClean="0">
                           <a:solidFill>
                             <a:schemeClr val="tx1"/>
                           </a:solidFill>
                         </a:rPr>
                         <a:t>月～</a:t>
                       </a:r>
-                      <a:endParaRPr kumimoji="1" lang="ja-JP" altLang="en-US" sz="1400" dirty="0">
+                      <a:endParaRPr kumimoji="1" lang="ja-JP" altLang="en-US" sz="4600" dirty="0">
                         <a:solidFill>
                           <a:schemeClr val="tx1"/>
                         </a:solidFill>
                       </a:endParaRPr>
                     </a:p>
                   </a:txBody>
-                  <a:tcPr>
+                  <a:tcPr marL="285157" marR="285157" marT="151400" marB="151400">
                     <a:lnL w="12700" cap="flat" cmpd="sng" algn="ctr">
                       <a:solidFill>
                         <a:schemeClr val="tx1"/>
@@ -7795,8 +7631,8 @@
         </p:nvCxnSpPr>
         <p:spPr>
           <a:xfrm>
-            <a:off x="1465376" y="6552220"/>
-            <a:ext cx="5289309" cy="0"/>
+            <a:off x="4569804" y="21697404"/>
+            <a:ext cx="16494808" cy="0"/>
           </a:xfrm>
           <a:prstGeom prst="line">
             <a:avLst/>
@@ -7823,16 +7659,76 @@
           </a:fontRef>
         </p:style>
       </p:cxnSp>
+      <p:sp>
+        <p:nvSpPr>
+          <p:cNvPr id="21" name="ホームベース 20"/>
+          <p:cNvSpPr/>
+          <p:nvPr/>
+        </p:nvSpPr>
+        <p:spPr>
+          <a:xfrm>
+            <a:off x="224558" y="8224894"/>
+            <a:ext cx="4181210" cy="1669160"/>
+          </a:xfrm>
+          <a:prstGeom prst="homePlate">
+            <a:avLst/>
+          </a:prstGeom>
+          <a:solidFill>
+            <a:schemeClr val="bg1"/>
+          </a:solidFill>
+          <a:ln>
+            <a:solidFill>
+              <a:schemeClr val="tx1"/>
+            </a:solidFill>
+          </a:ln>
+        </p:spPr>
+        <p:style>
+          <a:lnRef idx="2">
+            <a:schemeClr val="accent1">
+              <a:shade val="50000"/>
+            </a:schemeClr>
+          </a:lnRef>
+          <a:fillRef idx="1">
+            <a:schemeClr val="accent1"/>
+          </a:fillRef>
+          <a:effectRef idx="0">
+            <a:schemeClr val="accent1"/>
+          </a:effectRef>
+          <a:fontRef idx="minor">
+            <a:schemeClr val="lt1"/>
+          </a:fontRef>
+        </p:style>
+        <p:txBody>
+          <a:bodyPr lIns="305519" tIns="152760" rIns="305519" bIns="152760" rtlCol="0" anchor="ctr"/>
+          <a:lstStyle/>
+          <a:p>
+            <a:pPr algn="ctr"/>
+            <a:r>
+              <a:rPr kumimoji="1" lang="ja-JP" altLang="en-US" dirty="0" smtClean="0">
+                <a:solidFill>
+                  <a:schemeClr val="tx1"/>
+                </a:solidFill>
+              </a:rPr>
+              <a:t>進捗</a:t>
+            </a:r>
+            <a:endParaRPr kumimoji="1" lang="ja-JP" altLang="en-US" dirty="0">
+              <a:solidFill>
+                <a:schemeClr val="tx1"/>
+              </a:solidFill>
+            </a:endParaRPr>
+          </a:p>
+        </p:txBody>
+      </p:sp>
       <p:cxnSp>
         <p:nvCxnSpPr>
-          <p:cNvPr id="30" name="直線コネクタ 29"/>
+          <p:cNvPr id="23" name="直線コネクタ 22"/>
           <p:cNvCxnSpPr/>
           <p:nvPr/>
         </p:nvCxnSpPr>
         <p:spPr>
           <a:xfrm>
-            <a:off x="1465376" y="2807804"/>
-            <a:ext cx="5289309" cy="0"/>
+            <a:off x="4752833" y="8940248"/>
+            <a:ext cx="16494808" cy="0"/>
           </a:xfrm>
           <a:prstGeom prst="line">
             <a:avLst/>
@@ -7859,6 +7755,375 @@
           </a:fontRef>
         </p:style>
       </p:cxnSp>
+      <p:sp>
+        <p:nvSpPr>
+          <p:cNvPr id="8" name="正方形/長方形 7"/>
+          <p:cNvSpPr/>
+          <p:nvPr/>
+        </p:nvSpPr>
+        <p:spPr>
+          <a:xfrm>
+            <a:off x="995866" y="10609410"/>
+            <a:ext cx="3185345" cy="2384515"/>
+          </a:xfrm>
+          <a:prstGeom prst="rect">
+            <a:avLst/>
+          </a:prstGeom>
+          <a:solidFill>
+            <a:schemeClr val="bg1"/>
+          </a:solidFill>
+          <a:ln>
+            <a:solidFill>
+              <a:schemeClr val="tx1"/>
+            </a:solidFill>
+          </a:ln>
+        </p:spPr>
+        <p:style>
+          <a:lnRef idx="2">
+            <a:schemeClr val="accent1">
+              <a:shade val="50000"/>
+            </a:schemeClr>
+          </a:lnRef>
+          <a:fillRef idx="1">
+            <a:schemeClr val="accent1"/>
+          </a:fillRef>
+          <a:effectRef idx="0">
+            <a:schemeClr val="accent1"/>
+          </a:effectRef>
+          <a:fontRef idx="minor">
+            <a:schemeClr val="lt1"/>
+          </a:fontRef>
+        </p:style>
+        <p:txBody>
+          <a:bodyPr lIns="305519" tIns="152760" rIns="305519" bIns="152760" spcCol="0" rtlCol="0" anchor="ctr"/>
+          <a:lstStyle/>
+          <a:p>
+            <a:pPr algn="ctr"/>
+            <a:r>
+              <a:rPr kumimoji="1" lang="en-US" altLang="ja-JP" dirty="0" err="1" smtClean="0">
+                <a:solidFill>
+                  <a:schemeClr val="tx1"/>
+                </a:solidFill>
+              </a:rPr>
+              <a:t>Github</a:t>
+            </a:r>
+            <a:r>
+              <a:rPr lang="ja-JP" altLang="en-US" dirty="0">
+                <a:solidFill>
+                  <a:schemeClr val="tx1"/>
+                </a:solidFill>
+              </a:rPr>
+              <a:t> </a:t>
+            </a:r>
+            <a:r>
+              <a:rPr lang="en-US" altLang="ja-JP" dirty="0" smtClean="0">
+                <a:solidFill>
+                  <a:schemeClr val="tx1"/>
+                </a:solidFill>
+              </a:rPr>
+              <a:t>Archive</a:t>
+            </a:r>
+          </a:p>
+        </p:txBody>
+      </p:sp>
+      <p:cxnSp>
+        <p:nvCxnSpPr>
+          <p:cNvPr id="18" name="直線矢印コネクタ 17"/>
+          <p:cNvCxnSpPr>
+            <a:stCxn id="8" idx="2"/>
+            <a:endCxn id="19" idx="0"/>
+          </p:cNvCxnSpPr>
+          <p:nvPr/>
+        </p:nvCxnSpPr>
+        <p:spPr>
+          <a:xfrm>
+            <a:off x="2588541" y="12993925"/>
+            <a:ext cx="19257" cy="1669160"/>
+          </a:xfrm>
+          <a:prstGeom prst="straightConnector1">
+            <a:avLst/>
+          </a:prstGeom>
+          <a:ln>
+            <a:solidFill>
+              <a:schemeClr val="tx1"/>
+            </a:solidFill>
+            <a:tailEnd type="arrow"/>
+          </a:ln>
+        </p:spPr>
+        <p:style>
+          <a:lnRef idx="1">
+            <a:schemeClr val="accent1"/>
+          </a:lnRef>
+          <a:fillRef idx="0">
+            <a:schemeClr val="accent1"/>
+          </a:fillRef>
+          <a:effectRef idx="0">
+            <a:schemeClr val="accent1"/>
+          </a:effectRef>
+          <a:fontRef idx="minor">
+            <a:schemeClr val="tx1"/>
+          </a:fontRef>
+        </p:style>
+      </p:cxnSp>
+      <p:sp>
+        <p:nvSpPr>
+          <p:cNvPr id="19" name="角丸四角形 18"/>
+          <p:cNvSpPr/>
+          <p:nvPr/>
+        </p:nvSpPr>
+        <p:spPr>
+          <a:xfrm>
+            <a:off x="923610" y="14663085"/>
+            <a:ext cx="3368371" cy="2622967"/>
+          </a:xfrm>
+          <a:prstGeom prst="roundRect">
+            <a:avLst/>
+          </a:prstGeom>
+          <a:solidFill>
+            <a:schemeClr val="bg1"/>
+          </a:solidFill>
+          <a:ln>
+            <a:solidFill>
+              <a:schemeClr val="tx1"/>
+            </a:solidFill>
+          </a:ln>
+        </p:spPr>
+        <p:style>
+          <a:lnRef idx="2">
+            <a:schemeClr val="accent1">
+              <a:shade val="50000"/>
+            </a:schemeClr>
+          </a:lnRef>
+          <a:fillRef idx="1">
+            <a:schemeClr val="accent1"/>
+          </a:fillRef>
+          <a:effectRef idx="0">
+            <a:schemeClr val="accent1"/>
+          </a:effectRef>
+          <a:fontRef idx="minor">
+            <a:schemeClr val="lt1"/>
+          </a:fontRef>
+        </p:style>
+        <p:txBody>
+          <a:bodyPr lIns="305519" tIns="152760" rIns="305519" bIns="152760" spcCol="0" rtlCol="0" anchor="ctr"/>
+          <a:lstStyle/>
+          <a:p>
+            <a:pPr algn="ctr"/>
+            <a:r>
+              <a:rPr kumimoji="1" lang="en-US" altLang="ja-JP" dirty="0" smtClean="0">
+                <a:solidFill>
+                  <a:schemeClr val="tx1"/>
+                </a:solidFill>
+              </a:rPr>
+              <a:t>Google</a:t>
+            </a:r>
+            <a:r>
+              <a:rPr lang="ja-JP" altLang="en-US" dirty="0" smtClean="0">
+                <a:solidFill>
+                  <a:schemeClr val="tx1"/>
+                </a:solidFill>
+              </a:rPr>
+              <a:t> </a:t>
+            </a:r>
+            <a:r>
+              <a:rPr lang="en-US" altLang="ja-JP" dirty="0" err="1" smtClean="0">
+                <a:solidFill>
+                  <a:schemeClr val="tx1"/>
+                </a:solidFill>
+              </a:rPr>
+              <a:t>BigQueary</a:t>
+            </a:r>
+            <a:endParaRPr kumimoji="1" lang="en-US" altLang="ja-JP" dirty="0" smtClean="0">
+              <a:solidFill>
+                <a:schemeClr val="tx1"/>
+              </a:solidFill>
+            </a:endParaRPr>
+          </a:p>
+        </p:txBody>
+      </p:sp>
+      <p:sp>
+        <p:nvSpPr>
+          <p:cNvPr id="26" name="四角形吹き出し 25"/>
+          <p:cNvSpPr/>
+          <p:nvPr/>
+        </p:nvSpPr>
+        <p:spPr>
+          <a:xfrm>
+            <a:off x="5977679" y="9894055"/>
+            <a:ext cx="6063077" cy="3219095"/>
+          </a:xfrm>
+          <a:prstGeom prst="wedgeRectCallout">
+            <a:avLst>
+              <a:gd name="adj1" fmla="val -69582"/>
+              <a:gd name="adj2" fmla="val 25645"/>
+            </a:avLst>
+          </a:prstGeom>
+          <a:solidFill>
+            <a:schemeClr val="bg1"/>
+          </a:solidFill>
+          <a:ln>
+            <a:solidFill>
+              <a:schemeClr val="tx1"/>
+            </a:solidFill>
+          </a:ln>
+        </p:spPr>
+        <p:style>
+          <a:lnRef idx="2">
+            <a:schemeClr val="accent1">
+              <a:shade val="50000"/>
+            </a:schemeClr>
+          </a:lnRef>
+          <a:fillRef idx="1">
+            <a:schemeClr val="accent1"/>
+          </a:fillRef>
+          <a:effectRef idx="0">
+            <a:schemeClr val="accent1"/>
+          </a:effectRef>
+          <a:fontRef idx="minor">
+            <a:schemeClr val="lt1"/>
+          </a:fontRef>
+        </p:style>
+        <p:txBody>
+          <a:bodyPr lIns="305519" tIns="152760" rIns="305519" bIns="152760" spcCol="0" rtlCol="0" anchor="ctr"/>
+          <a:lstStyle/>
+          <a:p>
+            <a:pPr algn="ctr"/>
+            <a:endParaRPr lang="en-US" altLang="ja-JP" sz="5300" dirty="0">
+              <a:solidFill>
+                <a:schemeClr val="tx1"/>
+              </a:solidFill>
+            </a:endParaRPr>
+          </a:p>
+          <a:p>
+            <a:pPr algn="ctr"/>
+            <a:r>
+              <a:rPr lang="en-US" altLang="ja-JP" sz="5300" dirty="0" err="1">
+                <a:solidFill>
+                  <a:schemeClr val="tx1"/>
+                </a:solidFill>
+              </a:rPr>
+              <a:t>GitHub</a:t>
+            </a:r>
+            <a:r>
+              <a:rPr lang="ja-JP" altLang="en-US" sz="5300" dirty="0">
+                <a:solidFill>
+                  <a:schemeClr val="tx1"/>
+                </a:solidFill>
+              </a:rPr>
+              <a:t>で公開されてるタイムラインをアーカイブ化</a:t>
+            </a:r>
+            <a:endParaRPr lang="en-US" altLang="ja-JP" sz="5300" dirty="0">
+              <a:solidFill>
+                <a:schemeClr val="tx1"/>
+              </a:solidFill>
+            </a:endParaRPr>
+          </a:p>
+          <a:p>
+            <a:pPr algn="ctr"/>
+            <a:endParaRPr lang="ja-JP" altLang="en-US" sz="5300" dirty="0">
+              <a:solidFill>
+                <a:schemeClr val="tx1"/>
+              </a:solidFill>
+            </a:endParaRPr>
+          </a:p>
+        </p:txBody>
+      </p:sp>
+      <p:sp>
+        <p:nvSpPr>
+          <p:cNvPr id="27" name="四角形吹き出し 26"/>
+          <p:cNvSpPr/>
+          <p:nvPr/>
+        </p:nvSpPr>
+        <p:spPr>
+          <a:xfrm>
+            <a:off x="6089954" y="15941208"/>
+            <a:ext cx="5838518" cy="3338321"/>
+          </a:xfrm>
+          <a:prstGeom prst="wedgeRectCallout">
+            <a:avLst>
+              <a:gd name="adj1" fmla="val -69674"/>
+              <a:gd name="adj2" fmla="val -39002"/>
+            </a:avLst>
+          </a:prstGeom>
+          <a:solidFill>
+            <a:schemeClr val="bg1"/>
+          </a:solidFill>
+          <a:ln>
+            <a:solidFill>
+              <a:schemeClr val="tx1"/>
+            </a:solidFill>
+          </a:ln>
+        </p:spPr>
+        <p:style>
+          <a:lnRef idx="2">
+            <a:schemeClr val="accent1">
+              <a:shade val="50000"/>
+            </a:schemeClr>
+          </a:lnRef>
+          <a:fillRef idx="1">
+            <a:schemeClr val="accent1"/>
+          </a:fillRef>
+          <a:effectRef idx="0">
+            <a:schemeClr val="accent1"/>
+          </a:effectRef>
+          <a:fontRef idx="minor">
+            <a:schemeClr val="lt1"/>
+          </a:fontRef>
+        </p:style>
+        <p:txBody>
+          <a:bodyPr lIns="305519" tIns="152760" rIns="305519" bIns="152760" spcCol="0" rtlCol="0" anchor="ctr"/>
+          <a:lstStyle/>
+          <a:p>
+            <a:pPr algn="ctr"/>
+            <a:r>
+              <a:rPr lang="ja-JP" altLang="en-US" sz="5300" dirty="0">
+                <a:solidFill>
+                  <a:schemeClr val="tx1"/>
+                </a:solidFill>
+              </a:rPr>
+              <a:t>クラウドにあるビッグデータを</a:t>
+            </a:r>
+            <a:r>
+              <a:rPr lang="en-US" altLang="ja-JP" sz="5300" dirty="0">
+                <a:solidFill>
+                  <a:schemeClr val="tx1"/>
+                </a:solidFill>
+              </a:rPr>
+              <a:t>SQL</a:t>
+            </a:r>
+            <a:r>
+              <a:rPr lang="ja-JP" altLang="en-US" sz="5300" dirty="0">
+                <a:solidFill>
+                  <a:schemeClr val="tx1"/>
+                </a:solidFill>
+              </a:rPr>
+              <a:t>を利用し分析</a:t>
+            </a:r>
+          </a:p>
+        </p:txBody>
+      </p:sp>
+      <p:graphicFrame>
+        <p:nvGraphicFramePr>
+          <p:cNvPr id="28" name="グラフ 27"/>
+          <p:cNvGraphicFramePr/>
+          <p:nvPr>
+            <p:extLst>
+              <p:ext uri="{D42A27DB-BD31-4B8C-83A1-F6EECF244321}">
+                <p14:modId xmlns:p14="http://schemas.microsoft.com/office/powerpoint/2010/main" val="2304488298"/>
+              </p:ext>
+            </p:extLst>
+          </p:nvPr>
+        </p:nvGraphicFramePr>
+        <p:xfrm>
+          <a:off x="12255014" y="9816140"/>
+          <a:ext cx="9121492" cy="10076375"/>
+        </p:xfrm>
+        <a:graphic>
+          <a:graphicData uri="http://schemas.openxmlformats.org/drawingml/2006/chart">
+            <c:chart xmlns:c="http://schemas.openxmlformats.org/drawingml/2006/chart" xmlns:r="http://schemas.openxmlformats.org/officeDocument/2006/relationships" r:id="rId2"/>
+          </a:graphicData>
+        </a:graphic>
+      </p:graphicFrame>
     </p:spTree>
     <p:extLst>
       <p:ext uri="{BB962C8B-B14F-4D97-AF65-F5344CB8AC3E}">

--- a/課題研究/2013/小池由也/ポスター.pptx
+++ b/課題研究/2013/小池由也/ポスター.pptx
@@ -304,11 +304,11 @@
           <c:showBubbleSize val="0"/>
         </c:dLbls>
         <c:gapWidth val="75"/>
-        <c:axId val="96523776"/>
-        <c:axId val="108999040"/>
+        <c:axId val="88136320"/>
+        <c:axId val="111153152"/>
       </c:barChart>
       <c:catAx>
-        <c:axId val="96523776"/>
+        <c:axId val="88136320"/>
         <c:scaling>
           <c:orientation val="minMax"/>
         </c:scaling>
@@ -327,7 +327,7 @@
             <a:endParaRPr lang="ja-JP"/>
           </a:p>
         </c:txPr>
-        <c:crossAx val="108999040"/>
+        <c:crossAx val="111153152"/>
         <c:crosses val="autoZero"/>
         <c:auto val="1"/>
         <c:lblAlgn val="ctr"/>
@@ -335,7 +335,7 @@
         <c:noMultiLvlLbl val="0"/>
       </c:catAx>
       <c:valAx>
-        <c:axId val="108999040"/>
+        <c:axId val="111153152"/>
         <c:scaling>
           <c:orientation val="minMax"/>
           <c:max val="400000"/>
@@ -357,7 +357,7 @@
             <a:endParaRPr lang="ja-JP"/>
           </a:p>
         </c:txPr>
-        <c:crossAx val="96523776"/>
+        <c:crossAx val="88136320"/>
         <c:crosses val="autoZero"/>
         <c:crossBetween val="between"/>
         <c:majorUnit val="100000"/>
@@ -820,7 +820,7 @@
           <a:p>
             <a:fld id="{4ADE0E56-B02A-4EE7-B89E-44845DFFCF82}" type="datetimeFigureOut">
               <a:rPr kumimoji="1" lang="ja-JP" altLang="en-US" smtClean="0"/>
-              <a:t>2013/12/11</a:t>
+              <a:t>2013/12/12</a:t>
             </a:fld>
             <a:endParaRPr kumimoji="1" lang="ja-JP" altLang="en-US"/>
           </a:p>
@@ -1064,7 +1064,7 @@
           <a:p>
             <a:fld id="{4ADE0E56-B02A-4EE7-B89E-44845DFFCF82}" type="datetimeFigureOut">
               <a:rPr kumimoji="1" lang="ja-JP" altLang="en-US" smtClean="0"/>
-              <a:t>2013/12/11</a:t>
+              <a:t>2013/12/12</a:t>
             </a:fld>
             <a:endParaRPr kumimoji="1" lang="ja-JP" altLang="en-US"/>
           </a:p>
@@ -1283,7 +1283,7 @@
           <a:p>
             <a:fld id="{4ADE0E56-B02A-4EE7-B89E-44845DFFCF82}" type="datetimeFigureOut">
               <a:rPr kumimoji="1" lang="ja-JP" altLang="en-US" smtClean="0"/>
-              <a:t>2013/12/11</a:t>
+              <a:t>2013/12/12</a:t>
             </a:fld>
             <a:endParaRPr kumimoji="1" lang="ja-JP" altLang="en-US"/>
           </a:p>
@@ -1380,7 +1380,7 @@
           <a:p>
             <a:fld id="{4ADE0E56-B02A-4EE7-B89E-44845DFFCF82}" type="datetimeFigureOut">
               <a:rPr kumimoji="1" lang="ja-JP" altLang="en-US" smtClean="0"/>
-              <a:t>2013/12/11</a:t>
+              <a:t>2013/12/12</a:t>
             </a:fld>
             <a:endParaRPr kumimoji="1" lang="ja-JP" altLang="en-US"/>
           </a:p>
@@ -2008,7 +2008,7 @@
           <a:p>
             <a:fld id="{4ADE0E56-B02A-4EE7-B89E-44845DFFCF82}" type="datetimeFigureOut">
               <a:rPr kumimoji="1" lang="ja-JP" altLang="en-US" smtClean="0"/>
-              <a:t>2013/12/11</a:t>
+              <a:t>2013/12/12</a:t>
             </a:fld>
             <a:endParaRPr kumimoji="1" lang="ja-JP" altLang="en-US"/>
           </a:p>
@@ -2105,7 +2105,7 @@
           <a:p>
             <a:fld id="{4ADE0E56-B02A-4EE7-B89E-44845DFFCF82}" type="datetimeFigureOut">
               <a:rPr kumimoji="1" lang="ja-JP" altLang="en-US" smtClean="0"/>
-              <a:t>2013/12/11</a:t>
+              <a:t>2013/12/12</a:t>
             </a:fld>
             <a:endParaRPr kumimoji="1" lang="ja-JP" altLang="en-US"/>
           </a:p>
@@ -2838,7 +2838,7 @@
           <a:p>
             <a:fld id="{4ADE0E56-B02A-4EE7-B89E-44845DFFCF82}" type="datetimeFigureOut">
               <a:rPr kumimoji="1" lang="ja-JP" altLang="en-US" smtClean="0"/>
-              <a:t>2013/12/11</a:t>
+              <a:t>2013/12/12</a:t>
             </a:fld>
             <a:endParaRPr kumimoji="1" lang="ja-JP" altLang="en-US"/>
           </a:p>
@@ -2981,7 +2981,7 @@
           <a:p>
             <a:fld id="{4ADE0E56-B02A-4EE7-B89E-44845DFFCF82}" type="datetimeFigureOut">
               <a:rPr kumimoji="1" lang="ja-JP" altLang="en-US" smtClean="0"/>
-              <a:t>2013/12/11</a:t>
+              <a:t>2013/12/12</a:t>
             </a:fld>
             <a:endParaRPr kumimoji="1" lang="ja-JP" altLang="en-US"/>
           </a:p>
@@ -3078,7 +3078,7 @@
           <a:p>
             <a:fld id="{4ADE0E56-B02A-4EE7-B89E-44845DFFCF82}" type="datetimeFigureOut">
               <a:rPr kumimoji="1" lang="ja-JP" altLang="en-US" smtClean="0"/>
-              <a:t>2013/12/11</a:t>
+              <a:t>2013/12/12</a:t>
             </a:fld>
             <a:endParaRPr kumimoji="1" lang="ja-JP" altLang="en-US"/>
           </a:p>
@@ -3394,7 +3394,7 @@
           <a:p>
             <a:fld id="{4ADE0E56-B02A-4EE7-B89E-44845DFFCF82}" type="datetimeFigureOut">
               <a:rPr kumimoji="1" lang="ja-JP" altLang="en-US" smtClean="0"/>
-              <a:t>2013/12/11</a:t>
+              <a:t>2013/12/12</a:t>
             </a:fld>
             <a:endParaRPr kumimoji="1" lang="ja-JP" altLang="en-US"/>
           </a:p>
@@ -3916,7 +3916,7 @@
           <a:p>
             <a:fld id="{4ADE0E56-B02A-4EE7-B89E-44845DFFCF82}" type="datetimeFigureOut">
               <a:rPr kumimoji="1" lang="ja-JP" altLang="en-US" smtClean="0"/>
-              <a:t>2013/12/11</a:t>
+              <a:t>2013/12/12</a:t>
             </a:fld>
             <a:endParaRPr kumimoji="1" lang="ja-JP" altLang="en-US"/>
           </a:p>
@@ -4468,7 +4468,7 @@
           <a:p>
             <a:fld id="{4ADE0E56-B02A-4EE7-B89E-44845DFFCF82}" type="datetimeFigureOut">
               <a:rPr kumimoji="1" lang="ja-JP" altLang="en-US" smtClean="0"/>
-              <a:t>2013/12/11</a:t>
+              <a:t>2013/12/12</a:t>
             </a:fld>
             <a:endParaRPr kumimoji="1" lang="ja-JP" altLang="en-US"/>
           </a:p>
@@ -5085,7 +5085,7 @@
           <a:p>
             <a:pPr lvl="0" algn="ctr"/>
             <a:r>
-              <a:rPr lang="ja-JP" altLang="en-US" b="1" dirty="0" smtClean="0">
+              <a:rPr lang="ja-JP" altLang="en-US" sz="5400" b="1" dirty="0" smtClean="0">
                 <a:solidFill>
                   <a:prstClr val="black"/>
                 </a:solidFill>
@@ -5094,7 +5094,7 @@
               </a:rPr>
               <a:t>ビッグデータの処理技術を活用した</a:t>
             </a:r>
-            <a:endParaRPr lang="en-US" altLang="ja-JP" b="1" dirty="0" smtClean="0">
+            <a:endParaRPr lang="en-US" altLang="ja-JP" sz="5400" b="1" dirty="0" smtClean="0">
               <a:solidFill>
                 <a:prstClr val="black"/>
               </a:solidFill>
@@ -5105,7 +5105,7 @@
           <a:p>
             <a:pPr lvl="0" algn="ctr"/>
             <a:r>
-              <a:rPr lang="ja-JP" altLang="en-US" b="1" dirty="0" smtClean="0">
+              <a:rPr lang="ja-JP" altLang="en-US" sz="5400" b="1" dirty="0" smtClean="0">
                 <a:solidFill>
                   <a:prstClr val="black"/>
                 </a:solidFill>
@@ -5114,7 +5114,7 @@
               </a:rPr>
               <a:t>オープンソフトウェア開発プロジェクト解析</a:t>
             </a:r>
-            <a:endParaRPr lang="ja-JP" altLang="en-US" b="1" dirty="0">
+            <a:endParaRPr lang="ja-JP" altLang="en-US" sz="5400" b="1" dirty="0">
               <a:solidFill>
                 <a:prstClr val="black"/>
               </a:solidFill>
@@ -5185,7 +5185,15 @@
           <a:p>
             <a:pPr algn="ctr"/>
             <a:r>
-              <a:rPr lang="en-US" altLang="ja-JP" sz="4000" dirty="0">
+              <a:rPr lang="ja-JP" altLang="en-US" sz="4000" dirty="0" smtClean="0">
+                <a:solidFill>
+                  <a:schemeClr val="tx1"/>
+                </a:solidFill>
+              </a:rPr>
+              <a:t>矢吹研究室　</a:t>
+            </a:r>
+            <a:r>
+              <a:rPr lang="en-US" altLang="ja-JP" sz="4000" dirty="0" smtClean="0">
                 <a:solidFill>
                   <a:schemeClr val="tx1"/>
                 </a:solidFill>
@@ -6003,8 +6011,8 @@
           </p:nvSpPr>
           <p:spPr>
             <a:xfrm>
-              <a:off x="1960582" y="22055081"/>
-              <a:ext cx="3992140" cy="2303020"/>
+              <a:off x="1631936" y="21597024"/>
+              <a:ext cx="4442315" cy="2303020"/>
             </a:xfrm>
             <a:prstGeom prst="downArrow">
               <a:avLst>
@@ -6066,7 +6074,7 @@
           </p:nvSpPr>
           <p:spPr>
             <a:xfrm>
-              <a:off x="2506220" y="25154950"/>
+              <a:off x="2253803" y="24641592"/>
               <a:ext cx="2900865" cy="1669160"/>
             </a:xfrm>
             <a:prstGeom prst="rect">
@@ -6292,7 +6300,31 @@
                   <a:schemeClr val="tx1"/>
                 </a:solidFill>
               </a:rPr>
-              <a:t>オープンソフトウェアの実態を，ビッグデータ処理技術を使って調査する</a:t>
+              <a:t>オープンソフトウェアの実態を，ビッグデータ処理技術を使って</a:t>
+            </a:r>
+            <a:r>
+              <a:rPr lang="ja-JP" altLang="en-US" dirty="0" smtClean="0">
+                <a:solidFill>
+                  <a:schemeClr val="tx1"/>
+                </a:solidFill>
+              </a:rPr>
+              <a:t>調査</a:t>
+            </a:r>
+            <a:r>
+              <a:rPr lang="ja-JP" altLang="en-US" dirty="0">
+                <a:solidFill>
+                  <a:schemeClr val="tx1"/>
+                </a:solidFill>
+              </a:rPr>
+              <a:t>の</a:t>
+            </a:r>
+            <a:r>
+              <a:rPr lang="ja-JP" altLang="en-US" dirty="0" smtClean="0">
+                <a:solidFill>
+                  <a:schemeClr val="tx1"/>
+                </a:solidFill>
+              </a:rPr>
+              <a:t>規模を拡大</a:t>
             </a:r>
             <a:endParaRPr lang="ja-JP" altLang="en-US" dirty="0">
               <a:solidFill>
@@ -6347,8 +6379,8 @@
         </p:nvSpPr>
         <p:spPr>
           <a:xfrm>
-            <a:off x="224558" y="1309801"/>
-            <a:ext cx="4181210" cy="1669160"/>
+            <a:off x="224558" y="1278447"/>
+            <a:ext cx="4181210" cy="1700514"/>
           </a:xfrm>
           <a:prstGeom prst="homePlate">
             <a:avLst/>
@@ -6399,262 +6431,6 @@
           </a:p>
         </p:txBody>
       </p:sp>
-      <p:grpSp>
-        <p:nvGrpSpPr>
-          <p:cNvPr id="14" name="グループ化 13"/>
-          <p:cNvGrpSpPr/>
-          <p:nvPr/>
-        </p:nvGrpSpPr>
-        <p:grpSpPr>
-          <a:xfrm>
-            <a:off x="4936900" y="1524989"/>
-            <a:ext cx="15760609" cy="6676642"/>
-            <a:chOff x="1700808" y="251520"/>
-            <a:chExt cx="4680520" cy="1476164"/>
-          </a:xfrm>
-        </p:grpSpPr>
-        <p:sp>
-          <p:nvSpPr>
-            <p:cNvPr id="3" name="角丸四角形 2"/>
-            <p:cNvSpPr/>
-            <p:nvPr/>
-          </p:nvSpPr>
-          <p:spPr>
-            <a:xfrm>
-              <a:off x="1700808" y="251520"/>
-              <a:ext cx="4680520" cy="612068"/>
-            </a:xfrm>
-            <a:prstGeom prst="roundRect">
-              <a:avLst/>
-            </a:prstGeom>
-            <a:solidFill>
-              <a:schemeClr val="bg1"/>
-            </a:solidFill>
-            <a:ln>
-              <a:solidFill>
-                <a:schemeClr val="tx1"/>
-              </a:solidFill>
-            </a:ln>
-          </p:spPr>
-          <p:style>
-            <a:lnRef idx="2">
-              <a:schemeClr val="accent1">
-                <a:shade val="50000"/>
-              </a:schemeClr>
-            </a:lnRef>
-            <a:fillRef idx="1">
-              <a:schemeClr val="accent1"/>
-            </a:fillRef>
-            <a:effectRef idx="0">
-              <a:schemeClr val="accent1"/>
-            </a:effectRef>
-            <a:fontRef idx="minor">
-              <a:schemeClr val="lt1"/>
-            </a:fontRef>
-          </p:style>
-          <p:txBody>
-            <a:bodyPr rtlCol="0" anchor="ctr"/>
-            <a:lstStyle/>
-            <a:p>
-              <a:r>
-                <a:rPr lang="en-US" altLang="ja-JP" sz="5300" dirty="0">
-                  <a:solidFill>
-                    <a:schemeClr val="tx1"/>
-                  </a:solidFill>
-                </a:rPr>
-                <a:t>1.GitHub</a:t>
-              </a:r>
-              <a:r>
-                <a:rPr lang="ja-JP" altLang="en-US" sz="5300" dirty="0">
-                  <a:solidFill>
-                    <a:schemeClr val="tx1"/>
-                  </a:solidFill>
-                </a:rPr>
-                <a:t>の大量データを利用できるようにする</a:t>
-              </a:r>
-              <a:endParaRPr lang="en-US" altLang="ja-JP" sz="5300" dirty="0">
-                <a:solidFill>
-                  <a:schemeClr val="tx1"/>
-                </a:solidFill>
-              </a:endParaRPr>
-            </a:p>
-            <a:p>
-              <a:r>
-                <a:rPr lang="ja-JP" altLang="en-US" sz="5300" dirty="0">
-                  <a:solidFill>
-                    <a:schemeClr val="tx1"/>
-                  </a:solidFill>
-                </a:rPr>
-                <a:t>　</a:t>
-              </a:r>
-              <a:r>
-                <a:rPr lang="en-US" altLang="ja-JP" sz="5300" dirty="0">
-                  <a:solidFill>
-                    <a:schemeClr val="tx1"/>
-                  </a:solidFill>
-                </a:rPr>
-                <a:t>(</a:t>
-              </a:r>
-              <a:r>
-                <a:rPr lang="en-US" altLang="ja-JP" sz="5300" dirty="0" err="1">
-                  <a:solidFill>
-                    <a:schemeClr val="tx1"/>
-                  </a:solidFill>
-                </a:rPr>
-                <a:t>GitHub</a:t>
-              </a:r>
-              <a:r>
-                <a:rPr lang="en-US" altLang="ja-JP" sz="5300" dirty="0">
-                  <a:solidFill>
-                    <a:schemeClr val="tx1"/>
-                  </a:solidFill>
-                </a:rPr>
-                <a:t> Archive</a:t>
-              </a:r>
-              <a:r>
-                <a:rPr lang="ja-JP" altLang="en-US" sz="5300" dirty="0">
-                  <a:solidFill>
-                    <a:schemeClr val="tx1"/>
-                  </a:solidFill>
-                </a:rPr>
-                <a:t>も活用する</a:t>
-              </a:r>
-              <a:r>
-                <a:rPr lang="en-US" altLang="ja-JP" sz="5300" dirty="0">
-                  <a:solidFill>
-                    <a:schemeClr val="tx1"/>
-                  </a:solidFill>
-                </a:rPr>
-                <a:t>)</a:t>
-              </a:r>
-            </a:p>
-          </p:txBody>
-        </p:sp>
-        <p:sp>
-          <p:nvSpPr>
-            <p:cNvPr id="4" name="角丸四角形 3"/>
-            <p:cNvSpPr/>
-            <p:nvPr/>
-          </p:nvSpPr>
-          <p:spPr>
-            <a:xfrm>
-              <a:off x="1700808" y="899592"/>
-              <a:ext cx="4608512" cy="396044"/>
-            </a:xfrm>
-            <a:prstGeom prst="roundRect">
-              <a:avLst/>
-            </a:prstGeom>
-            <a:solidFill>
-              <a:schemeClr val="bg1"/>
-            </a:solidFill>
-            <a:ln>
-              <a:solidFill>
-                <a:schemeClr val="tx1"/>
-              </a:solidFill>
-            </a:ln>
-          </p:spPr>
-          <p:style>
-            <a:lnRef idx="2">
-              <a:schemeClr val="accent1">
-                <a:shade val="50000"/>
-              </a:schemeClr>
-            </a:lnRef>
-            <a:fillRef idx="1">
-              <a:schemeClr val="accent1"/>
-            </a:fillRef>
-            <a:effectRef idx="0">
-              <a:schemeClr val="accent1"/>
-            </a:effectRef>
-            <a:fontRef idx="minor">
-              <a:schemeClr val="lt1"/>
-            </a:fontRef>
-          </p:style>
-          <p:txBody>
-            <a:bodyPr rtlCol="0" anchor="ctr"/>
-            <a:lstStyle/>
-            <a:p>
-              <a:r>
-                <a:rPr lang="en-US" altLang="ja-JP" sz="5300" dirty="0">
-                  <a:solidFill>
-                    <a:schemeClr val="tx1"/>
-                  </a:solidFill>
-                </a:rPr>
-                <a:t>2.</a:t>
-              </a:r>
-              <a:r>
-                <a:rPr lang="ja-JP" altLang="en-US" sz="5300" dirty="0">
-                  <a:solidFill>
-                    <a:schemeClr val="tx1"/>
-                  </a:solidFill>
-                </a:rPr>
-                <a:t>例としてプログラミング言語の統計を取ってみる</a:t>
-              </a:r>
-            </a:p>
-          </p:txBody>
-        </p:sp>
-        <p:sp>
-          <p:nvSpPr>
-            <p:cNvPr id="5" name="角丸四角形 4"/>
-            <p:cNvSpPr/>
-            <p:nvPr/>
-          </p:nvSpPr>
-          <p:spPr>
-            <a:xfrm>
-              <a:off x="1700808" y="1331640"/>
-              <a:ext cx="4608512" cy="396044"/>
-            </a:xfrm>
-            <a:prstGeom prst="roundRect">
-              <a:avLst/>
-            </a:prstGeom>
-            <a:solidFill>
-              <a:schemeClr val="bg1"/>
-            </a:solidFill>
-            <a:ln>
-              <a:solidFill>
-                <a:schemeClr val="tx1"/>
-              </a:solidFill>
-            </a:ln>
-          </p:spPr>
-          <p:style>
-            <a:lnRef idx="2">
-              <a:schemeClr val="accent1">
-                <a:shade val="50000"/>
-              </a:schemeClr>
-            </a:lnRef>
-            <a:fillRef idx="1">
-              <a:schemeClr val="accent1"/>
-            </a:fillRef>
-            <a:effectRef idx="0">
-              <a:schemeClr val="accent1"/>
-            </a:effectRef>
-            <a:fontRef idx="minor">
-              <a:schemeClr val="lt1"/>
-            </a:fontRef>
-          </p:style>
-          <p:txBody>
-            <a:bodyPr rtlCol="0" anchor="ctr"/>
-            <a:lstStyle/>
-            <a:p>
-              <a:r>
-                <a:rPr lang="en-US" altLang="ja-JP" sz="5300" dirty="0">
-                  <a:solidFill>
-                    <a:schemeClr val="tx1"/>
-                  </a:solidFill>
-                </a:rPr>
-                <a:t>3.</a:t>
-              </a:r>
-              <a:r>
-                <a:rPr lang="ja-JP" altLang="en-US" sz="5300" dirty="0">
-                  <a:solidFill>
-                    <a:schemeClr val="tx1"/>
-                  </a:solidFill>
-                </a:rPr>
-                <a:t>矢吹研でサンプル調査しているものの規模を拡大してみる</a:t>
-              </a:r>
-            </a:p>
-          </p:txBody>
-        </p:sp>
-      </p:grpSp>
       <p:sp>
         <p:nvSpPr>
           <p:cNvPr id="20" name="ホームベース 19"/>
@@ -7755,353 +7531,368 @@
           </a:fontRef>
         </p:style>
       </p:cxnSp>
-      <p:sp>
-        <p:nvSpPr>
-          <p:cNvPr id="8" name="正方形/長方形 7"/>
-          <p:cNvSpPr/>
+      <p:grpSp>
+        <p:nvGrpSpPr>
+          <p:cNvPr id="31" name="グループ化 30"/>
+          <p:cNvGrpSpPr/>
           <p:nvPr/>
-        </p:nvSpPr>
-        <p:spPr>
+        </p:nvGrpSpPr>
+        <p:grpSpPr>
           <a:xfrm>
-            <a:off x="995866" y="10609410"/>
-            <a:ext cx="3185345" cy="2384515"/>
+            <a:off x="224557" y="14760908"/>
+            <a:ext cx="11837662" cy="5931310"/>
+            <a:chOff x="224558" y="9894055"/>
+            <a:chExt cx="11816198" cy="9385474"/>
           </a:xfrm>
-          <a:prstGeom prst="rect">
-            <a:avLst/>
-          </a:prstGeom>
-          <a:solidFill>
-            <a:schemeClr val="bg1"/>
-          </a:solidFill>
-          <a:ln>
+        </p:grpSpPr>
+        <p:sp>
+          <p:nvSpPr>
+            <p:cNvPr id="8" name="正方形/長方形 7"/>
+            <p:cNvSpPr/>
+            <p:nvPr/>
+          </p:nvSpPr>
+          <p:spPr>
+            <a:xfrm>
+              <a:off x="995866" y="10609410"/>
+              <a:ext cx="3185345" cy="2384515"/>
+            </a:xfrm>
+            <a:prstGeom prst="rect">
+              <a:avLst/>
+            </a:prstGeom>
             <a:solidFill>
+              <a:schemeClr val="bg1"/>
+            </a:solidFill>
+            <a:ln>
+              <a:solidFill>
+                <a:schemeClr val="tx1"/>
+              </a:solidFill>
+            </a:ln>
+          </p:spPr>
+          <p:style>
+            <a:lnRef idx="2">
+              <a:schemeClr val="accent1">
+                <a:shade val="50000"/>
+              </a:schemeClr>
+            </a:lnRef>
+            <a:fillRef idx="1">
+              <a:schemeClr val="accent1"/>
+            </a:fillRef>
+            <a:effectRef idx="0">
+              <a:schemeClr val="accent1"/>
+            </a:effectRef>
+            <a:fontRef idx="minor">
+              <a:schemeClr val="lt1"/>
+            </a:fontRef>
+          </p:style>
+          <p:txBody>
+            <a:bodyPr lIns="305519" tIns="152760" rIns="305519" bIns="152760" spcCol="0" rtlCol="0" anchor="ctr"/>
+            <a:lstStyle/>
+            <a:p>
+              <a:pPr algn="ctr"/>
+              <a:r>
+                <a:rPr kumimoji="1" lang="en-US" altLang="ja-JP" sz="4400" dirty="0" err="1" smtClean="0">
+                  <a:solidFill>
+                    <a:schemeClr val="tx1"/>
+                  </a:solidFill>
+                </a:rPr>
+                <a:t>Github</a:t>
+              </a:r>
+              <a:r>
+                <a:rPr lang="ja-JP" altLang="en-US" sz="4400" dirty="0">
+                  <a:solidFill>
+                    <a:schemeClr val="tx1"/>
+                  </a:solidFill>
+                </a:rPr>
+                <a:t> </a:t>
+              </a:r>
+              <a:r>
+                <a:rPr lang="en-US" altLang="ja-JP" sz="4400" dirty="0" smtClean="0">
+                  <a:solidFill>
+                    <a:schemeClr val="tx1"/>
+                  </a:solidFill>
+                </a:rPr>
+                <a:t>Archive</a:t>
+              </a:r>
+            </a:p>
+          </p:txBody>
+        </p:sp>
+        <p:cxnSp>
+          <p:nvCxnSpPr>
+            <p:cNvPr id="18" name="直線矢印コネクタ 17"/>
+            <p:cNvCxnSpPr>
+              <a:stCxn id="8" idx="2"/>
+              <a:endCxn id="19" idx="0"/>
+            </p:cNvCxnSpPr>
+            <p:nvPr/>
+          </p:nvCxnSpPr>
+          <p:spPr>
+            <a:xfrm flipH="1">
+              <a:off x="2580729" y="12993925"/>
+              <a:ext cx="7810" cy="1669160"/>
+            </a:xfrm>
+            <a:prstGeom prst="straightConnector1">
+              <a:avLst/>
+            </a:prstGeom>
+            <a:ln>
+              <a:solidFill>
+                <a:schemeClr val="tx1"/>
+              </a:solidFill>
+              <a:tailEnd type="arrow"/>
+            </a:ln>
+          </p:spPr>
+          <p:style>
+            <a:lnRef idx="1">
+              <a:schemeClr val="accent1"/>
+            </a:lnRef>
+            <a:fillRef idx="0">
+              <a:schemeClr val="accent1"/>
+            </a:fillRef>
+            <a:effectRef idx="0">
+              <a:schemeClr val="accent1"/>
+            </a:effectRef>
+            <a:fontRef idx="minor">
               <a:schemeClr val="tx1"/>
+            </a:fontRef>
+          </p:style>
+        </p:cxnSp>
+        <p:sp>
+          <p:nvSpPr>
+            <p:cNvPr id="19" name="角丸四角形 18"/>
+            <p:cNvSpPr/>
+            <p:nvPr/>
+          </p:nvSpPr>
+          <p:spPr>
+            <a:xfrm>
+              <a:off x="224558" y="14663085"/>
+              <a:ext cx="4712342" cy="2622967"/>
+            </a:xfrm>
+            <a:prstGeom prst="roundRect">
+              <a:avLst/>
+            </a:prstGeom>
+            <a:solidFill>
+              <a:schemeClr val="bg1"/>
             </a:solidFill>
-          </a:ln>
-        </p:spPr>
-        <p:style>
-          <a:lnRef idx="2">
-            <a:schemeClr val="accent1">
-              <a:shade val="50000"/>
-            </a:schemeClr>
-          </a:lnRef>
-          <a:fillRef idx="1">
-            <a:schemeClr val="accent1"/>
-          </a:fillRef>
-          <a:effectRef idx="0">
-            <a:schemeClr val="accent1"/>
-          </a:effectRef>
-          <a:fontRef idx="minor">
-            <a:schemeClr val="lt1"/>
-          </a:fontRef>
-        </p:style>
-        <p:txBody>
-          <a:bodyPr lIns="305519" tIns="152760" rIns="305519" bIns="152760" spcCol="0" rtlCol="0" anchor="ctr"/>
-          <a:lstStyle/>
-          <a:p>
-            <a:pPr algn="ctr"/>
-            <a:r>
-              <a:rPr kumimoji="1" lang="en-US" altLang="ja-JP" dirty="0" err="1" smtClean="0">
+            <a:ln>
+              <a:solidFill>
+                <a:schemeClr val="tx1"/>
+              </a:solidFill>
+            </a:ln>
+          </p:spPr>
+          <p:style>
+            <a:lnRef idx="2">
+              <a:schemeClr val="accent1">
+                <a:shade val="50000"/>
+              </a:schemeClr>
+            </a:lnRef>
+            <a:fillRef idx="1">
+              <a:schemeClr val="accent1"/>
+            </a:fillRef>
+            <a:effectRef idx="0">
+              <a:schemeClr val="accent1"/>
+            </a:effectRef>
+            <a:fontRef idx="minor">
+              <a:schemeClr val="lt1"/>
+            </a:fontRef>
+          </p:style>
+          <p:txBody>
+            <a:bodyPr lIns="305519" tIns="152760" rIns="305519" bIns="152760" spcCol="0" rtlCol="0" anchor="ctr"/>
+            <a:lstStyle/>
+            <a:p>
+              <a:pPr algn="ctr"/>
+              <a:r>
+                <a:rPr kumimoji="1" lang="en-US" altLang="ja-JP" sz="4400" dirty="0" smtClean="0">
+                  <a:solidFill>
+                    <a:schemeClr val="tx1"/>
+                  </a:solidFill>
+                </a:rPr>
+                <a:t>Google</a:t>
+              </a:r>
+              <a:r>
+                <a:rPr lang="ja-JP" altLang="en-US" sz="4400" dirty="0" smtClean="0">
+                  <a:solidFill>
+                    <a:schemeClr val="tx1"/>
+                  </a:solidFill>
+                </a:rPr>
+                <a:t> </a:t>
+              </a:r>
+              <a:r>
+                <a:rPr lang="en-US" altLang="ja-JP" sz="4400" dirty="0" err="1" smtClean="0">
+                  <a:solidFill>
+                    <a:schemeClr val="tx1"/>
+                  </a:solidFill>
+                </a:rPr>
+                <a:t>BigQueary</a:t>
+              </a:r>
+              <a:endParaRPr kumimoji="1" lang="en-US" altLang="ja-JP" sz="4400" dirty="0" smtClean="0">
                 <a:solidFill>
                   <a:schemeClr val="tx1"/>
                 </a:solidFill>
-              </a:rPr>
-              <a:t>Github</a:t>
-            </a:r>
-            <a:r>
-              <a:rPr lang="ja-JP" altLang="en-US" dirty="0">
+              </a:endParaRPr>
+            </a:p>
+          </p:txBody>
+        </p:sp>
+        <p:sp>
+          <p:nvSpPr>
+            <p:cNvPr id="26" name="四角形吹き出し 25"/>
+            <p:cNvSpPr/>
+            <p:nvPr/>
+          </p:nvSpPr>
+          <p:spPr>
+            <a:xfrm>
+              <a:off x="5977679" y="9894055"/>
+              <a:ext cx="6063077" cy="3219095"/>
+            </a:xfrm>
+            <a:prstGeom prst="wedgeRectCallout">
+              <a:avLst>
+                <a:gd name="adj1" fmla="val -69582"/>
+                <a:gd name="adj2" fmla="val 25645"/>
+              </a:avLst>
+            </a:prstGeom>
+            <a:solidFill>
+              <a:schemeClr val="bg1"/>
+            </a:solidFill>
+            <a:ln>
+              <a:solidFill>
+                <a:schemeClr val="tx1"/>
+              </a:solidFill>
+            </a:ln>
+          </p:spPr>
+          <p:style>
+            <a:lnRef idx="2">
+              <a:schemeClr val="accent1">
+                <a:shade val="50000"/>
+              </a:schemeClr>
+            </a:lnRef>
+            <a:fillRef idx="1">
+              <a:schemeClr val="accent1"/>
+            </a:fillRef>
+            <a:effectRef idx="0">
+              <a:schemeClr val="accent1"/>
+            </a:effectRef>
+            <a:fontRef idx="minor">
+              <a:schemeClr val="lt1"/>
+            </a:fontRef>
+          </p:style>
+          <p:txBody>
+            <a:bodyPr lIns="305519" tIns="152760" rIns="305519" bIns="152760" spcCol="0" rtlCol="0" anchor="ctr"/>
+            <a:lstStyle/>
+            <a:p>
+              <a:pPr algn="ctr"/>
+              <a:endParaRPr lang="en-US" altLang="ja-JP" sz="4000" dirty="0">
                 <a:solidFill>
                   <a:schemeClr val="tx1"/>
                 </a:solidFill>
-              </a:rPr>
-              <a:t> </a:t>
-            </a:r>
-            <a:r>
-              <a:rPr lang="en-US" altLang="ja-JP" dirty="0" smtClean="0">
+              </a:endParaRPr>
+            </a:p>
+            <a:p>
+              <a:pPr algn="ctr"/>
+              <a:r>
+                <a:rPr lang="en-US" altLang="ja-JP" sz="4000" dirty="0" err="1">
+                  <a:solidFill>
+                    <a:schemeClr val="tx1"/>
+                  </a:solidFill>
+                </a:rPr>
+                <a:t>GitHub</a:t>
+              </a:r>
+              <a:r>
+                <a:rPr lang="ja-JP" altLang="en-US" sz="4000" dirty="0">
+                  <a:solidFill>
+                    <a:schemeClr val="tx1"/>
+                  </a:solidFill>
+                </a:rPr>
+                <a:t>で公開されてるタイムラインをアーカイブ化</a:t>
+              </a:r>
+              <a:endParaRPr lang="en-US" altLang="ja-JP" sz="4000" dirty="0">
                 <a:solidFill>
                   <a:schemeClr val="tx1"/>
                 </a:solidFill>
-              </a:rPr>
-              <a:t>Archive</a:t>
-            </a:r>
-          </a:p>
-        </p:txBody>
-      </p:sp>
-      <p:cxnSp>
-        <p:nvCxnSpPr>
-          <p:cNvPr id="18" name="直線矢印コネクタ 17"/>
-          <p:cNvCxnSpPr>
-            <a:stCxn id="8" idx="2"/>
-            <a:endCxn id="19" idx="0"/>
-          </p:cNvCxnSpPr>
-          <p:nvPr/>
-        </p:nvCxnSpPr>
-        <p:spPr>
-          <a:xfrm>
-            <a:off x="2588541" y="12993925"/>
-            <a:ext cx="19257" cy="1669160"/>
-          </a:xfrm>
-          <a:prstGeom prst="straightConnector1">
-            <a:avLst/>
-          </a:prstGeom>
-          <a:ln>
-            <a:solidFill>
-              <a:schemeClr val="tx1"/>
-            </a:solidFill>
-            <a:tailEnd type="arrow"/>
-          </a:ln>
-        </p:spPr>
-        <p:style>
-          <a:lnRef idx="1">
-            <a:schemeClr val="accent1"/>
-          </a:lnRef>
-          <a:fillRef idx="0">
-            <a:schemeClr val="accent1"/>
-          </a:fillRef>
-          <a:effectRef idx="0">
-            <a:schemeClr val="accent1"/>
-          </a:effectRef>
-          <a:fontRef idx="minor">
-            <a:schemeClr val="tx1"/>
-          </a:fontRef>
-        </p:style>
-      </p:cxnSp>
-      <p:sp>
-        <p:nvSpPr>
-          <p:cNvPr id="19" name="角丸四角形 18"/>
-          <p:cNvSpPr/>
-          <p:nvPr/>
-        </p:nvSpPr>
-        <p:spPr>
-          <a:xfrm>
-            <a:off x="923610" y="14663085"/>
-            <a:ext cx="3368371" cy="2622967"/>
-          </a:xfrm>
-          <a:prstGeom prst="roundRect">
-            <a:avLst/>
-          </a:prstGeom>
-          <a:solidFill>
-            <a:schemeClr val="bg1"/>
-          </a:solidFill>
-          <a:ln>
-            <a:solidFill>
-              <a:schemeClr val="tx1"/>
-            </a:solidFill>
-          </a:ln>
-        </p:spPr>
-        <p:style>
-          <a:lnRef idx="2">
-            <a:schemeClr val="accent1">
-              <a:shade val="50000"/>
-            </a:schemeClr>
-          </a:lnRef>
-          <a:fillRef idx="1">
-            <a:schemeClr val="accent1"/>
-          </a:fillRef>
-          <a:effectRef idx="0">
-            <a:schemeClr val="accent1"/>
-          </a:effectRef>
-          <a:fontRef idx="minor">
-            <a:schemeClr val="lt1"/>
-          </a:fontRef>
-        </p:style>
-        <p:txBody>
-          <a:bodyPr lIns="305519" tIns="152760" rIns="305519" bIns="152760" spcCol="0" rtlCol="0" anchor="ctr"/>
-          <a:lstStyle/>
-          <a:p>
-            <a:pPr algn="ctr"/>
-            <a:r>
-              <a:rPr kumimoji="1" lang="en-US" altLang="ja-JP" dirty="0" smtClean="0">
+              </a:endParaRPr>
+            </a:p>
+            <a:p>
+              <a:pPr algn="ctr"/>
+              <a:endParaRPr lang="ja-JP" altLang="en-US" sz="4000" dirty="0">
                 <a:solidFill>
                   <a:schemeClr val="tx1"/>
                 </a:solidFill>
-              </a:rPr>
-              <a:t>Google</a:t>
-            </a:r>
-            <a:r>
-              <a:rPr lang="ja-JP" altLang="en-US" dirty="0" smtClean="0">
-                <a:solidFill>
-                  <a:schemeClr val="tx1"/>
-                </a:solidFill>
-              </a:rPr>
-              <a:t> </a:t>
-            </a:r>
-            <a:r>
-              <a:rPr lang="en-US" altLang="ja-JP" dirty="0" err="1" smtClean="0">
-                <a:solidFill>
-                  <a:schemeClr val="tx1"/>
-                </a:solidFill>
-              </a:rPr>
-              <a:t>BigQueary</a:t>
-            </a:r>
-            <a:endParaRPr kumimoji="1" lang="en-US" altLang="ja-JP" dirty="0" smtClean="0">
+              </a:endParaRPr>
+            </a:p>
+          </p:txBody>
+        </p:sp>
+        <p:sp>
+          <p:nvSpPr>
+            <p:cNvPr id="27" name="四角形吹き出し 26"/>
+            <p:cNvSpPr/>
+            <p:nvPr/>
+          </p:nvSpPr>
+          <p:spPr>
+            <a:xfrm>
+              <a:off x="6089954" y="15941208"/>
+              <a:ext cx="5838518" cy="3338321"/>
+            </a:xfrm>
+            <a:prstGeom prst="wedgeRectCallout">
+              <a:avLst>
+                <a:gd name="adj1" fmla="val -69674"/>
+                <a:gd name="adj2" fmla="val -39002"/>
+              </a:avLst>
+            </a:prstGeom>
+            <a:solidFill>
+              <a:schemeClr val="bg1"/>
+            </a:solidFill>
+            <a:ln>
               <a:solidFill>
                 <a:schemeClr val="tx1"/>
               </a:solidFill>
-            </a:endParaRPr>
-          </a:p>
-        </p:txBody>
-      </p:sp>
-      <p:sp>
-        <p:nvSpPr>
-          <p:cNvPr id="26" name="四角形吹き出し 25"/>
-          <p:cNvSpPr/>
-          <p:nvPr/>
-        </p:nvSpPr>
-        <p:spPr>
-          <a:xfrm>
-            <a:off x="5977679" y="9894055"/>
-            <a:ext cx="6063077" cy="3219095"/>
-          </a:xfrm>
-          <a:prstGeom prst="wedgeRectCallout">
-            <a:avLst>
-              <a:gd name="adj1" fmla="val -69582"/>
-              <a:gd name="adj2" fmla="val 25645"/>
-            </a:avLst>
-          </a:prstGeom>
-          <a:solidFill>
-            <a:schemeClr val="bg1"/>
-          </a:solidFill>
-          <a:ln>
-            <a:solidFill>
-              <a:schemeClr val="tx1"/>
-            </a:solidFill>
-          </a:ln>
-        </p:spPr>
-        <p:style>
-          <a:lnRef idx="2">
-            <a:schemeClr val="accent1">
-              <a:shade val="50000"/>
-            </a:schemeClr>
-          </a:lnRef>
-          <a:fillRef idx="1">
-            <a:schemeClr val="accent1"/>
-          </a:fillRef>
-          <a:effectRef idx="0">
-            <a:schemeClr val="accent1"/>
-          </a:effectRef>
-          <a:fontRef idx="minor">
-            <a:schemeClr val="lt1"/>
-          </a:fontRef>
-        </p:style>
-        <p:txBody>
-          <a:bodyPr lIns="305519" tIns="152760" rIns="305519" bIns="152760" spcCol="0" rtlCol="0" anchor="ctr"/>
-          <a:lstStyle/>
-          <a:p>
-            <a:pPr algn="ctr"/>
-            <a:endParaRPr lang="en-US" altLang="ja-JP" sz="5300" dirty="0">
-              <a:solidFill>
-                <a:schemeClr val="tx1"/>
-              </a:solidFill>
-            </a:endParaRPr>
-          </a:p>
-          <a:p>
-            <a:pPr algn="ctr"/>
-            <a:r>
-              <a:rPr lang="en-US" altLang="ja-JP" sz="5300" dirty="0" err="1">
-                <a:solidFill>
-                  <a:schemeClr val="tx1"/>
-                </a:solidFill>
-              </a:rPr>
-              <a:t>GitHub</a:t>
-            </a:r>
-            <a:r>
-              <a:rPr lang="ja-JP" altLang="en-US" sz="5300" dirty="0">
-                <a:solidFill>
-                  <a:schemeClr val="tx1"/>
-                </a:solidFill>
-              </a:rPr>
-              <a:t>で公開されてるタイムラインをアーカイブ化</a:t>
-            </a:r>
-            <a:endParaRPr lang="en-US" altLang="ja-JP" sz="5300" dirty="0">
-              <a:solidFill>
-                <a:schemeClr val="tx1"/>
-              </a:solidFill>
-            </a:endParaRPr>
-          </a:p>
-          <a:p>
-            <a:pPr algn="ctr"/>
-            <a:endParaRPr lang="ja-JP" altLang="en-US" sz="5300" dirty="0">
-              <a:solidFill>
-                <a:schemeClr val="tx1"/>
-              </a:solidFill>
-            </a:endParaRPr>
-          </a:p>
-        </p:txBody>
-      </p:sp>
-      <p:sp>
-        <p:nvSpPr>
-          <p:cNvPr id="27" name="四角形吹き出し 26"/>
-          <p:cNvSpPr/>
-          <p:nvPr/>
-        </p:nvSpPr>
-        <p:spPr>
-          <a:xfrm>
-            <a:off x="6089954" y="15941208"/>
-            <a:ext cx="5838518" cy="3338321"/>
-          </a:xfrm>
-          <a:prstGeom prst="wedgeRectCallout">
-            <a:avLst>
-              <a:gd name="adj1" fmla="val -69674"/>
-              <a:gd name="adj2" fmla="val -39002"/>
-            </a:avLst>
-          </a:prstGeom>
-          <a:solidFill>
-            <a:schemeClr val="bg1"/>
-          </a:solidFill>
-          <a:ln>
-            <a:solidFill>
-              <a:schemeClr val="tx1"/>
-            </a:solidFill>
-          </a:ln>
-        </p:spPr>
-        <p:style>
-          <a:lnRef idx="2">
-            <a:schemeClr val="accent1">
-              <a:shade val="50000"/>
-            </a:schemeClr>
-          </a:lnRef>
-          <a:fillRef idx="1">
-            <a:schemeClr val="accent1"/>
-          </a:fillRef>
-          <a:effectRef idx="0">
-            <a:schemeClr val="accent1"/>
-          </a:effectRef>
-          <a:fontRef idx="minor">
-            <a:schemeClr val="lt1"/>
-          </a:fontRef>
-        </p:style>
-        <p:txBody>
-          <a:bodyPr lIns="305519" tIns="152760" rIns="305519" bIns="152760" spcCol="0" rtlCol="0" anchor="ctr"/>
-          <a:lstStyle/>
-          <a:p>
-            <a:pPr algn="ctr"/>
-            <a:r>
-              <a:rPr lang="ja-JP" altLang="en-US" sz="5300" dirty="0">
-                <a:solidFill>
-                  <a:schemeClr val="tx1"/>
-                </a:solidFill>
-              </a:rPr>
-              <a:t>クラウドにあるビッグデータを</a:t>
-            </a:r>
-            <a:r>
-              <a:rPr lang="en-US" altLang="ja-JP" sz="5300" dirty="0">
-                <a:solidFill>
-                  <a:schemeClr val="tx1"/>
-                </a:solidFill>
-              </a:rPr>
-              <a:t>SQL</a:t>
-            </a:r>
-            <a:r>
-              <a:rPr lang="ja-JP" altLang="en-US" sz="5300" dirty="0">
-                <a:solidFill>
-                  <a:schemeClr val="tx1"/>
-                </a:solidFill>
-              </a:rPr>
-              <a:t>を利用し分析</a:t>
-            </a:r>
-          </a:p>
-        </p:txBody>
-      </p:sp>
+            </a:ln>
+          </p:spPr>
+          <p:style>
+            <a:lnRef idx="2">
+              <a:schemeClr val="accent1">
+                <a:shade val="50000"/>
+              </a:schemeClr>
+            </a:lnRef>
+            <a:fillRef idx="1">
+              <a:schemeClr val="accent1"/>
+            </a:fillRef>
+            <a:effectRef idx="0">
+              <a:schemeClr val="accent1"/>
+            </a:effectRef>
+            <a:fontRef idx="minor">
+              <a:schemeClr val="lt1"/>
+            </a:fontRef>
+          </p:style>
+          <p:txBody>
+            <a:bodyPr lIns="305519" tIns="152760" rIns="305519" bIns="152760" spcCol="0" rtlCol="0" anchor="ctr"/>
+            <a:lstStyle/>
+            <a:p>
+              <a:pPr algn="ctr"/>
+              <a:r>
+                <a:rPr lang="ja-JP" altLang="en-US" sz="4000" dirty="0">
+                  <a:solidFill>
+                    <a:schemeClr val="tx1"/>
+                  </a:solidFill>
+                </a:rPr>
+                <a:t>クラウドにあるビッグデータを</a:t>
+              </a:r>
+              <a:r>
+                <a:rPr lang="en-US" altLang="ja-JP" sz="4000" dirty="0">
+                  <a:solidFill>
+                    <a:schemeClr val="tx1"/>
+                  </a:solidFill>
+                </a:rPr>
+                <a:t>SQL</a:t>
+              </a:r>
+              <a:r>
+                <a:rPr lang="ja-JP" altLang="en-US" sz="4000" dirty="0">
+                  <a:solidFill>
+                    <a:schemeClr val="tx1"/>
+                  </a:solidFill>
+                </a:rPr>
+                <a:t>を利用し分析</a:t>
+              </a:r>
+            </a:p>
+          </p:txBody>
+        </p:sp>
+      </p:grpSp>
       <p:graphicFrame>
         <p:nvGraphicFramePr>
           <p:cNvPr id="28" name="グラフ 27"/>
@@ -8124,6 +7915,603 @@
           </a:graphicData>
         </a:graphic>
       </p:graphicFrame>
+      <p:grpSp>
+        <p:nvGrpSpPr>
+          <p:cNvPr id="30" name="グループ化 29"/>
+          <p:cNvGrpSpPr/>
+          <p:nvPr/>
+        </p:nvGrpSpPr>
+        <p:grpSpPr>
+          <a:xfrm>
+            <a:off x="4326264" y="162323"/>
+            <a:ext cx="16898766" cy="8053006"/>
+            <a:chOff x="3944917" y="162323"/>
+            <a:chExt cx="17302724" cy="8053006"/>
+          </a:xfrm>
+        </p:grpSpPr>
+        <p:sp>
+          <p:nvSpPr>
+            <p:cNvPr id="25" name="角丸四角形 24"/>
+            <p:cNvSpPr/>
+            <p:nvPr/>
+          </p:nvSpPr>
+          <p:spPr>
+            <a:xfrm>
+              <a:off x="4181211" y="882403"/>
+              <a:ext cx="7448293" cy="6264696"/>
+            </a:xfrm>
+            <a:prstGeom prst="roundRect">
+              <a:avLst/>
+            </a:prstGeom>
+            <a:noFill/>
+            <a:ln>
+              <a:solidFill>
+                <a:schemeClr val="tx1"/>
+              </a:solidFill>
+            </a:ln>
+          </p:spPr>
+          <p:style>
+            <a:lnRef idx="2">
+              <a:schemeClr val="accent1">
+                <a:shade val="50000"/>
+              </a:schemeClr>
+            </a:lnRef>
+            <a:fillRef idx="1">
+              <a:schemeClr val="accent1"/>
+            </a:fillRef>
+            <a:effectRef idx="0">
+              <a:schemeClr val="accent1"/>
+            </a:effectRef>
+            <a:fontRef idx="minor">
+              <a:schemeClr val="lt1"/>
+            </a:fontRef>
+          </p:style>
+          <p:txBody>
+            <a:bodyPr rtlCol="0" anchor="ctr"/>
+            <a:lstStyle/>
+            <a:p>
+              <a:pPr algn="ctr"/>
+              <a:endParaRPr kumimoji="1" lang="ja-JP" altLang="en-US">
+                <a:solidFill>
+                  <a:schemeClr val="tx1"/>
+                </a:solidFill>
+              </a:endParaRPr>
+            </a:p>
+          </p:txBody>
+        </p:sp>
+        <p:sp>
+          <p:nvSpPr>
+            <p:cNvPr id="12" name="雲 11"/>
+            <p:cNvSpPr/>
+            <p:nvPr/>
+          </p:nvSpPr>
+          <p:spPr>
+            <a:xfrm>
+              <a:off x="5015839" y="162323"/>
+              <a:ext cx="5306450" cy="2232248"/>
+            </a:xfrm>
+            <a:prstGeom prst="cloud">
+              <a:avLst/>
+            </a:prstGeom>
+            <a:solidFill>
+              <a:schemeClr val="bg1"/>
+            </a:solidFill>
+            <a:ln>
+              <a:solidFill>
+                <a:schemeClr val="tx1"/>
+              </a:solidFill>
+            </a:ln>
+          </p:spPr>
+          <p:style>
+            <a:lnRef idx="2">
+              <a:schemeClr val="accent1">
+                <a:shade val="50000"/>
+              </a:schemeClr>
+            </a:lnRef>
+            <a:fillRef idx="1">
+              <a:schemeClr val="accent1"/>
+            </a:fillRef>
+            <a:effectRef idx="0">
+              <a:schemeClr val="accent1"/>
+            </a:effectRef>
+            <a:fontRef idx="minor">
+              <a:schemeClr val="lt1"/>
+            </a:fontRef>
+          </p:style>
+          <p:txBody>
+            <a:bodyPr rtlCol="0" anchor="ctr"/>
+            <a:lstStyle/>
+            <a:p>
+              <a:pPr algn="ctr"/>
+              <a:r>
+                <a:rPr kumimoji="1" lang="en-US" altLang="ja-JP" dirty="0" err="1" smtClean="0">
+                  <a:solidFill>
+                    <a:schemeClr val="tx1"/>
+                  </a:solidFill>
+                </a:rPr>
+                <a:t>GitHub</a:t>
+              </a:r>
+              <a:endParaRPr kumimoji="1" lang="ja-JP" altLang="en-US" dirty="0">
+                <a:solidFill>
+                  <a:schemeClr val="tx1"/>
+                </a:solidFill>
+              </a:endParaRPr>
+            </a:p>
+          </p:txBody>
+        </p:sp>
+        <p:sp>
+          <p:nvSpPr>
+            <p:cNvPr id="13" name="下矢印 12"/>
+            <p:cNvSpPr/>
+            <p:nvPr/>
+          </p:nvSpPr>
+          <p:spPr>
+            <a:xfrm>
+              <a:off x="5331071" y="2670107"/>
+              <a:ext cx="5148572" cy="2592288"/>
+            </a:xfrm>
+            <a:prstGeom prst="downArrow">
+              <a:avLst/>
+            </a:prstGeom>
+            <a:solidFill>
+              <a:schemeClr val="bg1"/>
+            </a:solidFill>
+            <a:ln>
+              <a:solidFill>
+                <a:schemeClr val="tx1"/>
+              </a:solidFill>
+            </a:ln>
+          </p:spPr>
+          <p:style>
+            <a:lnRef idx="2">
+              <a:schemeClr val="accent1">
+                <a:shade val="50000"/>
+              </a:schemeClr>
+            </a:lnRef>
+            <a:fillRef idx="1">
+              <a:schemeClr val="accent1"/>
+            </a:fillRef>
+            <a:effectRef idx="0">
+              <a:schemeClr val="accent1"/>
+            </a:effectRef>
+            <a:fontRef idx="minor">
+              <a:schemeClr val="lt1"/>
+            </a:fontRef>
+          </p:style>
+          <p:txBody>
+            <a:bodyPr rtlCol="0" anchor="ctr"/>
+            <a:lstStyle/>
+            <a:p>
+              <a:pPr algn="ctr"/>
+              <a:r>
+                <a:rPr lang="ja-JP" altLang="en-US" dirty="0" smtClean="0">
+                  <a:solidFill>
+                    <a:schemeClr val="tx1"/>
+                  </a:solidFill>
+                </a:rPr>
+                <a:t>ビッグ</a:t>
+              </a:r>
+              <a:endParaRPr lang="en-US" altLang="ja-JP" dirty="0" smtClean="0">
+                <a:solidFill>
+                  <a:schemeClr val="tx1"/>
+                </a:solidFill>
+              </a:endParaRPr>
+            </a:p>
+            <a:p>
+              <a:pPr algn="ctr"/>
+              <a:r>
+                <a:rPr kumimoji="1" lang="ja-JP" altLang="en-US" dirty="0">
+                  <a:solidFill>
+                    <a:schemeClr val="tx1"/>
+                  </a:solidFill>
+                </a:rPr>
+                <a:t>データ</a:t>
+              </a:r>
+              <a:endParaRPr kumimoji="1" lang="en-US" altLang="ja-JP" dirty="0" smtClean="0">
+                <a:solidFill>
+                  <a:schemeClr val="tx1"/>
+                </a:solidFill>
+              </a:endParaRPr>
+            </a:p>
+          </p:txBody>
+        </p:sp>
+        <p:sp>
+          <p:nvSpPr>
+            <p:cNvPr id="15" name="円/楕円 14"/>
+            <p:cNvSpPr/>
+            <p:nvPr/>
+          </p:nvSpPr>
+          <p:spPr>
+            <a:xfrm>
+              <a:off x="3944917" y="5479025"/>
+              <a:ext cx="7920880" cy="2736304"/>
+            </a:xfrm>
+            <a:prstGeom prst="ellipse">
+              <a:avLst/>
+            </a:prstGeom>
+            <a:solidFill>
+              <a:schemeClr val="accent3">
+                <a:lumMod val="20000"/>
+                <a:lumOff val="80000"/>
+              </a:schemeClr>
+            </a:solidFill>
+            <a:ln>
+              <a:solidFill>
+                <a:schemeClr val="tx1"/>
+              </a:solidFill>
+            </a:ln>
+          </p:spPr>
+          <p:style>
+            <a:lnRef idx="2">
+              <a:schemeClr val="accent1">
+                <a:shade val="50000"/>
+              </a:schemeClr>
+            </a:lnRef>
+            <a:fillRef idx="1">
+              <a:schemeClr val="accent1"/>
+            </a:fillRef>
+            <a:effectRef idx="0">
+              <a:schemeClr val="accent1"/>
+            </a:effectRef>
+            <a:fontRef idx="minor">
+              <a:schemeClr val="lt1"/>
+            </a:fontRef>
+          </p:style>
+          <p:txBody>
+            <a:bodyPr rtlCol="0" anchor="ctr"/>
+            <a:lstStyle/>
+            <a:p>
+              <a:pPr algn="ctr"/>
+              <a:r>
+                <a:rPr kumimoji="1" lang="ja-JP" altLang="en-US" b="1" dirty="0" smtClean="0">
+                  <a:solidFill>
+                    <a:schemeClr val="tx1"/>
+                  </a:solidFill>
+                </a:rPr>
+                <a:t>取得・解析</a:t>
+              </a:r>
+              <a:endParaRPr kumimoji="1" lang="ja-JP" altLang="en-US" b="1" dirty="0">
+                <a:solidFill>
+                  <a:schemeClr val="tx1"/>
+                </a:solidFill>
+              </a:endParaRPr>
+            </a:p>
+          </p:txBody>
+        </p:sp>
+        <p:sp>
+          <p:nvSpPr>
+            <p:cNvPr id="29" name="円形吹き出し 28"/>
+            <p:cNvSpPr/>
+            <p:nvPr/>
+          </p:nvSpPr>
+          <p:spPr>
+            <a:xfrm>
+              <a:off x="12223785" y="1002664"/>
+              <a:ext cx="9023856" cy="3952594"/>
+            </a:xfrm>
+            <a:prstGeom prst="wedgeEllipseCallout">
+              <a:avLst>
+                <a:gd name="adj1" fmla="val -54890"/>
+                <a:gd name="adj2" fmla="val 61588"/>
+              </a:avLst>
+            </a:prstGeom>
+            <a:solidFill>
+              <a:schemeClr val="bg1"/>
+            </a:solidFill>
+            <a:ln>
+              <a:solidFill>
+                <a:schemeClr val="tx1"/>
+              </a:solidFill>
+            </a:ln>
+          </p:spPr>
+          <p:style>
+            <a:lnRef idx="2">
+              <a:schemeClr val="accent1">
+                <a:shade val="50000"/>
+              </a:schemeClr>
+            </a:lnRef>
+            <a:fillRef idx="1">
+              <a:schemeClr val="accent1"/>
+            </a:fillRef>
+            <a:effectRef idx="0">
+              <a:schemeClr val="accent1"/>
+            </a:effectRef>
+            <a:fontRef idx="minor">
+              <a:schemeClr val="lt1"/>
+            </a:fontRef>
+          </p:style>
+          <p:txBody>
+            <a:bodyPr rtlCol="0" anchor="ctr"/>
+            <a:lstStyle/>
+            <a:p>
+              <a:pPr algn="ctr"/>
+              <a:r>
+                <a:rPr lang="ja-JP" altLang="en-US" dirty="0">
+                  <a:solidFill>
+                    <a:schemeClr val="tx1"/>
+                  </a:solidFill>
+                </a:rPr>
+                <a:t>ソフトウェア</a:t>
+              </a:r>
+              <a:r>
+                <a:rPr lang="ja-JP" altLang="en-US" dirty="0" smtClean="0">
+                  <a:solidFill>
+                    <a:schemeClr val="tx1"/>
+                  </a:solidFill>
+                </a:rPr>
+                <a:t>開発の実態を調査</a:t>
+              </a:r>
+              <a:endParaRPr kumimoji="1" lang="ja-JP" altLang="en-US" dirty="0">
+                <a:solidFill>
+                  <a:schemeClr val="tx1"/>
+                </a:solidFill>
+              </a:endParaRPr>
+            </a:p>
+          </p:txBody>
+        </p:sp>
+      </p:grpSp>
+      <p:grpSp>
+        <p:nvGrpSpPr>
+          <p:cNvPr id="32" name="グループ化 31"/>
+          <p:cNvGrpSpPr/>
+          <p:nvPr/>
+        </p:nvGrpSpPr>
+        <p:grpSpPr>
+          <a:xfrm>
+            <a:off x="383525" y="10531475"/>
+            <a:ext cx="12028324" cy="3221446"/>
+            <a:chOff x="1700808" y="251520"/>
+            <a:chExt cx="4680520" cy="1476164"/>
+          </a:xfrm>
+        </p:grpSpPr>
+        <p:sp>
+          <p:nvSpPr>
+            <p:cNvPr id="33" name="角丸四角形 32"/>
+            <p:cNvSpPr/>
+            <p:nvPr/>
+          </p:nvSpPr>
+          <p:spPr>
+            <a:xfrm>
+              <a:off x="1700808" y="251520"/>
+              <a:ext cx="4680520" cy="612068"/>
+            </a:xfrm>
+            <a:prstGeom prst="roundRect">
+              <a:avLst/>
+            </a:prstGeom>
+            <a:solidFill>
+              <a:schemeClr val="accent1">
+                <a:lumMod val="60000"/>
+                <a:lumOff val="40000"/>
+              </a:schemeClr>
+            </a:solidFill>
+            <a:ln>
+              <a:solidFill>
+                <a:schemeClr val="tx1"/>
+              </a:solidFill>
+            </a:ln>
+          </p:spPr>
+          <p:style>
+            <a:lnRef idx="2">
+              <a:schemeClr val="accent1">
+                <a:shade val="50000"/>
+              </a:schemeClr>
+            </a:lnRef>
+            <a:fillRef idx="1">
+              <a:schemeClr val="accent1"/>
+            </a:fillRef>
+            <a:effectRef idx="0">
+              <a:schemeClr val="accent1"/>
+            </a:effectRef>
+            <a:fontRef idx="minor">
+              <a:schemeClr val="lt1"/>
+            </a:fontRef>
+          </p:style>
+          <p:txBody>
+            <a:bodyPr rtlCol="0" anchor="ctr"/>
+            <a:lstStyle/>
+            <a:p>
+              <a:r>
+                <a:rPr lang="en-US" altLang="ja-JP" sz="3200" dirty="0">
+                  <a:solidFill>
+                    <a:schemeClr val="tx1"/>
+                  </a:solidFill>
+                </a:rPr>
+                <a:t>1.GitHub</a:t>
+              </a:r>
+              <a:r>
+                <a:rPr lang="ja-JP" altLang="en-US" sz="3200" dirty="0">
+                  <a:solidFill>
+                    <a:schemeClr val="tx1"/>
+                  </a:solidFill>
+                </a:rPr>
+                <a:t>の大量データを利用できるようにする</a:t>
+              </a:r>
+              <a:endParaRPr lang="en-US" altLang="ja-JP" sz="3200" dirty="0">
+                <a:solidFill>
+                  <a:schemeClr val="tx1"/>
+                </a:solidFill>
+              </a:endParaRPr>
+            </a:p>
+            <a:p>
+              <a:r>
+                <a:rPr lang="ja-JP" altLang="en-US" sz="3200" dirty="0">
+                  <a:solidFill>
+                    <a:schemeClr val="tx1"/>
+                  </a:solidFill>
+                </a:rPr>
+                <a:t>　</a:t>
+              </a:r>
+              <a:r>
+                <a:rPr lang="en-US" altLang="ja-JP" sz="3200" dirty="0">
+                  <a:solidFill>
+                    <a:schemeClr val="tx1"/>
+                  </a:solidFill>
+                </a:rPr>
+                <a:t>(</a:t>
+              </a:r>
+              <a:r>
+                <a:rPr lang="en-US" altLang="ja-JP" sz="3200" dirty="0" err="1">
+                  <a:solidFill>
+                    <a:schemeClr val="tx1"/>
+                  </a:solidFill>
+                </a:rPr>
+                <a:t>GitHub</a:t>
+              </a:r>
+              <a:r>
+                <a:rPr lang="en-US" altLang="ja-JP" sz="3200" dirty="0">
+                  <a:solidFill>
+                    <a:schemeClr val="tx1"/>
+                  </a:solidFill>
+                </a:rPr>
+                <a:t> Archive</a:t>
+              </a:r>
+              <a:r>
+                <a:rPr lang="ja-JP" altLang="en-US" sz="3200" dirty="0">
+                  <a:solidFill>
+                    <a:schemeClr val="tx1"/>
+                  </a:solidFill>
+                </a:rPr>
+                <a:t>も活用する</a:t>
+              </a:r>
+              <a:r>
+                <a:rPr lang="en-US" altLang="ja-JP" sz="3200" dirty="0">
+                  <a:solidFill>
+                    <a:schemeClr val="tx1"/>
+                  </a:solidFill>
+                </a:rPr>
+                <a:t>)</a:t>
+              </a:r>
+            </a:p>
+          </p:txBody>
+        </p:sp>
+        <p:sp>
+          <p:nvSpPr>
+            <p:cNvPr id="34" name="角丸四角形 33"/>
+            <p:cNvSpPr/>
+            <p:nvPr/>
+          </p:nvSpPr>
+          <p:spPr>
+            <a:xfrm>
+              <a:off x="1700808" y="899592"/>
+              <a:ext cx="4608512" cy="396044"/>
+            </a:xfrm>
+            <a:prstGeom prst="roundRect">
+              <a:avLst/>
+            </a:prstGeom>
+            <a:solidFill>
+              <a:schemeClr val="accent1">
+                <a:lumMod val="60000"/>
+                <a:lumOff val="40000"/>
+              </a:schemeClr>
+            </a:solidFill>
+            <a:ln>
+              <a:solidFill>
+                <a:schemeClr val="tx1"/>
+              </a:solidFill>
+            </a:ln>
+          </p:spPr>
+          <p:style>
+            <a:lnRef idx="2">
+              <a:schemeClr val="accent1">
+                <a:shade val="50000"/>
+              </a:schemeClr>
+            </a:lnRef>
+            <a:fillRef idx="1">
+              <a:schemeClr val="accent1"/>
+            </a:fillRef>
+            <a:effectRef idx="0">
+              <a:schemeClr val="accent1"/>
+            </a:effectRef>
+            <a:fontRef idx="minor">
+              <a:schemeClr val="lt1"/>
+            </a:fontRef>
+          </p:style>
+          <p:txBody>
+            <a:bodyPr rtlCol="0" anchor="ctr"/>
+            <a:lstStyle/>
+            <a:p>
+              <a:r>
+                <a:rPr lang="en-US" altLang="ja-JP" sz="3200" dirty="0">
+                  <a:solidFill>
+                    <a:schemeClr val="tx1"/>
+                  </a:solidFill>
+                </a:rPr>
+                <a:t>2.</a:t>
+              </a:r>
+              <a:r>
+                <a:rPr lang="ja-JP" altLang="en-US" sz="3200" dirty="0">
+                  <a:solidFill>
+                    <a:schemeClr val="tx1"/>
+                  </a:solidFill>
+                </a:rPr>
+                <a:t>例としてプログラミング言語の統計を取ってみる</a:t>
+              </a:r>
+            </a:p>
+          </p:txBody>
+        </p:sp>
+        <p:sp>
+          <p:nvSpPr>
+            <p:cNvPr id="35" name="角丸四角形 34"/>
+            <p:cNvSpPr/>
+            <p:nvPr/>
+          </p:nvSpPr>
+          <p:spPr>
+            <a:xfrm>
+              <a:off x="1700808" y="1331640"/>
+              <a:ext cx="4608512" cy="396044"/>
+            </a:xfrm>
+            <a:prstGeom prst="roundRect">
+              <a:avLst/>
+            </a:prstGeom>
+            <a:solidFill>
+              <a:schemeClr val="bg1"/>
+            </a:solidFill>
+            <a:ln>
+              <a:solidFill>
+                <a:schemeClr val="tx1"/>
+              </a:solidFill>
+            </a:ln>
+          </p:spPr>
+          <p:style>
+            <a:lnRef idx="2">
+              <a:schemeClr val="accent1">
+                <a:shade val="50000"/>
+              </a:schemeClr>
+            </a:lnRef>
+            <a:fillRef idx="1">
+              <a:schemeClr val="accent1"/>
+            </a:fillRef>
+            <a:effectRef idx="0">
+              <a:schemeClr val="accent1"/>
+            </a:effectRef>
+            <a:fontRef idx="minor">
+              <a:schemeClr val="lt1"/>
+            </a:fontRef>
+          </p:style>
+          <p:txBody>
+            <a:bodyPr rtlCol="0" anchor="ctr"/>
+            <a:lstStyle/>
+            <a:p>
+              <a:r>
+                <a:rPr lang="en-US" altLang="ja-JP" sz="3200" dirty="0">
+                  <a:solidFill>
+                    <a:schemeClr val="tx1"/>
+                  </a:solidFill>
+                </a:rPr>
+                <a:t>3.</a:t>
+              </a:r>
+              <a:r>
+                <a:rPr lang="ja-JP" altLang="en-US" sz="3200" dirty="0">
+                  <a:solidFill>
+                    <a:schemeClr val="tx1"/>
+                  </a:solidFill>
+                </a:rPr>
+                <a:t>矢吹研でサンプル調査しているものの規模を拡大してみる</a:t>
+              </a:r>
+            </a:p>
+          </p:txBody>
+        </p:sp>
+      </p:grpSp>
     </p:spTree>
     <p:extLst>
       <p:ext uri="{BB962C8B-B14F-4D97-AF65-F5344CB8AC3E}">

--- a/課題研究/2013/小池由也/ポスター.pptx
+++ b/課題研究/2013/小池由也/ポスター.pptx
@@ -304,11 +304,11 @@
           <c:showBubbleSize val="0"/>
         </c:dLbls>
         <c:gapWidth val="75"/>
-        <c:axId val="88136320"/>
-        <c:axId val="111153152"/>
+        <c:axId val="106599936"/>
+        <c:axId val="109252992"/>
       </c:barChart>
       <c:catAx>
-        <c:axId val="88136320"/>
+        <c:axId val="106599936"/>
         <c:scaling>
           <c:orientation val="minMax"/>
         </c:scaling>
@@ -327,7 +327,7 @@
             <a:endParaRPr lang="ja-JP"/>
           </a:p>
         </c:txPr>
-        <c:crossAx val="111153152"/>
+        <c:crossAx val="109252992"/>
         <c:crosses val="autoZero"/>
         <c:auto val="1"/>
         <c:lblAlgn val="ctr"/>
@@ -335,7 +335,7 @@
         <c:noMultiLvlLbl val="0"/>
       </c:catAx>
       <c:valAx>
-        <c:axId val="111153152"/>
+        <c:axId val="109252992"/>
         <c:scaling>
           <c:orientation val="minMax"/>
           <c:max val="400000"/>
@@ -357,7 +357,7 @@
             <a:endParaRPr lang="ja-JP"/>
           </a:p>
         </c:txPr>
-        <c:crossAx val="88136320"/>
+        <c:crossAx val="106599936"/>
         <c:crosses val="autoZero"/>
         <c:crossBetween val="between"/>
         <c:majorUnit val="100000"/>
@@ -5857,14 +5857,14 @@
             <a:p>
               <a:pPr algn="ctr"/>
               <a:r>
-                <a:rPr kumimoji="1" lang="ja-JP" altLang="en-US" dirty="0" smtClean="0">
+                <a:rPr kumimoji="1" lang="ja-JP" altLang="en-US" sz="4800" dirty="0" smtClean="0">
                   <a:solidFill>
                     <a:schemeClr val="tx1"/>
                   </a:solidFill>
                 </a:rPr>
                 <a:t>リアル</a:t>
               </a:r>
-              <a:endParaRPr kumimoji="1" lang="en-US" altLang="ja-JP" dirty="0" smtClean="0">
+              <a:endParaRPr kumimoji="1" lang="en-US" altLang="ja-JP" sz="4800" dirty="0" smtClean="0">
                 <a:solidFill>
                   <a:schemeClr val="tx1"/>
                 </a:solidFill>
@@ -5873,14 +5873,14 @@
             <a:p>
               <a:pPr algn="ctr"/>
               <a:r>
-                <a:rPr kumimoji="1" lang="ja-JP" altLang="en-US" dirty="0" smtClean="0">
+                <a:rPr kumimoji="1" lang="ja-JP" altLang="en-US" sz="4800" dirty="0" smtClean="0">
                   <a:solidFill>
                     <a:schemeClr val="tx1"/>
                   </a:solidFill>
                 </a:rPr>
                 <a:t>タイム！</a:t>
               </a:r>
-              <a:endParaRPr kumimoji="1" lang="ja-JP" altLang="en-US" dirty="0">
+              <a:endParaRPr kumimoji="1" lang="ja-JP" altLang="en-US" sz="4800" dirty="0">
                 <a:solidFill>
                   <a:schemeClr val="tx1"/>
                 </a:solidFill>
@@ -7915,6 +7915,56 @@
           </a:graphicData>
         </a:graphic>
       </p:graphicFrame>
+      <p:sp>
+        <p:nvSpPr>
+          <p:cNvPr id="3" name="円/楕円 2"/>
+          <p:cNvSpPr/>
+          <p:nvPr/>
+        </p:nvSpPr>
+        <p:spPr>
+          <a:xfrm>
+            <a:off x="2052440" y="9894054"/>
+            <a:ext cx="8136904" cy="3517741"/>
+          </a:xfrm>
+          <a:prstGeom prst="ellipse">
+            <a:avLst/>
+          </a:prstGeom>
+          <a:noFill/>
+          <a:ln w="76200">
+            <a:solidFill>
+              <a:schemeClr val="tx1"/>
+            </a:solidFill>
+          </a:ln>
+        </p:spPr>
+        <p:style>
+          <a:lnRef idx="2">
+            <a:schemeClr val="accent1">
+              <a:shade val="50000"/>
+            </a:schemeClr>
+          </a:lnRef>
+          <a:fillRef idx="1">
+            <a:schemeClr val="accent1"/>
+          </a:fillRef>
+          <a:effectRef idx="0">
+            <a:schemeClr val="accent1"/>
+          </a:effectRef>
+          <a:fontRef idx="minor">
+            <a:schemeClr val="lt1"/>
+          </a:fontRef>
+        </p:style>
+        <p:txBody>
+          <a:bodyPr rtlCol="0" anchor="ctr"/>
+          <a:lstStyle/>
+          <a:p>
+            <a:pPr algn="ctr"/>
+            <a:endParaRPr kumimoji="1" lang="ja-JP" altLang="en-US" dirty="0">
+              <a:solidFill>
+                <a:schemeClr val="tx1"/>
+              </a:solidFill>
+            </a:endParaRPr>
+          </a:p>
+        </p:txBody>
+      </p:sp>
       <p:grpSp>
         <p:nvGrpSpPr>
           <p:cNvPr id="30" name="グループ化 29"/>
@@ -8259,9 +8309,9 @@
         <p:grpSpPr>
           <a:xfrm>
             <a:off x="383525" y="10531475"/>
-            <a:ext cx="12028324" cy="3221446"/>
+            <a:ext cx="12028324" cy="4085736"/>
             <a:chOff x="1700808" y="251520"/>
-            <a:chExt cx="4680520" cy="1476164"/>
+            <a:chExt cx="4680520" cy="1872208"/>
           </a:xfrm>
         </p:grpSpPr>
         <p:sp>
@@ -8457,7 +8507,7 @@
           </p:nvSpPr>
           <p:spPr>
             <a:xfrm>
-              <a:off x="1700808" y="1331640"/>
+              <a:off x="1700808" y="1727684"/>
               <a:ext cx="4608512" cy="396044"/>
             </a:xfrm>
             <a:prstGeom prst="roundRect">
@@ -8512,6 +8562,66 @@
           </p:txBody>
         </p:sp>
       </p:grpSp>
+      <p:sp>
+        <p:nvSpPr>
+          <p:cNvPr id="4" name="角丸四角形 3"/>
+          <p:cNvSpPr/>
+          <p:nvPr/>
+        </p:nvSpPr>
+        <p:spPr>
+          <a:xfrm>
+            <a:off x="4688843" y="9307339"/>
+            <a:ext cx="2864098" cy="936104"/>
+          </a:xfrm>
+          <a:prstGeom prst="roundRect">
+            <a:avLst/>
+          </a:prstGeom>
+          <a:solidFill>
+            <a:schemeClr val="bg1"/>
+          </a:solidFill>
+          <a:ln>
+            <a:solidFill>
+              <a:schemeClr val="tx1"/>
+            </a:solidFill>
+          </a:ln>
+        </p:spPr>
+        <p:style>
+          <a:lnRef idx="2">
+            <a:schemeClr val="accent1">
+              <a:shade val="50000"/>
+            </a:schemeClr>
+          </a:lnRef>
+          <a:fillRef idx="1">
+            <a:schemeClr val="accent1"/>
+          </a:fillRef>
+          <a:effectRef idx="0">
+            <a:schemeClr val="accent1"/>
+          </a:effectRef>
+          <a:fontRef idx="minor">
+            <a:schemeClr val="lt1"/>
+          </a:fontRef>
+        </p:style>
+        <p:txBody>
+          <a:bodyPr rtlCol="0" anchor="ctr"/>
+          <a:lstStyle/>
+          <a:p>
+            <a:pPr algn="ctr"/>
+            <a:r>
+              <a:rPr kumimoji="1" lang="ja-JP" altLang="en-US" dirty="0" smtClean="0">
+                <a:solidFill>
+                  <a:schemeClr val="tx1"/>
+                </a:solidFill>
+              </a:rPr>
+              <a:t>完了</a:t>
+            </a:r>
+            <a:endParaRPr kumimoji="1" lang="ja-JP" altLang="en-US" dirty="0">
+              <a:solidFill>
+                <a:schemeClr val="tx1"/>
+              </a:solidFill>
+            </a:endParaRPr>
+          </a:p>
+        </p:txBody>
+      </p:sp>
     </p:spTree>
     <p:extLst>
       <p:ext uri="{BB962C8B-B14F-4D97-AF65-F5344CB8AC3E}">

--- a/課題研究/2013/小池由也/ポスター.pptx
+++ b/課題研究/2013/小池由也/ポスター.pptx
@@ -304,11 +304,11 @@
           <c:showBubbleSize val="0"/>
         </c:dLbls>
         <c:gapWidth val="75"/>
-        <c:axId val="106599936"/>
-        <c:axId val="109252992"/>
+        <c:axId val="96965760"/>
+        <c:axId val="99880960"/>
       </c:barChart>
       <c:catAx>
-        <c:axId val="106599936"/>
+        <c:axId val="96965760"/>
         <c:scaling>
           <c:orientation val="minMax"/>
         </c:scaling>
@@ -327,7 +327,7 @@
             <a:endParaRPr lang="ja-JP"/>
           </a:p>
         </c:txPr>
-        <c:crossAx val="109252992"/>
+        <c:crossAx val="99880960"/>
         <c:crosses val="autoZero"/>
         <c:auto val="1"/>
         <c:lblAlgn val="ctr"/>
@@ -335,7 +335,7 @@
         <c:noMultiLvlLbl val="0"/>
       </c:catAx>
       <c:valAx>
-        <c:axId val="109252992"/>
+        <c:axId val="99880960"/>
         <c:scaling>
           <c:orientation val="minMax"/>
           <c:max val="400000"/>
@@ -357,7 +357,7 @@
             <a:endParaRPr lang="ja-JP"/>
           </a:p>
         </c:txPr>
-        <c:crossAx val="106599936"/>
+        <c:crossAx val="96965760"/>
         <c:crosses val="autoZero"/>
         <c:crossBetween val="between"/>
         <c:majorUnit val="100000"/>
@@ -5435,13 +5435,18 @@
             <a:p>
               <a:pPr algn="ctr"/>
               <a:r>
-                <a:rPr lang="ja-JP" altLang="en-US" sz="4700" b="1" dirty="0">
+                <a:rPr lang="ja-JP" altLang="en-US" sz="4700" b="1" dirty="0" smtClean="0">
                   <a:solidFill>
                     <a:schemeClr val="tx1"/>
                   </a:solidFill>
                 </a:rPr>
-                <a:t>テスト駆動開発の実態調査</a:t>
+                <a:t>開発者の行動特性調査</a:t>
               </a:r>
+              <a:endParaRPr lang="ja-JP" altLang="en-US" sz="4700" b="1" dirty="0">
+                <a:solidFill>
+                  <a:schemeClr val="tx1"/>
+                </a:solidFill>
+              </a:endParaRPr>
             </a:p>
           </p:txBody>
         </p:sp>
@@ -5495,7 +5500,23 @@
                     <a:schemeClr val="tx1"/>
                   </a:solidFill>
                 </a:rPr>
-                <a:t>テスト駆動開発の実態調査</a:t>
+                <a:t>チケット</a:t>
+              </a:r>
+              <a:r>
+                <a:rPr lang="ja-JP" altLang="en-US" sz="4700" b="1" dirty="0" smtClean="0">
+                  <a:solidFill>
+                    <a:schemeClr val="tx1"/>
+                  </a:solidFill>
+                </a:rPr>
+                <a:t>駆動</a:t>
+              </a:r>
+              <a:r>
+                <a:rPr lang="ja-JP" altLang="en-US" sz="4700" b="1" dirty="0">
+                  <a:solidFill>
+                    <a:schemeClr val="tx1"/>
+                  </a:solidFill>
+                </a:rPr>
+                <a:t>開発の実態調査</a:t>
               </a:r>
             </a:p>
           </p:txBody>
@@ -5710,10 +5731,10 @@
         </p:nvGrpSpPr>
         <p:grpSpPr>
           <a:xfrm>
-            <a:off x="1357783" y="14995971"/>
-            <a:ext cx="18912681" cy="10692804"/>
-            <a:chOff x="812836" y="15824446"/>
-            <a:chExt cx="20210244" cy="12204973"/>
+            <a:off x="1357782" y="14995971"/>
+            <a:ext cx="18912682" cy="10692804"/>
+            <a:chOff x="812835" y="15824446"/>
+            <a:chExt cx="20210245" cy="12204973"/>
           </a:xfrm>
         </p:grpSpPr>
         <p:sp>
@@ -5896,8 +5917,8 @@
           </p:nvSpPr>
           <p:spPr>
             <a:xfrm>
-              <a:off x="812836" y="18478309"/>
-              <a:ext cx="6287632" cy="2861418"/>
+              <a:off x="812835" y="18001405"/>
+              <a:ext cx="6975132" cy="3338322"/>
             </a:xfrm>
             <a:prstGeom prst="cloud">
               <a:avLst/>
@@ -7595,10 +7616,10 @@
                     <a:schemeClr val="tx1"/>
                   </a:solidFill>
                 </a:rPr>
-                <a:t>Github</a:t>
+                <a:t>GitHub</a:t>
               </a:r>
               <a:r>
-                <a:rPr lang="ja-JP" altLang="en-US" sz="4400" dirty="0">
+                <a:rPr lang="ja-JP" altLang="en-US" sz="4400" dirty="0" smtClean="0">
                   <a:solidFill>
                     <a:schemeClr val="tx1"/>
                   </a:solidFill>
@@ -7721,7 +7742,7 @@
                     <a:schemeClr val="tx1"/>
                   </a:solidFill>
                 </a:rPr>
-                <a:t>BigQueary</a:t>
+                <a:t>BigQuery</a:t>
               </a:r>
               <a:endParaRPr kumimoji="1" lang="en-US" altLang="ja-JP" sz="4400" dirty="0" smtClean="0">
                 <a:solidFill>
@@ -7800,7 +7821,31 @@
                     <a:schemeClr val="tx1"/>
                   </a:solidFill>
                 </a:rPr>
-                <a:t>で公開されてるタイムラインをアーカイブ化</a:t>
+                <a:t>で公開されてるタイムライン</a:t>
+              </a:r>
+              <a:r>
+                <a:rPr lang="ja-JP" altLang="en-US" sz="4000" dirty="0" smtClean="0">
+                  <a:solidFill>
+                    <a:schemeClr val="tx1"/>
+                  </a:solidFill>
+                </a:rPr>
+                <a:t>を</a:t>
+              </a:r>
+              <a:endParaRPr lang="en-US" altLang="ja-JP" sz="4000" dirty="0" smtClean="0">
+                <a:solidFill>
+                  <a:schemeClr val="tx1"/>
+                </a:solidFill>
+              </a:endParaRPr>
+            </a:p>
+            <a:p>
+              <a:pPr algn="ctr"/>
+              <a:r>
+                <a:rPr lang="ja-JP" altLang="en-US" sz="4000" dirty="0" smtClean="0">
+                  <a:solidFill>
+                    <a:schemeClr val="tx1"/>
+                  </a:solidFill>
+                </a:rPr>
+                <a:t>アーカイブ化</a:t>
               </a:r>
               <a:endParaRPr lang="en-US" altLang="ja-JP" sz="4000" dirty="0">
                 <a:solidFill>
@@ -8556,7 +8601,23 @@
                     <a:schemeClr val="tx1"/>
                   </a:solidFill>
                 </a:rPr>
-                <a:t>矢吹研でサンプル調査しているものの規模を拡大してみる</a:t>
+                <a:t>矢吹研で</a:t>
+              </a:r>
+              <a:r>
+                <a:rPr lang="ja-JP" altLang="en-US" sz="3200" dirty="0" smtClean="0">
+                  <a:solidFill>
+                    <a:schemeClr val="tx1"/>
+                  </a:solidFill>
+                </a:rPr>
+                <a:t>サンプリング調査</a:t>
+              </a:r>
+              <a:r>
+                <a:rPr lang="ja-JP" altLang="en-US" sz="3200" dirty="0">
+                  <a:solidFill>
+                    <a:schemeClr val="tx1"/>
+                  </a:solidFill>
+                </a:rPr>
+                <a:t>しているものの規模を拡大してみる</a:t>
               </a:r>
             </a:p>
           </p:txBody>

--- a/課題研究/2013/小池由也/ポスター.pptx
+++ b/課題研究/2013/小池由也/ポスター.pptx
@@ -304,11 +304,11 @@
           <c:showBubbleSize val="0"/>
         </c:dLbls>
         <c:gapWidth val="75"/>
-        <c:axId val="88136320"/>
-        <c:axId val="111153152"/>
+        <c:axId val="96965760"/>
+        <c:axId val="99880960"/>
       </c:barChart>
       <c:catAx>
-        <c:axId val="88136320"/>
+        <c:axId val="96965760"/>
         <c:scaling>
           <c:orientation val="minMax"/>
         </c:scaling>
@@ -327,7 +327,7 @@
             <a:endParaRPr lang="ja-JP"/>
           </a:p>
         </c:txPr>
-        <c:crossAx val="111153152"/>
+        <c:crossAx val="99880960"/>
         <c:crosses val="autoZero"/>
         <c:auto val="1"/>
         <c:lblAlgn val="ctr"/>
@@ -335,7 +335,7 @@
         <c:noMultiLvlLbl val="0"/>
       </c:catAx>
       <c:valAx>
-        <c:axId val="111153152"/>
+        <c:axId val="99880960"/>
         <c:scaling>
           <c:orientation val="minMax"/>
           <c:max val="400000"/>
@@ -357,7 +357,7 @@
             <a:endParaRPr lang="ja-JP"/>
           </a:p>
         </c:txPr>
-        <c:crossAx val="88136320"/>
+        <c:crossAx val="96965760"/>
         <c:crosses val="autoZero"/>
         <c:crossBetween val="between"/>
         <c:majorUnit val="100000"/>
@@ -5435,13 +5435,18 @@
             <a:p>
               <a:pPr algn="ctr"/>
               <a:r>
-                <a:rPr lang="ja-JP" altLang="en-US" sz="4700" b="1" dirty="0">
+                <a:rPr lang="ja-JP" altLang="en-US" sz="4700" b="1" dirty="0" smtClean="0">
                   <a:solidFill>
                     <a:schemeClr val="tx1"/>
                   </a:solidFill>
                 </a:rPr>
-                <a:t>テスト駆動開発の実態調査</a:t>
+                <a:t>開発者の行動特性調査</a:t>
               </a:r>
+              <a:endParaRPr lang="ja-JP" altLang="en-US" sz="4700" b="1" dirty="0">
+                <a:solidFill>
+                  <a:schemeClr val="tx1"/>
+                </a:solidFill>
+              </a:endParaRPr>
             </a:p>
           </p:txBody>
         </p:sp>
@@ -5495,7 +5500,23 @@
                     <a:schemeClr val="tx1"/>
                   </a:solidFill>
                 </a:rPr>
-                <a:t>テスト駆動開発の実態調査</a:t>
+                <a:t>チケット</a:t>
+              </a:r>
+              <a:r>
+                <a:rPr lang="ja-JP" altLang="en-US" sz="4700" b="1" dirty="0" smtClean="0">
+                  <a:solidFill>
+                    <a:schemeClr val="tx1"/>
+                  </a:solidFill>
+                </a:rPr>
+                <a:t>駆動</a:t>
+              </a:r>
+              <a:r>
+                <a:rPr lang="ja-JP" altLang="en-US" sz="4700" b="1" dirty="0">
+                  <a:solidFill>
+                    <a:schemeClr val="tx1"/>
+                  </a:solidFill>
+                </a:rPr>
+                <a:t>開発の実態調査</a:t>
               </a:r>
             </a:p>
           </p:txBody>
@@ -5710,10 +5731,10 @@
         </p:nvGrpSpPr>
         <p:grpSpPr>
           <a:xfrm>
-            <a:off x="1357783" y="14995971"/>
-            <a:ext cx="18912681" cy="10692804"/>
-            <a:chOff x="812836" y="15824446"/>
-            <a:chExt cx="20210244" cy="12204973"/>
+            <a:off x="1357782" y="14995971"/>
+            <a:ext cx="18912682" cy="10692804"/>
+            <a:chOff x="812835" y="15824446"/>
+            <a:chExt cx="20210245" cy="12204973"/>
           </a:xfrm>
         </p:grpSpPr>
         <p:sp>
@@ -5857,14 +5878,14 @@
             <a:p>
               <a:pPr algn="ctr"/>
               <a:r>
-                <a:rPr kumimoji="1" lang="ja-JP" altLang="en-US" dirty="0" smtClean="0">
+                <a:rPr kumimoji="1" lang="ja-JP" altLang="en-US" sz="4800" dirty="0" smtClean="0">
                   <a:solidFill>
                     <a:schemeClr val="tx1"/>
                   </a:solidFill>
                 </a:rPr>
                 <a:t>リアル</a:t>
               </a:r>
-              <a:endParaRPr kumimoji="1" lang="en-US" altLang="ja-JP" dirty="0" smtClean="0">
+              <a:endParaRPr kumimoji="1" lang="en-US" altLang="ja-JP" sz="4800" dirty="0" smtClean="0">
                 <a:solidFill>
                   <a:schemeClr val="tx1"/>
                 </a:solidFill>
@@ -5873,14 +5894,14 @@
             <a:p>
               <a:pPr algn="ctr"/>
               <a:r>
-                <a:rPr kumimoji="1" lang="ja-JP" altLang="en-US" dirty="0" smtClean="0">
+                <a:rPr kumimoji="1" lang="ja-JP" altLang="en-US" sz="4800" dirty="0" smtClean="0">
                   <a:solidFill>
                     <a:schemeClr val="tx1"/>
                   </a:solidFill>
                 </a:rPr>
                 <a:t>タイム！</a:t>
               </a:r>
-              <a:endParaRPr kumimoji="1" lang="ja-JP" altLang="en-US" dirty="0">
+              <a:endParaRPr kumimoji="1" lang="ja-JP" altLang="en-US" sz="4800" dirty="0">
                 <a:solidFill>
                   <a:schemeClr val="tx1"/>
                 </a:solidFill>
@@ -5896,8 +5917,8 @@
           </p:nvSpPr>
           <p:spPr>
             <a:xfrm>
-              <a:off x="812836" y="18478309"/>
-              <a:ext cx="6287632" cy="2861418"/>
+              <a:off x="812835" y="18001405"/>
+              <a:ext cx="6975132" cy="3338322"/>
             </a:xfrm>
             <a:prstGeom prst="cloud">
               <a:avLst/>
@@ -7595,10 +7616,10 @@
                     <a:schemeClr val="tx1"/>
                   </a:solidFill>
                 </a:rPr>
-                <a:t>Github</a:t>
+                <a:t>GitHub</a:t>
               </a:r>
               <a:r>
-                <a:rPr lang="ja-JP" altLang="en-US" sz="4400" dirty="0">
+                <a:rPr lang="ja-JP" altLang="en-US" sz="4400" dirty="0" smtClean="0">
                   <a:solidFill>
                     <a:schemeClr val="tx1"/>
                   </a:solidFill>
@@ -7721,7 +7742,7 @@
                     <a:schemeClr val="tx1"/>
                   </a:solidFill>
                 </a:rPr>
-                <a:t>BigQueary</a:t>
+                <a:t>BigQuery</a:t>
               </a:r>
               <a:endParaRPr kumimoji="1" lang="en-US" altLang="ja-JP" sz="4400" dirty="0" smtClean="0">
                 <a:solidFill>
@@ -7800,7 +7821,31 @@
                     <a:schemeClr val="tx1"/>
                   </a:solidFill>
                 </a:rPr>
-                <a:t>で公開されてるタイムラインをアーカイブ化</a:t>
+                <a:t>で公開されてるタイムライン</a:t>
+              </a:r>
+              <a:r>
+                <a:rPr lang="ja-JP" altLang="en-US" sz="4000" dirty="0" smtClean="0">
+                  <a:solidFill>
+                    <a:schemeClr val="tx1"/>
+                  </a:solidFill>
+                </a:rPr>
+                <a:t>を</a:t>
+              </a:r>
+              <a:endParaRPr lang="en-US" altLang="ja-JP" sz="4000" dirty="0" smtClean="0">
+                <a:solidFill>
+                  <a:schemeClr val="tx1"/>
+                </a:solidFill>
+              </a:endParaRPr>
+            </a:p>
+            <a:p>
+              <a:pPr algn="ctr"/>
+              <a:r>
+                <a:rPr lang="ja-JP" altLang="en-US" sz="4000" dirty="0" smtClean="0">
+                  <a:solidFill>
+                    <a:schemeClr val="tx1"/>
+                  </a:solidFill>
+                </a:rPr>
+                <a:t>アーカイブ化</a:t>
               </a:r>
               <a:endParaRPr lang="en-US" altLang="ja-JP" sz="4000" dirty="0">
                 <a:solidFill>
@@ -7915,6 +7960,56 @@
           </a:graphicData>
         </a:graphic>
       </p:graphicFrame>
+      <p:sp>
+        <p:nvSpPr>
+          <p:cNvPr id="3" name="円/楕円 2"/>
+          <p:cNvSpPr/>
+          <p:nvPr/>
+        </p:nvSpPr>
+        <p:spPr>
+          <a:xfrm>
+            <a:off x="2052440" y="9894054"/>
+            <a:ext cx="8136904" cy="3517741"/>
+          </a:xfrm>
+          <a:prstGeom prst="ellipse">
+            <a:avLst/>
+          </a:prstGeom>
+          <a:noFill/>
+          <a:ln w="76200">
+            <a:solidFill>
+              <a:schemeClr val="tx1"/>
+            </a:solidFill>
+          </a:ln>
+        </p:spPr>
+        <p:style>
+          <a:lnRef idx="2">
+            <a:schemeClr val="accent1">
+              <a:shade val="50000"/>
+            </a:schemeClr>
+          </a:lnRef>
+          <a:fillRef idx="1">
+            <a:schemeClr val="accent1"/>
+          </a:fillRef>
+          <a:effectRef idx="0">
+            <a:schemeClr val="accent1"/>
+          </a:effectRef>
+          <a:fontRef idx="minor">
+            <a:schemeClr val="lt1"/>
+          </a:fontRef>
+        </p:style>
+        <p:txBody>
+          <a:bodyPr rtlCol="0" anchor="ctr"/>
+          <a:lstStyle/>
+          <a:p>
+            <a:pPr algn="ctr"/>
+            <a:endParaRPr kumimoji="1" lang="ja-JP" altLang="en-US" dirty="0">
+              <a:solidFill>
+                <a:schemeClr val="tx1"/>
+              </a:solidFill>
+            </a:endParaRPr>
+          </a:p>
+        </p:txBody>
+      </p:sp>
       <p:grpSp>
         <p:nvGrpSpPr>
           <p:cNvPr id="30" name="グループ化 29"/>
@@ -8259,9 +8354,9 @@
         <p:grpSpPr>
           <a:xfrm>
             <a:off x="383525" y="10531475"/>
-            <a:ext cx="12028324" cy="3221446"/>
+            <a:ext cx="12028324" cy="4085736"/>
             <a:chOff x="1700808" y="251520"/>
-            <a:chExt cx="4680520" cy="1476164"/>
+            <a:chExt cx="4680520" cy="1872208"/>
           </a:xfrm>
         </p:grpSpPr>
         <p:sp>
@@ -8457,7 +8552,7 @@
           </p:nvSpPr>
           <p:spPr>
             <a:xfrm>
-              <a:off x="1700808" y="1331640"/>
+              <a:off x="1700808" y="1727684"/>
               <a:ext cx="4608512" cy="396044"/>
             </a:xfrm>
             <a:prstGeom prst="roundRect">
@@ -8506,12 +8601,88 @@
                     <a:schemeClr val="tx1"/>
                   </a:solidFill>
                 </a:rPr>
-                <a:t>矢吹研でサンプル調査しているものの規模を拡大してみる</a:t>
+                <a:t>矢吹研で</a:t>
+              </a:r>
+              <a:r>
+                <a:rPr lang="ja-JP" altLang="en-US" sz="3200" dirty="0" smtClean="0">
+                  <a:solidFill>
+                    <a:schemeClr val="tx1"/>
+                  </a:solidFill>
+                </a:rPr>
+                <a:t>サンプリング調査</a:t>
+              </a:r>
+              <a:r>
+                <a:rPr lang="ja-JP" altLang="en-US" sz="3200" dirty="0">
+                  <a:solidFill>
+                    <a:schemeClr val="tx1"/>
+                  </a:solidFill>
+                </a:rPr>
+                <a:t>しているものの規模を拡大してみる</a:t>
               </a:r>
             </a:p>
           </p:txBody>
         </p:sp>
       </p:grpSp>
+      <p:sp>
+        <p:nvSpPr>
+          <p:cNvPr id="4" name="角丸四角形 3"/>
+          <p:cNvSpPr/>
+          <p:nvPr/>
+        </p:nvSpPr>
+        <p:spPr>
+          <a:xfrm>
+            <a:off x="4688843" y="9307339"/>
+            <a:ext cx="2864098" cy="936104"/>
+          </a:xfrm>
+          <a:prstGeom prst="roundRect">
+            <a:avLst/>
+          </a:prstGeom>
+          <a:solidFill>
+            <a:schemeClr val="bg1"/>
+          </a:solidFill>
+          <a:ln>
+            <a:solidFill>
+              <a:schemeClr val="tx1"/>
+            </a:solidFill>
+          </a:ln>
+        </p:spPr>
+        <p:style>
+          <a:lnRef idx="2">
+            <a:schemeClr val="accent1">
+              <a:shade val="50000"/>
+            </a:schemeClr>
+          </a:lnRef>
+          <a:fillRef idx="1">
+            <a:schemeClr val="accent1"/>
+          </a:fillRef>
+          <a:effectRef idx="0">
+            <a:schemeClr val="accent1"/>
+          </a:effectRef>
+          <a:fontRef idx="minor">
+            <a:schemeClr val="lt1"/>
+          </a:fontRef>
+        </p:style>
+        <p:txBody>
+          <a:bodyPr rtlCol="0" anchor="ctr"/>
+          <a:lstStyle/>
+          <a:p>
+            <a:pPr algn="ctr"/>
+            <a:r>
+              <a:rPr kumimoji="1" lang="ja-JP" altLang="en-US" dirty="0" smtClean="0">
+                <a:solidFill>
+                  <a:schemeClr val="tx1"/>
+                </a:solidFill>
+              </a:rPr>
+              <a:t>完了</a:t>
+            </a:r>
+            <a:endParaRPr kumimoji="1" lang="ja-JP" altLang="en-US" dirty="0">
+              <a:solidFill>
+                <a:schemeClr val="tx1"/>
+              </a:solidFill>
+            </a:endParaRPr>
+          </a:p>
+        </p:txBody>
+      </p:sp>
     </p:spTree>
     <p:extLst>
       <p:ext uri="{BB962C8B-B14F-4D97-AF65-F5344CB8AC3E}">
